--- a/Programming 4/07.1 Manual Scrolling Tile Map/07.1 Manual Scrolling Tile Map.pptx
+++ b/Programming 4/07.1 Manual Scrolling Tile Map/07.1 Manual Scrolling Tile Map.pptx
@@ -4,8 +4,14 @@
   <p:sldMasterIdLst>
     <p:sldMasterId id="2147483648" r:id="rId1"/>
   </p:sldMasterIdLst>
+  <p:notesMasterIdLst>
+    <p:notesMasterId r:id="rId6"/>
+  </p:notesMasterIdLst>
   <p:sldIdLst>
     <p:sldId id="256" r:id="rId2"/>
+    <p:sldId id="257" r:id="rId3"/>
+    <p:sldId id="258" r:id="rId4"/>
+    <p:sldId id="259" r:id="rId5"/>
   </p:sldIdLst>
   <p:sldSz cx="9144000" cy="6858000" type="screen4x3"/>
   <p:notesSz cx="6858000" cy="9144000"/>
@@ -106,10 +112,729 @@
   </p:defaultTextStyle>
   <p:extLst>
     <p:ext uri="{EFAFB233-063F-42B5-8137-9DF3F51BA10A}">
-      <p15:sldGuideLst xmlns:p15="http://schemas.microsoft.com/office/powerpoint/2012/main"/>
+      <p15:sldGuideLst xmlns:p15="http://schemas.microsoft.com/office/powerpoint/2012/main">
+        <p15:guide id="1" orient="horz" pos="2160">
+          <p15:clr>
+            <a:srgbClr val="A4A3A4"/>
+          </p15:clr>
+        </p15:guide>
+        <p15:guide id="2" pos="2880">
+          <p15:clr>
+            <a:srgbClr val="A4A3A4"/>
+          </p15:clr>
+        </p15:guide>
+      </p15:sldGuideLst>
     </p:ext>
   </p:extLst>
 </p:presentation>
+</file>
+
+<file path=ppt/notesMasters/notesMaster1.xml><?xml version="1.0" encoding="utf-8"?>
+<p:notesMaster xmlns:a="http://schemas.openxmlformats.org/drawingml/2006/main" xmlns:r="http://schemas.openxmlformats.org/officeDocument/2006/relationships" xmlns:p="http://schemas.openxmlformats.org/presentationml/2006/main">
+  <p:cSld>
+    <p:bg>
+      <p:bgRef idx="1001">
+        <a:schemeClr val="bg1"/>
+      </p:bgRef>
+    </p:bg>
+    <p:spTree>
+      <p:nvGrpSpPr>
+        <p:cNvPr id="1" name=""/>
+        <p:cNvGrpSpPr/>
+        <p:nvPr/>
+      </p:nvGrpSpPr>
+      <p:grpSpPr>
+        <a:xfrm>
+          <a:off x="0" y="0"/>
+          <a:ext cx="0" cy="0"/>
+          <a:chOff x="0" y="0"/>
+          <a:chExt cx="0" cy="0"/>
+        </a:xfrm>
+      </p:grpSpPr>
+      <p:sp>
+        <p:nvSpPr>
+          <p:cNvPr id="2" name="Header Placeholder 1"/>
+          <p:cNvSpPr>
+            <a:spLocks noGrp="1"/>
+          </p:cNvSpPr>
+          <p:nvPr>
+            <p:ph type="hdr" sz="quarter"/>
+          </p:nvPr>
+        </p:nvSpPr>
+        <p:spPr>
+          <a:xfrm>
+            <a:off x="0" y="0"/>
+            <a:ext cx="2971800" cy="458788"/>
+          </a:xfrm>
+          <a:prstGeom prst="rect">
+            <a:avLst/>
+          </a:prstGeom>
+        </p:spPr>
+        <p:txBody>
+          <a:bodyPr vert="horz" lIns="91440" tIns="45720" rIns="91440" bIns="45720" rtlCol="0"/>
+          <a:lstStyle>
+            <a:lvl1pPr algn="l">
+              <a:defRPr sz="1200"/>
+            </a:lvl1pPr>
+          </a:lstStyle>
+          <a:p>
+            <a:endParaRPr lang="en-US"/>
+          </a:p>
+        </p:txBody>
+      </p:sp>
+      <p:sp>
+        <p:nvSpPr>
+          <p:cNvPr id="3" name="Date Placeholder 2"/>
+          <p:cNvSpPr>
+            <a:spLocks noGrp="1"/>
+          </p:cNvSpPr>
+          <p:nvPr>
+            <p:ph type="dt" idx="1"/>
+          </p:nvPr>
+        </p:nvSpPr>
+        <p:spPr>
+          <a:xfrm>
+            <a:off x="3884613" y="0"/>
+            <a:ext cx="2971800" cy="458788"/>
+          </a:xfrm>
+          <a:prstGeom prst="rect">
+            <a:avLst/>
+          </a:prstGeom>
+        </p:spPr>
+        <p:txBody>
+          <a:bodyPr vert="horz" lIns="91440" tIns="45720" rIns="91440" bIns="45720" rtlCol="0"/>
+          <a:lstStyle>
+            <a:lvl1pPr algn="r">
+              <a:defRPr sz="1200"/>
+            </a:lvl1pPr>
+          </a:lstStyle>
+          <a:p>
+            <a:fld id="{5A5D9C48-5678-9443-958E-9EAAE3ED0F2B}" type="datetimeFigureOut">
+              <a:rPr lang="en-US" smtClean="0"/>
+              <a:t>8/30/19</a:t>
+            </a:fld>
+            <a:endParaRPr lang="en-US"/>
+          </a:p>
+        </p:txBody>
+      </p:sp>
+      <p:sp>
+        <p:nvSpPr>
+          <p:cNvPr id="4" name="Slide Image Placeholder 3"/>
+          <p:cNvSpPr>
+            <a:spLocks noGrp="1" noRot="1" noChangeAspect="1"/>
+          </p:cNvSpPr>
+          <p:nvPr>
+            <p:ph type="sldImg" idx="2"/>
+          </p:nvPr>
+        </p:nvSpPr>
+        <p:spPr>
+          <a:xfrm>
+            <a:off x="1371600" y="1143000"/>
+            <a:ext cx="4114800" cy="3086100"/>
+          </a:xfrm>
+          <a:prstGeom prst="rect">
+            <a:avLst/>
+          </a:prstGeom>
+          <a:noFill/>
+          <a:ln w="12700">
+            <a:solidFill>
+              <a:prstClr val="black"/>
+            </a:solidFill>
+          </a:ln>
+        </p:spPr>
+        <p:txBody>
+          <a:bodyPr vert="horz" lIns="91440" tIns="45720" rIns="91440" bIns="45720" rtlCol="0" anchor="ctr"/>
+          <a:lstStyle/>
+          <a:p>
+            <a:endParaRPr lang="en-US"/>
+          </a:p>
+        </p:txBody>
+      </p:sp>
+      <p:sp>
+        <p:nvSpPr>
+          <p:cNvPr id="5" name="Notes Placeholder 4"/>
+          <p:cNvSpPr>
+            <a:spLocks noGrp="1"/>
+          </p:cNvSpPr>
+          <p:nvPr>
+            <p:ph type="body" sz="quarter" idx="3"/>
+          </p:nvPr>
+        </p:nvSpPr>
+        <p:spPr>
+          <a:xfrm>
+            <a:off x="685800" y="4400550"/>
+            <a:ext cx="5486400" cy="3600450"/>
+          </a:xfrm>
+          <a:prstGeom prst="rect">
+            <a:avLst/>
+          </a:prstGeom>
+        </p:spPr>
+        <p:txBody>
+          <a:bodyPr vert="horz" lIns="91440" tIns="45720" rIns="91440" bIns="45720" rtlCol="0"/>
+          <a:lstStyle/>
+          <a:p>
+            <a:pPr lvl="0"/>
+            <a:r>
+              <a:rPr lang="en-US" smtClean="0"/>
+              <a:t>Click to edit Master text styles</a:t>
+            </a:r>
+          </a:p>
+          <a:p>
+            <a:pPr lvl="1"/>
+            <a:r>
+              <a:rPr lang="en-US" smtClean="0"/>
+              <a:t>Second level</a:t>
+            </a:r>
+          </a:p>
+          <a:p>
+            <a:pPr lvl="2"/>
+            <a:r>
+              <a:rPr lang="en-US" smtClean="0"/>
+              <a:t>Third level</a:t>
+            </a:r>
+          </a:p>
+          <a:p>
+            <a:pPr lvl="3"/>
+            <a:r>
+              <a:rPr lang="en-US" smtClean="0"/>
+              <a:t>Fourth level</a:t>
+            </a:r>
+          </a:p>
+          <a:p>
+            <a:pPr lvl="4"/>
+            <a:r>
+              <a:rPr lang="en-US" smtClean="0"/>
+              <a:t>Fifth level</a:t>
+            </a:r>
+            <a:endParaRPr lang="en-US"/>
+          </a:p>
+        </p:txBody>
+      </p:sp>
+      <p:sp>
+        <p:nvSpPr>
+          <p:cNvPr id="6" name="Footer Placeholder 5"/>
+          <p:cNvSpPr>
+            <a:spLocks noGrp="1"/>
+          </p:cNvSpPr>
+          <p:nvPr>
+            <p:ph type="ftr" sz="quarter" idx="4"/>
+          </p:nvPr>
+        </p:nvSpPr>
+        <p:spPr>
+          <a:xfrm>
+            <a:off x="0" y="8685213"/>
+            <a:ext cx="2971800" cy="458787"/>
+          </a:xfrm>
+          <a:prstGeom prst="rect">
+            <a:avLst/>
+          </a:prstGeom>
+        </p:spPr>
+        <p:txBody>
+          <a:bodyPr vert="horz" lIns="91440" tIns="45720" rIns="91440" bIns="45720" rtlCol="0" anchor="b"/>
+          <a:lstStyle>
+            <a:lvl1pPr algn="l">
+              <a:defRPr sz="1200"/>
+            </a:lvl1pPr>
+          </a:lstStyle>
+          <a:p>
+            <a:endParaRPr lang="en-US"/>
+          </a:p>
+        </p:txBody>
+      </p:sp>
+      <p:sp>
+        <p:nvSpPr>
+          <p:cNvPr id="7" name="Slide Number Placeholder 6"/>
+          <p:cNvSpPr>
+            <a:spLocks noGrp="1"/>
+          </p:cNvSpPr>
+          <p:nvPr>
+            <p:ph type="sldNum" sz="quarter" idx="5"/>
+          </p:nvPr>
+        </p:nvSpPr>
+        <p:spPr>
+          <a:xfrm>
+            <a:off x="3884613" y="8685213"/>
+            <a:ext cx="2971800" cy="458787"/>
+          </a:xfrm>
+          <a:prstGeom prst="rect">
+            <a:avLst/>
+          </a:prstGeom>
+        </p:spPr>
+        <p:txBody>
+          <a:bodyPr vert="horz" lIns="91440" tIns="45720" rIns="91440" bIns="45720" rtlCol="0" anchor="b"/>
+          <a:lstStyle>
+            <a:lvl1pPr algn="r">
+              <a:defRPr sz="1200"/>
+            </a:lvl1pPr>
+          </a:lstStyle>
+          <a:p>
+            <a:fld id="{AE32F7DC-12FF-884D-889E-7B8D4C4920F1}" type="slidenum">
+              <a:rPr lang="en-US" smtClean="0"/>
+              <a:t>‹#›</a:t>
+            </a:fld>
+            <a:endParaRPr lang="en-US"/>
+          </a:p>
+        </p:txBody>
+      </p:sp>
+    </p:spTree>
+    <p:extLst>
+      <p:ext uri="{BB962C8B-B14F-4D97-AF65-F5344CB8AC3E}">
+        <p14:creationId xmlns:p14="http://schemas.microsoft.com/office/powerpoint/2010/main" val="1559379187"/>
+      </p:ext>
+    </p:extLst>
+  </p:cSld>
+  <p:clrMap bg1="lt1" tx1="dk1" bg2="lt2" tx2="dk2" accent1="accent1" accent2="accent2" accent3="accent3" accent4="accent4" accent5="accent5" accent6="accent6" hlink="hlink" folHlink="folHlink"/>
+  <p:notesStyle>
+    <a:lvl1pPr marL="0" algn="l" defTabSz="914400" rtl="0" eaLnBrk="1" latinLnBrk="0" hangingPunct="1">
+      <a:defRPr sz="1200" kern="1200">
+        <a:solidFill>
+          <a:schemeClr val="tx1"/>
+        </a:solidFill>
+        <a:latin typeface="+mn-lt"/>
+        <a:ea typeface="+mn-ea"/>
+        <a:cs typeface="+mn-cs"/>
+      </a:defRPr>
+    </a:lvl1pPr>
+    <a:lvl2pPr marL="457200" algn="l" defTabSz="914400" rtl="0" eaLnBrk="1" latinLnBrk="0" hangingPunct="1">
+      <a:defRPr sz="1200" kern="1200">
+        <a:solidFill>
+          <a:schemeClr val="tx1"/>
+        </a:solidFill>
+        <a:latin typeface="+mn-lt"/>
+        <a:ea typeface="+mn-ea"/>
+        <a:cs typeface="+mn-cs"/>
+      </a:defRPr>
+    </a:lvl2pPr>
+    <a:lvl3pPr marL="914400" algn="l" defTabSz="914400" rtl="0" eaLnBrk="1" latinLnBrk="0" hangingPunct="1">
+      <a:defRPr sz="1200" kern="1200">
+        <a:solidFill>
+          <a:schemeClr val="tx1"/>
+        </a:solidFill>
+        <a:latin typeface="+mn-lt"/>
+        <a:ea typeface="+mn-ea"/>
+        <a:cs typeface="+mn-cs"/>
+      </a:defRPr>
+    </a:lvl3pPr>
+    <a:lvl4pPr marL="1371600" algn="l" defTabSz="914400" rtl="0" eaLnBrk="1" latinLnBrk="0" hangingPunct="1">
+      <a:defRPr sz="1200" kern="1200">
+        <a:solidFill>
+          <a:schemeClr val="tx1"/>
+        </a:solidFill>
+        <a:latin typeface="+mn-lt"/>
+        <a:ea typeface="+mn-ea"/>
+        <a:cs typeface="+mn-cs"/>
+      </a:defRPr>
+    </a:lvl4pPr>
+    <a:lvl5pPr marL="1828800" algn="l" defTabSz="914400" rtl="0" eaLnBrk="1" latinLnBrk="0" hangingPunct="1">
+      <a:defRPr sz="1200" kern="1200">
+        <a:solidFill>
+          <a:schemeClr val="tx1"/>
+        </a:solidFill>
+        <a:latin typeface="+mn-lt"/>
+        <a:ea typeface="+mn-ea"/>
+        <a:cs typeface="+mn-cs"/>
+      </a:defRPr>
+    </a:lvl5pPr>
+    <a:lvl6pPr marL="2286000" algn="l" defTabSz="914400" rtl="0" eaLnBrk="1" latinLnBrk="0" hangingPunct="1">
+      <a:defRPr sz="1200" kern="1200">
+        <a:solidFill>
+          <a:schemeClr val="tx1"/>
+        </a:solidFill>
+        <a:latin typeface="+mn-lt"/>
+        <a:ea typeface="+mn-ea"/>
+        <a:cs typeface="+mn-cs"/>
+      </a:defRPr>
+    </a:lvl6pPr>
+    <a:lvl7pPr marL="2743200" algn="l" defTabSz="914400" rtl="0" eaLnBrk="1" latinLnBrk="0" hangingPunct="1">
+      <a:defRPr sz="1200" kern="1200">
+        <a:solidFill>
+          <a:schemeClr val="tx1"/>
+        </a:solidFill>
+        <a:latin typeface="+mn-lt"/>
+        <a:ea typeface="+mn-ea"/>
+        <a:cs typeface="+mn-cs"/>
+      </a:defRPr>
+    </a:lvl7pPr>
+    <a:lvl8pPr marL="3200400" algn="l" defTabSz="914400" rtl="0" eaLnBrk="1" latinLnBrk="0" hangingPunct="1">
+      <a:defRPr sz="1200" kern="1200">
+        <a:solidFill>
+          <a:schemeClr val="tx1"/>
+        </a:solidFill>
+        <a:latin typeface="+mn-lt"/>
+        <a:ea typeface="+mn-ea"/>
+        <a:cs typeface="+mn-cs"/>
+      </a:defRPr>
+    </a:lvl8pPr>
+    <a:lvl9pPr marL="3657600" algn="l" defTabSz="914400" rtl="0" eaLnBrk="1" latinLnBrk="0" hangingPunct="1">
+      <a:defRPr sz="1200" kern="1200">
+        <a:solidFill>
+          <a:schemeClr val="tx1"/>
+        </a:solidFill>
+        <a:latin typeface="+mn-lt"/>
+        <a:ea typeface="+mn-ea"/>
+        <a:cs typeface="+mn-cs"/>
+      </a:defRPr>
+    </a:lvl9pPr>
+  </p:notesStyle>
+</p:notesMaster>
+</file>
+
+<file path=ppt/notesSlides/notesSlide1.xml><?xml version="1.0" encoding="utf-8"?>
+<p:notes xmlns:a="http://schemas.openxmlformats.org/drawingml/2006/main" xmlns:r="http://schemas.openxmlformats.org/officeDocument/2006/relationships" xmlns:p="http://schemas.openxmlformats.org/presentationml/2006/main">
+  <p:cSld>
+    <p:spTree>
+      <p:nvGrpSpPr>
+        <p:cNvPr id="1" name=""/>
+        <p:cNvGrpSpPr/>
+        <p:nvPr/>
+      </p:nvGrpSpPr>
+      <p:grpSpPr>
+        <a:xfrm>
+          <a:off x="0" y="0"/>
+          <a:ext cx="0" cy="0"/>
+          <a:chOff x="0" y="0"/>
+          <a:chExt cx="0" cy="0"/>
+        </a:xfrm>
+      </p:grpSpPr>
+      <p:sp>
+        <p:nvSpPr>
+          <p:cNvPr id="2" name="Slide Image Placeholder 1"/>
+          <p:cNvSpPr>
+            <a:spLocks noGrp="1" noRot="1" noChangeAspect="1"/>
+          </p:cNvSpPr>
+          <p:nvPr>
+            <p:ph type="sldImg"/>
+          </p:nvPr>
+        </p:nvSpPr>
+        <p:spPr/>
+      </p:sp>
+      <p:sp>
+        <p:nvSpPr>
+          <p:cNvPr id="3" name="Notes Placeholder 2"/>
+          <p:cNvSpPr>
+            <a:spLocks noGrp="1"/>
+          </p:cNvSpPr>
+          <p:nvPr>
+            <p:ph type="body" idx="1"/>
+          </p:nvPr>
+        </p:nvSpPr>
+        <p:spPr/>
+        <p:txBody>
+          <a:bodyPr/>
+          <a:lstStyle/>
+          <a:p>
+            <a:pPr marL="171450" indent="-171450">
+              <a:buFont typeface="Arial" panose="020B0604020202020204" pitchFamily="34" charset="0"/>
+              <a:buChar char="•"/>
+            </a:pPr>
+            <a:r>
+              <a:rPr lang="en-NZ" dirty="0" smtClean="0"/>
+              <a:t>The screen displays a portion of the world, and during game play, in response to movement of a player character (in, e.g. RPGs) or in response to manual navigation by the player (in e.g. city builders), that portion changes</a:t>
+            </a:r>
+          </a:p>
+          <a:p>
+            <a:pPr marL="171450" indent="-171450">
+              <a:buFont typeface="Arial" panose="020B0604020202020204" pitchFamily="34" charset="0"/>
+              <a:buChar char="•"/>
+            </a:pPr>
+            <a:endParaRPr lang="en-NZ" dirty="0" smtClean="0"/>
+          </a:p>
+          <a:p>
+            <a:pPr marL="171450" indent="-171450">
+              <a:buFont typeface="Arial" panose="020B0604020202020204" pitchFamily="34" charset="0"/>
+              <a:buChar char="•"/>
+            </a:pPr>
+            <a:r>
+              <a:rPr lang="en-NZ" dirty="0" smtClean="0"/>
+              <a:t>This movement is </a:t>
+            </a:r>
+            <a:r>
+              <a:rPr lang="en-NZ" smtClean="0"/>
+              <a:t>called scrolling</a:t>
+            </a:r>
+            <a:endParaRPr lang="en-NZ" dirty="0" smtClean="0"/>
+          </a:p>
+        </p:txBody>
+      </p:sp>
+      <p:sp>
+        <p:nvSpPr>
+          <p:cNvPr id="4" name="Slide Number Placeholder 3"/>
+          <p:cNvSpPr>
+            <a:spLocks noGrp="1"/>
+          </p:cNvSpPr>
+          <p:nvPr>
+            <p:ph type="sldNum" sz="quarter" idx="10"/>
+          </p:nvPr>
+        </p:nvSpPr>
+        <p:spPr/>
+        <p:txBody>
+          <a:bodyPr/>
+          <a:lstStyle/>
+          <a:p>
+            <a:fld id="{BBC1DE02-C006-4F38-873D-E62701AB1734}" type="slidenum">
+              <a:rPr lang="en-NZ" smtClean="0"/>
+              <a:t>2</a:t>
+            </a:fld>
+            <a:endParaRPr lang="en-NZ"/>
+          </a:p>
+        </p:txBody>
+      </p:sp>
+    </p:spTree>
+    <p:extLst>
+      <p:ext uri="{BB962C8B-B14F-4D97-AF65-F5344CB8AC3E}">
+        <p14:creationId xmlns:p14="http://schemas.microsoft.com/office/powerpoint/2010/main" val="595567921"/>
+      </p:ext>
+    </p:extLst>
+  </p:cSld>
+  <p:clrMapOvr>
+    <a:masterClrMapping/>
+  </p:clrMapOvr>
+</p:notes>
+</file>
+
+<file path=ppt/notesSlides/notesSlide2.xml><?xml version="1.0" encoding="utf-8"?>
+<p:notes xmlns:a="http://schemas.openxmlformats.org/drawingml/2006/main" xmlns:r="http://schemas.openxmlformats.org/officeDocument/2006/relationships" xmlns:p="http://schemas.openxmlformats.org/presentationml/2006/main">
+  <p:cSld>
+    <p:spTree>
+      <p:nvGrpSpPr>
+        <p:cNvPr id="1" name=""/>
+        <p:cNvGrpSpPr/>
+        <p:nvPr/>
+      </p:nvGrpSpPr>
+      <p:grpSpPr>
+        <a:xfrm>
+          <a:off x="0" y="0"/>
+          <a:ext cx="0" cy="0"/>
+          <a:chOff x="0" y="0"/>
+          <a:chExt cx="0" cy="0"/>
+        </a:xfrm>
+      </p:grpSpPr>
+      <p:sp>
+        <p:nvSpPr>
+          <p:cNvPr id="2" name="Slide Image Placeholder 1"/>
+          <p:cNvSpPr>
+            <a:spLocks noGrp="1" noRot="1" noChangeAspect="1"/>
+          </p:cNvSpPr>
+          <p:nvPr>
+            <p:ph type="sldImg"/>
+          </p:nvPr>
+        </p:nvSpPr>
+        <p:spPr/>
+      </p:sp>
+      <p:sp>
+        <p:nvSpPr>
+          <p:cNvPr id="3" name="Notes Placeholder 2"/>
+          <p:cNvSpPr>
+            <a:spLocks noGrp="1"/>
+          </p:cNvSpPr>
+          <p:nvPr>
+            <p:ph type="body" idx="1"/>
+          </p:nvPr>
+        </p:nvSpPr>
+        <p:spPr/>
+        <p:txBody>
+          <a:bodyPr/>
+          <a:lstStyle/>
+          <a:p>
+            <a:pPr marL="171450" indent="-171450">
+              <a:buFont typeface="Arial" panose="020B0604020202020204" pitchFamily="34" charset="0"/>
+              <a:buChar char="•"/>
+            </a:pPr>
+            <a:endParaRPr lang="en-NZ" dirty="0" smtClean="0"/>
+          </a:p>
+        </p:txBody>
+      </p:sp>
+      <p:sp>
+        <p:nvSpPr>
+          <p:cNvPr id="4" name="Slide Number Placeholder 3"/>
+          <p:cNvSpPr>
+            <a:spLocks noGrp="1"/>
+          </p:cNvSpPr>
+          <p:nvPr>
+            <p:ph type="sldNum" sz="quarter" idx="10"/>
+          </p:nvPr>
+        </p:nvSpPr>
+        <p:spPr/>
+        <p:txBody>
+          <a:bodyPr/>
+          <a:lstStyle/>
+          <a:p>
+            <a:fld id="{BBC1DE02-C006-4F38-873D-E62701AB1734}" type="slidenum">
+              <a:rPr lang="en-NZ" smtClean="0"/>
+              <a:t>3</a:t>
+            </a:fld>
+            <a:endParaRPr lang="en-NZ"/>
+          </a:p>
+        </p:txBody>
+      </p:sp>
+    </p:spTree>
+    <p:extLst>
+      <p:ext uri="{BB962C8B-B14F-4D97-AF65-F5344CB8AC3E}">
+        <p14:creationId xmlns:p14="http://schemas.microsoft.com/office/powerpoint/2010/main" val="790220199"/>
+      </p:ext>
+    </p:extLst>
+  </p:cSld>
+  <p:clrMapOvr>
+    <a:masterClrMapping/>
+  </p:clrMapOvr>
+</p:notes>
+</file>
+
+<file path=ppt/notesSlides/notesSlide3.xml><?xml version="1.0" encoding="utf-8"?>
+<p:notes xmlns:a="http://schemas.openxmlformats.org/drawingml/2006/main" xmlns:r="http://schemas.openxmlformats.org/officeDocument/2006/relationships" xmlns:p="http://schemas.openxmlformats.org/presentationml/2006/main">
+  <p:cSld>
+    <p:spTree>
+      <p:nvGrpSpPr>
+        <p:cNvPr id="1" name=""/>
+        <p:cNvGrpSpPr/>
+        <p:nvPr/>
+      </p:nvGrpSpPr>
+      <p:grpSpPr>
+        <a:xfrm>
+          <a:off x="0" y="0"/>
+          <a:ext cx="0" cy="0"/>
+          <a:chOff x="0" y="0"/>
+          <a:chExt cx="0" cy="0"/>
+        </a:xfrm>
+      </p:grpSpPr>
+      <p:sp>
+        <p:nvSpPr>
+          <p:cNvPr id="2" name="Slide Image Placeholder 1"/>
+          <p:cNvSpPr>
+            <a:spLocks noGrp="1" noRot="1" noChangeAspect="1"/>
+          </p:cNvSpPr>
+          <p:nvPr>
+            <p:ph type="sldImg"/>
+          </p:nvPr>
+        </p:nvSpPr>
+        <p:spPr/>
+      </p:sp>
+      <p:sp>
+        <p:nvSpPr>
+          <p:cNvPr id="3" name="Notes Placeholder 2"/>
+          <p:cNvSpPr>
+            <a:spLocks noGrp="1"/>
+          </p:cNvSpPr>
+          <p:nvPr>
+            <p:ph type="body" idx="1"/>
+          </p:nvPr>
+        </p:nvSpPr>
+        <p:spPr/>
+        <p:txBody>
+          <a:bodyPr/>
+          <a:lstStyle/>
+          <a:p>
+            <a:pPr marL="171450" indent="-171450">
+              <a:buFont typeface="Arial" panose="020B0604020202020204" pitchFamily="34" charset="0"/>
+              <a:buChar char="•"/>
+            </a:pPr>
+            <a:r>
+              <a:rPr lang="en-NZ" dirty="0" smtClean="0"/>
+              <a:t>Using Super Mario Bros (Original NES version) as an example</a:t>
+            </a:r>
+          </a:p>
+          <a:p>
+            <a:pPr marL="171450" indent="-171450">
+              <a:buFont typeface="Arial" panose="020B0604020202020204" pitchFamily="34" charset="0"/>
+              <a:buChar char="•"/>
+            </a:pPr>
+            <a:endParaRPr lang="en-NZ" dirty="0" smtClean="0"/>
+          </a:p>
+          <a:p>
+            <a:pPr marL="171450" indent="-171450">
+              <a:buFont typeface="Arial" panose="020B0604020202020204" pitchFamily="34" charset="0"/>
+              <a:buChar char="•"/>
+            </a:pPr>
+            <a:r>
+              <a:rPr lang="en-NZ" dirty="0" smtClean="0"/>
+              <a:t>SMB uses 16x16 pixel tiles, but everything here applies to any tile size</a:t>
+            </a:r>
+          </a:p>
+          <a:p>
+            <a:pPr marL="171450" indent="-171450">
+              <a:buFont typeface="Arial" panose="020B0604020202020204" pitchFamily="34" charset="0"/>
+              <a:buChar char="•"/>
+            </a:pPr>
+            <a:endParaRPr lang="en-NZ" dirty="0" smtClean="0"/>
+          </a:p>
+          <a:p>
+            <a:pPr marL="171450" indent="-171450">
+              <a:buFont typeface="Arial" panose="020B0604020202020204" pitchFamily="34" charset="0"/>
+              <a:buChar char="•"/>
+            </a:pPr>
+            <a:r>
+              <a:rPr lang="en-NZ" dirty="0" smtClean="0"/>
+              <a:t>SMB uses a world that is very wide, but only one screen high. Again, everything here applies to games with large worlds in both</a:t>
+            </a:r>
+            <a:r>
+              <a:rPr lang="en-NZ" baseline="0" dirty="0" smtClean="0"/>
+              <a:t> </a:t>
+            </a:r>
+            <a:r>
+              <a:rPr lang="en-NZ" dirty="0" smtClean="0"/>
+              <a:t>dimensions. You just need to extend to the y‐axis</a:t>
+            </a:r>
+          </a:p>
+          <a:p>
+            <a:pPr marL="171450" indent="-171450">
+              <a:buFont typeface="Arial" panose="020B0604020202020204" pitchFamily="34" charset="0"/>
+              <a:buChar char="•"/>
+            </a:pPr>
+            <a:endParaRPr lang="en-NZ" dirty="0" smtClean="0"/>
+          </a:p>
+          <a:p>
+            <a:pPr marL="171450" indent="-171450">
+              <a:buFont typeface="Arial" panose="020B0604020202020204" pitchFamily="34" charset="0"/>
+              <a:buChar char="•"/>
+            </a:pPr>
+            <a:r>
+              <a:rPr lang="en-NZ" dirty="0" smtClean="0"/>
+              <a:t>This image shows the whole world for one level. It is 211 tiles wide</a:t>
+            </a:r>
+          </a:p>
+          <a:p>
+            <a:pPr marL="171450" indent="-171450">
+              <a:buFont typeface="Arial" panose="020B0604020202020204" pitchFamily="34" charset="0"/>
+              <a:buChar char="•"/>
+            </a:pPr>
+            <a:endParaRPr lang="en-NZ" dirty="0" smtClean="0"/>
+          </a:p>
+        </p:txBody>
+      </p:sp>
+      <p:sp>
+        <p:nvSpPr>
+          <p:cNvPr id="4" name="Slide Number Placeholder 3"/>
+          <p:cNvSpPr>
+            <a:spLocks noGrp="1"/>
+          </p:cNvSpPr>
+          <p:nvPr>
+            <p:ph type="sldNum" sz="quarter" idx="10"/>
+          </p:nvPr>
+        </p:nvSpPr>
+        <p:spPr/>
+        <p:txBody>
+          <a:bodyPr/>
+          <a:lstStyle/>
+          <a:p>
+            <a:fld id="{BBC1DE02-C006-4F38-873D-E62701AB1734}" type="slidenum">
+              <a:rPr lang="en-NZ" smtClean="0"/>
+              <a:t>4</a:t>
+            </a:fld>
+            <a:endParaRPr lang="en-NZ"/>
+          </a:p>
+        </p:txBody>
+      </p:sp>
+    </p:spTree>
+    <p:extLst>
+      <p:ext uri="{BB962C8B-B14F-4D97-AF65-F5344CB8AC3E}">
+        <p14:creationId xmlns:p14="http://schemas.microsoft.com/office/powerpoint/2010/main" val="568597630"/>
+      </p:ext>
+    </p:extLst>
+  </p:cSld>
+  <p:clrMapOvr>
+    <a:masterClrMapping/>
+  </p:clrMapOvr>
+</p:notes>
 </file>
 
 <file path=ppt/slideLayouts/slideLayout1.xml><?xml version="1.0" encoding="utf-8"?>
@@ -293,7 +1018,7 @@
           <a:p>
             <a:fld id="{F8166F1F-CE9B-4651-A6AA-CD717754106B}" type="datetimeFigureOut">
               <a:rPr lang="en-US" smtClean="0"/>
-              <a:t>7/1/2019</a:t>
+              <a:t>8/30/19</a:t>
             </a:fld>
             <a:endParaRPr lang="en-US"/>
           </a:p>
@@ -458,7 +1183,7 @@
           <a:p>
             <a:fld id="{A76116CE-C4A3-4A05-B2D7-7C2E9A889C0F}" type="datetimeFigureOut">
               <a:rPr lang="en-US" smtClean="0"/>
-              <a:t>1/30/2017</a:t>
+              <a:t>8/30/19</a:t>
             </a:fld>
             <a:endParaRPr lang="en-US"/>
           </a:p>
@@ -633,7 +1358,7 @@
           <a:p>
             <a:fld id="{A76116CE-C4A3-4A05-B2D7-7C2E9A889C0F}" type="datetimeFigureOut">
               <a:rPr lang="en-US" smtClean="0"/>
-              <a:t>1/30/2017</a:t>
+              <a:t>8/30/19</a:t>
             </a:fld>
             <a:endParaRPr lang="en-US"/>
           </a:p>
@@ -800,7 +1525,7 @@
           <a:p>
             <a:fld id="{A76116CE-C4A3-4A05-B2D7-7C2E9A889C0F}" type="datetimeFigureOut">
               <a:rPr lang="en-US" smtClean="0"/>
-              <a:t>7/1/2019</a:t>
+              <a:t>8/30/19</a:t>
             </a:fld>
             <a:endParaRPr lang="en-US"/>
           </a:p>
@@ -1041,7 +1766,7 @@
           <a:p>
             <a:fld id="{A76116CE-C4A3-4A05-B2D7-7C2E9A889C0F}" type="datetimeFigureOut">
               <a:rPr lang="en-US" smtClean="0"/>
-              <a:t>7/1/2019</a:t>
+              <a:t>8/30/19</a:t>
             </a:fld>
             <a:endParaRPr lang="en-US"/>
           </a:p>
@@ -1324,7 +2049,7 @@
           <a:p>
             <a:fld id="{A76116CE-C4A3-4A05-B2D7-7C2E9A889C0F}" type="datetimeFigureOut">
               <a:rPr lang="en-US" smtClean="0"/>
-              <a:t>1/30/2017</a:t>
+              <a:t>8/30/19</a:t>
             </a:fld>
             <a:endParaRPr lang="en-US"/>
           </a:p>
@@ -1741,7 +2466,7 @@
           <a:p>
             <a:fld id="{A76116CE-C4A3-4A05-B2D7-7C2E9A889C0F}" type="datetimeFigureOut">
               <a:rPr lang="en-US" smtClean="0"/>
-              <a:t>1/30/2017</a:t>
+              <a:t>8/30/19</a:t>
             </a:fld>
             <a:endParaRPr lang="en-US"/>
           </a:p>
@@ -1854,7 +2579,7 @@
           <a:p>
             <a:fld id="{A76116CE-C4A3-4A05-B2D7-7C2E9A889C0F}" type="datetimeFigureOut">
               <a:rPr lang="en-US" smtClean="0"/>
-              <a:t>1/30/2017</a:t>
+              <a:t>8/30/19</a:t>
             </a:fld>
             <a:endParaRPr lang="en-US"/>
           </a:p>
@@ -1944,7 +2669,7 @@
           <a:p>
             <a:fld id="{A76116CE-C4A3-4A05-B2D7-7C2E9A889C0F}" type="datetimeFigureOut">
               <a:rPr lang="en-US" smtClean="0"/>
-              <a:t>1/30/2017</a:t>
+              <a:t>8/30/19</a:t>
             </a:fld>
             <a:endParaRPr lang="en-US"/>
           </a:p>
@@ -2216,7 +2941,7 @@
           <a:p>
             <a:fld id="{A76116CE-C4A3-4A05-B2D7-7C2E9A889C0F}" type="datetimeFigureOut">
               <a:rPr lang="en-US" smtClean="0"/>
-              <a:t>1/30/2017</a:t>
+              <a:t>8/30/19</a:t>
             </a:fld>
             <a:endParaRPr lang="en-US"/>
           </a:p>
@@ -2464,7 +3189,7 @@
           <a:p>
             <a:fld id="{A76116CE-C4A3-4A05-B2D7-7C2E9A889C0F}" type="datetimeFigureOut">
               <a:rPr lang="en-US" smtClean="0"/>
-              <a:t>1/30/2017</a:t>
+              <a:t>8/30/19</a:t>
             </a:fld>
             <a:endParaRPr lang="en-US"/>
           </a:p>
@@ -2672,7 +3397,7 @@
           <a:p>
             <a:fld id="{F8166F1F-CE9B-4651-A6AA-CD717754106B}" type="datetimeFigureOut">
               <a:rPr lang="en-US" smtClean="0"/>
-              <a:t>6/13/2013</a:t>
+              <a:t>8/30/19</a:t>
             </a:fld>
             <a:endParaRPr lang="en-US"/>
           </a:p>
@@ -2750,7 +3475,7 @@
           <a:p>
             <a:fld id="{F7021451-1387-4CA6-816F-3879F97B5CBC}" type="slidenum">
               <a:rPr lang="en-US" smtClean="0"/>
-              <a:t>�#�</a:t>
+              <a:t>‹#›</a:t>
             </a:fld>
             <a:endParaRPr lang="en-US"/>
           </a:p>
@@ -2761,16 +3486,16 @@
   <p:clrMap bg1="lt1" tx1="dk1" bg2="lt2" tx2="dk2" accent1="accent1" accent2="accent2" accent3="accent3" accent4="accent4" accent5="accent5" accent6="accent6" hlink="hlink" folHlink="folHlink"/>
   <p:sldLayoutIdLst>
     <p:sldLayoutId id="2147483649" r:id="rId1"/>
-    <p:sldLayoutId id="2147483650" r:id="rId3"/>
-    <p:sldLayoutId id="2147483651" r:id="rId4"/>
-    <p:sldLayoutId id="2147483652" r:id="rId5"/>
-    <p:sldLayoutId id="2147483653" r:id="rId6"/>
-    <p:sldLayoutId id="2147483654" r:id="rId7"/>
-    <p:sldLayoutId id="2147483655" r:id="rId8"/>
-    <p:sldLayoutId id="2147483656" r:id="rId9"/>
-    <p:sldLayoutId id="2147483657" r:id="rId10"/>
-    <p:sldLayoutId id="2147483658" r:id="rId11"/>
-    <p:sldLayoutId id="2147483659" r:id="rId12"/>
+    <p:sldLayoutId id="2147483650" r:id="rId2"/>
+    <p:sldLayoutId id="2147483651" r:id="rId3"/>
+    <p:sldLayoutId id="2147483652" r:id="rId4"/>
+    <p:sldLayoutId id="2147483653" r:id="rId5"/>
+    <p:sldLayoutId id="2147483654" r:id="rId6"/>
+    <p:sldLayoutId id="2147483655" r:id="rId7"/>
+    <p:sldLayoutId id="2147483656" r:id="rId8"/>
+    <p:sldLayoutId id="2147483657" r:id="rId9"/>
+    <p:sldLayoutId id="2147483658" r:id="rId10"/>
+    <p:sldLayoutId id="2147483659" r:id="rId11"/>
   </p:sldLayoutIdLst>
   <p:txStyles>
     <p:titleStyle>
@@ -3027,7 +3752,7 @@
 
 <file path=ppt/slides/slide1.xml><?xml version="1.0" encoding="utf-8"?>
 <p:sld xmlns:a="http://schemas.openxmlformats.org/drawingml/2006/main" xmlns:r="http://schemas.openxmlformats.org/officeDocument/2006/relationships" xmlns:p="http://schemas.openxmlformats.org/presentationml/2006/main">
-  <p:cSld name="Title Slide">
+  <p:cSld>
     <p:spTree>
       <p:nvGrpSpPr>
         <p:cNvPr id="1" name=""/>
@@ -3044,202 +3769,511 @@
       </p:grpSpPr>
       <p:sp>
         <p:nvSpPr>
-          <p:cNvPr id="2" name="Title 1"/>
-          <p:cNvSpPr>
-            <a:spLocks noGrp="1"/>
-          </p:cNvSpPr>
-          <p:nvPr>
-            <p:ph type="ctrTitle"/>
-          </p:nvPr>
+          <p:cNvPr id="2" name="Rectangle 1"/>
+          <p:cNvSpPr/>
+          <p:nvPr/>
         </p:nvSpPr>
         <p:spPr>
           <a:xfrm>
-            <a:off x="685800" y="2130425"/>
-            <a:ext cx="7772400" cy="1470025"/>
+            <a:off x="0" y="2133600"/>
+            <a:ext cx="9144000" cy="2300630"/>
           </a:xfrm>
+          <a:prstGeom prst="rect">
+            <a:avLst/>
+          </a:prstGeom>
+          <a:noFill/>
         </p:spPr>
         <p:txBody>
-          <a:bodyPr/>
-          <a:lstStyle/>
-          <a:p>
-            <a:r>
-              <a:rPr lang="en-US" smtClean="0"/>
-              <a:t>Click to edit Master title style</a:t>
-            </a:r>
-            <a:endParaRPr lang="en-US"/>
-          </a:p>
-        </p:txBody>
-      </p:sp>
-      <p:sp>
-        <p:nvSpPr>
-          <p:cNvPr id="3" name="Subtitle 2"/>
-          <p:cNvSpPr>
-            <a:spLocks noGrp="1"/>
-          </p:cNvSpPr>
-          <p:nvPr>
-            <p:ph type="subTitle" idx="1"/>
-          </p:nvPr>
-        </p:nvSpPr>
-        <p:spPr>
-          <a:xfrm>
-            <a:off x="1371600" y="3886200"/>
-            <a:ext cx="6400800" cy="1752600"/>
-          </a:xfrm>
-        </p:spPr>
-        <p:txBody>
-          <a:bodyPr/>
-          <a:lstStyle>
-            <a:lvl1pPr marL="0" indent="0" algn="ctr">
-              <a:buNone/>
-              <a:defRPr>
-                <a:solidFill>
-                  <a:schemeClr val="tx1">
-                    <a:tint val="75000"/>
-                  </a:schemeClr>
-                </a:solidFill>
-              </a:defRPr>
-            </a:lvl1pPr>
-            <a:lvl2pPr marL="457200" indent="0" algn="ctr">
-              <a:buNone/>
-              <a:defRPr>
-                <a:solidFill>
-                  <a:schemeClr val="tx1">
-                    <a:tint val="75000"/>
-                  </a:schemeClr>
-                </a:solidFill>
-              </a:defRPr>
-            </a:lvl2pPr>
-            <a:lvl3pPr marL="914400" indent="0" algn="ctr">
-              <a:buNone/>
-              <a:defRPr>
-                <a:solidFill>
-                  <a:schemeClr val="tx1">
-                    <a:tint val="75000"/>
-                  </a:schemeClr>
-                </a:solidFill>
-              </a:defRPr>
-            </a:lvl3pPr>
-            <a:lvl4pPr marL="1371600" indent="0" algn="ctr">
-              <a:buNone/>
-              <a:defRPr>
-                <a:solidFill>
-                  <a:schemeClr val="tx1">
-                    <a:tint val="75000"/>
-                  </a:schemeClr>
-                </a:solidFill>
-              </a:defRPr>
-            </a:lvl4pPr>
-            <a:lvl5pPr marL="1828800" indent="0" algn="ctr">
-              <a:buNone/>
-              <a:defRPr>
-                <a:solidFill>
-                  <a:schemeClr val="tx1">
-                    <a:tint val="75000"/>
-                  </a:schemeClr>
-                </a:solidFill>
-              </a:defRPr>
-            </a:lvl5pPr>
-            <a:lvl6pPr marL="2286000" indent="0" algn="ctr">
-              <a:buNone/>
-              <a:defRPr>
-                <a:solidFill>
-                  <a:schemeClr val="tx1">
-                    <a:tint val="75000"/>
-                  </a:schemeClr>
-                </a:solidFill>
-              </a:defRPr>
-            </a:lvl6pPr>
-            <a:lvl7pPr marL="2743200" indent="0" algn="ctr">
-              <a:buNone/>
-              <a:defRPr>
-                <a:solidFill>
-                  <a:schemeClr val="tx1">
-                    <a:tint val="75000"/>
-                  </a:schemeClr>
-                </a:solidFill>
-              </a:defRPr>
-            </a:lvl7pPr>
-            <a:lvl8pPr marL="3200400" indent="0" algn="ctr">
-              <a:buNone/>
-              <a:defRPr>
-                <a:solidFill>
-                  <a:schemeClr val="tx1">
-                    <a:tint val="75000"/>
-                  </a:schemeClr>
-                </a:solidFill>
-              </a:defRPr>
-            </a:lvl8pPr>
-            <a:lvl9pPr marL="3657600" indent="0" algn="ctr">
-              <a:buNone/>
-              <a:defRPr>
-                <a:solidFill>
-                  <a:schemeClr val="tx1">
-                    <a:tint val="75000"/>
-                  </a:schemeClr>
-                </a:solidFill>
-              </a:defRPr>
-            </a:lvl9pPr>
-          </a:lstStyle>
-          <a:p>
-            <a:r>
-              <a:rPr lang="en-US" smtClean="0"/>
-              <a:t>Click to edit Master subtitle style</a:t>
-            </a:r>
-            <a:endParaRPr lang="en-US"/>
-          </a:p>
-        </p:txBody>
-      </p:sp>
-      <p:sp>
-        <p:nvSpPr>
-          <p:cNvPr id="4" name="Date Placeholder 3"/>
-          <p:cNvSpPr>
-            <a:spLocks noGrp="1"/>
-          </p:cNvSpPr>
-          <p:nvPr>
-            <p:ph type="dt" sz="half" idx="10"/>
-          </p:nvPr>
-        </p:nvSpPr>
-        <p:spPr/>
-        <p:txBody>
-          <a:bodyPr/>
-          <a:lstStyle/>
-          <a:p>
-            <a:fld id="{F8166F1F-CE9B-4651-A6AA-CD717754106B}" type="datetimeFigureOut">
-              <a:rPr lang="en-US" smtClean="0"/>
-              <a:t>7/1/2019</a:t>
-            </a:fld>
-            <a:endParaRPr lang="en-US"/>
-          </a:p>
-        </p:txBody>
-      </p:sp>
-      <p:sp>
-        <p:nvSpPr>
-          <p:cNvPr id="5" name="Slide Number Placeholder 5"/>
-          <p:cNvSpPr>
-            <a:spLocks noGrp="1"/>
-          </p:cNvSpPr>
-          <p:nvPr>
-            <p:ph type="sldNum" sz="quarter" idx="12"/>
-          </p:nvPr>
-        </p:nvSpPr>
-        <p:spPr/>
-        <p:txBody>
-          <a:bodyPr/>
-          <a:lstStyle/>
-          <a:p>
-            <a:fld id="{B1393E5F-521B-4CAD-9D3A-AE923D912DCE}" type="slidenum">
-              <a:rPr lang="en-US" smtClean="0"/>
-              <a:t>‹#›</a:t>
-            </a:fld>
-            <a:endParaRPr lang="en-US"/>
+          <a:bodyPr wrap="square" lIns="68580" tIns="34290" rIns="68580" bIns="34290">
+            <a:spAutoFit/>
+          </a:bodyPr>
+          <a:lstStyle/>
+          <a:p>
+            <a:pPr algn="ctr"/>
+            <a:r>
+              <a:rPr lang="en-US" sz="4000" b="1" dirty="0"/>
+              <a:t>Programming </a:t>
+            </a:r>
+            <a:r>
+              <a:rPr lang="en-US" sz="4000" b="1" dirty="0" smtClean="0"/>
+              <a:t>4</a:t>
+            </a:r>
+            <a:endParaRPr lang="en-US" sz="2500" b="1" dirty="0"/>
+          </a:p>
+          <a:p>
+            <a:pPr algn="ctr"/>
+            <a:r>
+              <a:rPr lang="en-US" sz="4000" b="1" dirty="0" smtClean="0"/>
+              <a:t>07.1 Manual Scrolling Tile Map</a:t>
+            </a:r>
+          </a:p>
+          <a:p>
+            <a:pPr algn="ctr"/>
+            <a:endParaRPr lang="en-US" sz="2500" b="1" dirty="0"/>
+          </a:p>
+          <a:p>
+            <a:pPr algn="ctr"/>
+            <a:r>
+              <a:rPr lang="en-US" sz="4000" b="1" dirty="0"/>
+              <a:t>Semester 2</a:t>
+            </a:r>
+            <a:r>
+              <a:rPr lang="en-US" sz="4000" b="1" dirty="0" smtClean="0"/>
+              <a:t>, </a:t>
+            </a:r>
+            <a:r>
+              <a:rPr lang="en-US" sz="4000" b="1" dirty="0"/>
+              <a:t>2019</a:t>
+            </a:r>
           </a:p>
         </p:txBody>
       </p:sp>
     </p:spTree>
+    <p:extLst>
+      <p:ext uri="{BB962C8B-B14F-4D97-AF65-F5344CB8AC3E}">
+        <p14:creationId xmlns:p14="http://schemas.microsoft.com/office/powerpoint/2010/main" val="1415841683"/>
+      </p:ext>
+    </p:extLst>
   </p:cSld>
   <p:clrMapOvr>
     <a:masterClrMapping/>
   </p:clrMapOvr>
+  <p:timing>
+    <p:tnLst>
+      <p:par>
+        <p:cTn id="1" dur="indefinite" restart="never" nodeType="tmRoot"/>
+      </p:par>
+    </p:tnLst>
+  </p:timing>
+</p:sld>
+</file>
+
+<file path=ppt/slides/slide2.xml><?xml version="1.0" encoding="utf-8"?>
+<p:sld xmlns:a="http://schemas.openxmlformats.org/drawingml/2006/main" xmlns:r="http://schemas.openxmlformats.org/officeDocument/2006/relationships" xmlns:p="http://schemas.openxmlformats.org/presentationml/2006/main">
+  <p:cSld>
+    <p:spTree>
+      <p:nvGrpSpPr>
+        <p:cNvPr id="1" name=""/>
+        <p:cNvGrpSpPr/>
+        <p:nvPr/>
+      </p:nvGrpSpPr>
+      <p:grpSpPr>
+        <a:xfrm>
+          <a:off x="0" y="0"/>
+          <a:ext cx="0" cy="0"/>
+          <a:chOff x="0" y="0"/>
+          <a:chExt cx="0" cy="0"/>
+        </a:xfrm>
+      </p:grpSpPr>
+      <p:sp>
+        <p:nvSpPr>
+          <p:cNvPr id="3" name="Rectangle 2"/>
+          <p:cNvSpPr/>
+          <p:nvPr/>
+        </p:nvSpPr>
+        <p:spPr>
+          <a:xfrm>
+            <a:off x="0" y="0"/>
+            <a:ext cx="9144000" cy="4324261"/>
+          </a:xfrm>
+          <a:prstGeom prst="rect">
+            <a:avLst/>
+          </a:prstGeom>
+        </p:spPr>
+        <p:txBody>
+          <a:bodyPr wrap="square">
+            <a:spAutoFit/>
+          </a:bodyPr>
+          <a:lstStyle/>
+          <a:p>
+            <a:pPr algn="ctr"/>
+            <a:endParaRPr lang="en-US" sz="4000" b="1" dirty="0"/>
+          </a:p>
+          <a:p>
+            <a:pPr lvl="1"/>
+            <a:r>
+              <a:rPr lang="en-AU" sz="3500" b="1" dirty="0" smtClean="0"/>
+              <a:t>Scrolling</a:t>
+            </a:r>
+            <a:endParaRPr lang="en-US" sz="3500" b="1" dirty="0" smtClean="0"/>
+          </a:p>
+          <a:p>
+            <a:pPr marL="1657350" lvl="2" indent="-742950">
+              <a:buFont typeface="Arial" panose="020B0604020202020204" pitchFamily="34" charset="0"/>
+              <a:buChar char="•"/>
+            </a:pPr>
+            <a:endParaRPr lang="en-US" sz="2500" dirty="0" smtClean="0"/>
+          </a:p>
+          <a:p>
+            <a:pPr marL="1657350" lvl="2" indent="-742950">
+              <a:buFont typeface="Arial" panose="020B0604020202020204" pitchFamily="34" charset="0"/>
+              <a:buChar char="•"/>
+            </a:pPr>
+            <a:r>
+              <a:rPr lang="en-US" sz="2500" dirty="0" smtClean="0"/>
+              <a:t>The world can be much larger than what is shown on 	our screens</a:t>
+            </a:r>
+          </a:p>
+          <a:p>
+            <a:pPr marL="1657350" lvl="2" indent="-742950">
+              <a:buFont typeface="Arial" panose="020B0604020202020204" pitchFamily="34" charset="0"/>
+              <a:buChar char="•"/>
+            </a:pPr>
+            <a:r>
+              <a:rPr lang="en-US" sz="2500" dirty="0" smtClean="0"/>
+              <a:t>In a scrolling game, the tile mapping technique is </a:t>
+            </a:r>
+            <a:r>
+              <a:rPr lang="en-US" sz="2500" smtClean="0"/>
+              <a:t>the 	same</a:t>
+            </a:r>
+            <a:endParaRPr lang="en-US" sz="2500" dirty="0" smtClean="0"/>
+          </a:p>
+          <a:p>
+            <a:pPr marL="1657350" lvl="2" indent="-742950">
+              <a:buFont typeface="Arial" panose="020B0604020202020204" pitchFamily="34" charset="0"/>
+              <a:buChar char="•"/>
+            </a:pPr>
+            <a:r>
+              <a:rPr lang="en-US" sz="2500" dirty="0" smtClean="0"/>
+              <a:t>Except the map is bigger than the screen</a:t>
+            </a:r>
+          </a:p>
+          <a:p>
+            <a:pPr marL="1657350" lvl="2" indent="-742950">
+              <a:buFont typeface="Arial" panose="020B0604020202020204" pitchFamily="34" charset="0"/>
+              <a:buChar char="•"/>
+            </a:pPr>
+            <a:endParaRPr lang="en-US" sz="2500" dirty="0" smtClean="0"/>
+          </a:p>
+          <a:p>
+            <a:pPr marL="1657350" lvl="2" indent="-742950">
+              <a:buFont typeface="Arial" panose="020B0604020202020204" pitchFamily="34" charset="0"/>
+              <a:buChar char="•"/>
+            </a:pPr>
+            <a:endParaRPr lang="en-US" sz="2500" dirty="0" smtClean="0"/>
+          </a:p>
+        </p:txBody>
+      </p:sp>
+    </p:spTree>
+    <p:extLst>
+      <p:ext uri="{BB962C8B-B14F-4D97-AF65-F5344CB8AC3E}">
+        <p14:creationId xmlns:p14="http://schemas.microsoft.com/office/powerpoint/2010/main" val="142048772"/>
+      </p:ext>
+    </p:extLst>
+  </p:cSld>
+  <p:clrMapOvr>
+    <a:masterClrMapping/>
+  </p:clrMapOvr>
+  <p:timing>
+    <p:tnLst>
+      <p:par>
+        <p:cTn id="1" dur="indefinite" restart="never" nodeType="tmRoot"/>
+      </p:par>
+    </p:tnLst>
+  </p:timing>
+</p:sld>
+</file>
+
+<file path=ppt/slides/slide3.xml><?xml version="1.0" encoding="utf-8"?>
+<p:sld xmlns:a="http://schemas.openxmlformats.org/drawingml/2006/main" xmlns:r="http://schemas.openxmlformats.org/officeDocument/2006/relationships" xmlns:p="http://schemas.openxmlformats.org/presentationml/2006/main">
+  <p:cSld>
+    <p:spTree>
+      <p:nvGrpSpPr>
+        <p:cNvPr id="1" name=""/>
+        <p:cNvGrpSpPr/>
+        <p:nvPr/>
+      </p:nvGrpSpPr>
+      <p:grpSpPr>
+        <a:xfrm>
+          <a:off x="0" y="0"/>
+          <a:ext cx="0" cy="0"/>
+          <a:chOff x="0" y="0"/>
+          <a:chExt cx="0" cy="0"/>
+        </a:xfrm>
+      </p:grpSpPr>
+      <p:sp>
+        <p:nvSpPr>
+          <p:cNvPr id="3" name="Rectangle 2"/>
+          <p:cNvSpPr/>
+          <p:nvPr/>
+        </p:nvSpPr>
+        <p:spPr>
+          <a:xfrm>
+            <a:off x="0" y="0"/>
+            <a:ext cx="9144000" cy="1631216"/>
+          </a:xfrm>
+          <a:prstGeom prst="rect">
+            <a:avLst/>
+          </a:prstGeom>
+        </p:spPr>
+        <p:txBody>
+          <a:bodyPr wrap="square">
+            <a:spAutoFit/>
+          </a:bodyPr>
+          <a:lstStyle/>
+          <a:p>
+            <a:pPr algn="ctr"/>
+            <a:endParaRPr lang="en-US" sz="4000" b="1" dirty="0"/>
+          </a:p>
+          <a:p>
+            <a:pPr lvl="1"/>
+            <a:r>
+              <a:rPr lang="en-AU" sz="3500" b="1" dirty="0" smtClean="0"/>
+              <a:t>Scrolling</a:t>
+            </a:r>
+            <a:endParaRPr lang="en-US" sz="2500" dirty="0" smtClean="0"/>
+          </a:p>
+          <a:p>
+            <a:pPr marL="1657350" lvl="2" indent="-742950">
+              <a:buFont typeface="Arial" panose="020B0604020202020204" pitchFamily="34" charset="0"/>
+              <a:buChar char="•"/>
+            </a:pPr>
+            <a:endParaRPr lang="en-US" sz="2500" dirty="0" smtClean="0"/>
+          </a:p>
+        </p:txBody>
+      </p:sp>
+      <p:grpSp>
+        <p:nvGrpSpPr>
+          <p:cNvPr id="5" name="Group 4"/>
+          <p:cNvGrpSpPr/>
+          <p:nvPr/>
+        </p:nvGrpSpPr>
+        <p:grpSpPr>
+          <a:xfrm>
+            <a:off x="1343386" y="1631216"/>
+            <a:ext cx="6457227" cy="4697963"/>
+            <a:chOff x="1343386" y="1631216"/>
+            <a:chExt cx="6457227" cy="4697963"/>
+          </a:xfrm>
+        </p:grpSpPr>
+        <p:pic>
+          <p:nvPicPr>
+            <p:cNvPr id="4" name="Picture 3"/>
+            <p:cNvPicPr>
+              <a:picLocks noChangeAspect="1"/>
+            </p:cNvPicPr>
+            <p:nvPr/>
+          </p:nvPicPr>
+          <p:blipFill>
+            <a:blip r:embed="rId3">
+              <a:extLst>
+                <a:ext uri="{28A0092B-C50C-407E-A947-70E740481C1C}">
+                  <a14:useLocalDpi xmlns:a14="http://schemas.microsoft.com/office/drawing/2010/main" val="0"/>
+                </a:ext>
+              </a:extLst>
+            </a:blip>
+            <a:stretch>
+              <a:fillRect/>
+            </a:stretch>
+          </p:blipFill>
+          <p:spPr>
+            <a:xfrm>
+              <a:off x="1343386" y="1631216"/>
+              <a:ext cx="6457227" cy="4697963"/>
+            </a:xfrm>
+            <a:prstGeom prst="rect">
+              <a:avLst/>
+            </a:prstGeom>
+          </p:spPr>
+        </p:pic>
+        <p:sp>
+          <p:nvSpPr>
+            <p:cNvPr id="2" name="Rectangle 1"/>
+            <p:cNvSpPr/>
+            <p:nvPr/>
+          </p:nvSpPr>
+          <p:spPr>
+            <a:xfrm>
+              <a:off x="2933699" y="2957359"/>
+              <a:ext cx="3276600" cy="2057400"/>
+            </a:xfrm>
+            <a:prstGeom prst="rect">
+              <a:avLst/>
+            </a:prstGeom>
+            <a:noFill/>
+            <a:ln w="76200">
+              <a:solidFill>
+                <a:srgbClr val="FFFF00"/>
+              </a:solidFill>
+            </a:ln>
+          </p:spPr>
+          <p:style>
+            <a:lnRef idx="2">
+              <a:schemeClr val="accent1">
+                <a:shade val="50000"/>
+              </a:schemeClr>
+            </a:lnRef>
+            <a:fillRef idx="1">
+              <a:schemeClr val="accent1"/>
+            </a:fillRef>
+            <a:effectRef idx="0">
+              <a:schemeClr val="accent1"/>
+            </a:effectRef>
+            <a:fontRef idx="minor">
+              <a:schemeClr val="lt1"/>
+            </a:fontRef>
+          </p:style>
+          <p:txBody>
+            <a:bodyPr rtlCol="0" anchor="ctr"/>
+            <a:lstStyle/>
+            <a:p>
+              <a:pPr algn="ctr"/>
+              <a:endParaRPr lang="en-US"/>
+            </a:p>
+          </p:txBody>
+        </p:sp>
+      </p:grpSp>
+    </p:spTree>
+    <p:extLst>
+      <p:ext uri="{BB962C8B-B14F-4D97-AF65-F5344CB8AC3E}">
+        <p14:creationId xmlns:p14="http://schemas.microsoft.com/office/powerpoint/2010/main" val="308746993"/>
+      </p:ext>
+    </p:extLst>
+  </p:cSld>
+  <p:clrMapOvr>
+    <a:masterClrMapping/>
+  </p:clrMapOvr>
+  <p:timing>
+    <p:tnLst>
+      <p:par>
+        <p:cTn id="1" dur="indefinite" restart="never" nodeType="tmRoot"/>
+      </p:par>
+    </p:tnLst>
+  </p:timing>
+</p:sld>
+</file>
+
+<file path=ppt/slides/slide4.xml><?xml version="1.0" encoding="utf-8"?>
+<p:sld xmlns:a="http://schemas.openxmlformats.org/drawingml/2006/main" xmlns:r="http://schemas.openxmlformats.org/officeDocument/2006/relationships" xmlns:p="http://schemas.openxmlformats.org/presentationml/2006/main">
+  <p:cSld>
+    <p:spTree>
+      <p:nvGrpSpPr>
+        <p:cNvPr id="1" name=""/>
+        <p:cNvGrpSpPr/>
+        <p:nvPr/>
+      </p:nvGrpSpPr>
+      <p:grpSpPr>
+        <a:xfrm>
+          <a:off x="0" y="0"/>
+          <a:ext cx="0" cy="0"/>
+          <a:chOff x="0" y="0"/>
+          <a:chExt cx="0" cy="0"/>
+        </a:xfrm>
+      </p:grpSpPr>
+      <p:sp>
+        <p:nvSpPr>
+          <p:cNvPr id="3" name="Rectangle 2"/>
+          <p:cNvSpPr/>
+          <p:nvPr/>
+        </p:nvSpPr>
+        <p:spPr>
+          <a:xfrm>
+            <a:off x="0" y="0"/>
+            <a:ext cx="9144000" cy="3939540"/>
+          </a:xfrm>
+          <a:prstGeom prst="rect">
+            <a:avLst/>
+          </a:prstGeom>
+        </p:spPr>
+        <p:txBody>
+          <a:bodyPr wrap="square">
+            <a:spAutoFit/>
+          </a:bodyPr>
+          <a:lstStyle/>
+          <a:p>
+            <a:pPr algn="ctr"/>
+            <a:endParaRPr lang="en-US" sz="4000" b="1" dirty="0"/>
+          </a:p>
+          <a:p>
+            <a:pPr lvl="1"/>
+            <a:r>
+              <a:rPr lang="en-AU" sz="3500" b="1" dirty="0" smtClean="0"/>
+              <a:t>Example World</a:t>
+            </a:r>
+            <a:endParaRPr lang="en-US" sz="3500" b="1" dirty="0" smtClean="0"/>
+          </a:p>
+          <a:p>
+            <a:pPr marL="1657350" lvl="2" indent="-742950">
+              <a:buFont typeface="Arial" panose="020B0604020202020204" pitchFamily="34" charset="0"/>
+              <a:buChar char="•"/>
+            </a:pPr>
+            <a:endParaRPr lang="en-US" sz="2500" dirty="0" smtClean="0"/>
+          </a:p>
+          <a:p>
+            <a:pPr marL="1657350" lvl="2" indent="-742950">
+              <a:buFont typeface="Arial" panose="020B0604020202020204" pitchFamily="34" charset="0"/>
+              <a:buChar char="•"/>
+            </a:pPr>
+            <a:r>
+              <a:rPr lang="en-US" sz="2500" dirty="0" smtClean="0"/>
+              <a:t>Super Mario Bros (NES) </a:t>
+            </a:r>
+          </a:p>
+          <a:p>
+            <a:pPr marL="1657350" lvl="2" indent="-742950">
+              <a:buFont typeface="Arial" panose="020B0604020202020204" pitchFamily="34" charset="0"/>
+              <a:buChar char="•"/>
+            </a:pPr>
+            <a:r>
+              <a:rPr lang="en-US" sz="2500" dirty="0" smtClean="0"/>
+              <a:t>SMB uses 16x16 pixel tiles </a:t>
+            </a:r>
+          </a:p>
+          <a:p>
+            <a:pPr marL="1657350" lvl="2" indent="-742950">
+              <a:buFont typeface="Arial" panose="020B0604020202020204" pitchFamily="34" charset="0"/>
+              <a:buChar char="•"/>
+            </a:pPr>
+            <a:r>
+              <a:rPr lang="en-US" sz="2500" dirty="0" smtClean="0"/>
+              <a:t>SMB uses a world that is very wide, but only one </a:t>
+            </a:r>
+          </a:p>
+          <a:p>
+            <a:pPr marL="1657350" lvl="2" indent="-742950">
+              <a:buFont typeface="Arial" panose="020B0604020202020204" pitchFamily="34" charset="0"/>
+              <a:buChar char="•"/>
+            </a:pPr>
+            <a:r>
+              <a:rPr lang="en-US" sz="2500" dirty="0" smtClean="0"/>
+              <a:t>screen high</a:t>
+            </a:r>
+            <a:endParaRPr lang="en-US" sz="2500" dirty="0" smtClean="0"/>
+          </a:p>
+          <a:p>
+            <a:pPr marL="1657350" lvl="2" indent="-742950">
+              <a:buFont typeface="Arial" panose="020B0604020202020204" pitchFamily="34" charset="0"/>
+              <a:buChar char="•"/>
+            </a:pPr>
+            <a:endParaRPr lang="en-US" sz="2500" dirty="0" smtClean="0"/>
+          </a:p>
+          <a:p>
+            <a:pPr marL="1657350" lvl="2" indent="-742950">
+              <a:buFont typeface="Arial" panose="020B0604020202020204" pitchFamily="34" charset="0"/>
+              <a:buChar char="•"/>
+            </a:pPr>
+            <a:endParaRPr lang="en-US" sz="2500" dirty="0" smtClean="0"/>
+          </a:p>
+        </p:txBody>
+      </p:sp>
+    </p:spTree>
+    <p:extLst>
+      <p:ext uri="{BB962C8B-B14F-4D97-AF65-F5344CB8AC3E}">
+        <p14:creationId xmlns:p14="http://schemas.microsoft.com/office/powerpoint/2010/main" val="1119965655"/>
+      </p:ext>
+    </p:extLst>
+  </p:cSld>
+  <p:clrMapOvr>
+    <a:masterClrMapping/>
+  </p:clrMapOvr>
+  <p:timing>
+    <p:tnLst>
+      <p:par>
+        <p:cTn id="1" dur="indefinite" restart="never" nodeType="tmRoot"/>
+      </p:par>
+    </p:tnLst>
+  </p:timing>
 </p:sld>
 </file>
 
@@ -3524,4 +4558,265 @@
   <a:objectDefaults/>
   <a:extraClrSchemeLst/>
 </a:theme>
+</file>
+
+<file path=ppt/theme/theme2.xml><?xml version="1.0" encoding="utf-8"?>
+<a:theme xmlns:a="http://schemas.openxmlformats.org/drawingml/2006/main" name="Office Theme">
+  <a:themeElements>
+    <a:clrScheme name="Office">
+      <a:dk1>
+        <a:sysClr val="windowText" lastClr="000000"/>
+      </a:dk1>
+      <a:lt1>
+        <a:sysClr val="window" lastClr="FFFFFF"/>
+      </a:lt1>
+      <a:dk2>
+        <a:srgbClr val="44546A"/>
+      </a:dk2>
+      <a:lt2>
+        <a:srgbClr val="E7E6E6"/>
+      </a:lt2>
+      <a:accent1>
+        <a:srgbClr val="4472C4"/>
+      </a:accent1>
+      <a:accent2>
+        <a:srgbClr val="ED7D31"/>
+      </a:accent2>
+      <a:accent3>
+        <a:srgbClr val="A5A5A5"/>
+      </a:accent3>
+      <a:accent4>
+        <a:srgbClr val="FFC000"/>
+      </a:accent4>
+      <a:accent5>
+        <a:srgbClr val="5B9BD5"/>
+      </a:accent5>
+      <a:accent6>
+        <a:srgbClr val="70AD47"/>
+      </a:accent6>
+      <a:hlink>
+        <a:srgbClr val="0563C1"/>
+      </a:hlink>
+      <a:folHlink>
+        <a:srgbClr val="954F72"/>
+      </a:folHlink>
+    </a:clrScheme>
+    <a:fontScheme name="Office">
+      <a:majorFont>
+        <a:latin typeface="Calibri Light" panose="020F0302020204030204"/>
+        <a:ea typeface=""/>
+        <a:cs typeface=""/>
+        <a:font script="Jpan" typeface="Yu Gothic Light"/>
+        <a:font script="Hang" typeface="맑은 고딕"/>
+        <a:font script="Hans" typeface="DengXian Light"/>
+        <a:font script="Hant" typeface="新細明體"/>
+        <a:font script="Arab" typeface="Times New Roman"/>
+        <a:font script="Hebr" typeface="Times New Roman"/>
+        <a:font script="Thai" typeface="Angsana New"/>
+        <a:font script="Ethi" typeface="Nyala"/>
+        <a:font script="Beng" typeface="Vrinda"/>
+        <a:font script="Gujr" typeface="Shruti"/>
+        <a:font script="Khmr" typeface="MoolBoran"/>
+        <a:font script="Knda" typeface="Tunga"/>
+        <a:font script="Guru" typeface="Raavi"/>
+        <a:font script="Cans" typeface="Euphemia"/>
+        <a:font script="Cher" typeface="Plantagenet Cherokee"/>
+        <a:font script="Yiii" typeface="Microsoft Yi Baiti"/>
+        <a:font script="Tibt" typeface="Microsoft Himalaya"/>
+        <a:font script="Thaa" typeface="MV Boli"/>
+        <a:font script="Deva" typeface="Mangal"/>
+        <a:font script="Telu" typeface="Gautami"/>
+        <a:font script="Taml" typeface="Latha"/>
+        <a:font script="Syrc" typeface="Estrangelo Edessa"/>
+        <a:font script="Orya" typeface="Kalinga"/>
+        <a:font script="Mlym" typeface="Kartika"/>
+        <a:font script="Laoo" typeface="DokChampa"/>
+        <a:font script="Sinh" typeface="Iskoola Pota"/>
+        <a:font script="Mong" typeface="Mongolian Baiti"/>
+        <a:font script="Viet" typeface="Times New Roman"/>
+        <a:font script="Uigh" typeface="Microsoft Uighur"/>
+        <a:font script="Geor" typeface="Sylfaen"/>
+      </a:majorFont>
+      <a:minorFont>
+        <a:latin typeface="Calibri" panose="020F0502020204030204"/>
+        <a:ea typeface=""/>
+        <a:cs typeface=""/>
+        <a:font script="Jpan" typeface="Yu Gothic"/>
+        <a:font script="Hang" typeface="맑은 고딕"/>
+        <a:font script="Hans" typeface="DengXian"/>
+        <a:font script="Hant" typeface="新細明體"/>
+        <a:font script="Arab" typeface="Arial"/>
+        <a:font script="Hebr" typeface="Arial"/>
+        <a:font script="Thai" typeface="Cordia New"/>
+        <a:font script="Ethi" typeface="Nyala"/>
+        <a:font script="Beng" typeface="Vrinda"/>
+        <a:font script="Gujr" typeface="Shruti"/>
+        <a:font script="Khmr" typeface="DaunPenh"/>
+        <a:font script="Knda" typeface="Tunga"/>
+        <a:font script="Guru" typeface="Raavi"/>
+        <a:font script="Cans" typeface="Euphemia"/>
+        <a:font script="Cher" typeface="Plantagenet Cherokee"/>
+        <a:font script="Yiii" typeface="Microsoft Yi Baiti"/>
+        <a:font script="Tibt" typeface="Microsoft Himalaya"/>
+        <a:font script="Thaa" typeface="MV Boli"/>
+        <a:font script="Deva" typeface="Mangal"/>
+        <a:font script="Telu" typeface="Gautami"/>
+        <a:font script="Taml" typeface="Latha"/>
+        <a:font script="Syrc" typeface="Estrangelo Edessa"/>
+        <a:font script="Orya" typeface="Kalinga"/>
+        <a:font script="Mlym" typeface="Kartika"/>
+        <a:font script="Laoo" typeface="DokChampa"/>
+        <a:font script="Sinh" typeface="Iskoola Pota"/>
+        <a:font script="Mong" typeface="Mongolian Baiti"/>
+        <a:font script="Viet" typeface="Arial"/>
+        <a:font script="Uigh" typeface="Microsoft Uighur"/>
+        <a:font script="Geor" typeface="Sylfaen"/>
+      </a:minorFont>
+    </a:fontScheme>
+    <a:fmtScheme name="Office">
+      <a:fillStyleLst>
+        <a:solidFill>
+          <a:schemeClr val="phClr"/>
+        </a:solidFill>
+        <a:gradFill rotWithShape="1">
+          <a:gsLst>
+            <a:gs pos="0">
+              <a:schemeClr val="phClr">
+                <a:lumMod val="110000"/>
+                <a:satMod val="105000"/>
+                <a:tint val="67000"/>
+              </a:schemeClr>
+            </a:gs>
+            <a:gs pos="50000">
+              <a:schemeClr val="phClr">
+                <a:lumMod val="105000"/>
+                <a:satMod val="103000"/>
+                <a:tint val="73000"/>
+              </a:schemeClr>
+            </a:gs>
+            <a:gs pos="100000">
+              <a:schemeClr val="phClr">
+                <a:lumMod val="105000"/>
+                <a:satMod val="109000"/>
+                <a:tint val="81000"/>
+              </a:schemeClr>
+            </a:gs>
+          </a:gsLst>
+          <a:lin ang="5400000" scaled="0"/>
+        </a:gradFill>
+        <a:gradFill rotWithShape="1">
+          <a:gsLst>
+            <a:gs pos="0">
+              <a:schemeClr val="phClr">
+                <a:satMod val="103000"/>
+                <a:lumMod val="102000"/>
+                <a:tint val="94000"/>
+              </a:schemeClr>
+            </a:gs>
+            <a:gs pos="50000">
+              <a:schemeClr val="phClr">
+                <a:satMod val="110000"/>
+                <a:lumMod val="100000"/>
+                <a:shade val="100000"/>
+              </a:schemeClr>
+            </a:gs>
+            <a:gs pos="100000">
+              <a:schemeClr val="phClr">
+                <a:lumMod val="99000"/>
+                <a:satMod val="120000"/>
+                <a:shade val="78000"/>
+              </a:schemeClr>
+            </a:gs>
+          </a:gsLst>
+          <a:lin ang="5400000" scaled="0"/>
+        </a:gradFill>
+      </a:fillStyleLst>
+      <a:lnStyleLst>
+        <a:ln w="6350" cap="flat" cmpd="sng" algn="ctr">
+          <a:solidFill>
+            <a:schemeClr val="phClr"/>
+          </a:solidFill>
+          <a:prstDash val="solid"/>
+          <a:miter lim="800000"/>
+        </a:ln>
+        <a:ln w="12700" cap="flat" cmpd="sng" algn="ctr">
+          <a:solidFill>
+            <a:schemeClr val="phClr"/>
+          </a:solidFill>
+          <a:prstDash val="solid"/>
+          <a:miter lim="800000"/>
+        </a:ln>
+        <a:ln w="19050" cap="flat" cmpd="sng" algn="ctr">
+          <a:solidFill>
+            <a:schemeClr val="phClr"/>
+          </a:solidFill>
+          <a:prstDash val="solid"/>
+          <a:miter lim="800000"/>
+        </a:ln>
+      </a:lnStyleLst>
+      <a:effectStyleLst>
+        <a:effectStyle>
+          <a:effectLst/>
+        </a:effectStyle>
+        <a:effectStyle>
+          <a:effectLst/>
+        </a:effectStyle>
+        <a:effectStyle>
+          <a:effectLst>
+            <a:outerShdw blurRad="57150" dist="19050" dir="5400000" algn="ctr" rotWithShape="0">
+              <a:srgbClr val="000000">
+                <a:alpha val="63000"/>
+              </a:srgbClr>
+            </a:outerShdw>
+          </a:effectLst>
+        </a:effectStyle>
+      </a:effectStyleLst>
+      <a:bgFillStyleLst>
+        <a:solidFill>
+          <a:schemeClr val="phClr"/>
+        </a:solidFill>
+        <a:solidFill>
+          <a:schemeClr val="phClr">
+            <a:tint val="95000"/>
+            <a:satMod val="170000"/>
+          </a:schemeClr>
+        </a:solidFill>
+        <a:gradFill rotWithShape="1">
+          <a:gsLst>
+            <a:gs pos="0">
+              <a:schemeClr val="phClr">
+                <a:tint val="93000"/>
+                <a:satMod val="150000"/>
+                <a:shade val="98000"/>
+                <a:lumMod val="102000"/>
+              </a:schemeClr>
+            </a:gs>
+            <a:gs pos="50000">
+              <a:schemeClr val="phClr">
+                <a:tint val="98000"/>
+                <a:satMod val="130000"/>
+                <a:shade val="90000"/>
+                <a:lumMod val="103000"/>
+              </a:schemeClr>
+            </a:gs>
+            <a:gs pos="100000">
+              <a:schemeClr val="phClr">
+                <a:shade val="63000"/>
+                <a:satMod val="120000"/>
+              </a:schemeClr>
+            </a:gs>
+          </a:gsLst>
+          <a:lin ang="5400000" scaled="0"/>
+        </a:gradFill>
+      </a:bgFillStyleLst>
+    </a:fmtScheme>
+  </a:themeElements>
+  <a:objectDefaults/>
+  <a:extraClrSchemeLst/>
+  <a:extLst>
+    <a:ext uri="{05A4C25C-085E-4340-85A3-A5531E510DB2}">
+      <thm15:themeFamily xmlns:thm15="http://schemas.microsoft.com/office/thememl/2012/main" name="Office Theme" id="{62F939B6-93AF-4DB8-9C6B-D6C7DFDC589F}" vid="{4A3C46E8-61CC-4603-A589-7422A47A8E4A}"/>
+    </a:ext>
+  </a:extLst>
+</a:theme>
 </file>
--- a/Programming 4/07.1 Manual Scrolling Tile Map/07.1 Manual Scrolling Tile Map.pptx
+++ b/Programming 4/07.1 Manual Scrolling Tile Map/07.1 Manual Scrolling Tile Map.pptx
@@ -5,13 +5,29 @@
     <p:sldMasterId id="2147483648" r:id="rId1"/>
   </p:sldMasterIdLst>
   <p:notesMasterIdLst>
-    <p:notesMasterId r:id="rId6"/>
+    <p:notesMasterId r:id="rId22"/>
   </p:notesMasterIdLst>
   <p:sldIdLst>
     <p:sldId id="256" r:id="rId2"/>
     <p:sldId id="257" r:id="rId3"/>
     <p:sldId id="258" r:id="rId4"/>
     <p:sldId id="259" r:id="rId5"/>
+    <p:sldId id="260" r:id="rId6"/>
+    <p:sldId id="261" r:id="rId7"/>
+    <p:sldId id="262" r:id="rId8"/>
+    <p:sldId id="263" r:id="rId9"/>
+    <p:sldId id="264" r:id="rId10"/>
+    <p:sldId id="265" r:id="rId11"/>
+    <p:sldId id="266" r:id="rId12"/>
+    <p:sldId id="267" r:id="rId13"/>
+    <p:sldId id="268" r:id="rId14"/>
+    <p:sldId id="269" r:id="rId15"/>
+    <p:sldId id="270" r:id="rId16"/>
+    <p:sldId id="271" r:id="rId17"/>
+    <p:sldId id="272" r:id="rId18"/>
+    <p:sldId id="273" r:id="rId19"/>
+    <p:sldId id="274" r:id="rId20"/>
+    <p:sldId id="275" r:id="rId21"/>
   </p:sldIdLst>
   <p:sldSz cx="9144000" cy="6858000" type="screen4x3"/>
   <p:notesSz cx="6858000" cy="9144000"/>
@@ -113,7 +129,7 @@
   <p:extLst>
     <p:ext uri="{EFAFB233-063F-42B5-8137-9DF3F51BA10A}">
       <p15:sldGuideLst xmlns:p15="http://schemas.microsoft.com/office/powerpoint/2012/main">
-        <p15:guide id="1" orient="horz" pos="2160">
+        <p15:guide id="1" orient="horz" pos="2112" userDrawn="1">
           <p15:clr>
             <a:srgbClr val="A4A3A4"/>
           </p15:clr>
@@ -211,7 +227,7 @@
           <a:p>
             <a:fld id="{5A5D9C48-5678-9443-958E-9EAAE3ED0F2B}" type="datetimeFigureOut">
               <a:rPr lang="en-US" smtClean="0"/>
-              <a:t>8/30/19</a:t>
+              <a:t>9/2/19</a:t>
             </a:fld>
             <a:endParaRPr lang="en-US"/>
           </a:p>
@@ -527,11 +543,89 @@
               <a:buFont typeface="Arial" panose="020B0604020202020204" pitchFamily="34" charset="0"/>
               <a:buChar char="•"/>
             </a:pPr>
-            <a:r>
-              <a:rPr lang="en-NZ" dirty="0" smtClean="0"/>
-              <a:t>The screen displays a portion of the world, and during game play, in response to movement of a player character (in, e.g. RPGs) or in response to manual navigation by the player (in e.g. city builders), that portion changes</a:t>
-            </a:r>
-          </a:p>
+            <a:endParaRPr lang="en-NZ" dirty="0" smtClean="0"/>
+          </a:p>
+        </p:txBody>
+      </p:sp>
+      <p:sp>
+        <p:nvSpPr>
+          <p:cNvPr id="4" name="Slide Number Placeholder 3"/>
+          <p:cNvSpPr>
+            <a:spLocks noGrp="1"/>
+          </p:cNvSpPr>
+          <p:nvPr>
+            <p:ph type="sldNum" sz="quarter" idx="10"/>
+          </p:nvPr>
+        </p:nvSpPr>
+        <p:spPr/>
+        <p:txBody>
+          <a:bodyPr/>
+          <a:lstStyle/>
+          <a:p>
+            <a:fld id="{BBC1DE02-C006-4F38-873D-E62701AB1734}" type="slidenum">
+              <a:rPr lang="en-NZ" smtClean="0"/>
+              <a:t>2</a:t>
+            </a:fld>
+            <a:endParaRPr lang="en-NZ"/>
+          </a:p>
+        </p:txBody>
+      </p:sp>
+    </p:spTree>
+    <p:extLst>
+      <p:ext uri="{BB962C8B-B14F-4D97-AF65-F5344CB8AC3E}">
+        <p14:creationId xmlns:p14="http://schemas.microsoft.com/office/powerpoint/2010/main" val="595567921"/>
+      </p:ext>
+    </p:extLst>
+  </p:cSld>
+  <p:clrMapOvr>
+    <a:masterClrMapping/>
+  </p:clrMapOvr>
+</p:notes>
+</file>
+
+<file path=ppt/notesSlides/notesSlide10.xml><?xml version="1.0" encoding="utf-8"?>
+<p:notes xmlns:a="http://schemas.openxmlformats.org/drawingml/2006/main" xmlns:r="http://schemas.openxmlformats.org/officeDocument/2006/relationships" xmlns:p="http://schemas.openxmlformats.org/presentationml/2006/main">
+  <p:cSld>
+    <p:spTree>
+      <p:nvGrpSpPr>
+        <p:cNvPr id="1" name=""/>
+        <p:cNvGrpSpPr/>
+        <p:nvPr/>
+      </p:nvGrpSpPr>
+      <p:grpSpPr>
+        <a:xfrm>
+          <a:off x="0" y="0"/>
+          <a:ext cx="0" cy="0"/>
+          <a:chOff x="0" y="0"/>
+          <a:chExt cx="0" cy="0"/>
+        </a:xfrm>
+      </p:grpSpPr>
+      <p:sp>
+        <p:nvSpPr>
+          <p:cNvPr id="2" name="Slide Image Placeholder 1"/>
+          <p:cNvSpPr>
+            <a:spLocks noGrp="1" noRot="1" noChangeAspect="1"/>
+          </p:cNvSpPr>
+          <p:nvPr>
+            <p:ph type="sldImg"/>
+          </p:nvPr>
+        </p:nvSpPr>
+        <p:spPr/>
+      </p:sp>
+      <p:sp>
+        <p:nvSpPr>
+          <p:cNvPr id="3" name="Notes Placeholder 2"/>
+          <p:cNvSpPr>
+            <a:spLocks noGrp="1"/>
+          </p:cNvSpPr>
+          <p:nvPr>
+            <p:ph type="body" idx="1"/>
+          </p:nvPr>
+        </p:nvSpPr>
+        <p:spPr/>
+        <p:txBody>
+          <a:bodyPr/>
+          <a:lstStyle/>
           <a:p>
             <a:pPr marL="171450" indent="-171450">
               <a:buFont typeface="Arial" panose="020B0604020202020204" pitchFamily="34" charset="0"/>
@@ -539,19 +633,92 @@
             </a:pPr>
             <a:endParaRPr lang="en-NZ" dirty="0" smtClean="0"/>
           </a:p>
+        </p:txBody>
+      </p:sp>
+      <p:sp>
+        <p:nvSpPr>
+          <p:cNvPr id="4" name="Slide Number Placeholder 3"/>
+          <p:cNvSpPr>
+            <a:spLocks noGrp="1"/>
+          </p:cNvSpPr>
+          <p:nvPr>
+            <p:ph type="sldNum" sz="quarter" idx="10"/>
+          </p:nvPr>
+        </p:nvSpPr>
+        <p:spPr/>
+        <p:txBody>
+          <a:bodyPr/>
+          <a:lstStyle/>
+          <a:p>
+            <a:fld id="{BBC1DE02-C006-4F38-873D-E62701AB1734}" type="slidenum">
+              <a:rPr lang="en-NZ" smtClean="0"/>
+              <a:t>11</a:t>
+            </a:fld>
+            <a:endParaRPr lang="en-NZ"/>
+          </a:p>
+        </p:txBody>
+      </p:sp>
+    </p:spTree>
+    <p:extLst>
+      <p:ext uri="{BB962C8B-B14F-4D97-AF65-F5344CB8AC3E}">
+        <p14:creationId xmlns:p14="http://schemas.microsoft.com/office/powerpoint/2010/main" val="958592852"/>
+      </p:ext>
+    </p:extLst>
+  </p:cSld>
+  <p:clrMapOvr>
+    <a:masterClrMapping/>
+  </p:clrMapOvr>
+</p:notes>
+</file>
+
+<file path=ppt/notesSlides/notesSlide11.xml><?xml version="1.0" encoding="utf-8"?>
+<p:notes xmlns:a="http://schemas.openxmlformats.org/drawingml/2006/main" xmlns:r="http://schemas.openxmlformats.org/officeDocument/2006/relationships" xmlns:p="http://schemas.openxmlformats.org/presentationml/2006/main">
+  <p:cSld>
+    <p:spTree>
+      <p:nvGrpSpPr>
+        <p:cNvPr id="1" name=""/>
+        <p:cNvGrpSpPr/>
+        <p:nvPr/>
+      </p:nvGrpSpPr>
+      <p:grpSpPr>
+        <a:xfrm>
+          <a:off x="0" y="0"/>
+          <a:ext cx="0" cy="0"/>
+          <a:chOff x="0" y="0"/>
+          <a:chExt cx="0" cy="0"/>
+        </a:xfrm>
+      </p:grpSpPr>
+      <p:sp>
+        <p:nvSpPr>
+          <p:cNvPr id="2" name="Slide Image Placeholder 1"/>
+          <p:cNvSpPr>
+            <a:spLocks noGrp="1" noRot="1" noChangeAspect="1"/>
+          </p:cNvSpPr>
+          <p:nvPr>
+            <p:ph type="sldImg"/>
+          </p:nvPr>
+        </p:nvSpPr>
+        <p:spPr/>
+      </p:sp>
+      <p:sp>
+        <p:nvSpPr>
+          <p:cNvPr id="3" name="Notes Placeholder 2"/>
+          <p:cNvSpPr>
+            <a:spLocks noGrp="1"/>
+          </p:cNvSpPr>
+          <p:nvPr>
+            <p:ph type="body" idx="1"/>
+          </p:nvPr>
+        </p:nvSpPr>
+        <p:spPr/>
+        <p:txBody>
+          <a:bodyPr/>
+          <a:lstStyle/>
           <a:p>
             <a:pPr marL="171450" indent="-171450">
               <a:buFont typeface="Arial" panose="020B0604020202020204" pitchFamily="34" charset="0"/>
               <a:buChar char="•"/>
             </a:pPr>
-            <a:r>
-              <a:rPr lang="en-NZ" dirty="0" smtClean="0"/>
-              <a:t>This movement is </a:t>
-            </a:r>
-            <a:r>
-              <a:rPr lang="en-NZ" smtClean="0"/>
-              <a:t>called scrolling</a:t>
-            </a:r>
             <a:endParaRPr lang="en-NZ" dirty="0" smtClean="0"/>
           </a:p>
         </p:txBody>
@@ -573,7 +740,7 @@
           <a:p>
             <a:fld id="{BBC1DE02-C006-4F38-873D-E62701AB1734}" type="slidenum">
               <a:rPr lang="en-NZ" smtClean="0"/>
-              <a:t>2</a:t>
+              <a:t>12</a:t>
             </a:fld>
             <a:endParaRPr lang="en-NZ"/>
           </a:p>
@@ -582,7 +749,711 @@
     </p:spTree>
     <p:extLst>
       <p:ext uri="{BB962C8B-B14F-4D97-AF65-F5344CB8AC3E}">
-        <p14:creationId xmlns:p14="http://schemas.microsoft.com/office/powerpoint/2010/main" val="595567921"/>
+        <p14:creationId xmlns:p14="http://schemas.microsoft.com/office/powerpoint/2010/main" val="1034935747"/>
+      </p:ext>
+    </p:extLst>
+  </p:cSld>
+  <p:clrMapOvr>
+    <a:masterClrMapping/>
+  </p:clrMapOvr>
+</p:notes>
+</file>
+
+<file path=ppt/notesSlides/notesSlide12.xml><?xml version="1.0" encoding="utf-8"?>
+<p:notes xmlns:a="http://schemas.openxmlformats.org/drawingml/2006/main" xmlns:r="http://schemas.openxmlformats.org/officeDocument/2006/relationships" xmlns:p="http://schemas.openxmlformats.org/presentationml/2006/main">
+  <p:cSld>
+    <p:spTree>
+      <p:nvGrpSpPr>
+        <p:cNvPr id="1" name=""/>
+        <p:cNvGrpSpPr/>
+        <p:nvPr/>
+      </p:nvGrpSpPr>
+      <p:grpSpPr>
+        <a:xfrm>
+          <a:off x="0" y="0"/>
+          <a:ext cx="0" cy="0"/>
+          <a:chOff x="0" y="0"/>
+          <a:chExt cx="0" cy="0"/>
+        </a:xfrm>
+      </p:grpSpPr>
+      <p:sp>
+        <p:nvSpPr>
+          <p:cNvPr id="2" name="Slide Image Placeholder 1"/>
+          <p:cNvSpPr>
+            <a:spLocks noGrp="1" noRot="1" noChangeAspect="1"/>
+          </p:cNvSpPr>
+          <p:nvPr>
+            <p:ph type="sldImg"/>
+          </p:nvPr>
+        </p:nvSpPr>
+        <p:spPr/>
+      </p:sp>
+      <p:sp>
+        <p:nvSpPr>
+          <p:cNvPr id="3" name="Notes Placeholder 2"/>
+          <p:cNvSpPr>
+            <a:spLocks noGrp="1"/>
+          </p:cNvSpPr>
+          <p:nvPr>
+            <p:ph type="body" idx="1"/>
+          </p:nvPr>
+        </p:nvSpPr>
+        <p:spPr/>
+        <p:txBody>
+          <a:bodyPr/>
+          <a:lstStyle/>
+          <a:p>
+            <a:pPr marL="171450" indent="-171450">
+              <a:buFont typeface="Arial" panose="020B0604020202020204" pitchFamily="34" charset="0"/>
+              <a:buChar char="•"/>
+            </a:pPr>
+            <a:endParaRPr lang="en-NZ" dirty="0" smtClean="0"/>
+          </a:p>
+        </p:txBody>
+      </p:sp>
+      <p:sp>
+        <p:nvSpPr>
+          <p:cNvPr id="4" name="Slide Number Placeholder 3"/>
+          <p:cNvSpPr>
+            <a:spLocks noGrp="1"/>
+          </p:cNvSpPr>
+          <p:nvPr>
+            <p:ph type="sldNum" sz="quarter" idx="10"/>
+          </p:nvPr>
+        </p:nvSpPr>
+        <p:spPr/>
+        <p:txBody>
+          <a:bodyPr/>
+          <a:lstStyle/>
+          <a:p>
+            <a:fld id="{BBC1DE02-C006-4F38-873D-E62701AB1734}" type="slidenum">
+              <a:rPr lang="en-NZ" smtClean="0"/>
+              <a:t>13</a:t>
+            </a:fld>
+            <a:endParaRPr lang="en-NZ"/>
+          </a:p>
+        </p:txBody>
+      </p:sp>
+    </p:spTree>
+    <p:extLst>
+      <p:ext uri="{BB962C8B-B14F-4D97-AF65-F5344CB8AC3E}">
+        <p14:creationId xmlns:p14="http://schemas.microsoft.com/office/powerpoint/2010/main" val="482178482"/>
+      </p:ext>
+    </p:extLst>
+  </p:cSld>
+  <p:clrMapOvr>
+    <a:masterClrMapping/>
+  </p:clrMapOvr>
+</p:notes>
+</file>
+
+<file path=ppt/notesSlides/notesSlide13.xml><?xml version="1.0" encoding="utf-8"?>
+<p:notes xmlns:a="http://schemas.openxmlformats.org/drawingml/2006/main" xmlns:r="http://schemas.openxmlformats.org/officeDocument/2006/relationships" xmlns:p="http://schemas.openxmlformats.org/presentationml/2006/main">
+  <p:cSld>
+    <p:spTree>
+      <p:nvGrpSpPr>
+        <p:cNvPr id="1" name=""/>
+        <p:cNvGrpSpPr/>
+        <p:nvPr/>
+      </p:nvGrpSpPr>
+      <p:grpSpPr>
+        <a:xfrm>
+          <a:off x="0" y="0"/>
+          <a:ext cx="0" cy="0"/>
+          <a:chOff x="0" y="0"/>
+          <a:chExt cx="0" cy="0"/>
+        </a:xfrm>
+      </p:grpSpPr>
+      <p:sp>
+        <p:nvSpPr>
+          <p:cNvPr id="2" name="Slide Image Placeholder 1"/>
+          <p:cNvSpPr>
+            <a:spLocks noGrp="1" noRot="1" noChangeAspect="1"/>
+          </p:cNvSpPr>
+          <p:nvPr>
+            <p:ph type="sldImg"/>
+          </p:nvPr>
+        </p:nvSpPr>
+        <p:spPr/>
+      </p:sp>
+      <p:sp>
+        <p:nvSpPr>
+          <p:cNvPr id="3" name="Notes Placeholder 2"/>
+          <p:cNvSpPr>
+            <a:spLocks noGrp="1"/>
+          </p:cNvSpPr>
+          <p:nvPr>
+            <p:ph type="body" idx="1"/>
+          </p:nvPr>
+        </p:nvSpPr>
+        <p:spPr/>
+        <p:txBody>
+          <a:bodyPr/>
+          <a:lstStyle/>
+          <a:p>
+            <a:pPr marL="171450" indent="-171450">
+              <a:buFont typeface="Arial" panose="020B0604020202020204" pitchFamily="34" charset="0"/>
+              <a:buChar char="•"/>
+            </a:pPr>
+            <a:endParaRPr lang="en-NZ" dirty="0" smtClean="0"/>
+          </a:p>
+        </p:txBody>
+      </p:sp>
+      <p:sp>
+        <p:nvSpPr>
+          <p:cNvPr id="4" name="Slide Number Placeholder 3"/>
+          <p:cNvSpPr>
+            <a:spLocks noGrp="1"/>
+          </p:cNvSpPr>
+          <p:nvPr>
+            <p:ph type="sldNum" sz="quarter" idx="10"/>
+          </p:nvPr>
+        </p:nvSpPr>
+        <p:spPr/>
+        <p:txBody>
+          <a:bodyPr/>
+          <a:lstStyle/>
+          <a:p>
+            <a:fld id="{BBC1DE02-C006-4F38-873D-E62701AB1734}" type="slidenum">
+              <a:rPr lang="en-NZ" smtClean="0"/>
+              <a:t>14</a:t>
+            </a:fld>
+            <a:endParaRPr lang="en-NZ"/>
+          </a:p>
+        </p:txBody>
+      </p:sp>
+    </p:spTree>
+    <p:extLst>
+      <p:ext uri="{BB962C8B-B14F-4D97-AF65-F5344CB8AC3E}">
+        <p14:creationId xmlns:p14="http://schemas.microsoft.com/office/powerpoint/2010/main" val="383288702"/>
+      </p:ext>
+    </p:extLst>
+  </p:cSld>
+  <p:clrMapOvr>
+    <a:masterClrMapping/>
+  </p:clrMapOvr>
+</p:notes>
+</file>
+
+<file path=ppt/notesSlides/notesSlide14.xml><?xml version="1.0" encoding="utf-8"?>
+<p:notes xmlns:a="http://schemas.openxmlformats.org/drawingml/2006/main" xmlns:r="http://schemas.openxmlformats.org/officeDocument/2006/relationships" xmlns:p="http://schemas.openxmlformats.org/presentationml/2006/main">
+  <p:cSld>
+    <p:spTree>
+      <p:nvGrpSpPr>
+        <p:cNvPr id="1" name=""/>
+        <p:cNvGrpSpPr/>
+        <p:nvPr/>
+      </p:nvGrpSpPr>
+      <p:grpSpPr>
+        <a:xfrm>
+          <a:off x="0" y="0"/>
+          <a:ext cx="0" cy="0"/>
+          <a:chOff x="0" y="0"/>
+          <a:chExt cx="0" cy="0"/>
+        </a:xfrm>
+      </p:grpSpPr>
+      <p:sp>
+        <p:nvSpPr>
+          <p:cNvPr id="2" name="Slide Image Placeholder 1"/>
+          <p:cNvSpPr>
+            <a:spLocks noGrp="1" noRot="1" noChangeAspect="1"/>
+          </p:cNvSpPr>
+          <p:nvPr>
+            <p:ph type="sldImg"/>
+          </p:nvPr>
+        </p:nvSpPr>
+        <p:spPr/>
+      </p:sp>
+      <p:sp>
+        <p:nvSpPr>
+          <p:cNvPr id="3" name="Notes Placeholder 2"/>
+          <p:cNvSpPr>
+            <a:spLocks noGrp="1"/>
+          </p:cNvSpPr>
+          <p:nvPr>
+            <p:ph type="body" idx="1"/>
+          </p:nvPr>
+        </p:nvSpPr>
+        <p:spPr/>
+        <p:txBody>
+          <a:bodyPr/>
+          <a:lstStyle/>
+          <a:p>
+            <a:pPr marL="171450" indent="-171450">
+              <a:buFont typeface="Arial" panose="020B0604020202020204" pitchFamily="34" charset="0"/>
+              <a:buChar char="•"/>
+            </a:pPr>
+            <a:endParaRPr lang="en-NZ" dirty="0" smtClean="0"/>
+          </a:p>
+        </p:txBody>
+      </p:sp>
+      <p:sp>
+        <p:nvSpPr>
+          <p:cNvPr id="4" name="Slide Number Placeholder 3"/>
+          <p:cNvSpPr>
+            <a:spLocks noGrp="1"/>
+          </p:cNvSpPr>
+          <p:nvPr>
+            <p:ph type="sldNum" sz="quarter" idx="10"/>
+          </p:nvPr>
+        </p:nvSpPr>
+        <p:spPr/>
+        <p:txBody>
+          <a:bodyPr/>
+          <a:lstStyle/>
+          <a:p>
+            <a:fld id="{BBC1DE02-C006-4F38-873D-E62701AB1734}" type="slidenum">
+              <a:rPr lang="en-NZ" smtClean="0"/>
+              <a:t>15</a:t>
+            </a:fld>
+            <a:endParaRPr lang="en-NZ"/>
+          </a:p>
+        </p:txBody>
+      </p:sp>
+    </p:spTree>
+    <p:extLst>
+      <p:ext uri="{BB962C8B-B14F-4D97-AF65-F5344CB8AC3E}">
+        <p14:creationId xmlns:p14="http://schemas.microsoft.com/office/powerpoint/2010/main" val="297226897"/>
+      </p:ext>
+    </p:extLst>
+  </p:cSld>
+  <p:clrMapOvr>
+    <a:masterClrMapping/>
+  </p:clrMapOvr>
+</p:notes>
+</file>
+
+<file path=ppt/notesSlides/notesSlide15.xml><?xml version="1.0" encoding="utf-8"?>
+<p:notes xmlns:a="http://schemas.openxmlformats.org/drawingml/2006/main" xmlns:r="http://schemas.openxmlformats.org/officeDocument/2006/relationships" xmlns:p="http://schemas.openxmlformats.org/presentationml/2006/main">
+  <p:cSld>
+    <p:spTree>
+      <p:nvGrpSpPr>
+        <p:cNvPr id="1" name=""/>
+        <p:cNvGrpSpPr/>
+        <p:nvPr/>
+      </p:nvGrpSpPr>
+      <p:grpSpPr>
+        <a:xfrm>
+          <a:off x="0" y="0"/>
+          <a:ext cx="0" cy="0"/>
+          <a:chOff x="0" y="0"/>
+          <a:chExt cx="0" cy="0"/>
+        </a:xfrm>
+      </p:grpSpPr>
+      <p:sp>
+        <p:nvSpPr>
+          <p:cNvPr id="2" name="Slide Image Placeholder 1"/>
+          <p:cNvSpPr>
+            <a:spLocks noGrp="1" noRot="1" noChangeAspect="1"/>
+          </p:cNvSpPr>
+          <p:nvPr>
+            <p:ph type="sldImg"/>
+          </p:nvPr>
+        </p:nvSpPr>
+        <p:spPr/>
+      </p:sp>
+      <p:sp>
+        <p:nvSpPr>
+          <p:cNvPr id="3" name="Notes Placeholder 2"/>
+          <p:cNvSpPr>
+            <a:spLocks noGrp="1"/>
+          </p:cNvSpPr>
+          <p:nvPr>
+            <p:ph type="body" idx="1"/>
+          </p:nvPr>
+        </p:nvSpPr>
+        <p:spPr/>
+        <p:txBody>
+          <a:bodyPr/>
+          <a:lstStyle/>
+          <a:p>
+            <a:pPr marL="171450" indent="-171450">
+              <a:buFont typeface="Arial" panose="020B0604020202020204" pitchFamily="34" charset="0"/>
+              <a:buChar char="•"/>
+            </a:pPr>
+            <a:endParaRPr lang="en-NZ" dirty="0" smtClean="0"/>
+          </a:p>
+        </p:txBody>
+      </p:sp>
+      <p:sp>
+        <p:nvSpPr>
+          <p:cNvPr id="4" name="Slide Number Placeholder 3"/>
+          <p:cNvSpPr>
+            <a:spLocks noGrp="1"/>
+          </p:cNvSpPr>
+          <p:nvPr>
+            <p:ph type="sldNum" sz="quarter" idx="10"/>
+          </p:nvPr>
+        </p:nvSpPr>
+        <p:spPr/>
+        <p:txBody>
+          <a:bodyPr/>
+          <a:lstStyle/>
+          <a:p>
+            <a:fld id="{BBC1DE02-C006-4F38-873D-E62701AB1734}" type="slidenum">
+              <a:rPr lang="en-NZ" smtClean="0"/>
+              <a:t>16</a:t>
+            </a:fld>
+            <a:endParaRPr lang="en-NZ"/>
+          </a:p>
+        </p:txBody>
+      </p:sp>
+    </p:spTree>
+    <p:extLst>
+      <p:ext uri="{BB962C8B-B14F-4D97-AF65-F5344CB8AC3E}">
+        <p14:creationId xmlns:p14="http://schemas.microsoft.com/office/powerpoint/2010/main" val="289520307"/>
+      </p:ext>
+    </p:extLst>
+  </p:cSld>
+  <p:clrMapOvr>
+    <a:masterClrMapping/>
+  </p:clrMapOvr>
+</p:notes>
+</file>
+
+<file path=ppt/notesSlides/notesSlide16.xml><?xml version="1.0" encoding="utf-8"?>
+<p:notes xmlns:a="http://schemas.openxmlformats.org/drawingml/2006/main" xmlns:r="http://schemas.openxmlformats.org/officeDocument/2006/relationships" xmlns:p="http://schemas.openxmlformats.org/presentationml/2006/main">
+  <p:cSld>
+    <p:spTree>
+      <p:nvGrpSpPr>
+        <p:cNvPr id="1" name=""/>
+        <p:cNvGrpSpPr/>
+        <p:nvPr/>
+      </p:nvGrpSpPr>
+      <p:grpSpPr>
+        <a:xfrm>
+          <a:off x="0" y="0"/>
+          <a:ext cx="0" cy="0"/>
+          <a:chOff x="0" y="0"/>
+          <a:chExt cx="0" cy="0"/>
+        </a:xfrm>
+      </p:grpSpPr>
+      <p:sp>
+        <p:nvSpPr>
+          <p:cNvPr id="2" name="Slide Image Placeholder 1"/>
+          <p:cNvSpPr>
+            <a:spLocks noGrp="1" noRot="1" noChangeAspect="1"/>
+          </p:cNvSpPr>
+          <p:nvPr>
+            <p:ph type="sldImg"/>
+          </p:nvPr>
+        </p:nvSpPr>
+        <p:spPr/>
+      </p:sp>
+      <p:sp>
+        <p:nvSpPr>
+          <p:cNvPr id="3" name="Notes Placeholder 2"/>
+          <p:cNvSpPr>
+            <a:spLocks noGrp="1"/>
+          </p:cNvSpPr>
+          <p:nvPr>
+            <p:ph type="body" idx="1"/>
+          </p:nvPr>
+        </p:nvSpPr>
+        <p:spPr/>
+        <p:txBody>
+          <a:bodyPr/>
+          <a:lstStyle/>
+          <a:p>
+            <a:pPr marL="171450" indent="-171450">
+              <a:buFont typeface="Arial" panose="020B0604020202020204" pitchFamily="34" charset="0"/>
+              <a:buChar char="•"/>
+            </a:pPr>
+            <a:endParaRPr lang="en-NZ" dirty="0" smtClean="0"/>
+          </a:p>
+        </p:txBody>
+      </p:sp>
+      <p:sp>
+        <p:nvSpPr>
+          <p:cNvPr id="4" name="Slide Number Placeholder 3"/>
+          <p:cNvSpPr>
+            <a:spLocks noGrp="1"/>
+          </p:cNvSpPr>
+          <p:nvPr>
+            <p:ph type="sldNum" sz="quarter" idx="10"/>
+          </p:nvPr>
+        </p:nvSpPr>
+        <p:spPr/>
+        <p:txBody>
+          <a:bodyPr/>
+          <a:lstStyle/>
+          <a:p>
+            <a:fld id="{BBC1DE02-C006-4F38-873D-E62701AB1734}" type="slidenum">
+              <a:rPr lang="en-NZ" smtClean="0"/>
+              <a:t>17</a:t>
+            </a:fld>
+            <a:endParaRPr lang="en-NZ"/>
+          </a:p>
+        </p:txBody>
+      </p:sp>
+    </p:spTree>
+    <p:extLst>
+      <p:ext uri="{BB962C8B-B14F-4D97-AF65-F5344CB8AC3E}">
+        <p14:creationId xmlns:p14="http://schemas.microsoft.com/office/powerpoint/2010/main" val="1247016551"/>
+      </p:ext>
+    </p:extLst>
+  </p:cSld>
+  <p:clrMapOvr>
+    <a:masterClrMapping/>
+  </p:clrMapOvr>
+</p:notes>
+</file>
+
+<file path=ppt/notesSlides/notesSlide17.xml><?xml version="1.0" encoding="utf-8"?>
+<p:notes xmlns:a="http://schemas.openxmlformats.org/drawingml/2006/main" xmlns:r="http://schemas.openxmlformats.org/officeDocument/2006/relationships" xmlns:p="http://schemas.openxmlformats.org/presentationml/2006/main">
+  <p:cSld>
+    <p:spTree>
+      <p:nvGrpSpPr>
+        <p:cNvPr id="1" name=""/>
+        <p:cNvGrpSpPr/>
+        <p:nvPr/>
+      </p:nvGrpSpPr>
+      <p:grpSpPr>
+        <a:xfrm>
+          <a:off x="0" y="0"/>
+          <a:ext cx="0" cy="0"/>
+          <a:chOff x="0" y="0"/>
+          <a:chExt cx="0" cy="0"/>
+        </a:xfrm>
+      </p:grpSpPr>
+      <p:sp>
+        <p:nvSpPr>
+          <p:cNvPr id="2" name="Slide Image Placeholder 1"/>
+          <p:cNvSpPr>
+            <a:spLocks noGrp="1" noRot="1" noChangeAspect="1"/>
+          </p:cNvSpPr>
+          <p:nvPr>
+            <p:ph type="sldImg"/>
+          </p:nvPr>
+        </p:nvSpPr>
+        <p:spPr/>
+      </p:sp>
+      <p:sp>
+        <p:nvSpPr>
+          <p:cNvPr id="3" name="Notes Placeholder 2"/>
+          <p:cNvSpPr>
+            <a:spLocks noGrp="1"/>
+          </p:cNvSpPr>
+          <p:nvPr>
+            <p:ph type="body" idx="1"/>
+          </p:nvPr>
+        </p:nvSpPr>
+        <p:spPr/>
+        <p:txBody>
+          <a:bodyPr/>
+          <a:lstStyle/>
+          <a:p>
+            <a:pPr marL="171450" indent="-171450">
+              <a:buFont typeface="Arial" panose="020B0604020202020204" pitchFamily="34" charset="0"/>
+              <a:buChar char="•"/>
+            </a:pPr>
+            <a:endParaRPr lang="en-NZ" dirty="0" smtClean="0"/>
+          </a:p>
+        </p:txBody>
+      </p:sp>
+      <p:sp>
+        <p:nvSpPr>
+          <p:cNvPr id="4" name="Slide Number Placeholder 3"/>
+          <p:cNvSpPr>
+            <a:spLocks noGrp="1"/>
+          </p:cNvSpPr>
+          <p:nvPr>
+            <p:ph type="sldNum" sz="quarter" idx="10"/>
+          </p:nvPr>
+        </p:nvSpPr>
+        <p:spPr/>
+        <p:txBody>
+          <a:bodyPr/>
+          <a:lstStyle/>
+          <a:p>
+            <a:fld id="{BBC1DE02-C006-4F38-873D-E62701AB1734}" type="slidenum">
+              <a:rPr lang="en-NZ" smtClean="0"/>
+              <a:t>18</a:t>
+            </a:fld>
+            <a:endParaRPr lang="en-NZ"/>
+          </a:p>
+        </p:txBody>
+      </p:sp>
+    </p:spTree>
+    <p:extLst>
+      <p:ext uri="{BB962C8B-B14F-4D97-AF65-F5344CB8AC3E}">
+        <p14:creationId xmlns:p14="http://schemas.microsoft.com/office/powerpoint/2010/main" val="1901775769"/>
+      </p:ext>
+    </p:extLst>
+  </p:cSld>
+  <p:clrMapOvr>
+    <a:masterClrMapping/>
+  </p:clrMapOvr>
+</p:notes>
+</file>
+
+<file path=ppt/notesSlides/notesSlide18.xml><?xml version="1.0" encoding="utf-8"?>
+<p:notes xmlns:a="http://schemas.openxmlformats.org/drawingml/2006/main" xmlns:r="http://schemas.openxmlformats.org/officeDocument/2006/relationships" xmlns:p="http://schemas.openxmlformats.org/presentationml/2006/main">
+  <p:cSld>
+    <p:spTree>
+      <p:nvGrpSpPr>
+        <p:cNvPr id="1" name=""/>
+        <p:cNvGrpSpPr/>
+        <p:nvPr/>
+      </p:nvGrpSpPr>
+      <p:grpSpPr>
+        <a:xfrm>
+          <a:off x="0" y="0"/>
+          <a:ext cx="0" cy="0"/>
+          <a:chOff x="0" y="0"/>
+          <a:chExt cx="0" cy="0"/>
+        </a:xfrm>
+      </p:grpSpPr>
+      <p:sp>
+        <p:nvSpPr>
+          <p:cNvPr id="2" name="Slide Image Placeholder 1"/>
+          <p:cNvSpPr>
+            <a:spLocks noGrp="1" noRot="1" noChangeAspect="1"/>
+          </p:cNvSpPr>
+          <p:nvPr>
+            <p:ph type="sldImg"/>
+          </p:nvPr>
+        </p:nvSpPr>
+        <p:spPr/>
+      </p:sp>
+      <p:sp>
+        <p:nvSpPr>
+          <p:cNvPr id="3" name="Notes Placeholder 2"/>
+          <p:cNvSpPr>
+            <a:spLocks noGrp="1"/>
+          </p:cNvSpPr>
+          <p:nvPr>
+            <p:ph type="body" idx="1"/>
+          </p:nvPr>
+        </p:nvSpPr>
+        <p:spPr/>
+        <p:txBody>
+          <a:bodyPr/>
+          <a:lstStyle/>
+          <a:p>
+            <a:pPr marL="171450" indent="-171450">
+              <a:buFont typeface="Arial" panose="020B0604020202020204" pitchFamily="34" charset="0"/>
+              <a:buChar char="•"/>
+            </a:pPr>
+            <a:endParaRPr lang="en-NZ" dirty="0" smtClean="0"/>
+          </a:p>
+        </p:txBody>
+      </p:sp>
+      <p:sp>
+        <p:nvSpPr>
+          <p:cNvPr id="4" name="Slide Number Placeholder 3"/>
+          <p:cNvSpPr>
+            <a:spLocks noGrp="1"/>
+          </p:cNvSpPr>
+          <p:nvPr>
+            <p:ph type="sldNum" sz="quarter" idx="10"/>
+          </p:nvPr>
+        </p:nvSpPr>
+        <p:spPr/>
+        <p:txBody>
+          <a:bodyPr/>
+          <a:lstStyle/>
+          <a:p>
+            <a:fld id="{BBC1DE02-C006-4F38-873D-E62701AB1734}" type="slidenum">
+              <a:rPr lang="en-NZ" smtClean="0"/>
+              <a:t>19</a:t>
+            </a:fld>
+            <a:endParaRPr lang="en-NZ"/>
+          </a:p>
+        </p:txBody>
+      </p:sp>
+    </p:spTree>
+    <p:extLst>
+      <p:ext uri="{BB962C8B-B14F-4D97-AF65-F5344CB8AC3E}">
+        <p14:creationId xmlns:p14="http://schemas.microsoft.com/office/powerpoint/2010/main" val="260296637"/>
+      </p:ext>
+    </p:extLst>
+  </p:cSld>
+  <p:clrMapOvr>
+    <a:masterClrMapping/>
+  </p:clrMapOvr>
+</p:notes>
+</file>
+
+<file path=ppt/notesSlides/notesSlide19.xml><?xml version="1.0" encoding="utf-8"?>
+<p:notes xmlns:a="http://schemas.openxmlformats.org/drawingml/2006/main" xmlns:r="http://schemas.openxmlformats.org/officeDocument/2006/relationships" xmlns:p="http://schemas.openxmlformats.org/presentationml/2006/main">
+  <p:cSld>
+    <p:spTree>
+      <p:nvGrpSpPr>
+        <p:cNvPr id="1" name=""/>
+        <p:cNvGrpSpPr/>
+        <p:nvPr/>
+      </p:nvGrpSpPr>
+      <p:grpSpPr>
+        <a:xfrm>
+          <a:off x="0" y="0"/>
+          <a:ext cx="0" cy="0"/>
+          <a:chOff x="0" y="0"/>
+          <a:chExt cx="0" cy="0"/>
+        </a:xfrm>
+      </p:grpSpPr>
+      <p:sp>
+        <p:nvSpPr>
+          <p:cNvPr id="2" name="Slide Image Placeholder 1"/>
+          <p:cNvSpPr>
+            <a:spLocks noGrp="1" noRot="1" noChangeAspect="1"/>
+          </p:cNvSpPr>
+          <p:nvPr>
+            <p:ph type="sldImg"/>
+          </p:nvPr>
+        </p:nvSpPr>
+        <p:spPr/>
+      </p:sp>
+      <p:sp>
+        <p:nvSpPr>
+          <p:cNvPr id="3" name="Notes Placeholder 2"/>
+          <p:cNvSpPr>
+            <a:spLocks noGrp="1"/>
+          </p:cNvSpPr>
+          <p:nvPr>
+            <p:ph type="body" idx="1"/>
+          </p:nvPr>
+        </p:nvSpPr>
+        <p:spPr/>
+        <p:txBody>
+          <a:bodyPr/>
+          <a:lstStyle/>
+          <a:p>
+            <a:pPr marL="171450" indent="-171450">
+              <a:buFont typeface="Arial" panose="020B0604020202020204" pitchFamily="34" charset="0"/>
+              <a:buChar char="•"/>
+            </a:pPr>
+            <a:endParaRPr lang="en-NZ" dirty="0" smtClean="0"/>
+          </a:p>
+        </p:txBody>
+      </p:sp>
+      <p:sp>
+        <p:nvSpPr>
+          <p:cNvPr id="4" name="Slide Number Placeholder 3"/>
+          <p:cNvSpPr>
+            <a:spLocks noGrp="1"/>
+          </p:cNvSpPr>
+          <p:nvPr>
+            <p:ph type="sldNum" sz="quarter" idx="10"/>
+          </p:nvPr>
+        </p:nvSpPr>
+        <p:spPr/>
+        <p:txBody>
+          <a:bodyPr/>
+          <a:lstStyle/>
+          <a:p>
+            <a:fld id="{BBC1DE02-C006-4F38-873D-E62701AB1734}" type="slidenum">
+              <a:rPr lang="en-NZ" smtClean="0"/>
+              <a:t>20</a:t>
+            </a:fld>
+            <a:endParaRPr lang="en-NZ"/>
+          </a:p>
+        </p:txBody>
+      </p:sp>
+    </p:spTree>
+    <p:extLst>
+      <p:ext uri="{BB962C8B-B14F-4D97-AF65-F5344CB8AC3E}">
+        <p14:creationId xmlns:p14="http://schemas.microsoft.com/office/powerpoint/2010/main" val="983805020"/>
       </p:ext>
     </p:extLst>
   </p:cSld>
@@ -728,11 +1599,473 @@
               <a:buFont typeface="Arial" panose="020B0604020202020204" pitchFamily="34" charset="0"/>
               <a:buChar char="•"/>
             </a:pPr>
-            <a:r>
-              <a:rPr lang="en-NZ" dirty="0" smtClean="0"/>
-              <a:t>Using Super Mario Bros (Original NES version) as an example</a:t>
-            </a:r>
-          </a:p>
+            <a:endParaRPr lang="en-NZ" dirty="0" smtClean="0"/>
+          </a:p>
+        </p:txBody>
+      </p:sp>
+      <p:sp>
+        <p:nvSpPr>
+          <p:cNvPr id="4" name="Slide Number Placeholder 3"/>
+          <p:cNvSpPr>
+            <a:spLocks noGrp="1"/>
+          </p:cNvSpPr>
+          <p:nvPr>
+            <p:ph type="sldNum" sz="quarter" idx="10"/>
+          </p:nvPr>
+        </p:nvSpPr>
+        <p:spPr/>
+        <p:txBody>
+          <a:bodyPr/>
+          <a:lstStyle/>
+          <a:p>
+            <a:fld id="{BBC1DE02-C006-4F38-873D-E62701AB1734}" type="slidenum">
+              <a:rPr lang="en-NZ" smtClean="0"/>
+              <a:t>4</a:t>
+            </a:fld>
+            <a:endParaRPr lang="en-NZ"/>
+          </a:p>
+        </p:txBody>
+      </p:sp>
+    </p:spTree>
+    <p:extLst>
+      <p:ext uri="{BB962C8B-B14F-4D97-AF65-F5344CB8AC3E}">
+        <p14:creationId xmlns:p14="http://schemas.microsoft.com/office/powerpoint/2010/main" val="568597630"/>
+      </p:ext>
+    </p:extLst>
+  </p:cSld>
+  <p:clrMapOvr>
+    <a:masterClrMapping/>
+  </p:clrMapOvr>
+</p:notes>
+</file>
+
+<file path=ppt/notesSlides/notesSlide4.xml><?xml version="1.0" encoding="utf-8"?>
+<p:notes xmlns:a="http://schemas.openxmlformats.org/drawingml/2006/main" xmlns:r="http://schemas.openxmlformats.org/officeDocument/2006/relationships" xmlns:p="http://schemas.openxmlformats.org/presentationml/2006/main">
+  <p:cSld>
+    <p:spTree>
+      <p:nvGrpSpPr>
+        <p:cNvPr id="1" name=""/>
+        <p:cNvGrpSpPr/>
+        <p:nvPr/>
+      </p:nvGrpSpPr>
+      <p:grpSpPr>
+        <a:xfrm>
+          <a:off x="0" y="0"/>
+          <a:ext cx="0" cy="0"/>
+          <a:chOff x="0" y="0"/>
+          <a:chExt cx="0" cy="0"/>
+        </a:xfrm>
+      </p:grpSpPr>
+      <p:sp>
+        <p:nvSpPr>
+          <p:cNvPr id="2" name="Slide Image Placeholder 1"/>
+          <p:cNvSpPr>
+            <a:spLocks noGrp="1" noRot="1" noChangeAspect="1"/>
+          </p:cNvSpPr>
+          <p:nvPr>
+            <p:ph type="sldImg"/>
+          </p:nvPr>
+        </p:nvSpPr>
+        <p:spPr/>
+      </p:sp>
+      <p:sp>
+        <p:nvSpPr>
+          <p:cNvPr id="3" name="Notes Placeholder 2"/>
+          <p:cNvSpPr>
+            <a:spLocks noGrp="1"/>
+          </p:cNvSpPr>
+          <p:nvPr>
+            <p:ph type="body" idx="1"/>
+          </p:nvPr>
+        </p:nvSpPr>
+        <p:spPr/>
+        <p:txBody>
+          <a:bodyPr/>
+          <a:lstStyle/>
+          <a:p>
+            <a:pPr marL="171450" indent="-171450">
+              <a:buFont typeface="Arial" charset="0"/>
+              <a:buChar char="•"/>
+            </a:pPr>
+            <a:endParaRPr lang="en-US" sz="1200" kern="1200" dirty="0">
+              <a:solidFill>
+                <a:schemeClr val="tx1"/>
+              </a:solidFill>
+              <a:effectLst/>
+              <a:latin typeface="+mn-lt"/>
+              <a:ea typeface="+mn-ea"/>
+              <a:cs typeface="+mn-cs"/>
+            </a:endParaRPr>
+          </a:p>
+        </p:txBody>
+      </p:sp>
+      <p:sp>
+        <p:nvSpPr>
+          <p:cNvPr id="4" name="Slide Number Placeholder 3"/>
+          <p:cNvSpPr>
+            <a:spLocks noGrp="1"/>
+          </p:cNvSpPr>
+          <p:nvPr>
+            <p:ph type="sldNum" sz="quarter" idx="10"/>
+          </p:nvPr>
+        </p:nvSpPr>
+        <p:spPr/>
+        <p:txBody>
+          <a:bodyPr/>
+          <a:lstStyle/>
+          <a:p>
+            <a:fld id="{BBC1DE02-C006-4F38-873D-E62701AB1734}" type="slidenum">
+              <a:rPr lang="en-NZ" smtClean="0"/>
+              <a:t>5</a:t>
+            </a:fld>
+            <a:endParaRPr lang="en-NZ"/>
+          </a:p>
+        </p:txBody>
+      </p:sp>
+    </p:spTree>
+    <p:extLst>
+      <p:ext uri="{BB962C8B-B14F-4D97-AF65-F5344CB8AC3E}">
+        <p14:creationId xmlns:p14="http://schemas.microsoft.com/office/powerpoint/2010/main" val="969883903"/>
+      </p:ext>
+    </p:extLst>
+  </p:cSld>
+  <p:clrMapOvr>
+    <a:masterClrMapping/>
+  </p:clrMapOvr>
+</p:notes>
+</file>
+
+<file path=ppt/notesSlides/notesSlide5.xml><?xml version="1.0" encoding="utf-8"?>
+<p:notes xmlns:a="http://schemas.openxmlformats.org/drawingml/2006/main" xmlns:r="http://schemas.openxmlformats.org/officeDocument/2006/relationships" xmlns:p="http://schemas.openxmlformats.org/presentationml/2006/main">
+  <p:cSld>
+    <p:spTree>
+      <p:nvGrpSpPr>
+        <p:cNvPr id="1" name=""/>
+        <p:cNvGrpSpPr/>
+        <p:nvPr/>
+      </p:nvGrpSpPr>
+      <p:grpSpPr>
+        <a:xfrm>
+          <a:off x="0" y="0"/>
+          <a:ext cx="0" cy="0"/>
+          <a:chOff x="0" y="0"/>
+          <a:chExt cx="0" cy="0"/>
+        </a:xfrm>
+      </p:grpSpPr>
+      <p:sp>
+        <p:nvSpPr>
+          <p:cNvPr id="2" name="Slide Image Placeholder 1"/>
+          <p:cNvSpPr>
+            <a:spLocks noGrp="1" noRot="1" noChangeAspect="1"/>
+          </p:cNvSpPr>
+          <p:nvPr>
+            <p:ph type="sldImg"/>
+          </p:nvPr>
+        </p:nvSpPr>
+        <p:spPr/>
+      </p:sp>
+      <p:sp>
+        <p:nvSpPr>
+          <p:cNvPr id="3" name="Notes Placeholder 2"/>
+          <p:cNvSpPr>
+            <a:spLocks noGrp="1"/>
+          </p:cNvSpPr>
+          <p:nvPr>
+            <p:ph type="body" idx="1"/>
+          </p:nvPr>
+        </p:nvSpPr>
+        <p:spPr/>
+        <p:txBody>
+          <a:bodyPr/>
+          <a:lstStyle/>
+          <a:p>
+            <a:pPr marL="171450" indent="-171450">
+              <a:buFont typeface="Arial" charset="0"/>
+              <a:buChar char="•"/>
+            </a:pPr>
+            <a:endParaRPr lang="en-US" sz="1200" kern="1200" dirty="0">
+              <a:solidFill>
+                <a:schemeClr val="tx1"/>
+              </a:solidFill>
+              <a:effectLst/>
+              <a:latin typeface="+mn-lt"/>
+              <a:ea typeface="+mn-ea"/>
+              <a:cs typeface="+mn-cs"/>
+            </a:endParaRPr>
+          </a:p>
+        </p:txBody>
+      </p:sp>
+      <p:sp>
+        <p:nvSpPr>
+          <p:cNvPr id="4" name="Slide Number Placeholder 3"/>
+          <p:cNvSpPr>
+            <a:spLocks noGrp="1"/>
+          </p:cNvSpPr>
+          <p:nvPr>
+            <p:ph type="sldNum" sz="quarter" idx="10"/>
+          </p:nvPr>
+        </p:nvSpPr>
+        <p:spPr/>
+        <p:txBody>
+          <a:bodyPr/>
+          <a:lstStyle/>
+          <a:p>
+            <a:fld id="{BBC1DE02-C006-4F38-873D-E62701AB1734}" type="slidenum">
+              <a:rPr lang="en-NZ" smtClean="0"/>
+              <a:t>6</a:t>
+            </a:fld>
+            <a:endParaRPr lang="en-NZ"/>
+          </a:p>
+        </p:txBody>
+      </p:sp>
+    </p:spTree>
+    <p:extLst>
+      <p:ext uri="{BB962C8B-B14F-4D97-AF65-F5344CB8AC3E}">
+        <p14:creationId xmlns:p14="http://schemas.microsoft.com/office/powerpoint/2010/main" val="165918918"/>
+      </p:ext>
+    </p:extLst>
+  </p:cSld>
+  <p:clrMapOvr>
+    <a:masterClrMapping/>
+  </p:clrMapOvr>
+</p:notes>
+</file>
+
+<file path=ppt/notesSlides/notesSlide6.xml><?xml version="1.0" encoding="utf-8"?>
+<p:notes xmlns:a="http://schemas.openxmlformats.org/drawingml/2006/main" xmlns:r="http://schemas.openxmlformats.org/officeDocument/2006/relationships" xmlns:p="http://schemas.openxmlformats.org/presentationml/2006/main">
+  <p:cSld>
+    <p:spTree>
+      <p:nvGrpSpPr>
+        <p:cNvPr id="1" name=""/>
+        <p:cNvGrpSpPr/>
+        <p:nvPr/>
+      </p:nvGrpSpPr>
+      <p:grpSpPr>
+        <a:xfrm>
+          <a:off x="0" y="0"/>
+          <a:ext cx="0" cy="0"/>
+          <a:chOff x="0" y="0"/>
+          <a:chExt cx="0" cy="0"/>
+        </a:xfrm>
+      </p:grpSpPr>
+      <p:sp>
+        <p:nvSpPr>
+          <p:cNvPr id="2" name="Slide Image Placeholder 1"/>
+          <p:cNvSpPr>
+            <a:spLocks noGrp="1" noRot="1" noChangeAspect="1"/>
+          </p:cNvSpPr>
+          <p:nvPr>
+            <p:ph type="sldImg"/>
+          </p:nvPr>
+        </p:nvSpPr>
+        <p:spPr/>
+      </p:sp>
+      <p:sp>
+        <p:nvSpPr>
+          <p:cNvPr id="3" name="Notes Placeholder 2"/>
+          <p:cNvSpPr>
+            <a:spLocks noGrp="1"/>
+          </p:cNvSpPr>
+          <p:nvPr>
+            <p:ph type="body" idx="1"/>
+          </p:nvPr>
+        </p:nvSpPr>
+        <p:spPr/>
+        <p:txBody>
+          <a:bodyPr/>
+          <a:lstStyle/>
+          <a:p>
+            <a:pPr marL="171450" indent="-171450">
+              <a:buFont typeface="Arial" charset="0"/>
+              <a:buChar char="•"/>
+            </a:pPr>
+            <a:endParaRPr lang="en-US" sz="1200" kern="1200" dirty="0">
+              <a:solidFill>
+                <a:schemeClr val="tx1"/>
+              </a:solidFill>
+              <a:effectLst/>
+              <a:latin typeface="+mn-lt"/>
+              <a:ea typeface="+mn-ea"/>
+              <a:cs typeface="+mn-cs"/>
+            </a:endParaRPr>
+          </a:p>
+        </p:txBody>
+      </p:sp>
+      <p:sp>
+        <p:nvSpPr>
+          <p:cNvPr id="4" name="Slide Number Placeholder 3"/>
+          <p:cNvSpPr>
+            <a:spLocks noGrp="1"/>
+          </p:cNvSpPr>
+          <p:nvPr>
+            <p:ph type="sldNum" sz="quarter" idx="10"/>
+          </p:nvPr>
+        </p:nvSpPr>
+        <p:spPr/>
+        <p:txBody>
+          <a:bodyPr/>
+          <a:lstStyle/>
+          <a:p>
+            <a:fld id="{BBC1DE02-C006-4F38-873D-E62701AB1734}" type="slidenum">
+              <a:rPr lang="en-NZ" smtClean="0"/>
+              <a:t>7</a:t>
+            </a:fld>
+            <a:endParaRPr lang="en-NZ"/>
+          </a:p>
+        </p:txBody>
+      </p:sp>
+    </p:spTree>
+    <p:extLst>
+      <p:ext uri="{BB962C8B-B14F-4D97-AF65-F5344CB8AC3E}">
+        <p14:creationId xmlns:p14="http://schemas.microsoft.com/office/powerpoint/2010/main" val="1534447579"/>
+      </p:ext>
+    </p:extLst>
+  </p:cSld>
+  <p:clrMapOvr>
+    <a:masterClrMapping/>
+  </p:clrMapOvr>
+</p:notes>
+</file>
+
+<file path=ppt/notesSlides/notesSlide7.xml><?xml version="1.0" encoding="utf-8"?>
+<p:notes xmlns:a="http://schemas.openxmlformats.org/drawingml/2006/main" xmlns:r="http://schemas.openxmlformats.org/officeDocument/2006/relationships" xmlns:p="http://schemas.openxmlformats.org/presentationml/2006/main">
+  <p:cSld>
+    <p:spTree>
+      <p:nvGrpSpPr>
+        <p:cNvPr id="1" name=""/>
+        <p:cNvGrpSpPr/>
+        <p:nvPr/>
+      </p:nvGrpSpPr>
+      <p:grpSpPr>
+        <a:xfrm>
+          <a:off x="0" y="0"/>
+          <a:ext cx="0" cy="0"/>
+          <a:chOff x="0" y="0"/>
+          <a:chExt cx="0" cy="0"/>
+        </a:xfrm>
+      </p:grpSpPr>
+      <p:sp>
+        <p:nvSpPr>
+          <p:cNvPr id="2" name="Slide Image Placeholder 1"/>
+          <p:cNvSpPr>
+            <a:spLocks noGrp="1" noRot="1" noChangeAspect="1"/>
+          </p:cNvSpPr>
+          <p:nvPr>
+            <p:ph type="sldImg"/>
+          </p:nvPr>
+        </p:nvSpPr>
+        <p:spPr/>
+      </p:sp>
+      <p:sp>
+        <p:nvSpPr>
+          <p:cNvPr id="3" name="Notes Placeholder 2"/>
+          <p:cNvSpPr>
+            <a:spLocks noGrp="1"/>
+          </p:cNvSpPr>
+          <p:nvPr>
+            <p:ph type="body" idx="1"/>
+          </p:nvPr>
+        </p:nvSpPr>
+        <p:spPr/>
+        <p:txBody>
+          <a:bodyPr/>
+          <a:lstStyle/>
+          <a:p>
+            <a:pPr marL="171450" indent="-171450">
+              <a:buFont typeface="Arial" charset="0"/>
+              <a:buChar char="•"/>
+            </a:pPr>
+            <a:endParaRPr lang="en-US" sz="1200" kern="1200" dirty="0">
+              <a:solidFill>
+                <a:schemeClr val="tx1"/>
+              </a:solidFill>
+              <a:effectLst/>
+              <a:latin typeface="+mn-lt"/>
+              <a:ea typeface="+mn-ea"/>
+              <a:cs typeface="+mn-cs"/>
+            </a:endParaRPr>
+          </a:p>
+        </p:txBody>
+      </p:sp>
+      <p:sp>
+        <p:nvSpPr>
+          <p:cNvPr id="4" name="Slide Number Placeholder 3"/>
+          <p:cNvSpPr>
+            <a:spLocks noGrp="1"/>
+          </p:cNvSpPr>
+          <p:nvPr>
+            <p:ph type="sldNum" sz="quarter" idx="10"/>
+          </p:nvPr>
+        </p:nvSpPr>
+        <p:spPr/>
+        <p:txBody>
+          <a:bodyPr/>
+          <a:lstStyle/>
+          <a:p>
+            <a:fld id="{BBC1DE02-C006-4F38-873D-E62701AB1734}" type="slidenum">
+              <a:rPr lang="en-NZ" smtClean="0"/>
+              <a:t>8</a:t>
+            </a:fld>
+            <a:endParaRPr lang="en-NZ"/>
+          </a:p>
+        </p:txBody>
+      </p:sp>
+    </p:spTree>
+    <p:extLst>
+      <p:ext uri="{BB962C8B-B14F-4D97-AF65-F5344CB8AC3E}">
+        <p14:creationId xmlns:p14="http://schemas.microsoft.com/office/powerpoint/2010/main" val="1812868874"/>
+      </p:ext>
+    </p:extLst>
+  </p:cSld>
+  <p:clrMapOvr>
+    <a:masterClrMapping/>
+  </p:clrMapOvr>
+</p:notes>
+</file>
+
+<file path=ppt/notesSlides/notesSlide8.xml><?xml version="1.0" encoding="utf-8"?>
+<p:notes xmlns:a="http://schemas.openxmlformats.org/drawingml/2006/main" xmlns:r="http://schemas.openxmlformats.org/officeDocument/2006/relationships" xmlns:p="http://schemas.openxmlformats.org/presentationml/2006/main">
+  <p:cSld>
+    <p:spTree>
+      <p:nvGrpSpPr>
+        <p:cNvPr id="1" name=""/>
+        <p:cNvGrpSpPr/>
+        <p:nvPr/>
+      </p:nvGrpSpPr>
+      <p:grpSpPr>
+        <a:xfrm>
+          <a:off x="0" y="0"/>
+          <a:ext cx="0" cy="0"/>
+          <a:chOff x="0" y="0"/>
+          <a:chExt cx="0" cy="0"/>
+        </a:xfrm>
+      </p:grpSpPr>
+      <p:sp>
+        <p:nvSpPr>
+          <p:cNvPr id="2" name="Slide Image Placeholder 1"/>
+          <p:cNvSpPr>
+            <a:spLocks noGrp="1" noRot="1" noChangeAspect="1"/>
+          </p:cNvSpPr>
+          <p:nvPr>
+            <p:ph type="sldImg"/>
+          </p:nvPr>
+        </p:nvSpPr>
+        <p:spPr/>
+      </p:sp>
+      <p:sp>
+        <p:nvSpPr>
+          <p:cNvPr id="3" name="Notes Placeholder 2"/>
+          <p:cNvSpPr>
+            <a:spLocks noGrp="1"/>
+          </p:cNvSpPr>
+          <p:nvPr>
+            <p:ph type="body" idx="1"/>
+          </p:nvPr>
+        </p:nvSpPr>
+        <p:spPr/>
+        <p:txBody>
+          <a:bodyPr/>
+          <a:lstStyle/>
           <a:p>
             <a:pPr marL="171450" indent="-171450">
               <a:buFont typeface="Arial" panose="020B0604020202020204" pitchFamily="34" charset="0"/>
@@ -740,16 +2073,87 @@
             </a:pPr>
             <a:endParaRPr lang="en-NZ" dirty="0" smtClean="0"/>
           </a:p>
-          <a:p>
-            <a:pPr marL="171450" indent="-171450">
-              <a:buFont typeface="Arial" panose="020B0604020202020204" pitchFamily="34" charset="0"/>
-              <a:buChar char="•"/>
-            </a:pPr>
-            <a:r>
-              <a:rPr lang="en-NZ" dirty="0" smtClean="0"/>
-              <a:t>SMB uses 16x16 pixel tiles, but everything here applies to any tile size</a:t>
-            </a:r>
-          </a:p>
+        </p:txBody>
+      </p:sp>
+      <p:sp>
+        <p:nvSpPr>
+          <p:cNvPr id="4" name="Slide Number Placeholder 3"/>
+          <p:cNvSpPr>
+            <a:spLocks noGrp="1"/>
+          </p:cNvSpPr>
+          <p:nvPr>
+            <p:ph type="sldNum" sz="quarter" idx="10"/>
+          </p:nvPr>
+        </p:nvSpPr>
+        <p:spPr/>
+        <p:txBody>
+          <a:bodyPr/>
+          <a:lstStyle/>
+          <a:p>
+            <a:fld id="{BBC1DE02-C006-4F38-873D-E62701AB1734}" type="slidenum">
+              <a:rPr lang="en-NZ" smtClean="0"/>
+              <a:t>9</a:t>
+            </a:fld>
+            <a:endParaRPr lang="en-NZ"/>
+          </a:p>
+        </p:txBody>
+      </p:sp>
+    </p:spTree>
+    <p:extLst>
+      <p:ext uri="{BB962C8B-B14F-4D97-AF65-F5344CB8AC3E}">
+        <p14:creationId xmlns:p14="http://schemas.microsoft.com/office/powerpoint/2010/main" val="1474950953"/>
+      </p:ext>
+    </p:extLst>
+  </p:cSld>
+  <p:clrMapOvr>
+    <a:masterClrMapping/>
+  </p:clrMapOvr>
+</p:notes>
+</file>
+
+<file path=ppt/notesSlides/notesSlide9.xml><?xml version="1.0" encoding="utf-8"?>
+<p:notes xmlns:a="http://schemas.openxmlformats.org/drawingml/2006/main" xmlns:r="http://schemas.openxmlformats.org/officeDocument/2006/relationships" xmlns:p="http://schemas.openxmlformats.org/presentationml/2006/main">
+  <p:cSld>
+    <p:spTree>
+      <p:nvGrpSpPr>
+        <p:cNvPr id="1" name=""/>
+        <p:cNvGrpSpPr/>
+        <p:nvPr/>
+      </p:nvGrpSpPr>
+      <p:grpSpPr>
+        <a:xfrm>
+          <a:off x="0" y="0"/>
+          <a:ext cx="0" cy="0"/>
+          <a:chOff x="0" y="0"/>
+          <a:chExt cx="0" cy="0"/>
+        </a:xfrm>
+      </p:grpSpPr>
+      <p:sp>
+        <p:nvSpPr>
+          <p:cNvPr id="2" name="Slide Image Placeholder 1"/>
+          <p:cNvSpPr>
+            <a:spLocks noGrp="1" noRot="1" noChangeAspect="1"/>
+          </p:cNvSpPr>
+          <p:nvPr>
+            <p:ph type="sldImg"/>
+          </p:nvPr>
+        </p:nvSpPr>
+        <p:spPr/>
+      </p:sp>
+      <p:sp>
+        <p:nvSpPr>
+          <p:cNvPr id="3" name="Notes Placeholder 2"/>
+          <p:cNvSpPr>
+            <a:spLocks noGrp="1"/>
+          </p:cNvSpPr>
+          <p:nvPr>
+            <p:ph type="body" idx="1"/>
+          </p:nvPr>
+        </p:nvSpPr>
+        <p:spPr/>
+        <p:txBody>
+          <a:bodyPr/>
+          <a:lstStyle/>
           <a:p>
             <a:pPr marL="171450" indent="-171450">
               <a:buFont typeface="Arial" panose="020B0604020202020204" pitchFamily="34" charset="0"/>
@@ -757,48 +2161,6 @@
             </a:pPr>
             <a:endParaRPr lang="en-NZ" dirty="0" smtClean="0"/>
           </a:p>
-          <a:p>
-            <a:pPr marL="171450" indent="-171450">
-              <a:buFont typeface="Arial" panose="020B0604020202020204" pitchFamily="34" charset="0"/>
-              <a:buChar char="•"/>
-            </a:pPr>
-            <a:r>
-              <a:rPr lang="en-NZ" dirty="0" smtClean="0"/>
-              <a:t>SMB uses a world that is very wide, but only one screen high. Again, everything here applies to games with large worlds in both</a:t>
-            </a:r>
-            <a:r>
-              <a:rPr lang="en-NZ" baseline="0" dirty="0" smtClean="0"/>
-              <a:t> </a:t>
-            </a:r>
-            <a:r>
-              <a:rPr lang="en-NZ" dirty="0" smtClean="0"/>
-              <a:t>dimensions. You just need to extend to the y‐axis</a:t>
-            </a:r>
-          </a:p>
-          <a:p>
-            <a:pPr marL="171450" indent="-171450">
-              <a:buFont typeface="Arial" panose="020B0604020202020204" pitchFamily="34" charset="0"/>
-              <a:buChar char="•"/>
-            </a:pPr>
-            <a:endParaRPr lang="en-NZ" dirty="0" smtClean="0"/>
-          </a:p>
-          <a:p>
-            <a:pPr marL="171450" indent="-171450">
-              <a:buFont typeface="Arial" panose="020B0604020202020204" pitchFamily="34" charset="0"/>
-              <a:buChar char="•"/>
-            </a:pPr>
-            <a:r>
-              <a:rPr lang="en-NZ" dirty="0" smtClean="0"/>
-              <a:t>This image shows the whole world for one level. It is 211 tiles wide</a:t>
-            </a:r>
-          </a:p>
-          <a:p>
-            <a:pPr marL="171450" indent="-171450">
-              <a:buFont typeface="Arial" panose="020B0604020202020204" pitchFamily="34" charset="0"/>
-              <a:buChar char="•"/>
-            </a:pPr>
-            <a:endParaRPr lang="en-NZ" dirty="0" smtClean="0"/>
-          </a:p>
         </p:txBody>
       </p:sp>
       <p:sp>
@@ -818,7 +2180,7 @@
           <a:p>
             <a:fld id="{BBC1DE02-C006-4F38-873D-E62701AB1734}" type="slidenum">
               <a:rPr lang="en-NZ" smtClean="0"/>
-              <a:t>4</a:t>
+              <a:t>10</a:t>
             </a:fld>
             <a:endParaRPr lang="en-NZ"/>
           </a:p>
@@ -827,7 +2189,7 @@
     </p:spTree>
     <p:extLst>
       <p:ext uri="{BB962C8B-B14F-4D97-AF65-F5344CB8AC3E}">
-        <p14:creationId xmlns:p14="http://schemas.microsoft.com/office/powerpoint/2010/main" val="568597630"/>
+        <p14:creationId xmlns:p14="http://schemas.microsoft.com/office/powerpoint/2010/main" val="1096041475"/>
       </p:ext>
     </p:extLst>
   </p:cSld>
@@ -1018,7 +2380,7 @@
           <a:p>
             <a:fld id="{F8166F1F-CE9B-4651-A6AA-CD717754106B}" type="datetimeFigureOut">
               <a:rPr lang="en-US" smtClean="0"/>
-              <a:t>8/30/19</a:t>
+              <a:t>9/2/19</a:t>
             </a:fld>
             <a:endParaRPr lang="en-US"/>
           </a:p>
@@ -1183,7 +2545,7 @@
           <a:p>
             <a:fld id="{A76116CE-C4A3-4A05-B2D7-7C2E9A889C0F}" type="datetimeFigureOut">
               <a:rPr lang="en-US" smtClean="0"/>
-              <a:t>8/30/19</a:t>
+              <a:t>9/2/19</a:t>
             </a:fld>
             <a:endParaRPr lang="en-US"/>
           </a:p>
@@ -1358,7 +2720,7 @@
           <a:p>
             <a:fld id="{A76116CE-C4A3-4A05-B2D7-7C2E9A889C0F}" type="datetimeFigureOut">
               <a:rPr lang="en-US" smtClean="0"/>
-              <a:t>8/30/19</a:t>
+              <a:t>9/2/19</a:t>
             </a:fld>
             <a:endParaRPr lang="en-US"/>
           </a:p>
@@ -1525,7 +2887,7 @@
           <a:p>
             <a:fld id="{A76116CE-C4A3-4A05-B2D7-7C2E9A889C0F}" type="datetimeFigureOut">
               <a:rPr lang="en-US" smtClean="0"/>
-              <a:t>8/30/19</a:t>
+              <a:t>9/2/19</a:t>
             </a:fld>
             <a:endParaRPr lang="en-US"/>
           </a:p>
@@ -1766,7 +3128,7 @@
           <a:p>
             <a:fld id="{A76116CE-C4A3-4A05-B2D7-7C2E9A889C0F}" type="datetimeFigureOut">
               <a:rPr lang="en-US" smtClean="0"/>
-              <a:t>8/30/19</a:t>
+              <a:t>9/2/19</a:t>
             </a:fld>
             <a:endParaRPr lang="en-US"/>
           </a:p>
@@ -2049,7 +3411,7 @@
           <a:p>
             <a:fld id="{A76116CE-C4A3-4A05-B2D7-7C2E9A889C0F}" type="datetimeFigureOut">
               <a:rPr lang="en-US" smtClean="0"/>
-              <a:t>8/30/19</a:t>
+              <a:t>9/2/19</a:t>
             </a:fld>
             <a:endParaRPr lang="en-US"/>
           </a:p>
@@ -2466,7 +3828,7 @@
           <a:p>
             <a:fld id="{A76116CE-C4A3-4A05-B2D7-7C2E9A889C0F}" type="datetimeFigureOut">
               <a:rPr lang="en-US" smtClean="0"/>
-              <a:t>8/30/19</a:t>
+              <a:t>9/2/19</a:t>
             </a:fld>
             <a:endParaRPr lang="en-US"/>
           </a:p>
@@ -2579,7 +3941,7 @@
           <a:p>
             <a:fld id="{A76116CE-C4A3-4A05-B2D7-7C2E9A889C0F}" type="datetimeFigureOut">
               <a:rPr lang="en-US" smtClean="0"/>
-              <a:t>8/30/19</a:t>
+              <a:t>9/2/19</a:t>
             </a:fld>
             <a:endParaRPr lang="en-US"/>
           </a:p>
@@ -2669,7 +4031,7 @@
           <a:p>
             <a:fld id="{A76116CE-C4A3-4A05-B2D7-7C2E9A889C0F}" type="datetimeFigureOut">
               <a:rPr lang="en-US" smtClean="0"/>
-              <a:t>8/30/19</a:t>
+              <a:t>9/2/19</a:t>
             </a:fld>
             <a:endParaRPr lang="en-US"/>
           </a:p>
@@ -2941,7 +4303,7 @@
           <a:p>
             <a:fld id="{A76116CE-C4A3-4A05-B2D7-7C2E9A889C0F}" type="datetimeFigureOut">
               <a:rPr lang="en-US" smtClean="0"/>
-              <a:t>8/30/19</a:t>
+              <a:t>9/2/19</a:t>
             </a:fld>
             <a:endParaRPr lang="en-US"/>
           </a:p>
@@ -3189,7 +4551,7 @@
           <a:p>
             <a:fld id="{A76116CE-C4A3-4A05-B2D7-7C2E9A889C0F}" type="datetimeFigureOut">
               <a:rPr lang="en-US" smtClean="0"/>
-              <a:t>8/30/19</a:t>
+              <a:t>9/2/19</a:t>
             </a:fld>
             <a:endParaRPr lang="en-US"/>
           </a:p>
@@ -3397,7 +4759,7 @@
           <a:p>
             <a:fld id="{F8166F1F-CE9B-4651-A6AA-CD717754106B}" type="datetimeFigureOut">
               <a:rPr lang="en-US" smtClean="0"/>
-              <a:t>8/30/19</a:t>
+              <a:t>9/2/19</a:t>
             </a:fld>
             <a:endParaRPr lang="en-US"/>
           </a:p>
@@ -3753,6 +5115,17 @@
 <file path=ppt/slides/slide1.xml><?xml version="1.0" encoding="utf-8"?>
 <p:sld xmlns:a="http://schemas.openxmlformats.org/drawingml/2006/main" xmlns:r="http://schemas.openxmlformats.org/officeDocument/2006/relationships" xmlns:p="http://schemas.openxmlformats.org/presentationml/2006/main">
   <p:cSld>
+    <p:bg>
+      <p:bgPr>
+        <a:solidFill>
+          <a:schemeClr val="accent5">
+            <a:lumMod val="60000"/>
+            <a:lumOff val="40000"/>
+          </a:schemeClr>
+        </a:solidFill>
+        <a:effectLst/>
+      </p:bgPr>
+    </p:bg>
     <p:spTree>
       <p:nvGrpSpPr>
         <p:cNvPr id="1" name=""/>
@@ -3848,9 +5221,1075 @@
 </p:sld>
 </file>
 
+<file path=ppt/slides/slide10.xml><?xml version="1.0" encoding="utf-8"?>
+<p:sld xmlns:a="http://schemas.openxmlformats.org/drawingml/2006/main" xmlns:r="http://schemas.openxmlformats.org/officeDocument/2006/relationships" xmlns:p="http://schemas.openxmlformats.org/presentationml/2006/main">
+  <p:cSld>
+    <p:bg>
+      <p:bgPr>
+        <a:solidFill>
+          <a:schemeClr val="accent5">
+            <a:lumMod val="60000"/>
+            <a:lumOff val="40000"/>
+          </a:schemeClr>
+        </a:solidFill>
+        <a:effectLst/>
+      </p:bgPr>
+    </p:bg>
+    <p:spTree>
+      <p:nvGrpSpPr>
+        <p:cNvPr id="1" name=""/>
+        <p:cNvGrpSpPr/>
+        <p:nvPr/>
+      </p:nvGrpSpPr>
+      <p:grpSpPr>
+        <a:xfrm>
+          <a:off x="0" y="0"/>
+          <a:ext cx="0" cy="0"/>
+          <a:chOff x="0" y="0"/>
+          <a:chExt cx="0" cy="0"/>
+        </a:xfrm>
+      </p:grpSpPr>
+      <p:sp>
+        <p:nvSpPr>
+          <p:cNvPr id="3" name="Rectangle 2"/>
+          <p:cNvSpPr/>
+          <p:nvPr/>
+        </p:nvSpPr>
+        <p:spPr>
+          <a:xfrm>
+            <a:off x="0" y="0"/>
+            <a:ext cx="9144000" cy="3247043"/>
+          </a:xfrm>
+          <a:prstGeom prst="rect">
+            <a:avLst/>
+          </a:prstGeom>
+        </p:spPr>
+        <p:txBody>
+          <a:bodyPr wrap="square">
+            <a:spAutoFit/>
+          </a:bodyPr>
+          <a:lstStyle/>
+          <a:p>
+            <a:pPr algn="ctr"/>
+            <a:endParaRPr lang="en-US" sz="4000" b="1" dirty="0"/>
+          </a:p>
+          <a:p>
+            <a:pPr lvl="1"/>
+            <a:r>
+              <a:rPr lang="en-AU" sz="3500" b="1" dirty="0" smtClean="0"/>
+              <a:t>Viewport class</a:t>
+            </a:r>
+            <a:endParaRPr lang="en-US" sz="3500" b="1" dirty="0" smtClean="0"/>
+          </a:p>
+          <a:p>
+            <a:pPr marL="1657350" lvl="2" indent="-742950">
+              <a:buFont typeface="Arial" panose="020B0604020202020204" pitchFamily="34" charset="0"/>
+              <a:buChar char="•"/>
+            </a:pPr>
+            <a:endParaRPr lang="en-US" sz="2500" dirty="0" smtClean="0"/>
+          </a:p>
+          <a:p>
+            <a:pPr marL="1657350" lvl="2" indent="-742950">
+              <a:buFont typeface="Arial" panose="020B0604020202020204" pitchFamily="34" charset="0"/>
+              <a:buChar char="•"/>
+            </a:pPr>
+            <a:r>
+              <a:rPr lang="en-US" sz="2500" dirty="0" smtClean="0"/>
+              <a:t>Your Viewport class needs to know:</a:t>
+            </a:r>
+          </a:p>
+          <a:p>
+            <a:pPr marL="2114550" lvl="3" indent="-742950">
+              <a:buFont typeface="Arial" panose="020B0604020202020204" pitchFamily="34" charset="0"/>
+              <a:buChar char="•"/>
+            </a:pPr>
+            <a:r>
+              <a:rPr lang="en-US" sz="2000" dirty="0" smtClean="0"/>
+              <a:t>It’s location in the World</a:t>
+            </a:r>
+          </a:p>
+          <a:p>
+            <a:pPr marL="2114550" lvl="3" indent="-742950">
+              <a:buFont typeface="Arial" panose="020B0604020202020204" pitchFamily="34" charset="0"/>
+              <a:buChar char="•"/>
+            </a:pPr>
+            <a:r>
+              <a:rPr lang="en-US" sz="2000" dirty="0" smtClean="0"/>
+              <a:t>It’s row and column dimensions</a:t>
+            </a:r>
+          </a:p>
+          <a:p>
+            <a:pPr marL="2114550" lvl="3" indent="-742950">
+              <a:buFont typeface="Arial" panose="020B0604020202020204" pitchFamily="34" charset="0"/>
+              <a:buChar char="•"/>
+            </a:pPr>
+            <a:r>
+              <a:rPr lang="en-US" sz="2000" dirty="0" smtClean="0"/>
+              <a:t>The world TileMap to work from</a:t>
+            </a:r>
+          </a:p>
+          <a:p>
+            <a:pPr marL="2114550" lvl="3" indent="-742950">
+              <a:buFont typeface="Arial" panose="020B0604020202020204" pitchFamily="34" charset="0"/>
+              <a:buChar char="•"/>
+            </a:pPr>
+            <a:r>
+              <a:rPr lang="en-US" sz="2000" dirty="0" smtClean="0"/>
+              <a:t>The Graphics canvas to draw to</a:t>
+            </a:r>
+          </a:p>
+        </p:txBody>
+      </p:sp>
+    </p:spTree>
+    <p:extLst>
+      <p:ext uri="{BB962C8B-B14F-4D97-AF65-F5344CB8AC3E}">
+        <p14:creationId xmlns:p14="http://schemas.microsoft.com/office/powerpoint/2010/main" val="1753496408"/>
+      </p:ext>
+    </p:extLst>
+  </p:cSld>
+  <p:clrMapOvr>
+    <a:masterClrMapping/>
+  </p:clrMapOvr>
+  <p:timing>
+    <p:tnLst>
+      <p:par>
+        <p:cTn id="1" dur="indefinite" restart="never" nodeType="tmRoot"/>
+      </p:par>
+    </p:tnLst>
+  </p:timing>
+</p:sld>
+</file>
+
+<file path=ppt/slides/slide11.xml><?xml version="1.0" encoding="utf-8"?>
+<p:sld xmlns:a="http://schemas.openxmlformats.org/drawingml/2006/main" xmlns:r="http://schemas.openxmlformats.org/officeDocument/2006/relationships" xmlns:p="http://schemas.openxmlformats.org/presentationml/2006/main">
+  <p:cSld>
+    <p:bg>
+      <p:bgPr>
+        <a:solidFill>
+          <a:schemeClr val="accent5">
+            <a:lumMod val="60000"/>
+            <a:lumOff val="40000"/>
+          </a:schemeClr>
+        </a:solidFill>
+        <a:effectLst/>
+      </p:bgPr>
+    </p:bg>
+    <p:spTree>
+      <p:nvGrpSpPr>
+        <p:cNvPr id="1" name=""/>
+        <p:cNvGrpSpPr/>
+        <p:nvPr/>
+      </p:nvGrpSpPr>
+      <p:grpSpPr>
+        <a:xfrm>
+          <a:off x="0" y="0"/>
+          <a:ext cx="0" cy="0"/>
+          <a:chOff x="0" y="0"/>
+          <a:chExt cx="0" cy="0"/>
+        </a:xfrm>
+      </p:grpSpPr>
+      <p:sp>
+        <p:nvSpPr>
+          <p:cNvPr id="3" name="Rectangle 2"/>
+          <p:cNvSpPr/>
+          <p:nvPr/>
+        </p:nvSpPr>
+        <p:spPr>
+          <a:xfrm>
+            <a:off x="0" y="0"/>
+            <a:ext cx="9144000" cy="1246495"/>
+          </a:xfrm>
+          <a:prstGeom prst="rect">
+            <a:avLst/>
+          </a:prstGeom>
+        </p:spPr>
+        <p:txBody>
+          <a:bodyPr wrap="square">
+            <a:spAutoFit/>
+          </a:bodyPr>
+          <a:lstStyle/>
+          <a:p>
+            <a:pPr algn="ctr"/>
+            <a:endParaRPr lang="en-US" sz="4000" b="1" dirty="0"/>
+          </a:p>
+          <a:p>
+            <a:pPr lvl="1"/>
+            <a:r>
+              <a:rPr lang="en-AU" sz="3500" b="1" dirty="0" smtClean="0"/>
+              <a:t>Viewport class</a:t>
+            </a:r>
+            <a:endParaRPr lang="en-US" sz="3500" b="1" dirty="0" smtClean="0"/>
+          </a:p>
+        </p:txBody>
+      </p:sp>
+    </p:spTree>
+    <p:extLst>
+      <p:ext uri="{BB962C8B-B14F-4D97-AF65-F5344CB8AC3E}">
+        <p14:creationId xmlns:p14="http://schemas.microsoft.com/office/powerpoint/2010/main" val="842593310"/>
+      </p:ext>
+    </p:extLst>
+  </p:cSld>
+  <p:clrMapOvr>
+    <a:masterClrMapping/>
+  </p:clrMapOvr>
+  <p:timing>
+    <p:tnLst>
+      <p:par>
+        <p:cTn id="1" dur="indefinite" restart="never" nodeType="tmRoot"/>
+      </p:par>
+    </p:tnLst>
+  </p:timing>
+</p:sld>
+</file>
+
+<file path=ppt/slides/slide12.xml><?xml version="1.0" encoding="utf-8"?>
+<p:sld xmlns:a="http://schemas.openxmlformats.org/drawingml/2006/main" xmlns:r="http://schemas.openxmlformats.org/officeDocument/2006/relationships" xmlns:p="http://schemas.openxmlformats.org/presentationml/2006/main">
+  <p:cSld>
+    <p:bg>
+      <p:bgPr>
+        <a:solidFill>
+          <a:schemeClr val="accent5">
+            <a:lumMod val="60000"/>
+            <a:lumOff val="40000"/>
+          </a:schemeClr>
+        </a:solidFill>
+        <a:effectLst/>
+      </p:bgPr>
+    </p:bg>
+    <p:spTree>
+      <p:nvGrpSpPr>
+        <p:cNvPr id="1" name=""/>
+        <p:cNvGrpSpPr/>
+        <p:nvPr/>
+      </p:nvGrpSpPr>
+      <p:grpSpPr>
+        <a:xfrm>
+          <a:off x="0" y="0"/>
+          <a:ext cx="0" cy="0"/>
+          <a:chOff x="0" y="0"/>
+          <a:chExt cx="0" cy="0"/>
+        </a:xfrm>
+      </p:grpSpPr>
+      <p:sp>
+        <p:nvSpPr>
+          <p:cNvPr id="3" name="Rectangle 2"/>
+          <p:cNvSpPr/>
+          <p:nvPr/>
+        </p:nvSpPr>
+        <p:spPr>
+          <a:xfrm>
+            <a:off x="0" y="0"/>
+            <a:ext cx="9144000" cy="3631763"/>
+          </a:xfrm>
+          <a:prstGeom prst="rect">
+            <a:avLst/>
+          </a:prstGeom>
+        </p:spPr>
+        <p:txBody>
+          <a:bodyPr wrap="square">
+            <a:spAutoFit/>
+          </a:bodyPr>
+          <a:lstStyle/>
+          <a:p>
+            <a:pPr algn="ctr"/>
+            <a:endParaRPr lang="en-US" sz="4000" b="1" dirty="0"/>
+          </a:p>
+          <a:p>
+            <a:pPr lvl="1"/>
+            <a:r>
+              <a:rPr lang="en-AU" sz="3500" b="1" dirty="0" smtClean="0"/>
+              <a:t>How the Viewport draws itself</a:t>
+            </a:r>
+            <a:endParaRPr lang="en-US" sz="3500" b="1" dirty="0" smtClean="0"/>
+          </a:p>
+          <a:p>
+            <a:pPr marL="1657350" lvl="2" indent="-742950">
+              <a:buFont typeface="Arial" panose="020B0604020202020204" pitchFamily="34" charset="0"/>
+              <a:buChar char="•"/>
+            </a:pPr>
+            <a:endParaRPr lang="en-US" sz="2500" dirty="0" smtClean="0"/>
+          </a:p>
+          <a:p>
+            <a:pPr marL="1657350" lvl="2" indent="-742950">
+              <a:buFont typeface="Arial" panose="020B0604020202020204" pitchFamily="34" charset="0"/>
+              <a:buChar char="•"/>
+            </a:pPr>
+            <a:r>
+              <a:rPr lang="en-US" sz="2500" dirty="0" smtClean="0"/>
+              <a:t>Draw all the world tiles that are in the Viewport’s area</a:t>
+            </a:r>
+          </a:p>
+          <a:p>
+            <a:pPr marL="1657350" lvl="2" indent="-742950">
+              <a:buFont typeface="Arial" panose="020B0604020202020204" pitchFamily="34" charset="0"/>
+              <a:buChar char="•"/>
+            </a:pPr>
+            <a:r>
+              <a:rPr lang="en-US" sz="2500" dirty="0" smtClean="0"/>
+              <a:t>We must be able to:</a:t>
+            </a:r>
+          </a:p>
+          <a:p>
+            <a:pPr marL="2114550" lvl="3" indent="-742950">
+              <a:buFont typeface="Arial" panose="020B0604020202020204" pitchFamily="34" charset="0"/>
+              <a:buChar char="•"/>
+            </a:pPr>
+            <a:r>
+              <a:rPr lang="en-US" sz="2000" dirty="0" smtClean="0"/>
+              <a:t>Start at the upper left location of the Viewport (in the world)</a:t>
+            </a:r>
+          </a:p>
+          <a:p>
+            <a:pPr marL="2114550" lvl="3" indent="-742950">
+              <a:buFont typeface="Arial" panose="020B0604020202020204" pitchFamily="34" charset="0"/>
+              <a:buChar char="•"/>
+            </a:pPr>
+            <a:r>
+              <a:rPr lang="en-US" sz="2000" dirty="0" smtClean="0"/>
+              <a:t>Double for loop over all rows and columns of the Viewport</a:t>
+            </a:r>
+          </a:p>
+          <a:p>
+            <a:pPr marL="2571750" lvl="4" indent="-742950">
+              <a:buFont typeface="Arial" panose="020B0604020202020204" pitchFamily="34" charset="0"/>
+              <a:buChar char="•"/>
+            </a:pPr>
+            <a:r>
+              <a:rPr lang="en-US" sz="2000" dirty="0" smtClean="0"/>
+              <a:t>Get each TileBitmap</a:t>
+            </a:r>
+          </a:p>
+          <a:p>
+            <a:pPr marL="2571750" lvl="4" indent="-742950">
+              <a:buFont typeface="Arial" panose="020B0604020202020204" pitchFamily="34" charset="0"/>
+              <a:buChar char="•"/>
+            </a:pPr>
+            <a:r>
+              <a:rPr lang="en-US" sz="2000" dirty="0" smtClean="0"/>
+              <a:t>Figure out where to draw it on the canvas</a:t>
+            </a:r>
+            <a:endParaRPr lang="en-US" sz="2000" dirty="0" smtClean="0"/>
+          </a:p>
+        </p:txBody>
+      </p:sp>
+    </p:spTree>
+    <p:extLst>
+      <p:ext uri="{BB962C8B-B14F-4D97-AF65-F5344CB8AC3E}">
+        <p14:creationId xmlns:p14="http://schemas.microsoft.com/office/powerpoint/2010/main" val="647743770"/>
+      </p:ext>
+    </p:extLst>
+  </p:cSld>
+  <p:clrMapOvr>
+    <a:masterClrMapping/>
+  </p:clrMapOvr>
+  <p:timing>
+    <p:tnLst>
+      <p:par>
+        <p:cTn id="1" dur="indefinite" restart="never" nodeType="tmRoot"/>
+      </p:par>
+    </p:tnLst>
+  </p:timing>
+</p:sld>
+</file>
+
+<file path=ppt/slides/slide13.xml><?xml version="1.0" encoding="utf-8"?>
+<p:sld xmlns:a="http://schemas.openxmlformats.org/drawingml/2006/main" xmlns:r="http://schemas.openxmlformats.org/officeDocument/2006/relationships" xmlns:p="http://schemas.openxmlformats.org/presentationml/2006/main">
+  <p:cSld>
+    <p:bg>
+      <p:bgPr>
+        <a:solidFill>
+          <a:schemeClr val="accent5">
+            <a:lumMod val="60000"/>
+            <a:lumOff val="40000"/>
+          </a:schemeClr>
+        </a:solidFill>
+        <a:effectLst/>
+      </p:bgPr>
+    </p:bg>
+    <p:spTree>
+      <p:nvGrpSpPr>
+        <p:cNvPr id="1" name=""/>
+        <p:cNvGrpSpPr/>
+        <p:nvPr/>
+      </p:nvGrpSpPr>
+      <p:grpSpPr>
+        <a:xfrm>
+          <a:off x="0" y="0"/>
+          <a:ext cx="0" cy="0"/>
+          <a:chOff x="0" y="0"/>
+          <a:chExt cx="0" cy="0"/>
+        </a:xfrm>
+      </p:grpSpPr>
+      <p:sp>
+        <p:nvSpPr>
+          <p:cNvPr id="3" name="Rectangle 2"/>
+          <p:cNvSpPr/>
+          <p:nvPr/>
+        </p:nvSpPr>
+        <p:spPr>
+          <a:xfrm>
+            <a:off x="0" y="0"/>
+            <a:ext cx="9144000" cy="2015936"/>
+          </a:xfrm>
+          <a:prstGeom prst="rect">
+            <a:avLst/>
+          </a:prstGeom>
+        </p:spPr>
+        <p:txBody>
+          <a:bodyPr wrap="square">
+            <a:spAutoFit/>
+          </a:bodyPr>
+          <a:lstStyle/>
+          <a:p>
+            <a:pPr algn="ctr"/>
+            <a:endParaRPr lang="en-US" sz="4000" b="1" dirty="0"/>
+          </a:p>
+          <a:p>
+            <a:pPr lvl="1"/>
+            <a:r>
+              <a:rPr lang="en-AU" sz="3500" b="1" dirty="0" smtClean="0"/>
+              <a:t>1. Iterate over the Viewport</a:t>
+            </a:r>
+            <a:endParaRPr lang="en-US" sz="3500" b="1" dirty="0" smtClean="0"/>
+          </a:p>
+          <a:p>
+            <a:pPr marL="1657350" lvl="2" indent="-742950">
+              <a:buFont typeface="Arial" panose="020B0604020202020204" pitchFamily="34" charset="0"/>
+              <a:buChar char="•"/>
+            </a:pPr>
+            <a:endParaRPr lang="en-US" sz="2500" dirty="0" smtClean="0"/>
+          </a:p>
+          <a:p>
+            <a:pPr marL="1657350" lvl="2" indent="-742950">
+              <a:buFont typeface="Arial" panose="020B0604020202020204" pitchFamily="34" charset="0"/>
+              <a:buChar char="•"/>
+            </a:pPr>
+            <a:endParaRPr lang="en-US" sz="2500" dirty="0" smtClean="0"/>
+          </a:p>
+        </p:txBody>
+      </p:sp>
+    </p:spTree>
+    <p:extLst>
+      <p:ext uri="{BB962C8B-B14F-4D97-AF65-F5344CB8AC3E}">
+        <p14:creationId xmlns:p14="http://schemas.microsoft.com/office/powerpoint/2010/main" val="1881616372"/>
+      </p:ext>
+    </p:extLst>
+  </p:cSld>
+  <p:clrMapOvr>
+    <a:masterClrMapping/>
+  </p:clrMapOvr>
+  <p:timing>
+    <p:tnLst>
+      <p:par>
+        <p:cTn id="1" dur="indefinite" restart="never" nodeType="tmRoot"/>
+      </p:par>
+    </p:tnLst>
+  </p:timing>
+</p:sld>
+</file>
+
+<file path=ppt/slides/slide14.xml><?xml version="1.0" encoding="utf-8"?>
+<p:sld xmlns:a="http://schemas.openxmlformats.org/drawingml/2006/main" xmlns:r="http://schemas.openxmlformats.org/officeDocument/2006/relationships" xmlns:p="http://schemas.openxmlformats.org/presentationml/2006/main">
+  <p:cSld>
+    <p:bg>
+      <p:bgPr>
+        <a:solidFill>
+          <a:schemeClr val="accent5">
+            <a:lumMod val="60000"/>
+            <a:lumOff val="40000"/>
+          </a:schemeClr>
+        </a:solidFill>
+        <a:effectLst/>
+      </p:bgPr>
+    </p:bg>
+    <p:spTree>
+      <p:nvGrpSpPr>
+        <p:cNvPr id="1" name=""/>
+        <p:cNvGrpSpPr/>
+        <p:nvPr/>
+      </p:nvGrpSpPr>
+      <p:grpSpPr>
+        <a:xfrm>
+          <a:off x="0" y="0"/>
+          <a:ext cx="0" cy="0"/>
+          <a:chOff x="0" y="0"/>
+          <a:chExt cx="0" cy="0"/>
+        </a:xfrm>
+      </p:grpSpPr>
+      <p:sp>
+        <p:nvSpPr>
+          <p:cNvPr id="3" name="Rectangle 2"/>
+          <p:cNvSpPr/>
+          <p:nvPr/>
+        </p:nvSpPr>
+        <p:spPr>
+          <a:xfrm>
+            <a:off x="0" y="0"/>
+            <a:ext cx="9144000" cy="2015936"/>
+          </a:xfrm>
+          <a:prstGeom prst="rect">
+            <a:avLst/>
+          </a:prstGeom>
+        </p:spPr>
+        <p:txBody>
+          <a:bodyPr wrap="square">
+            <a:spAutoFit/>
+          </a:bodyPr>
+          <a:lstStyle/>
+          <a:p>
+            <a:pPr algn="ctr"/>
+            <a:endParaRPr lang="en-US" sz="4000" b="1" dirty="0"/>
+          </a:p>
+          <a:p>
+            <a:pPr lvl="1"/>
+            <a:r>
+              <a:rPr lang="en-AU" sz="3500" b="1" dirty="0" smtClean="0"/>
+              <a:t>2. What Tile to start on?</a:t>
+            </a:r>
+            <a:endParaRPr lang="en-US" sz="3500" b="1" dirty="0" smtClean="0"/>
+          </a:p>
+          <a:p>
+            <a:pPr marL="1657350" lvl="2" indent="-742950">
+              <a:buFont typeface="Arial" panose="020B0604020202020204" pitchFamily="34" charset="0"/>
+              <a:buChar char="•"/>
+            </a:pPr>
+            <a:endParaRPr lang="en-US" sz="2500" dirty="0" smtClean="0"/>
+          </a:p>
+          <a:p>
+            <a:pPr marL="1657350" lvl="2" indent="-742950">
+              <a:buFont typeface="Arial" panose="020B0604020202020204" pitchFamily="34" charset="0"/>
+              <a:buChar char="•"/>
+            </a:pPr>
+            <a:endParaRPr lang="en-US" sz="2500" dirty="0" smtClean="0"/>
+          </a:p>
+        </p:txBody>
+      </p:sp>
+    </p:spTree>
+    <p:extLst>
+      <p:ext uri="{BB962C8B-B14F-4D97-AF65-F5344CB8AC3E}">
+        <p14:creationId xmlns:p14="http://schemas.microsoft.com/office/powerpoint/2010/main" val="906190118"/>
+      </p:ext>
+    </p:extLst>
+  </p:cSld>
+  <p:clrMapOvr>
+    <a:masterClrMapping/>
+  </p:clrMapOvr>
+  <p:timing>
+    <p:tnLst>
+      <p:par>
+        <p:cTn id="1" dur="indefinite" restart="never" nodeType="tmRoot"/>
+      </p:par>
+    </p:tnLst>
+  </p:timing>
+</p:sld>
+</file>
+
+<file path=ppt/slides/slide15.xml><?xml version="1.0" encoding="utf-8"?>
+<p:sld xmlns:a="http://schemas.openxmlformats.org/drawingml/2006/main" xmlns:r="http://schemas.openxmlformats.org/officeDocument/2006/relationships" xmlns:p="http://schemas.openxmlformats.org/presentationml/2006/main">
+  <p:cSld>
+    <p:bg>
+      <p:bgPr>
+        <a:solidFill>
+          <a:schemeClr val="accent5">
+            <a:lumMod val="60000"/>
+            <a:lumOff val="40000"/>
+          </a:schemeClr>
+        </a:solidFill>
+        <a:effectLst/>
+      </p:bgPr>
+    </p:bg>
+    <p:spTree>
+      <p:nvGrpSpPr>
+        <p:cNvPr id="1" name=""/>
+        <p:cNvGrpSpPr/>
+        <p:nvPr/>
+      </p:nvGrpSpPr>
+      <p:grpSpPr>
+        <a:xfrm>
+          <a:off x="0" y="0"/>
+          <a:ext cx="0" cy="0"/>
+          <a:chOff x="0" y="0"/>
+          <a:chExt cx="0" cy="0"/>
+        </a:xfrm>
+      </p:grpSpPr>
+      <p:sp>
+        <p:nvSpPr>
+          <p:cNvPr id="3" name="Rectangle 2"/>
+          <p:cNvSpPr/>
+          <p:nvPr/>
+        </p:nvSpPr>
+        <p:spPr>
+          <a:xfrm>
+            <a:off x="0" y="0"/>
+            <a:ext cx="9144000" cy="2015936"/>
+          </a:xfrm>
+          <a:prstGeom prst="rect">
+            <a:avLst/>
+          </a:prstGeom>
+        </p:spPr>
+        <p:txBody>
+          <a:bodyPr wrap="square">
+            <a:spAutoFit/>
+          </a:bodyPr>
+          <a:lstStyle/>
+          <a:p>
+            <a:pPr algn="ctr"/>
+            <a:endParaRPr lang="en-US" sz="4000" b="1" dirty="0"/>
+          </a:p>
+          <a:p>
+            <a:pPr lvl="1"/>
+            <a:r>
+              <a:rPr lang="en-AU" sz="3500" b="1" dirty="0" smtClean="0"/>
+              <a:t>2. What Tile to start on?</a:t>
+            </a:r>
+            <a:endParaRPr lang="en-US" sz="3500" b="1" dirty="0" smtClean="0"/>
+          </a:p>
+          <a:p>
+            <a:pPr marL="1657350" lvl="2" indent="-742950">
+              <a:buFont typeface="Arial" panose="020B0604020202020204" pitchFamily="34" charset="0"/>
+              <a:buChar char="•"/>
+            </a:pPr>
+            <a:endParaRPr lang="en-US" sz="2500" dirty="0" smtClean="0"/>
+          </a:p>
+          <a:p>
+            <a:pPr marL="1657350" lvl="2" indent="-742950">
+              <a:buFont typeface="Arial" panose="020B0604020202020204" pitchFamily="34" charset="0"/>
+              <a:buChar char="•"/>
+            </a:pPr>
+            <a:endParaRPr lang="en-US" sz="2500" dirty="0" smtClean="0"/>
+          </a:p>
+        </p:txBody>
+      </p:sp>
+    </p:spTree>
+    <p:extLst>
+      <p:ext uri="{BB962C8B-B14F-4D97-AF65-F5344CB8AC3E}">
+        <p14:creationId xmlns:p14="http://schemas.microsoft.com/office/powerpoint/2010/main" val="768062202"/>
+      </p:ext>
+    </p:extLst>
+  </p:cSld>
+  <p:clrMapOvr>
+    <a:masterClrMapping/>
+  </p:clrMapOvr>
+  <p:timing>
+    <p:tnLst>
+      <p:par>
+        <p:cTn id="1" dur="indefinite" restart="never" nodeType="tmRoot"/>
+      </p:par>
+    </p:tnLst>
+  </p:timing>
+</p:sld>
+</file>
+
+<file path=ppt/slides/slide16.xml><?xml version="1.0" encoding="utf-8"?>
+<p:sld xmlns:a="http://schemas.openxmlformats.org/drawingml/2006/main" xmlns:r="http://schemas.openxmlformats.org/officeDocument/2006/relationships" xmlns:p="http://schemas.openxmlformats.org/presentationml/2006/main">
+  <p:cSld>
+    <p:bg>
+      <p:bgPr>
+        <a:solidFill>
+          <a:schemeClr val="accent5">
+            <a:lumMod val="60000"/>
+            <a:lumOff val="40000"/>
+          </a:schemeClr>
+        </a:solidFill>
+        <a:effectLst/>
+      </p:bgPr>
+    </p:bg>
+    <p:spTree>
+      <p:nvGrpSpPr>
+        <p:cNvPr id="1" name=""/>
+        <p:cNvGrpSpPr/>
+        <p:nvPr/>
+      </p:nvGrpSpPr>
+      <p:grpSpPr>
+        <a:xfrm>
+          <a:off x="0" y="0"/>
+          <a:ext cx="0" cy="0"/>
+          <a:chOff x="0" y="0"/>
+          <a:chExt cx="0" cy="0"/>
+        </a:xfrm>
+      </p:grpSpPr>
+      <p:sp>
+        <p:nvSpPr>
+          <p:cNvPr id="3" name="Rectangle 2"/>
+          <p:cNvSpPr/>
+          <p:nvPr/>
+        </p:nvSpPr>
+        <p:spPr>
+          <a:xfrm>
+            <a:off x="0" y="0"/>
+            <a:ext cx="9144000" cy="2015936"/>
+          </a:xfrm>
+          <a:prstGeom prst="rect">
+            <a:avLst/>
+          </a:prstGeom>
+        </p:spPr>
+        <p:txBody>
+          <a:bodyPr wrap="square">
+            <a:spAutoFit/>
+          </a:bodyPr>
+          <a:lstStyle/>
+          <a:p>
+            <a:pPr algn="ctr"/>
+            <a:endParaRPr lang="en-US" sz="4000" b="1" dirty="0"/>
+          </a:p>
+          <a:p>
+            <a:pPr lvl="1"/>
+            <a:r>
+              <a:rPr lang="en-AU" sz="3500" b="1" dirty="0"/>
+              <a:t>3</a:t>
+            </a:r>
+            <a:r>
+              <a:rPr lang="en-AU" sz="3500" b="1" dirty="0" smtClean="0"/>
+              <a:t>. Getting a </a:t>
+            </a:r>
+            <a:r>
+              <a:rPr lang="en-AU" sz="3500" b="1" dirty="0" err="1" smtClean="0"/>
+              <a:t>TileBitmap</a:t>
+            </a:r>
+            <a:r>
+              <a:rPr lang="en-AU" sz="3500" b="1" dirty="0" smtClean="0"/>
+              <a:t> =&gt; data chain</a:t>
+            </a:r>
+            <a:endParaRPr lang="en-US" sz="3500" b="1" dirty="0" smtClean="0"/>
+          </a:p>
+          <a:p>
+            <a:pPr marL="1657350" lvl="2" indent="-742950">
+              <a:buFont typeface="Arial" panose="020B0604020202020204" pitchFamily="34" charset="0"/>
+              <a:buChar char="•"/>
+            </a:pPr>
+            <a:endParaRPr lang="en-US" sz="2500" dirty="0" smtClean="0"/>
+          </a:p>
+          <a:p>
+            <a:pPr marL="1657350" lvl="2" indent="-742950">
+              <a:buFont typeface="Arial" panose="020B0604020202020204" pitchFamily="34" charset="0"/>
+              <a:buChar char="•"/>
+            </a:pPr>
+            <a:endParaRPr lang="en-US" sz="2500" dirty="0" smtClean="0"/>
+          </a:p>
+        </p:txBody>
+      </p:sp>
+    </p:spTree>
+    <p:extLst>
+      <p:ext uri="{BB962C8B-B14F-4D97-AF65-F5344CB8AC3E}">
+        <p14:creationId xmlns:p14="http://schemas.microsoft.com/office/powerpoint/2010/main" val="729090927"/>
+      </p:ext>
+    </p:extLst>
+  </p:cSld>
+  <p:clrMapOvr>
+    <a:masterClrMapping/>
+  </p:clrMapOvr>
+  <p:timing>
+    <p:tnLst>
+      <p:par>
+        <p:cTn id="1" dur="indefinite" restart="never" nodeType="tmRoot"/>
+      </p:par>
+    </p:tnLst>
+  </p:timing>
+</p:sld>
+</file>
+
+<file path=ppt/slides/slide17.xml><?xml version="1.0" encoding="utf-8"?>
+<p:sld xmlns:a="http://schemas.openxmlformats.org/drawingml/2006/main" xmlns:r="http://schemas.openxmlformats.org/officeDocument/2006/relationships" xmlns:p="http://schemas.openxmlformats.org/presentationml/2006/main">
+  <p:cSld>
+    <p:bg>
+      <p:bgPr>
+        <a:solidFill>
+          <a:schemeClr val="accent5">
+            <a:lumMod val="60000"/>
+            <a:lumOff val="40000"/>
+          </a:schemeClr>
+        </a:solidFill>
+        <a:effectLst/>
+      </p:bgPr>
+    </p:bg>
+    <p:spTree>
+      <p:nvGrpSpPr>
+        <p:cNvPr id="1" name=""/>
+        <p:cNvGrpSpPr/>
+        <p:nvPr/>
+      </p:nvGrpSpPr>
+      <p:grpSpPr>
+        <a:xfrm>
+          <a:off x="0" y="0"/>
+          <a:ext cx="0" cy="0"/>
+          <a:chOff x="0" y="0"/>
+          <a:chExt cx="0" cy="0"/>
+        </a:xfrm>
+      </p:grpSpPr>
+      <p:sp>
+        <p:nvSpPr>
+          <p:cNvPr id="3" name="Rectangle 2"/>
+          <p:cNvSpPr/>
+          <p:nvPr/>
+        </p:nvSpPr>
+        <p:spPr>
+          <a:xfrm>
+            <a:off x="0" y="0"/>
+            <a:ext cx="9144000" cy="2015936"/>
+          </a:xfrm>
+          <a:prstGeom prst="rect">
+            <a:avLst/>
+          </a:prstGeom>
+        </p:spPr>
+        <p:txBody>
+          <a:bodyPr wrap="square">
+            <a:spAutoFit/>
+          </a:bodyPr>
+          <a:lstStyle/>
+          <a:p>
+            <a:pPr algn="ctr"/>
+            <a:endParaRPr lang="en-US" sz="4000" b="1" dirty="0"/>
+          </a:p>
+          <a:p>
+            <a:pPr lvl="1"/>
+            <a:r>
+              <a:rPr lang="en-AU" sz="3500" b="1" dirty="0" smtClean="0"/>
+              <a:t>New TileMap method needed</a:t>
+            </a:r>
+            <a:endParaRPr lang="en-US" sz="3500" b="1" dirty="0" smtClean="0"/>
+          </a:p>
+          <a:p>
+            <a:pPr marL="1657350" lvl="2" indent="-742950">
+              <a:buFont typeface="Arial" panose="020B0604020202020204" pitchFamily="34" charset="0"/>
+              <a:buChar char="•"/>
+            </a:pPr>
+            <a:endParaRPr lang="en-US" sz="2500" dirty="0" smtClean="0"/>
+          </a:p>
+          <a:p>
+            <a:pPr marL="1657350" lvl="2" indent="-742950">
+              <a:buFont typeface="Arial" panose="020B0604020202020204" pitchFamily="34" charset="0"/>
+              <a:buChar char="•"/>
+            </a:pPr>
+            <a:endParaRPr lang="en-US" sz="2500" dirty="0" smtClean="0"/>
+          </a:p>
+        </p:txBody>
+      </p:sp>
+    </p:spTree>
+    <p:extLst>
+      <p:ext uri="{BB962C8B-B14F-4D97-AF65-F5344CB8AC3E}">
+        <p14:creationId xmlns:p14="http://schemas.microsoft.com/office/powerpoint/2010/main" val="939590306"/>
+      </p:ext>
+    </p:extLst>
+  </p:cSld>
+  <p:clrMapOvr>
+    <a:masterClrMapping/>
+  </p:clrMapOvr>
+  <p:timing>
+    <p:tnLst>
+      <p:par>
+        <p:cTn id="1" dur="indefinite" restart="never" nodeType="tmRoot"/>
+      </p:par>
+    </p:tnLst>
+  </p:timing>
+</p:sld>
+</file>
+
+<file path=ppt/slides/slide18.xml><?xml version="1.0" encoding="utf-8"?>
+<p:sld xmlns:a="http://schemas.openxmlformats.org/drawingml/2006/main" xmlns:r="http://schemas.openxmlformats.org/officeDocument/2006/relationships" xmlns:p="http://schemas.openxmlformats.org/presentationml/2006/main">
+  <p:cSld>
+    <p:bg>
+      <p:bgPr>
+        <a:solidFill>
+          <a:schemeClr val="accent5">
+            <a:lumMod val="60000"/>
+            <a:lumOff val="40000"/>
+          </a:schemeClr>
+        </a:solidFill>
+        <a:effectLst/>
+      </p:bgPr>
+    </p:bg>
+    <p:spTree>
+      <p:nvGrpSpPr>
+        <p:cNvPr id="1" name=""/>
+        <p:cNvGrpSpPr/>
+        <p:nvPr/>
+      </p:nvGrpSpPr>
+      <p:grpSpPr>
+        <a:xfrm>
+          <a:off x="0" y="0"/>
+          <a:ext cx="0" cy="0"/>
+          <a:chOff x="0" y="0"/>
+          <a:chExt cx="0" cy="0"/>
+        </a:xfrm>
+      </p:grpSpPr>
+      <p:sp>
+        <p:nvSpPr>
+          <p:cNvPr id="3" name="Rectangle 2"/>
+          <p:cNvSpPr/>
+          <p:nvPr/>
+        </p:nvSpPr>
+        <p:spPr>
+          <a:xfrm>
+            <a:off x="0" y="0"/>
+            <a:ext cx="9144000" cy="2015936"/>
+          </a:xfrm>
+          <a:prstGeom prst="rect">
+            <a:avLst/>
+          </a:prstGeom>
+        </p:spPr>
+        <p:txBody>
+          <a:bodyPr wrap="square">
+            <a:spAutoFit/>
+          </a:bodyPr>
+          <a:lstStyle/>
+          <a:p>
+            <a:pPr algn="ctr"/>
+            <a:endParaRPr lang="en-US" sz="4000" b="1" dirty="0"/>
+          </a:p>
+          <a:p>
+            <a:pPr lvl="1"/>
+            <a:r>
+              <a:rPr lang="en-AU" sz="3500" b="1" dirty="0" smtClean="0"/>
+              <a:t>The double for loop</a:t>
+            </a:r>
+            <a:endParaRPr lang="en-US" sz="3500" b="1" dirty="0" smtClean="0"/>
+          </a:p>
+          <a:p>
+            <a:pPr marL="1657350" lvl="2" indent="-742950">
+              <a:buFont typeface="Arial" panose="020B0604020202020204" pitchFamily="34" charset="0"/>
+              <a:buChar char="•"/>
+            </a:pPr>
+            <a:endParaRPr lang="en-US" sz="2500" dirty="0" smtClean="0"/>
+          </a:p>
+          <a:p>
+            <a:pPr marL="1657350" lvl="2" indent="-742950">
+              <a:buFont typeface="Arial" panose="020B0604020202020204" pitchFamily="34" charset="0"/>
+              <a:buChar char="•"/>
+            </a:pPr>
+            <a:endParaRPr lang="en-US" sz="2500" dirty="0" smtClean="0"/>
+          </a:p>
+        </p:txBody>
+      </p:sp>
+    </p:spTree>
+    <p:extLst>
+      <p:ext uri="{BB962C8B-B14F-4D97-AF65-F5344CB8AC3E}">
+        <p14:creationId xmlns:p14="http://schemas.microsoft.com/office/powerpoint/2010/main" val="1821391901"/>
+      </p:ext>
+    </p:extLst>
+  </p:cSld>
+  <p:clrMapOvr>
+    <a:masterClrMapping/>
+  </p:clrMapOvr>
+  <p:timing>
+    <p:tnLst>
+      <p:par>
+        <p:cTn id="1" dur="indefinite" restart="never" nodeType="tmRoot"/>
+      </p:par>
+    </p:tnLst>
+  </p:timing>
+</p:sld>
+</file>
+
+<file path=ppt/slides/slide19.xml><?xml version="1.0" encoding="utf-8"?>
+<p:sld xmlns:a="http://schemas.openxmlformats.org/drawingml/2006/main" xmlns:r="http://schemas.openxmlformats.org/officeDocument/2006/relationships" xmlns:p="http://schemas.openxmlformats.org/presentationml/2006/main">
+  <p:cSld>
+    <p:bg>
+      <p:bgPr>
+        <a:solidFill>
+          <a:schemeClr val="accent5">
+            <a:lumMod val="60000"/>
+            <a:lumOff val="40000"/>
+          </a:schemeClr>
+        </a:solidFill>
+        <a:effectLst/>
+      </p:bgPr>
+    </p:bg>
+    <p:spTree>
+      <p:nvGrpSpPr>
+        <p:cNvPr id="1" name=""/>
+        <p:cNvGrpSpPr/>
+        <p:nvPr/>
+      </p:nvGrpSpPr>
+      <p:grpSpPr>
+        <a:xfrm>
+          <a:off x="0" y="0"/>
+          <a:ext cx="0" cy="0"/>
+          <a:chOff x="0" y="0"/>
+          <a:chExt cx="0" cy="0"/>
+        </a:xfrm>
+      </p:grpSpPr>
+      <p:sp>
+        <p:nvSpPr>
+          <p:cNvPr id="3" name="Rectangle 2"/>
+          <p:cNvSpPr/>
+          <p:nvPr/>
+        </p:nvSpPr>
+        <p:spPr>
+          <a:xfrm>
+            <a:off x="0" y="0"/>
+            <a:ext cx="9144000" cy="2015936"/>
+          </a:xfrm>
+          <a:prstGeom prst="rect">
+            <a:avLst/>
+          </a:prstGeom>
+        </p:spPr>
+        <p:txBody>
+          <a:bodyPr wrap="square">
+            <a:spAutoFit/>
+          </a:bodyPr>
+          <a:lstStyle/>
+          <a:p>
+            <a:pPr algn="ctr"/>
+            <a:endParaRPr lang="en-US" sz="4000" b="1" dirty="0"/>
+          </a:p>
+          <a:p>
+            <a:pPr lvl="1"/>
+            <a:r>
+              <a:rPr lang="en-AU" sz="3500" b="1" dirty="0" smtClean="0"/>
+              <a:t>Where to draw on the screen</a:t>
+            </a:r>
+            <a:endParaRPr lang="en-US" sz="3500" b="1" dirty="0" smtClean="0"/>
+          </a:p>
+          <a:p>
+            <a:pPr marL="1657350" lvl="2" indent="-742950">
+              <a:buFont typeface="Arial" panose="020B0604020202020204" pitchFamily="34" charset="0"/>
+              <a:buChar char="•"/>
+            </a:pPr>
+            <a:endParaRPr lang="en-US" sz="2500" dirty="0" smtClean="0"/>
+          </a:p>
+          <a:p>
+            <a:pPr marL="1657350" lvl="2" indent="-742950">
+              <a:buFont typeface="Arial" panose="020B0604020202020204" pitchFamily="34" charset="0"/>
+              <a:buChar char="•"/>
+            </a:pPr>
+            <a:endParaRPr lang="en-US" sz="2500" dirty="0" smtClean="0"/>
+          </a:p>
+        </p:txBody>
+      </p:sp>
+    </p:spTree>
+    <p:extLst>
+      <p:ext uri="{BB962C8B-B14F-4D97-AF65-F5344CB8AC3E}">
+        <p14:creationId xmlns:p14="http://schemas.microsoft.com/office/powerpoint/2010/main" val="1414208919"/>
+      </p:ext>
+    </p:extLst>
+  </p:cSld>
+  <p:clrMapOvr>
+    <a:masterClrMapping/>
+  </p:clrMapOvr>
+  <p:timing>
+    <p:tnLst>
+      <p:par>
+        <p:cTn id="1" dur="indefinite" restart="never" nodeType="tmRoot"/>
+      </p:par>
+    </p:tnLst>
+  </p:timing>
+</p:sld>
+</file>
+
 <file path=ppt/slides/slide2.xml><?xml version="1.0" encoding="utf-8"?>
 <p:sld xmlns:a="http://schemas.openxmlformats.org/drawingml/2006/main" xmlns:r="http://schemas.openxmlformats.org/officeDocument/2006/relationships" xmlns:p="http://schemas.openxmlformats.org/presentationml/2006/main">
   <p:cSld>
+    <p:bg>
+      <p:bgPr>
+        <a:solidFill>
+          <a:schemeClr val="accent5">
+            <a:lumMod val="60000"/>
+            <a:lumOff val="40000"/>
+          </a:schemeClr>
+        </a:solidFill>
+        <a:effectLst/>
+      </p:bgPr>
+    </p:bg>
     <p:spTree>
       <p:nvGrpSpPr>
         <p:cNvPr id="1" name=""/>
@@ -3975,9 +6414,116 @@
 </p:sld>
 </file>
 
+<file path=ppt/slides/slide20.xml><?xml version="1.0" encoding="utf-8"?>
+<p:sld xmlns:a="http://schemas.openxmlformats.org/drawingml/2006/main" xmlns:r="http://schemas.openxmlformats.org/officeDocument/2006/relationships" xmlns:p="http://schemas.openxmlformats.org/presentationml/2006/main">
+  <p:cSld>
+    <p:bg>
+      <p:bgPr>
+        <a:solidFill>
+          <a:schemeClr val="accent5">
+            <a:lumMod val="60000"/>
+            <a:lumOff val="40000"/>
+          </a:schemeClr>
+        </a:solidFill>
+        <a:effectLst/>
+      </p:bgPr>
+    </p:bg>
+    <p:spTree>
+      <p:nvGrpSpPr>
+        <p:cNvPr id="1" name=""/>
+        <p:cNvGrpSpPr/>
+        <p:nvPr/>
+      </p:nvGrpSpPr>
+      <p:grpSpPr>
+        <a:xfrm>
+          <a:off x="0" y="0"/>
+          <a:ext cx="0" cy="0"/>
+          <a:chOff x="0" y="0"/>
+          <a:chExt cx="0" cy="0"/>
+        </a:xfrm>
+      </p:grpSpPr>
+      <p:sp>
+        <p:nvSpPr>
+          <p:cNvPr id="3" name="Rectangle 2"/>
+          <p:cNvSpPr/>
+          <p:nvPr/>
+        </p:nvSpPr>
+        <p:spPr>
+          <a:xfrm>
+            <a:off x="0" y="0"/>
+            <a:ext cx="9144000" cy="2015936"/>
+          </a:xfrm>
+          <a:prstGeom prst="rect">
+            <a:avLst/>
+          </a:prstGeom>
+        </p:spPr>
+        <p:txBody>
+          <a:bodyPr wrap="square">
+            <a:spAutoFit/>
+          </a:bodyPr>
+          <a:lstStyle/>
+          <a:p>
+            <a:pPr algn="ctr"/>
+            <a:endParaRPr lang="en-US" sz="4000" b="1" dirty="0"/>
+          </a:p>
+          <a:p>
+            <a:pPr lvl="1"/>
+            <a:r>
+              <a:rPr lang="en-AU" sz="3500" b="1" dirty="0" smtClean="0"/>
+              <a:t>Moving the Viewport</a:t>
+            </a:r>
+            <a:endParaRPr lang="en-US" sz="3500" b="1" dirty="0" smtClean="0"/>
+          </a:p>
+          <a:p>
+            <a:pPr marL="1657350" lvl="2" indent="-742950">
+              <a:buFont typeface="Arial" panose="020B0604020202020204" pitchFamily="34" charset="0"/>
+              <a:buChar char="•"/>
+            </a:pPr>
+            <a:endParaRPr lang="en-US" sz="2500" dirty="0" smtClean="0"/>
+          </a:p>
+          <a:p>
+            <a:pPr marL="1657350" lvl="2" indent="-742950">
+              <a:buFont typeface="Arial" panose="020B0604020202020204" pitchFamily="34" charset="0"/>
+              <a:buChar char="•"/>
+            </a:pPr>
+            <a:endParaRPr lang="en-US" sz="2500" dirty="0" smtClean="0"/>
+          </a:p>
+        </p:txBody>
+      </p:sp>
+    </p:spTree>
+    <p:extLst>
+      <p:ext uri="{BB962C8B-B14F-4D97-AF65-F5344CB8AC3E}">
+        <p14:creationId xmlns:p14="http://schemas.microsoft.com/office/powerpoint/2010/main" val="1648204639"/>
+      </p:ext>
+    </p:extLst>
+  </p:cSld>
+  <p:clrMapOvr>
+    <a:masterClrMapping/>
+  </p:clrMapOvr>
+  <p:timing>
+    <p:tnLst>
+      <p:par>
+        <p:cTn id="1" dur="indefinite" restart="never" nodeType="tmRoot"/>
+      </p:par>
+    </p:tnLst>
+  </p:timing>
+</p:sld>
+</file>
+
 <file path=ppt/slides/slide3.xml><?xml version="1.0" encoding="utf-8"?>
 <p:sld xmlns:a="http://schemas.openxmlformats.org/drawingml/2006/main" xmlns:r="http://schemas.openxmlformats.org/officeDocument/2006/relationships" xmlns:p="http://schemas.openxmlformats.org/presentationml/2006/main">
   <p:cSld>
+    <p:bg>
+      <p:bgPr>
+        <a:solidFill>
+          <a:schemeClr val="accent5">
+            <a:lumMod val="60000"/>
+            <a:lumOff val="40000"/>
+          </a:schemeClr>
+        </a:solidFill>
+        <a:effectLst/>
+      </p:bgPr>
+    </p:bg>
     <p:spTree>
       <p:nvGrpSpPr>
         <p:cNvPr id="1" name=""/>
@@ -4147,6 +6693,17 @@
 <file path=ppt/slides/slide4.xml><?xml version="1.0" encoding="utf-8"?>
 <p:sld xmlns:a="http://schemas.openxmlformats.org/drawingml/2006/main" xmlns:r="http://schemas.openxmlformats.org/officeDocument/2006/relationships" xmlns:p="http://schemas.openxmlformats.org/presentationml/2006/main">
   <p:cSld>
+    <p:bg>
+      <p:bgPr>
+        <a:solidFill>
+          <a:schemeClr val="accent5">
+            <a:lumMod val="60000"/>
+            <a:lumOff val="40000"/>
+          </a:schemeClr>
+        </a:solidFill>
+        <a:effectLst/>
+      </p:bgPr>
+    </p:bg>
     <p:spTree>
       <p:nvGrpSpPr>
         <p:cNvPr id="1" name=""/>
@@ -4189,7 +6746,11 @@
             <a:pPr lvl="1"/>
             <a:r>
               <a:rPr lang="en-AU" sz="3500" b="1" dirty="0" smtClean="0"/>
-              <a:t>Example World</a:t>
+              <a:t>Example </a:t>
+            </a:r>
+            <a:r>
+              <a:rPr lang="en-AU" sz="3500" b="1" dirty="0" smtClean="0"/>
+              <a:t>world</a:t>
             </a:r>
             <a:endParaRPr lang="en-US" sz="3500" b="1" dirty="0" smtClean="0"/>
           </a:p>
@@ -4231,13 +6792,10 @@
             </a:r>
           </a:p>
           <a:p>
-            <a:pPr marL="1657350" lvl="2" indent="-742950">
-              <a:buFont typeface="Arial" panose="020B0604020202020204" pitchFamily="34" charset="0"/>
-              <a:buChar char="•"/>
-            </a:pPr>
+            <a:pPr lvl="2"/>
             <a:r>
               <a:rPr lang="en-US" sz="2500" dirty="0" smtClean="0"/>
-              <a:t>screen high</a:t>
+              <a:t>	screen high (211 tiles wide and 14 tiles high)</a:t>
             </a:r>
             <a:endParaRPr lang="en-US" sz="2500" dirty="0" smtClean="0"/>
           </a:p>
@@ -4257,10 +6815,2081 @@
           </a:p>
         </p:txBody>
       </p:sp>
+      <p:pic>
+        <p:nvPicPr>
+          <p:cNvPr id="5" name="Picture 4"/>
+          <p:cNvPicPr>
+            <a:picLocks noChangeAspect="1"/>
+          </p:cNvPicPr>
+          <p:nvPr/>
+        </p:nvPicPr>
+        <p:blipFill>
+          <a:blip r:embed="rId3"/>
+          <a:stretch>
+            <a:fillRect/>
+          </a:stretch>
+        </p:blipFill>
+        <p:spPr>
+          <a:xfrm>
+            <a:off x="514350" y="3368040"/>
+            <a:ext cx="8115300" cy="1143000"/>
+          </a:xfrm>
+          <a:prstGeom prst="rect">
+            <a:avLst/>
+          </a:prstGeom>
+        </p:spPr>
+      </p:pic>
     </p:spTree>
     <p:extLst>
       <p:ext uri="{BB962C8B-B14F-4D97-AF65-F5344CB8AC3E}">
         <p14:creationId xmlns:p14="http://schemas.microsoft.com/office/powerpoint/2010/main" val="1119965655"/>
+      </p:ext>
+    </p:extLst>
+  </p:cSld>
+  <p:clrMapOvr>
+    <a:masterClrMapping/>
+  </p:clrMapOvr>
+  <p:timing>
+    <p:tnLst>
+      <p:par>
+        <p:cTn id="1" dur="indefinite" restart="never" nodeType="tmRoot"/>
+      </p:par>
+    </p:tnLst>
+  </p:timing>
+</p:sld>
+</file>
+
+<file path=ppt/slides/slide5.xml><?xml version="1.0" encoding="utf-8"?>
+<p:sld xmlns:a="http://schemas.openxmlformats.org/drawingml/2006/main" xmlns:r="http://schemas.openxmlformats.org/officeDocument/2006/relationships" xmlns:p="http://schemas.openxmlformats.org/presentationml/2006/main">
+  <p:cSld>
+    <p:bg>
+      <p:bgPr>
+        <a:solidFill>
+          <a:schemeClr val="accent5">
+            <a:lumMod val="60000"/>
+            <a:lumOff val="40000"/>
+          </a:schemeClr>
+        </a:solidFill>
+        <a:effectLst/>
+      </p:bgPr>
+    </p:bg>
+    <p:spTree>
+      <p:nvGrpSpPr>
+        <p:cNvPr id="1" name=""/>
+        <p:cNvGrpSpPr/>
+        <p:nvPr/>
+      </p:nvGrpSpPr>
+      <p:grpSpPr>
+        <a:xfrm>
+          <a:off x="0" y="0"/>
+          <a:ext cx="0" cy="0"/>
+          <a:chOff x="0" y="0"/>
+          <a:chExt cx="0" cy="0"/>
+        </a:xfrm>
+      </p:grpSpPr>
+      <p:sp>
+        <p:nvSpPr>
+          <p:cNvPr id="3" name="Rectangle 2"/>
+          <p:cNvSpPr/>
+          <p:nvPr/>
+        </p:nvSpPr>
+        <p:spPr>
+          <a:xfrm>
+            <a:off x="0" y="0"/>
+            <a:ext cx="9144000" cy="2785378"/>
+          </a:xfrm>
+          <a:prstGeom prst="rect">
+            <a:avLst/>
+          </a:prstGeom>
+        </p:spPr>
+        <p:txBody>
+          <a:bodyPr wrap="square">
+            <a:spAutoFit/>
+          </a:bodyPr>
+          <a:lstStyle/>
+          <a:p>
+            <a:pPr algn="ctr"/>
+            <a:endParaRPr lang="en-US" sz="4000" b="1" dirty="0"/>
+          </a:p>
+          <a:p>
+            <a:pPr lvl="1"/>
+            <a:r>
+              <a:rPr lang="en-AU" sz="3500" b="1" dirty="0" smtClean="0"/>
+              <a:t>Example </a:t>
+            </a:r>
+            <a:r>
+              <a:rPr lang="en-AU" sz="3500" b="1" dirty="0"/>
+              <a:t>v</a:t>
+            </a:r>
+            <a:r>
+              <a:rPr lang="en-AU" sz="3500" b="1" dirty="0" smtClean="0"/>
+              <a:t>iewport</a:t>
+            </a:r>
+            <a:endParaRPr lang="en-US" sz="3500" b="1" dirty="0" smtClean="0"/>
+          </a:p>
+          <a:p>
+            <a:pPr marL="1657350" lvl="2" indent="-742950">
+              <a:buFont typeface="Arial" panose="020B0604020202020204" pitchFamily="34" charset="0"/>
+              <a:buChar char="•"/>
+            </a:pPr>
+            <a:endParaRPr lang="en-US" sz="2500" dirty="0" smtClean="0"/>
+          </a:p>
+          <a:p>
+            <a:pPr marL="1657350" lvl="2" indent="-742950">
+              <a:buFont typeface="Arial" panose="020B0604020202020204" pitchFamily="34" charset="0"/>
+              <a:buChar char="•"/>
+            </a:pPr>
+            <a:r>
+              <a:rPr lang="en-US" sz="2500" dirty="0" smtClean="0"/>
+              <a:t>Viewport is 18 tiles wide and 14 tiles high</a:t>
+            </a:r>
+            <a:endParaRPr lang="en-US" sz="2500" dirty="0" smtClean="0"/>
+          </a:p>
+          <a:p>
+            <a:pPr marL="1657350" lvl="2" indent="-742950">
+              <a:buFont typeface="Arial" panose="020B0604020202020204" pitchFamily="34" charset="0"/>
+              <a:buChar char="•"/>
+            </a:pPr>
+            <a:endParaRPr lang="en-US" sz="2500" dirty="0" smtClean="0"/>
+          </a:p>
+          <a:p>
+            <a:pPr marL="1657350" lvl="2" indent="-742950">
+              <a:buFont typeface="Arial" panose="020B0604020202020204" pitchFamily="34" charset="0"/>
+              <a:buChar char="•"/>
+            </a:pPr>
+            <a:endParaRPr lang="en-US" sz="2500" dirty="0" smtClean="0"/>
+          </a:p>
+        </p:txBody>
+      </p:sp>
+      <p:pic>
+        <p:nvPicPr>
+          <p:cNvPr id="6" name="Picture 5"/>
+          <p:cNvPicPr>
+            <a:picLocks noChangeAspect="1"/>
+          </p:cNvPicPr>
+          <p:nvPr/>
+        </p:nvPicPr>
+        <p:blipFill rotWithShape="1">
+          <a:blip r:embed="rId3"/>
+          <a:srcRect l="7752" t="-4950" r="83337" b="992"/>
+          <a:stretch/>
+        </p:blipFill>
+        <p:spPr>
+          <a:xfrm>
+            <a:off x="3009900" y="3733800"/>
+            <a:ext cx="3124200" cy="2429933"/>
+          </a:xfrm>
+          <a:prstGeom prst="rect">
+            <a:avLst/>
+          </a:prstGeom>
+        </p:spPr>
+      </p:pic>
+      <p:pic>
+        <p:nvPicPr>
+          <p:cNvPr id="7" name="Picture 6"/>
+          <p:cNvPicPr>
+            <a:picLocks noChangeAspect="1"/>
+          </p:cNvPicPr>
+          <p:nvPr/>
+        </p:nvPicPr>
+        <p:blipFill>
+          <a:blip r:embed="rId3"/>
+          <a:stretch>
+            <a:fillRect/>
+          </a:stretch>
+        </p:blipFill>
+        <p:spPr>
+          <a:xfrm>
+            <a:off x="514350" y="2438400"/>
+            <a:ext cx="8115300" cy="1143000"/>
+          </a:xfrm>
+          <a:prstGeom prst="rect">
+            <a:avLst/>
+          </a:prstGeom>
+        </p:spPr>
+      </p:pic>
+    </p:spTree>
+    <p:extLst>
+      <p:ext uri="{BB962C8B-B14F-4D97-AF65-F5344CB8AC3E}">
+        <p14:creationId xmlns:p14="http://schemas.microsoft.com/office/powerpoint/2010/main" val="104448386"/>
+      </p:ext>
+    </p:extLst>
+  </p:cSld>
+  <p:clrMapOvr>
+    <a:masterClrMapping/>
+  </p:clrMapOvr>
+  <p:timing>
+    <p:tnLst>
+      <p:par>
+        <p:cTn id="1" dur="indefinite" restart="never" nodeType="tmRoot"/>
+      </p:par>
+    </p:tnLst>
+  </p:timing>
+</p:sld>
+</file>
+
+<file path=ppt/slides/slide6.xml><?xml version="1.0" encoding="utf-8"?>
+<p:sld xmlns:a="http://schemas.openxmlformats.org/drawingml/2006/main" xmlns:r="http://schemas.openxmlformats.org/officeDocument/2006/relationships" xmlns:p="http://schemas.openxmlformats.org/presentationml/2006/main">
+  <p:cSld>
+    <p:bg>
+      <p:bgPr>
+        <a:solidFill>
+          <a:schemeClr val="accent5">
+            <a:lumMod val="60000"/>
+            <a:lumOff val="40000"/>
+          </a:schemeClr>
+        </a:solidFill>
+        <a:effectLst/>
+      </p:bgPr>
+    </p:bg>
+    <p:spTree>
+      <p:nvGrpSpPr>
+        <p:cNvPr id="1" name=""/>
+        <p:cNvGrpSpPr/>
+        <p:nvPr/>
+      </p:nvGrpSpPr>
+      <p:grpSpPr>
+        <a:xfrm>
+          <a:off x="0" y="0"/>
+          <a:ext cx="0" cy="0"/>
+          <a:chOff x="0" y="0"/>
+          <a:chExt cx="0" cy="0"/>
+        </a:xfrm>
+      </p:grpSpPr>
+      <p:sp>
+        <p:nvSpPr>
+          <p:cNvPr id="3" name="Rectangle 2"/>
+          <p:cNvSpPr/>
+          <p:nvPr/>
+        </p:nvSpPr>
+        <p:spPr>
+          <a:xfrm>
+            <a:off x="0" y="0"/>
+            <a:ext cx="9144000" cy="1631216"/>
+          </a:xfrm>
+          <a:prstGeom prst="rect">
+            <a:avLst/>
+          </a:prstGeom>
+        </p:spPr>
+        <p:txBody>
+          <a:bodyPr wrap="square">
+            <a:spAutoFit/>
+          </a:bodyPr>
+          <a:lstStyle/>
+          <a:p>
+            <a:pPr algn="ctr"/>
+            <a:endParaRPr lang="en-US" sz="4000" b="1" dirty="0"/>
+          </a:p>
+          <a:p>
+            <a:pPr lvl="1"/>
+            <a:r>
+              <a:rPr lang="en-AU" sz="3500" b="1" dirty="0" smtClean="0"/>
+              <a:t>Coordinate systems</a:t>
+            </a:r>
+            <a:endParaRPr lang="en-US" sz="3500" b="1" dirty="0" smtClean="0"/>
+          </a:p>
+          <a:p>
+            <a:pPr marL="1657350" lvl="2" indent="-742950">
+              <a:buFont typeface="Arial" panose="020B0604020202020204" pitchFamily="34" charset="0"/>
+              <a:buChar char="•"/>
+            </a:pPr>
+            <a:endParaRPr lang="en-US" sz="2500" dirty="0" smtClean="0"/>
+          </a:p>
+        </p:txBody>
+      </p:sp>
+      <p:sp>
+        <p:nvSpPr>
+          <p:cNvPr id="8" name="Rectangle 7"/>
+          <p:cNvSpPr/>
+          <p:nvPr/>
+        </p:nvSpPr>
+        <p:spPr>
+          <a:xfrm>
+            <a:off x="1651582" y="2133600"/>
+            <a:ext cx="6477000" cy="4038600"/>
+          </a:xfrm>
+          <a:prstGeom prst="rect">
+            <a:avLst/>
+          </a:prstGeom>
+          <a:noFill/>
+          <a:ln w="38100"/>
+        </p:spPr>
+        <p:style>
+          <a:lnRef idx="2">
+            <a:schemeClr val="accent1">
+              <a:shade val="50000"/>
+            </a:schemeClr>
+          </a:lnRef>
+          <a:fillRef idx="1">
+            <a:schemeClr val="accent1"/>
+          </a:fillRef>
+          <a:effectRef idx="0">
+            <a:schemeClr val="accent1"/>
+          </a:effectRef>
+          <a:fontRef idx="minor">
+            <a:schemeClr val="lt1"/>
+          </a:fontRef>
+        </p:style>
+        <p:txBody>
+          <a:bodyPr rtlCol="0" anchor="ctr"/>
+          <a:lstStyle/>
+          <a:p>
+            <a:pPr algn="ctr"/>
+            <a:endParaRPr lang="en-US"/>
+          </a:p>
+        </p:txBody>
+      </p:sp>
+      <p:sp>
+        <p:nvSpPr>
+          <p:cNvPr id="10" name="Rectangle 9"/>
+          <p:cNvSpPr/>
+          <p:nvPr/>
+        </p:nvSpPr>
+        <p:spPr>
+          <a:xfrm>
+            <a:off x="2946982" y="2857500"/>
+            <a:ext cx="3886200" cy="2590800"/>
+          </a:xfrm>
+          <a:prstGeom prst="rect">
+            <a:avLst/>
+          </a:prstGeom>
+          <a:noFill/>
+          <a:ln w="38100">
+            <a:solidFill>
+              <a:srgbClr val="FFFF00"/>
+            </a:solidFill>
+          </a:ln>
+        </p:spPr>
+        <p:style>
+          <a:lnRef idx="2">
+            <a:schemeClr val="accent1">
+              <a:shade val="50000"/>
+            </a:schemeClr>
+          </a:lnRef>
+          <a:fillRef idx="1">
+            <a:schemeClr val="accent1"/>
+          </a:fillRef>
+          <a:effectRef idx="0">
+            <a:schemeClr val="accent1"/>
+          </a:effectRef>
+          <a:fontRef idx="minor">
+            <a:schemeClr val="lt1"/>
+          </a:fontRef>
+        </p:style>
+        <p:txBody>
+          <a:bodyPr rtlCol="0" anchor="ctr"/>
+          <a:lstStyle/>
+          <a:p>
+            <a:pPr algn="ctr"/>
+            <a:endParaRPr lang="en-US"/>
+          </a:p>
+        </p:txBody>
+      </p:sp>
+      <p:cxnSp>
+        <p:nvCxnSpPr>
+          <p:cNvPr id="13" name="Straight Arrow Connector 12"/>
+          <p:cNvCxnSpPr/>
+          <p:nvPr/>
+        </p:nvCxnSpPr>
+        <p:spPr>
+          <a:xfrm flipH="1">
+            <a:off x="2946982" y="1447800"/>
+            <a:ext cx="2781300" cy="1355912"/>
+          </a:xfrm>
+          <a:prstGeom prst="straightConnector1">
+            <a:avLst/>
+          </a:prstGeom>
+          <a:ln>
+            <a:solidFill>
+              <a:schemeClr val="bg1"/>
+            </a:solidFill>
+            <a:tailEnd type="triangle"/>
+          </a:ln>
+        </p:spPr>
+        <p:style>
+          <a:lnRef idx="1">
+            <a:schemeClr val="accent1"/>
+          </a:lnRef>
+          <a:fillRef idx="0">
+            <a:schemeClr val="accent1"/>
+          </a:fillRef>
+          <a:effectRef idx="0">
+            <a:schemeClr val="accent1"/>
+          </a:effectRef>
+          <a:fontRef idx="minor">
+            <a:schemeClr val="tx1"/>
+          </a:fontRef>
+        </p:style>
+      </p:cxnSp>
+      <p:cxnSp>
+        <p:nvCxnSpPr>
+          <p:cNvPr id="16" name="Straight Arrow Connector 15"/>
+          <p:cNvCxnSpPr/>
+          <p:nvPr/>
+        </p:nvCxnSpPr>
+        <p:spPr>
+          <a:xfrm flipV="1">
+            <a:off x="708047" y="2133600"/>
+            <a:ext cx="943535" cy="2476501"/>
+          </a:xfrm>
+          <a:prstGeom prst="straightConnector1">
+            <a:avLst/>
+          </a:prstGeom>
+          <a:ln>
+            <a:solidFill>
+              <a:schemeClr val="bg1"/>
+            </a:solidFill>
+            <a:tailEnd type="triangle"/>
+          </a:ln>
+        </p:spPr>
+        <p:style>
+          <a:lnRef idx="1">
+            <a:schemeClr val="accent1"/>
+          </a:lnRef>
+          <a:fillRef idx="0">
+            <a:schemeClr val="accent1"/>
+          </a:fillRef>
+          <a:effectRef idx="0">
+            <a:schemeClr val="accent1"/>
+          </a:effectRef>
+          <a:fontRef idx="minor">
+            <a:schemeClr val="tx1"/>
+          </a:fontRef>
+        </p:style>
+      </p:cxnSp>
+      <p:cxnSp>
+        <p:nvCxnSpPr>
+          <p:cNvPr id="24" name="Straight Arrow Connector 23"/>
+          <p:cNvCxnSpPr/>
+          <p:nvPr/>
+        </p:nvCxnSpPr>
+        <p:spPr>
+          <a:xfrm flipH="1" flipV="1">
+            <a:off x="2946982" y="2857500"/>
+            <a:ext cx="1302125" cy="1295400"/>
+          </a:xfrm>
+          <a:prstGeom prst="straightConnector1">
+            <a:avLst/>
+          </a:prstGeom>
+          <a:ln>
+            <a:solidFill>
+              <a:schemeClr val="bg1"/>
+            </a:solidFill>
+            <a:tailEnd type="triangle"/>
+          </a:ln>
+        </p:spPr>
+        <p:style>
+          <a:lnRef idx="1">
+            <a:schemeClr val="accent1"/>
+          </a:lnRef>
+          <a:fillRef idx="0">
+            <a:schemeClr val="accent1"/>
+          </a:fillRef>
+          <a:effectRef idx="0">
+            <a:schemeClr val="accent1"/>
+          </a:effectRef>
+          <a:fontRef idx="minor">
+            <a:schemeClr val="tx1"/>
+          </a:fontRef>
+        </p:style>
+      </p:cxnSp>
+      <p:sp>
+        <p:nvSpPr>
+          <p:cNvPr id="26" name="TextBox 25"/>
+          <p:cNvSpPr txBox="1"/>
+          <p:nvPr/>
+        </p:nvSpPr>
+        <p:spPr>
+          <a:xfrm>
+            <a:off x="5469796" y="894427"/>
+            <a:ext cx="2917273" cy="923330"/>
+          </a:xfrm>
+          <a:prstGeom prst="rect">
+            <a:avLst/>
+          </a:prstGeom>
+          <a:noFill/>
+        </p:spPr>
+        <p:txBody>
+          <a:bodyPr wrap="none" rtlCol="0">
+            <a:spAutoFit/>
+          </a:bodyPr>
+          <a:lstStyle/>
+          <a:p>
+            <a:pPr algn="ctr"/>
+            <a:r>
+              <a:rPr lang="en-US" dirty="0"/>
+              <a:t>(0,0) in </a:t>
+            </a:r>
+            <a:r>
+              <a:rPr lang="en-US" dirty="0" smtClean="0"/>
+              <a:t>Viewport coordinates</a:t>
+            </a:r>
+          </a:p>
+          <a:p>
+            <a:pPr algn="ctr"/>
+            <a:r>
+              <a:rPr lang="en-US" dirty="0" smtClean="0"/>
+              <a:t> (screen </a:t>
+            </a:r>
+            <a:r>
+              <a:rPr lang="en-US" dirty="0"/>
+              <a:t>coordinates)</a:t>
+            </a:r>
+          </a:p>
+          <a:p>
+            <a:pPr algn="ctr"/>
+            <a:endParaRPr lang="en-US" dirty="0"/>
+          </a:p>
+        </p:txBody>
+      </p:sp>
+      <p:sp>
+        <p:nvSpPr>
+          <p:cNvPr id="27" name="TextBox 26"/>
+          <p:cNvSpPr txBox="1"/>
+          <p:nvPr/>
+        </p:nvSpPr>
+        <p:spPr>
+          <a:xfrm>
+            <a:off x="3549861" y="4206688"/>
+            <a:ext cx="2044278" cy="646331"/>
+          </a:xfrm>
+          <a:prstGeom prst="rect">
+            <a:avLst/>
+          </a:prstGeom>
+          <a:noFill/>
+        </p:spPr>
+        <p:txBody>
+          <a:bodyPr wrap="none" rtlCol="0">
+            <a:spAutoFit/>
+          </a:bodyPr>
+          <a:lstStyle/>
+          <a:p>
+            <a:pPr algn="ctr"/>
+            <a:r>
+              <a:rPr lang="en-US" dirty="0" smtClean="0"/>
+              <a:t>(100, 100</a:t>
+            </a:r>
+            <a:r>
+              <a:rPr lang="en-US" dirty="0"/>
+              <a:t>) in </a:t>
+            </a:r>
+            <a:r>
+              <a:rPr lang="en-US" dirty="0" smtClean="0"/>
+              <a:t>World </a:t>
+            </a:r>
+          </a:p>
+          <a:p>
+            <a:pPr algn="ctr"/>
+            <a:r>
+              <a:rPr lang="en-US" dirty="0" smtClean="0"/>
+              <a:t>coordinates</a:t>
+            </a:r>
+          </a:p>
+        </p:txBody>
+      </p:sp>
+      <p:sp>
+        <p:nvSpPr>
+          <p:cNvPr id="28" name="TextBox 27"/>
+          <p:cNvSpPr txBox="1"/>
+          <p:nvPr/>
+        </p:nvSpPr>
+        <p:spPr>
+          <a:xfrm>
+            <a:off x="193601" y="4610100"/>
+            <a:ext cx="1286314" cy="923330"/>
+          </a:xfrm>
+          <a:prstGeom prst="rect">
+            <a:avLst/>
+          </a:prstGeom>
+          <a:noFill/>
+        </p:spPr>
+        <p:txBody>
+          <a:bodyPr wrap="none" rtlCol="0">
+            <a:spAutoFit/>
+          </a:bodyPr>
+          <a:lstStyle/>
+          <a:p>
+            <a:pPr algn="ctr"/>
+            <a:r>
+              <a:rPr lang="en-US" dirty="0" smtClean="0"/>
+              <a:t>(0, 0) </a:t>
+            </a:r>
+            <a:r>
+              <a:rPr lang="en-US" dirty="0"/>
+              <a:t>in </a:t>
+            </a:r>
+            <a:endParaRPr lang="en-US" dirty="0" smtClean="0"/>
+          </a:p>
+          <a:p>
+            <a:pPr algn="ctr"/>
+            <a:r>
+              <a:rPr lang="en-US" dirty="0" smtClean="0"/>
+              <a:t>World </a:t>
+            </a:r>
+          </a:p>
+          <a:p>
+            <a:pPr algn="ctr"/>
+            <a:r>
+              <a:rPr lang="en-US" dirty="0" smtClean="0"/>
+              <a:t>coordinates</a:t>
+            </a:r>
+          </a:p>
+        </p:txBody>
+      </p:sp>
+    </p:spTree>
+    <p:extLst>
+      <p:ext uri="{BB962C8B-B14F-4D97-AF65-F5344CB8AC3E}">
+        <p14:creationId xmlns:p14="http://schemas.microsoft.com/office/powerpoint/2010/main" val="595177292"/>
+      </p:ext>
+    </p:extLst>
+  </p:cSld>
+  <p:clrMapOvr>
+    <a:masterClrMapping/>
+  </p:clrMapOvr>
+  <p:timing>
+    <p:tnLst>
+      <p:par>
+        <p:cTn id="1" dur="indefinite" restart="never" nodeType="tmRoot"/>
+      </p:par>
+    </p:tnLst>
+  </p:timing>
+</p:sld>
+</file>
+
+<file path=ppt/slides/slide7.xml><?xml version="1.0" encoding="utf-8"?>
+<p:sld xmlns:a="http://schemas.openxmlformats.org/drawingml/2006/main" xmlns:r="http://schemas.openxmlformats.org/officeDocument/2006/relationships" xmlns:p="http://schemas.openxmlformats.org/presentationml/2006/main">
+  <p:cSld>
+    <p:bg>
+      <p:bgPr>
+        <a:solidFill>
+          <a:schemeClr val="accent5">
+            <a:lumMod val="60000"/>
+            <a:lumOff val="40000"/>
+          </a:schemeClr>
+        </a:solidFill>
+        <a:effectLst/>
+      </p:bgPr>
+    </p:bg>
+    <p:spTree>
+      <p:nvGrpSpPr>
+        <p:cNvPr id="1" name=""/>
+        <p:cNvGrpSpPr/>
+        <p:nvPr/>
+      </p:nvGrpSpPr>
+      <p:grpSpPr>
+        <a:xfrm>
+          <a:off x="0" y="0"/>
+          <a:ext cx="0" cy="0"/>
+          <a:chOff x="0" y="0"/>
+          <a:chExt cx="0" cy="0"/>
+        </a:xfrm>
+      </p:grpSpPr>
+      <p:sp>
+        <p:nvSpPr>
+          <p:cNvPr id="3" name="Rectangle 2"/>
+          <p:cNvSpPr/>
+          <p:nvPr/>
+        </p:nvSpPr>
+        <p:spPr>
+          <a:xfrm>
+            <a:off x="0" y="0"/>
+            <a:ext cx="9144000" cy="1631216"/>
+          </a:xfrm>
+          <a:prstGeom prst="rect">
+            <a:avLst/>
+          </a:prstGeom>
+        </p:spPr>
+        <p:txBody>
+          <a:bodyPr wrap="square">
+            <a:spAutoFit/>
+          </a:bodyPr>
+          <a:lstStyle/>
+          <a:p>
+            <a:pPr algn="ctr"/>
+            <a:endParaRPr lang="en-US" sz="4000" b="1" dirty="0"/>
+          </a:p>
+          <a:p>
+            <a:pPr lvl="1"/>
+            <a:r>
+              <a:rPr lang="en-AU" sz="3500" b="1" dirty="0" smtClean="0"/>
+              <a:t>Coordinate systems</a:t>
+            </a:r>
+            <a:endParaRPr lang="en-US" sz="3500" b="1" dirty="0" smtClean="0"/>
+          </a:p>
+          <a:p>
+            <a:pPr marL="1657350" lvl="2" indent="-742950">
+              <a:buFont typeface="Arial" panose="020B0604020202020204" pitchFamily="34" charset="0"/>
+              <a:buChar char="•"/>
+            </a:pPr>
+            <a:endParaRPr lang="en-US" sz="2500" dirty="0" smtClean="0"/>
+          </a:p>
+        </p:txBody>
+      </p:sp>
+      <p:sp>
+        <p:nvSpPr>
+          <p:cNvPr id="8" name="Rectangle 7"/>
+          <p:cNvSpPr/>
+          <p:nvPr/>
+        </p:nvSpPr>
+        <p:spPr>
+          <a:xfrm>
+            <a:off x="1651582" y="2133600"/>
+            <a:ext cx="6477000" cy="4038600"/>
+          </a:xfrm>
+          <a:prstGeom prst="rect">
+            <a:avLst/>
+          </a:prstGeom>
+          <a:noFill/>
+          <a:ln w="38100"/>
+        </p:spPr>
+        <p:style>
+          <a:lnRef idx="2">
+            <a:schemeClr val="accent1">
+              <a:shade val="50000"/>
+            </a:schemeClr>
+          </a:lnRef>
+          <a:fillRef idx="1">
+            <a:schemeClr val="accent1"/>
+          </a:fillRef>
+          <a:effectRef idx="0">
+            <a:schemeClr val="accent1"/>
+          </a:effectRef>
+          <a:fontRef idx="minor">
+            <a:schemeClr val="lt1"/>
+          </a:fontRef>
+        </p:style>
+        <p:txBody>
+          <a:bodyPr rtlCol="0" anchor="ctr"/>
+          <a:lstStyle/>
+          <a:p>
+            <a:pPr algn="ctr"/>
+            <a:endParaRPr lang="en-US"/>
+          </a:p>
+        </p:txBody>
+      </p:sp>
+      <p:sp>
+        <p:nvSpPr>
+          <p:cNvPr id="10" name="Rectangle 9"/>
+          <p:cNvSpPr/>
+          <p:nvPr/>
+        </p:nvSpPr>
+        <p:spPr>
+          <a:xfrm>
+            <a:off x="2946982" y="2857500"/>
+            <a:ext cx="3886200" cy="2590800"/>
+          </a:xfrm>
+          <a:prstGeom prst="rect">
+            <a:avLst/>
+          </a:prstGeom>
+          <a:noFill/>
+          <a:ln w="38100">
+            <a:solidFill>
+              <a:srgbClr val="FFFF00"/>
+            </a:solidFill>
+          </a:ln>
+        </p:spPr>
+        <p:style>
+          <a:lnRef idx="2">
+            <a:schemeClr val="accent1">
+              <a:shade val="50000"/>
+            </a:schemeClr>
+          </a:lnRef>
+          <a:fillRef idx="1">
+            <a:schemeClr val="accent1"/>
+          </a:fillRef>
+          <a:effectRef idx="0">
+            <a:schemeClr val="accent1"/>
+          </a:effectRef>
+          <a:fontRef idx="minor">
+            <a:schemeClr val="lt1"/>
+          </a:fontRef>
+        </p:style>
+        <p:txBody>
+          <a:bodyPr rtlCol="0" anchor="ctr"/>
+          <a:lstStyle/>
+          <a:p>
+            <a:pPr algn="ctr"/>
+            <a:endParaRPr lang="en-US"/>
+          </a:p>
+        </p:txBody>
+      </p:sp>
+      <p:cxnSp>
+        <p:nvCxnSpPr>
+          <p:cNvPr id="13" name="Straight Arrow Connector 12"/>
+          <p:cNvCxnSpPr/>
+          <p:nvPr/>
+        </p:nvCxnSpPr>
+        <p:spPr>
+          <a:xfrm flipH="1">
+            <a:off x="2946982" y="1447800"/>
+            <a:ext cx="2781300" cy="1355912"/>
+          </a:xfrm>
+          <a:prstGeom prst="straightConnector1">
+            <a:avLst/>
+          </a:prstGeom>
+          <a:ln>
+            <a:solidFill>
+              <a:schemeClr val="bg1"/>
+            </a:solidFill>
+            <a:tailEnd type="triangle"/>
+          </a:ln>
+        </p:spPr>
+        <p:style>
+          <a:lnRef idx="1">
+            <a:schemeClr val="accent1"/>
+          </a:lnRef>
+          <a:fillRef idx="0">
+            <a:schemeClr val="accent1"/>
+          </a:fillRef>
+          <a:effectRef idx="0">
+            <a:schemeClr val="accent1"/>
+          </a:effectRef>
+          <a:fontRef idx="minor">
+            <a:schemeClr val="tx1"/>
+          </a:fontRef>
+        </p:style>
+      </p:cxnSp>
+      <p:cxnSp>
+        <p:nvCxnSpPr>
+          <p:cNvPr id="16" name="Straight Arrow Connector 15"/>
+          <p:cNvCxnSpPr/>
+          <p:nvPr/>
+        </p:nvCxnSpPr>
+        <p:spPr>
+          <a:xfrm flipV="1">
+            <a:off x="708047" y="2133600"/>
+            <a:ext cx="943535" cy="2476501"/>
+          </a:xfrm>
+          <a:prstGeom prst="straightConnector1">
+            <a:avLst/>
+          </a:prstGeom>
+          <a:ln>
+            <a:solidFill>
+              <a:schemeClr val="bg1"/>
+            </a:solidFill>
+            <a:tailEnd type="triangle"/>
+          </a:ln>
+        </p:spPr>
+        <p:style>
+          <a:lnRef idx="1">
+            <a:schemeClr val="accent1"/>
+          </a:lnRef>
+          <a:fillRef idx="0">
+            <a:schemeClr val="accent1"/>
+          </a:fillRef>
+          <a:effectRef idx="0">
+            <a:schemeClr val="accent1"/>
+          </a:effectRef>
+          <a:fontRef idx="minor">
+            <a:schemeClr val="tx1"/>
+          </a:fontRef>
+        </p:style>
+      </p:cxnSp>
+      <p:cxnSp>
+        <p:nvCxnSpPr>
+          <p:cNvPr id="24" name="Straight Arrow Connector 23"/>
+          <p:cNvCxnSpPr/>
+          <p:nvPr/>
+        </p:nvCxnSpPr>
+        <p:spPr>
+          <a:xfrm flipH="1" flipV="1">
+            <a:off x="2946982" y="2857500"/>
+            <a:ext cx="1302125" cy="1295400"/>
+          </a:xfrm>
+          <a:prstGeom prst="straightConnector1">
+            <a:avLst/>
+          </a:prstGeom>
+          <a:ln>
+            <a:solidFill>
+              <a:schemeClr val="bg1"/>
+            </a:solidFill>
+            <a:tailEnd type="triangle"/>
+          </a:ln>
+        </p:spPr>
+        <p:style>
+          <a:lnRef idx="1">
+            <a:schemeClr val="accent1"/>
+          </a:lnRef>
+          <a:fillRef idx="0">
+            <a:schemeClr val="accent1"/>
+          </a:fillRef>
+          <a:effectRef idx="0">
+            <a:schemeClr val="accent1"/>
+          </a:effectRef>
+          <a:fontRef idx="minor">
+            <a:schemeClr val="tx1"/>
+          </a:fontRef>
+        </p:style>
+      </p:cxnSp>
+      <p:sp>
+        <p:nvSpPr>
+          <p:cNvPr id="26" name="TextBox 25"/>
+          <p:cNvSpPr txBox="1"/>
+          <p:nvPr/>
+        </p:nvSpPr>
+        <p:spPr>
+          <a:xfrm>
+            <a:off x="5469796" y="894427"/>
+            <a:ext cx="2917273" cy="923330"/>
+          </a:xfrm>
+          <a:prstGeom prst="rect">
+            <a:avLst/>
+          </a:prstGeom>
+          <a:noFill/>
+        </p:spPr>
+        <p:txBody>
+          <a:bodyPr wrap="none" rtlCol="0">
+            <a:spAutoFit/>
+          </a:bodyPr>
+          <a:lstStyle/>
+          <a:p>
+            <a:pPr algn="ctr"/>
+            <a:r>
+              <a:rPr lang="en-US" dirty="0"/>
+              <a:t>(0,0) in </a:t>
+            </a:r>
+            <a:r>
+              <a:rPr lang="en-US" dirty="0" smtClean="0"/>
+              <a:t>Viewport coordinates</a:t>
+            </a:r>
+          </a:p>
+          <a:p>
+            <a:pPr algn="ctr"/>
+            <a:r>
+              <a:rPr lang="en-US" dirty="0" smtClean="0"/>
+              <a:t> (screen </a:t>
+            </a:r>
+            <a:r>
+              <a:rPr lang="en-US" dirty="0"/>
+              <a:t>coordinates)</a:t>
+            </a:r>
+          </a:p>
+          <a:p>
+            <a:pPr algn="ctr"/>
+            <a:endParaRPr lang="en-US" dirty="0"/>
+          </a:p>
+        </p:txBody>
+      </p:sp>
+      <p:sp>
+        <p:nvSpPr>
+          <p:cNvPr id="27" name="TextBox 26"/>
+          <p:cNvSpPr txBox="1"/>
+          <p:nvPr/>
+        </p:nvSpPr>
+        <p:spPr>
+          <a:xfrm>
+            <a:off x="3549861" y="4206688"/>
+            <a:ext cx="2044278" cy="646331"/>
+          </a:xfrm>
+          <a:prstGeom prst="rect">
+            <a:avLst/>
+          </a:prstGeom>
+          <a:noFill/>
+        </p:spPr>
+        <p:txBody>
+          <a:bodyPr wrap="none" rtlCol="0">
+            <a:spAutoFit/>
+          </a:bodyPr>
+          <a:lstStyle/>
+          <a:p>
+            <a:pPr algn="ctr"/>
+            <a:r>
+              <a:rPr lang="en-US" dirty="0" smtClean="0"/>
+              <a:t>(100, 100</a:t>
+            </a:r>
+            <a:r>
+              <a:rPr lang="en-US" dirty="0"/>
+              <a:t>) in </a:t>
+            </a:r>
+            <a:r>
+              <a:rPr lang="en-US" dirty="0" smtClean="0"/>
+              <a:t>World </a:t>
+            </a:r>
+          </a:p>
+          <a:p>
+            <a:pPr algn="ctr"/>
+            <a:r>
+              <a:rPr lang="en-US" dirty="0" smtClean="0"/>
+              <a:t>coordinates</a:t>
+            </a:r>
+          </a:p>
+        </p:txBody>
+      </p:sp>
+      <p:sp>
+        <p:nvSpPr>
+          <p:cNvPr id="28" name="TextBox 27"/>
+          <p:cNvSpPr txBox="1"/>
+          <p:nvPr/>
+        </p:nvSpPr>
+        <p:spPr>
+          <a:xfrm>
+            <a:off x="193601" y="4610100"/>
+            <a:ext cx="1286314" cy="923330"/>
+          </a:xfrm>
+          <a:prstGeom prst="rect">
+            <a:avLst/>
+          </a:prstGeom>
+          <a:noFill/>
+        </p:spPr>
+        <p:txBody>
+          <a:bodyPr wrap="none" rtlCol="0">
+            <a:spAutoFit/>
+          </a:bodyPr>
+          <a:lstStyle/>
+          <a:p>
+            <a:pPr algn="ctr"/>
+            <a:r>
+              <a:rPr lang="en-US" dirty="0" smtClean="0"/>
+              <a:t>(0, 0) </a:t>
+            </a:r>
+            <a:r>
+              <a:rPr lang="en-US" dirty="0"/>
+              <a:t>in </a:t>
+            </a:r>
+            <a:endParaRPr lang="en-US" dirty="0" smtClean="0"/>
+          </a:p>
+          <a:p>
+            <a:pPr algn="ctr"/>
+            <a:r>
+              <a:rPr lang="en-US" dirty="0" smtClean="0"/>
+              <a:t>World </a:t>
+            </a:r>
+          </a:p>
+          <a:p>
+            <a:pPr algn="ctr"/>
+            <a:r>
+              <a:rPr lang="en-US" dirty="0" smtClean="0"/>
+              <a:t>coordinates</a:t>
+            </a:r>
+          </a:p>
+        </p:txBody>
+      </p:sp>
+      <p:sp>
+        <p:nvSpPr>
+          <p:cNvPr id="2" name="Smiley Face 1"/>
+          <p:cNvSpPr/>
+          <p:nvPr/>
+        </p:nvSpPr>
+        <p:spPr>
+          <a:xfrm>
+            <a:off x="5594139" y="4343400"/>
+            <a:ext cx="602879" cy="601507"/>
+          </a:xfrm>
+          <a:prstGeom prst="smileyFace">
+            <a:avLst/>
+          </a:prstGeom>
+          <a:solidFill>
+            <a:srgbClr val="FFFF00"/>
+          </a:solidFill>
+          <a:ln>
+            <a:solidFill>
+              <a:schemeClr val="tx1"/>
+            </a:solidFill>
+          </a:ln>
+        </p:spPr>
+        <p:style>
+          <a:lnRef idx="2">
+            <a:schemeClr val="accent1">
+              <a:shade val="50000"/>
+            </a:schemeClr>
+          </a:lnRef>
+          <a:fillRef idx="1">
+            <a:schemeClr val="accent1"/>
+          </a:fillRef>
+          <a:effectRef idx="0">
+            <a:schemeClr val="accent1"/>
+          </a:effectRef>
+          <a:fontRef idx="minor">
+            <a:schemeClr val="lt1"/>
+          </a:fontRef>
+        </p:style>
+        <p:txBody>
+          <a:bodyPr rtlCol="0" anchor="ctr"/>
+          <a:lstStyle/>
+          <a:p>
+            <a:pPr algn="ctr"/>
+            <a:endParaRPr lang="en-US"/>
+          </a:p>
+        </p:txBody>
+      </p:sp>
+      <p:cxnSp>
+        <p:nvCxnSpPr>
+          <p:cNvPr id="12" name="Straight Arrow Connector 11"/>
+          <p:cNvCxnSpPr/>
+          <p:nvPr/>
+        </p:nvCxnSpPr>
+        <p:spPr>
+          <a:xfrm flipH="1">
+            <a:off x="5604473" y="2900628"/>
+            <a:ext cx="566171" cy="1451645"/>
+          </a:xfrm>
+          <a:prstGeom prst="straightConnector1">
+            <a:avLst/>
+          </a:prstGeom>
+          <a:ln>
+            <a:solidFill>
+              <a:schemeClr val="bg1"/>
+            </a:solidFill>
+            <a:tailEnd type="triangle"/>
+          </a:ln>
+        </p:spPr>
+        <p:style>
+          <a:lnRef idx="1">
+            <a:schemeClr val="accent1"/>
+          </a:lnRef>
+          <a:fillRef idx="0">
+            <a:schemeClr val="accent1"/>
+          </a:fillRef>
+          <a:effectRef idx="0">
+            <a:schemeClr val="accent1"/>
+          </a:effectRef>
+          <a:fontRef idx="minor">
+            <a:schemeClr val="tx1"/>
+          </a:fontRef>
+        </p:style>
+      </p:cxnSp>
+      <p:sp>
+        <p:nvSpPr>
+          <p:cNvPr id="14" name="TextBox 13"/>
+          <p:cNvSpPr txBox="1"/>
+          <p:nvPr/>
+        </p:nvSpPr>
+        <p:spPr>
+          <a:xfrm>
+            <a:off x="4952823" y="2176699"/>
+            <a:ext cx="2917273" cy="923330"/>
+          </a:xfrm>
+          <a:prstGeom prst="rect">
+            <a:avLst/>
+          </a:prstGeom>
+          <a:noFill/>
+        </p:spPr>
+        <p:txBody>
+          <a:bodyPr wrap="square" rtlCol="0">
+            <a:spAutoFit/>
+          </a:bodyPr>
+          <a:lstStyle/>
+          <a:p>
+            <a:pPr algn="ctr"/>
+            <a:r>
+              <a:rPr lang="en-US" dirty="0" smtClean="0"/>
+              <a:t>(300</a:t>
+            </a:r>
+            <a:r>
+              <a:rPr lang="en-US" dirty="0"/>
+              <a:t>, </a:t>
+            </a:r>
+            <a:r>
+              <a:rPr lang="en-US" dirty="0" smtClean="0"/>
+              <a:t>200</a:t>
+            </a:r>
+            <a:r>
+              <a:rPr lang="en-US" dirty="0"/>
+              <a:t>) in World </a:t>
+            </a:r>
+          </a:p>
+          <a:p>
+            <a:pPr algn="ctr"/>
+            <a:r>
+              <a:rPr lang="en-US" dirty="0"/>
+              <a:t>coordinates</a:t>
+            </a:r>
+          </a:p>
+          <a:p>
+            <a:pPr algn="ctr"/>
+            <a:endParaRPr lang="en-US" dirty="0"/>
+          </a:p>
+        </p:txBody>
+      </p:sp>
+      <p:cxnSp>
+        <p:nvCxnSpPr>
+          <p:cNvPr id="18" name="Straight Arrow Connector 17"/>
+          <p:cNvCxnSpPr/>
+          <p:nvPr/>
+        </p:nvCxnSpPr>
+        <p:spPr>
+          <a:xfrm flipV="1">
+            <a:off x="5044476" y="4406061"/>
+            <a:ext cx="549663" cy="1178951"/>
+          </a:xfrm>
+          <a:prstGeom prst="straightConnector1">
+            <a:avLst/>
+          </a:prstGeom>
+          <a:ln>
+            <a:solidFill>
+              <a:schemeClr val="bg1"/>
+            </a:solidFill>
+            <a:tailEnd type="triangle"/>
+          </a:ln>
+        </p:spPr>
+        <p:style>
+          <a:lnRef idx="1">
+            <a:schemeClr val="accent1"/>
+          </a:lnRef>
+          <a:fillRef idx="0">
+            <a:schemeClr val="accent1"/>
+          </a:fillRef>
+          <a:effectRef idx="0">
+            <a:schemeClr val="accent1"/>
+          </a:effectRef>
+          <a:fontRef idx="minor">
+            <a:schemeClr val="tx1"/>
+          </a:fontRef>
+        </p:style>
+      </p:cxnSp>
+      <p:sp>
+        <p:nvSpPr>
+          <p:cNvPr id="22" name="TextBox 21"/>
+          <p:cNvSpPr txBox="1"/>
+          <p:nvPr/>
+        </p:nvSpPr>
+        <p:spPr>
+          <a:xfrm>
+            <a:off x="3467064" y="5533430"/>
+            <a:ext cx="2917273" cy="923330"/>
+          </a:xfrm>
+          <a:prstGeom prst="rect">
+            <a:avLst/>
+          </a:prstGeom>
+          <a:noFill/>
+        </p:spPr>
+        <p:txBody>
+          <a:bodyPr wrap="square" rtlCol="0">
+            <a:spAutoFit/>
+          </a:bodyPr>
+          <a:lstStyle/>
+          <a:p>
+            <a:pPr algn="ctr"/>
+            <a:r>
+              <a:rPr lang="en-US" dirty="0" smtClean="0"/>
+              <a:t>(200, </a:t>
+            </a:r>
+            <a:r>
+              <a:rPr lang="en-US" dirty="0"/>
+              <a:t>1</a:t>
+            </a:r>
+            <a:r>
+              <a:rPr lang="en-US" dirty="0" smtClean="0"/>
+              <a:t>00</a:t>
+            </a:r>
+            <a:r>
+              <a:rPr lang="en-US" dirty="0"/>
+              <a:t>) in </a:t>
+            </a:r>
+            <a:r>
+              <a:rPr lang="en-US" dirty="0" smtClean="0"/>
+              <a:t>Viewport</a:t>
+            </a:r>
+            <a:endParaRPr lang="en-US" dirty="0"/>
+          </a:p>
+          <a:p>
+            <a:pPr algn="ctr"/>
+            <a:r>
+              <a:rPr lang="en-US" dirty="0"/>
+              <a:t>coordinates</a:t>
+            </a:r>
+          </a:p>
+          <a:p>
+            <a:pPr algn="ctr"/>
+            <a:endParaRPr lang="en-US" dirty="0"/>
+          </a:p>
+        </p:txBody>
+      </p:sp>
+    </p:spTree>
+    <p:extLst>
+      <p:ext uri="{BB962C8B-B14F-4D97-AF65-F5344CB8AC3E}">
+        <p14:creationId xmlns:p14="http://schemas.microsoft.com/office/powerpoint/2010/main" val="2067972261"/>
+      </p:ext>
+    </p:extLst>
+  </p:cSld>
+  <p:clrMapOvr>
+    <a:masterClrMapping/>
+  </p:clrMapOvr>
+  <p:timing>
+    <p:tnLst>
+      <p:par>
+        <p:cTn id="1" dur="indefinite" restart="never" nodeType="tmRoot"/>
+      </p:par>
+    </p:tnLst>
+  </p:timing>
+</p:sld>
+</file>
+
+<file path=ppt/slides/slide8.xml><?xml version="1.0" encoding="utf-8"?>
+<p:sld xmlns:a="http://schemas.openxmlformats.org/drawingml/2006/main" xmlns:r="http://schemas.openxmlformats.org/officeDocument/2006/relationships" xmlns:p="http://schemas.openxmlformats.org/presentationml/2006/main">
+  <p:cSld>
+    <p:bg>
+      <p:bgPr>
+        <a:solidFill>
+          <a:schemeClr val="accent5">
+            <a:lumMod val="60000"/>
+            <a:lumOff val="40000"/>
+          </a:schemeClr>
+        </a:solidFill>
+        <a:effectLst/>
+      </p:bgPr>
+    </p:bg>
+    <p:spTree>
+      <p:nvGrpSpPr>
+        <p:cNvPr id="1" name=""/>
+        <p:cNvGrpSpPr/>
+        <p:nvPr/>
+      </p:nvGrpSpPr>
+      <p:grpSpPr>
+        <a:xfrm>
+          <a:off x="0" y="0"/>
+          <a:ext cx="0" cy="0"/>
+          <a:chOff x="0" y="0"/>
+          <a:chExt cx="0" cy="0"/>
+        </a:xfrm>
+      </p:grpSpPr>
+      <p:sp>
+        <p:nvSpPr>
+          <p:cNvPr id="3" name="Rectangle 2"/>
+          <p:cNvSpPr/>
+          <p:nvPr/>
+        </p:nvSpPr>
+        <p:spPr>
+          <a:xfrm>
+            <a:off x="0" y="0"/>
+            <a:ext cx="9144000" cy="1631216"/>
+          </a:xfrm>
+          <a:prstGeom prst="rect">
+            <a:avLst/>
+          </a:prstGeom>
+        </p:spPr>
+        <p:txBody>
+          <a:bodyPr wrap="square">
+            <a:spAutoFit/>
+          </a:bodyPr>
+          <a:lstStyle/>
+          <a:p>
+            <a:pPr algn="ctr"/>
+            <a:endParaRPr lang="en-US" sz="4000" b="1" dirty="0"/>
+          </a:p>
+          <a:p>
+            <a:pPr lvl="1"/>
+            <a:r>
+              <a:rPr lang="en-AU" sz="3500" b="1" dirty="0" smtClean="0"/>
+              <a:t>Coordinate systems</a:t>
+            </a:r>
+            <a:endParaRPr lang="en-US" sz="3500" b="1" dirty="0" smtClean="0"/>
+          </a:p>
+          <a:p>
+            <a:pPr marL="1657350" lvl="2" indent="-742950">
+              <a:buFont typeface="Arial" panose="020B0604020202020204" pitchFamily="34" charset="0"/>
+              <a:buChar char="•"/>
+            </a:pPr>
+            <a:endParaRPr lang="en-US" sz="2500" dirty="0" smtClean="0"/>
+          </a:p>
+        </p:txBody>
+      </p:sp>
+      <p:pic>
+        <p:nvPicPr>
+          <p:cNvPr id="4" name="Picture 3"/>
+          <p:cNvPicPr>
+            <a:picLocks noChangeAspect="1"/>
+          </p:cNvPicPr>
+          <p:nvPr/>
+        </p:nvPicPr>
+        <p:blipFill rotWithShape="1">
+          <a:blip r:embed="rId3"/>
+          <a:srcRect r="66667"/>
+          <a:stretch/>
+        </p:blipFill>
+        <p:spPr>
+          <a:xfrm>
+            <a:off x="599236" y="3048000"/>
+            <a:ext cx="7945527" cy="1577771"/>
+          </a:xfrm>
+          <a:prstGeom prst="rect">
+            <a:avLst/>
+          </a:prstGeom>
+        </p:spPr>
+      </p:pic>
+      <p:cxnSp>
+        <p:nvCxnSpPr>
+          <p:cNvPr id="17" name="Straight Arrow Connector 16"/>
+          <p:cNvCxnSpPr/>
+          <p:nvPr/>
+        </p:nvCxnSpPr>
+        <p:spPr>
+          <a:xfrm flipH="1">
+            <a:off x="599236" y="2362200"/>
+            <a:ext cx="924764" cy="685800"/>
+          </a:xfrm>
+          <a:prstGeom prst="straightConnector1">
+            <a:avLst/>
+          </a:prstGeom>
+          <a:ln>
+            <a:solidFill>
+              <a:schemeClr val="bg1"/>
+            </a:solidFill>
+            <a:tailEnd type="triangle"/>
+          </a:ln>
+        </p:spPr>
+        <p:style>
+          <a:lnRef idx="1">
+            <a:schemeClr val="accent1"/>
+          </a:lnRef>
+          <a:fillRef idx="0">
+            <a:schemeClr val="accent1"/>
+          </a:fillRef>
+          <a:effectRef idx="0">
+            <a:schemeClr val="accent1"/>
+          </a:effectRef>
+          <a:fontRef idx="minor">
+            <a:schemeClr val="tx1"/>
+          </a:fontRef>
+        </p:style>
+      </p:cxnSp>
+      <p:sp>
+        <p:nvSpPr>
+          <p:cNvPr id="19" name="TextBox 18"/>
+          <p:cNvSpPr txBox="1"/>
+          <p:nvPr/>
+        </p:nvSpPr>
+        <p:spPr>
+          <a:xfrm>
+            <a:off x="0" y="1978655"/>
+            <a:ext cx="2917273" cy="369332"/>
+          </a:xfrm>
+          <a:prstGeom prst="rect">
+            <a:avLst/>
+          </a:prstGeom>
+          <a:noFill/>
+        </p:spPr>
+        <p:txBody>
+          <a:bodyPr wrap="square" rtlCol="0">
+            <a:spAutoFit/>
+          </a:bodyPr>
+          <a:lstStyle/>
+          <a:p>
+            <a:pPr algn="ctr"/>
+            <a:r>
+              <a:rPr lang="en-US" dirty="0"/>
+              <a:t>(0</a:t>
+            </a:r>
+            <a:r>
+              <a:rPr lang="en-US" dirty="0" smtClean="0"/>
+              <a:t>, 0</a:t>
+            </a:r>
+            <a:r>
+              <a:rPr lang="en-US" dirty="0"/>
+              <a:t>) </a:t>
+            </a:r>
+            <a:r>
+              <a:rPr lang="en-US" dirty="0" smtClean="0"/>
+              <a:t>in World</a:t>
+            </a:r>
+            <a:endParaRPr lang="en-US" dirty="0"/>
+          </a:p>
+        </p:txBody>
+      </p:sp>
+      <p:cxnSp>
+        <p:nvCxnSpPr>
+          <p:cNvPr id="21" name="Straight Arrow Connector 20"/>
+          <p:cNvCxnSpPr/>
+          <p:nvPr/>
+        </p:nvCxnSpPr>
+        <p:spPr>
+          <a:xfrm flipH="1">
+            <a:off x="2438401" y="2136889"/>
+            <a:ext cx="1904999" cy="882685"/>
+          </a:xfrm>
+          <a:prstGeom prst="straightConnector1">
+            <a:avLst/>
+          </a:prstGeom>
+          <a:ln>
+            <a:solidFill>
+              <a:schemeClr val="bg1"/>
+            </a:solidFill>
+            <a:tailEnd type="triangle"/>
+          </a:ln>
+        </p:spPr>
+        <p:style>
+          <a:lnRef idx="1">
+            <a:schemeClr val="accent1"/>
+          </a:lnRef>
+          <a:fillRef idx="0">
+            <a:schemeClr val="accent1"/>
+          </a:fillRef>
+          <a:effectRef idx="0">
+            <a:schemeClr val="accent1"/>
+          </a:effectRef>
+          <a:fontRef idx="minor">
+            <a:schemeClr val="tx1"/>
+          </a:fontRef>
+        </p:style>
+      </p:cxnSp>
+      <p:sp>
+        <p:nvSpPr>
+          <p:cNvPr id="23" name="TextBox 22"/>
+          <p:cNvSpPr txBox="1"/>
+          <p:nvPr/>
+        </p:nvSpPr>
+        <p:spPr>
+          <a:xfrm>
+            <a:off x="2884763" y="1490558"/>
+            <a:ext cx="2917273" cy="646331"/>
+          </a:xfrm>
+          <a:prstGeom prst="rect">
+            <a:avLst/>
+          </a:prstGeom>
+          <a:noFill/>
+        </p:spPr>
+        <p:txBody>
+          <a:bodyPr wrap="square" rtlCol="0">
+            <a:spAutoFit/>
+          </a:bodyPr>
+          <a:lstStyle/>
+          <a:p>
+            <a:pPr algn="ctr"/>
+            <a:r>
+              <a:rPr lang="en-US" dirty="0" smtClean="0"/>
+              <a:t>(262, 0</a:t>
+            </a:r>
+            <a:r>
+              <a:rPr lang="en-US" dirty="0"/>
+              <a:t>) </a:t>
+            </a:r>
+            <a:r>
+              <a:rPr lang="en-US" dirty="0" smtClean="0"/>
+              <a:t>in World</a:t>
+            </a:r>
+          </a:p>
+          <a:p>
+            <a:pPr algn="ctr"/>
+            <a:r>
+              <a:rPr lang="en-US" dirty="0" smtClean="0"/>
+              <a:t>(0, 0) in Viewport</a:t>
+            </a:r>
+            <a:endParaRPr lang="en-US" dirty="0"/>
+          </a:p>
+        </p:txBody>
+      </p:sp>
+      <p:sp>
+        <p:nvSpPr>
+          <p:cNvPr id="20" name="Rectangle 19"/>
+          <p:cNvSpPr/>
+          <p:nvPr/>
+        </p:nvSpPr>
+        <p:spPr>
+          <a:xfrm>
+            <a:off x="2884763" y="4267200"/>
+            <a:ext cx="223443" cy="228600"/>
+          </a:xfrm>
+          <a:prstGeom prst="rect">
+            <a:avLst/>
+          </a:prstGeom>
+          <a:noFill/>
+          <a:ln>
+            <a:solidFill>
+              <a:schemeClr val="tx1"/>
+            </a:solidFill>
+          </a:ln>
+        </p:spPr>
+        <p:style>
+          <a:lnRef idx="2">
+            <a:schemeClr val="accent1">
+              <a:shade val="50000"/>
+            </a:schemeClr>
+          </a:lnRef>
+          <a:fillRef idx="1">
+            <a:schemeClr val="accent1"/>
+          </a:fillRef>
+          <a:effectRef idx="0">
+            <a:schemeClr val="accent1"/>
+          </a:effectRef>
+          <a:fontRef idx="minor">
+            <a:schemeClr val="lt1"/>
+          </a:fontRef>
+        </p:style>
+        <p:txBody>
+          <a:bodyPr rtlCol="0" anchor="ctr"/>
+          <a:lstStyle/>
+          <a:p>
+            <a:pPr algn="ctr"/>
+            <a:endParaRPr lang="en-US">
+              <a:ln>
+                <a:solidFill>
+                  <a:sysClr val="windowText" lastClr="000000"/>
+                </a:solidFill>
+              </a:ln>
+            </a:endParaRPr>
+          </a:p>
+        </p:txBody>
+      </p:sp>
+      <p:sp>
+        <p:nvSpPr>
+          <p:cNvPr id="30" name="TextBox 29"/>
+          <p:cNvSpPr txBox="1"/>
+          <p:nvPr/>
+        </p:nvSpPr>
+        <p:spPr>
+          <a:xfrm>
+            <a:off x="1208363" y="5325784"/>
+            <a:ext cx="2917273" cy="646331"/>
+          </a:xfrm>
+          <a:prstGeom prst="rect">
+            <a:avLst/>
+          </a:prstGeom>
+          <a:noFill/>
+        </p:spPr>
+        <p:txBody>
+          <a:bodyPr wrap="square" rtlCol="0">
+            <a:spAutoFit/>
+          </a:bodyPr>
+          <a:lstStyle/>
+          <a:p>
+            <a:pPr algn="ctr"/>
+            <a:r>
+              <a:rPr lang="en-US" dirty="0" smtClean="0"/>
+              <a:t>(300, 200</a:t>
+            </a:r>
+            <a:r>
+              <a:rPr lang="en-US" dirty="0"/>
+              <a:t>) </a:t>
+            </a:r>
+            <a:r>
+              <a:rPr lang="en-US" dirty="0" smtClean="0"/>
+              <a:t>in World</a:t>
+            </a:r>
+          </a:p>
+          <a:p>
+            <a:pPr algn="ctr"/>
+            <a:r>
+              <a:rPr lang="en-US" dirty="0" smtClean="0"/>
+              <a:t>(38, 200) in Viewport</a:t>
+            </a:r>
+            <a:endParaRPr lang="en-US" dirty="0"/>
+          </a:p>
+        </p:txBody>
+      </p:sp>
+      <p:cxnSp>
+        <p:nvCxnSpPr>
+          <p:cNvPr id="31" name="Straight Arrow Connector 30"/>
+          <p:cNvCxnSpPr/>
+          <p:nvPr/>
+        </p:nvCxnSpPr>
+        <p:spPr>
+          <a:xfrm flipV="1">
+            <a:off x="2667000" y="4495800"/>
+            <a:ext cx="217763" cy="815771"/>
+          </a:xfrm>
+          <a:prstGeom prst="straightConnector1">
+            <a:avLst/>
+          </a:prstGeom>
+          <a:ln>
+            <a:solidFill>
+              <a:schemeClr val="bg1"/>
+            </a:solidFill>
+            <a:tailEnd type="triangle"/>
+          </a:ln>
+        </p:spPr>
+        <p:style>
+          <a:lnRef idx="1">
+            <a:schemeClr val="accent1"/>
+          </a:lnRef>
+          <a:fillRef idx="0">
+            <a:schemeClr val="accent1"/>
+          </a:fillRef>
+          <a:effectRef idx="0">
+            <a:schemeClr val="accent1"/>
+          </a:effectRef>
+          <a:fontRef idx="minor">
+            <a:schemeClr val="tx1"/>
+          </a:fontRef>
+        </p:style>
+      </p:cxnSp>
+      <p:sp>
+        <p:nvSpPr>
+          <p:cNvPr id="35" name="TextBox 34"/>
+          <p:cNvSpPr txBox="1"/>
+          <p:nvPr/>
+        </p:nvSpPr>
+        <p:spPr>
+          <a:xfrm>
+            <a:off x="4952527" y="4932056"/>
+            <a:ext cx="2917273" cy="369332"/>
+          </a:xfrm>
+          <a:prstGeom prst="rect">
+            <a:avLst/>
+          </a:prstGeom>
+          <a:noFill/>
+        </p:spPr>
+        <p:txBody>
+          <a:bodyPr wrap="square" rtlCol="0">
+            <a:spAutoFit/>
+          </a:bodyPr>
+          <a:lstStyle/>
+          <a:p>
+            <a:pPr algn="ctr"/>
+            <a:r>
+              <a:rPr lang="en-US" dirty="0" smtClean="0"/>
+              <a:t>World continues</a:t>
+            </a:r>
+            <a:r>
+              <a:rPr lang="mr-IN" dirty="0" smtClean="0"/>
+              <a:t>…</a:t>
+            </a:r>
+            <a:endParaRPr lang="en-US" dirty="0"/>
+          </a:p>
+        </p:txBody>
+      </p:sp>
+    </p:spTree>
+    <p:extLst>
+      <p:ext uri="{BB962C8B-B14F-4D97-AF65-F5344CB8AC3E}">
+        <p14:creationId xmlns:p14="http://schemas.microsoft.com/office/powerpoint/2010/main" val="734675811"/>
+      </p:ext>
+    </p:extLst>
+  </p:cSld>
+  <p:clrMapOvr>
+    <a:masterClrMapping/>
+  </p:clrMapOvr>
+  <p:timing>
+    <p:tnLst>
+      <p:par>
+        <p:cTn id="1" dur="indefinite" restart="never" nodeType="tmRoot"/>
+      </p:par>
+    </p:tnLst>
+  </p:timing>
+</p:sld>
+</file>
+
+<file path=ppt/slides/slide9.xml><?xml version="1.0" encoding="utf-8"?>
+<p:sld xmlns:a="http://schemas.openxmlformats.org/drawingml/2006/main" xmlns:r="http://schemas.openxmlformats.org/officeDocument/2006/relationships" xmlns:p="http://schemas.openxmlformats.org/presentationml/2006/main">
+  <p:cSld>
+    <p:bg>
+      <p:bgPr>
+        <a:solidFill>
+          <a:schemeClr val="accent5">
+            <a:lumMod val="60000"/>
+            <a:lumOff val="40000"/>
+          </a:schemeClr>
+        </a:solidFill>
+        <a:effectLst/>
+      </p:bgPr>
+    </p:bg>
+    <p:spTree>
+      <p:nvGrpSpPr>
+        <p:cNvPr id="1" name=""/>
+        <p:cNvGrpSpPr/>
+        <p:nvPr/>
+      </p:nvGrpSpPr>
+      <p:grpSpPr>
+        <a:xfrm>
+          <a:off x="0" y="0"/>
+          <a:ext cx="0" cy="0"/>
+          <a:chOff x="0" y="0"/>
+          <a:chExt cx="0" cy="0"/>
+        </a:xfrm>
+      </p:grpSpPr>
+      <p:sp>
+        <p:nvSpPr>
+          <p:cNvPr id="3" name="Rectangle 2"/>
+          <p:cNvSpPr/>
+          <p:nvPr/>
+        </p:nvSpPr>
+        <p:spPr>
+          <a:xfrm>
+            <a:off x="0" y="0"/>
+            <a:ext cx="9144000" cy="3170099"/>
+          </a:xfrm>
+          <a:prstGeom prst="rect">
+            <a:avLst/>
+          </a:prstGeom>
+        </p:spPr>
+        <p:txBody>
+          <a:bodyPr wrap="square">
+            <a:spAutoFit/>
+          </a:bodyPr>
+          <a:lstStyle/>
+          <a:p>
+            <a:pPr algn="ctr"/>
+            <a:endParaRPr lang="en-US" sz="4000" b="1" dirty="0"/>
+          </a:p>
+          <a:p>
+            <a:pPr lvl="1"/>
+            <a:r>
+              <a:rPr lang="en-AU" sz="3500" b="1" dirty="0" smtClean="0"/>
+              <a:t>Creating a world</a:t>
+            </a:r>
+            <a:endParaRPr lang="en-US" sz="3500" b="1" dirty="0" smtClean="0"/>
+          </a:p>
+          <a:p>
+            <a:pPr marL="1657350" lvl="2" indent="-742950">
+              <a:buFont typeface="Arial" panose="020B0604020202020204" pitchFamily="34" charset="0"/>
+              <a:buChar char="•"/>
+            </a:pPr>
+            <a:endParaRPr lang="en-US" sz="2500" dirty="0" smtClean="0"/>
+          </a:p>
+          <a:p>
+            <a:pPr marL="1657350" lvl="2" indent="-742950">
+              <a:buFont typeface="Arial" panose="020B0604020202020204" pitchFamily="34" charset="0"/>
+              <a:buChar char="•"/>
+            </a:pPr>
+            <a:r>
+              <a:rPr lang="en-US" sz="2500" dirty="0" smtClean="0"/>
+              <a:t>Your world needs to be big</a:t>
+            </a:r>
+          </a:p>
+          <a:p>
+            <a:pPr marL="1657350" lvl="2" indent="-742950">
+              <a:buFont typeface="Arial" panose="020B0604020202020204" pitchFamily="34" charset="0"/>
+              <a:buChar char="•"/>
+            </a:pPr>
+            <a:r>
+              <a:rPr lang="en-US" sz="2500" dirty="0" smtClean="0"/>
+              <a:t>Extend your TileMap to be much larger than </a:t>
+            </a:r>
+          </a:p>
+          <a:p>
+            <a:pPr lvl="2"/>
+            <a:r>
+              <a:rPr lang="en-US" sz="2500" dirty="0"/>
+              <a:t>	</a:t>
+            </a:r>
+            <a:r>
+              <a:rPr lang="en-US" sz="2500" dirty="0" smtClean="0"/>
+              <a:t>your screen dimensions</a:t>
+            </a:r>
+            <a:endParaRPr lang="en-US" sz="2500" dirty="0" smtClean="0"/>
+          </a:p>
+          <a:p>
+            <a:pPr marL="1657350" lvl="2" indent="-742950">
+              <a:buFont typeface="Arial" panose="020B0604020202020204" pitchFamily="34" charset="0"/>
+              <a:buChar char="•"/>
+            </a:pPr>
+            <a:endParaRPr lang="en-US" sz="2500" dirty="0" smtClean="0"/>
+          </a:p>
+        </p:txBody>
+      </p:sp>
+      <p:sp>
+        <p:nvSpPr>
+          <p:cNvPr id="4" name="Rectangle 3"/>
+          <p:cNvSpPr/>
+          <p:nvPr/>
+        </p:nvSpPr>
+        <p:spPr>
+          <a:xfrm>
+            <a:off x="2717509" y="3352800"/>
+            <a:ext cx="3708982" cy="2743200"/>
+          </a:xfrm>
+          <a:prstGeom prst="rect">
+            <a:avLst/>
+          </a:prstGeom>
+          <a:noFill/>
+          <a:ln w="38100"/>
+        </p:spPr>
+        <p:style>
+          <a:lnRef idx="2">
+            <a:schemeClr val="accent1">
+              <a:shade val="50000"/>
+            </a:schemeClr>
+          </a:lnRef>
+          <a:fillRef idx="1">
+            <a:schemeClr val="accent1"/>
+          </a:fillRef>
+          <a:effectRef idx="0">
+            <a:schemeClr val="accent1"/>
+          </a:effectRef>
+          <a:fontRef idx="minor">
+            <a:schemeClr val="lt1"/>
+          </a:fontRef>
+        </p:style>
+        <p:txBody>
+          <a:bodyPr rtlCol="0" anchor="ctr"/>
+          <a:lstStyle/>
+          <a:p>
+            <a:pPr algn="ctr"/>
+            <a:endParaRPr lang="en-US"/>
+          </a:p>
+        </p:txBody>
+      </p:sp>
+      <p:sp>
+        <p:nvSpPr>
+          <p:cNvPr id="6" name="Rectangle 5"/>
+          <p:cNvSpPr/>
+          <p:nvPr/>
+        </p:nvSpPr>
+        <p:spPr>
+          <a:xfrm>
+            <a:off x="3891250" y="4381500"/>
+            <a:ext cx="1361499" cy="685800"/>
+          </a:xfrm>
+          <a:prstGeom prst="rect">
+            <a:avLst/>
+          </a:prstGeom>
+          <a:noFill/>
+          <a:ln w="38100">
+            <a:solidFill>
+              <a:srgbClr val="FFFF00"/>
+            </a:solidFill>
+          </a:ln>
+        </p:spPr>
+        <p:style>
+          <a:lnRef idx="2">
+            <a:schemeClr val="accent1">
+              <a:shade val="50000"/>
+            </a:schemeClr>
+          </a:lnRef>
+          <a:fillRef idx="1">
+            <a:schemeClr val="accent1"/>
+          </a:fillRef>
+          <a:effectRef idx="0">
+            <a:schemeClr val="accent1"/>
+          </a:effectRef>
+          <a:fontRef idx="minor">
+            <a:schemeClr val="lt1"/>
+          </a:fontRef>
+        </p:style>
+        <p:txBody>
+          <a:bodyPr rtlCol="0" anchor="ctr"/>
+          <a:lstStyle/>
+          <a:p>
+            <a:pPr algn="ctr"/>
+            <a:endParaRPr lang="en-US"/>
+          </a:p>
+        </p:txBody>
+      </p:sp>
+      <p:cxnSp>
+        <p:nvCxnSpPr>
+          <p:cNvPr id="15" name="Straight Arrow Connector 14"/>
+          <p:cNvCxnSpPr/>
+          <p:nvPr/>
+        </p:nvCxnSpPr>
+        <p:spPr>
+          <a:xfrm flipH="1">
+            <a:off x="3891250" y="3971248"/>
+            <a:ext cx="985551" cy="352564"/>
+          </a:xfrm>
+          <a:prstGeom prst="straightConnector1">
+            <a:avLst/>
+          </a:prstGeom>
+          <a:ln>
+            <a:solidFill>
+              <a:schemeClr val="bg1"/>
+            </a:solidFill>
+            <a:tailEnd type="triangle"/>
+          </a:ln>
+        </p:spPr>
+        <p:style>
+          <a:lnRef idx="1">
+            <a:schemeClr val="accent1"/>
+          </a:lnRef>
+          <a:fillRef idx="0">
+            <a:schemeClr val="accent1"/>
+          </a:fillRef>
+          <a:effectRef idx="0">
+            <a:schemeClr val="accent1"/>
+          </a:effectRef>
+          <a:fontRef idx="minor">
+            <a:schemeClr val="tx1"/>
+          </a:fontRef>
+        </p:style>
+      </p:cxnSp>
+      <p:sp>
+        <p:nvSpPr>
+          <p:cNvPr id="16" name="TextBox 15"/>
+          <p:cNvSpPr txBox="1"/>
+          <p:nvPr/>
+        </p:nvSpPr>
+        <p:spPr>
+          <a:xfrm>
+            <a:off x="3891250" y="3648331"/>
+            <a:ext cx="2044278" cy="369332"/>
+          </a:xfrm>
+          <a:prstGeom prst="rect">
+            <a:avLst/>
+          </a:prstGeom>
+          <a:noFill/>
+        </p:spPr>
+        <p:txBody>
+          <a:bodyPr wrap="square" rtlCol="0">
+            <a:spAutoFit/>
+          </a:bodyPr>
+          <a:lstStyle/>
+          <a:p>
+            <a:pPr algn="ctr"/>
+            <a:r>
+              <a:rPr lang="en-US" smtClean="0"/>
+              <a:t>Viewport</a:t>
+            </a:r>
+            <a:endParaRPr lang="en-US" dirty="0" smtClean="0"/>
+          </a:p>
+        </p:txBody>
+      </p:sp>
+      <p:cxnSp>
+        <p:nvCxnSpPr>
+          <p:cNvPr id="18" name="Straight Arrow Connector 17"/>
+          <p:cNvCxnSpPr/>
+          <p:nvPr/>
+        </p:nvCxnSpPr>
+        <p:spPr>
+          <a:xfrm flipV="1">
+            <a:off x="1835277" y="3352801"/>
+            <a:ext cx="849328" cy="618447"/>
+          </a:xfrm>
+          <a:prstGeom prst="straightConnector1">
+            <a:avLst/>
+          </a:prstGeom>
+          <a:ln>
+            <a:solidFill>
+              <a:schemeClr val="bg1"/>
+            </a:solidFill>
+            <a:tailEnd type="triangle"/>
+          </a:ln>
+        </p:spPr>
+        <p:style>
+          <a:lnRef idx="1">
+            <a:schemeClr val="accent1"/>
+          </a:lnRef>
+          <a:fillRef idx="0">
+            <a:schemeClr val="accent1"/>
+          </a:fillRef>
+          <a:effectRef idx="0">
+            <a:schemeClr val="accent1"/>
+          </a:effectRef>
+          <a:fontRef idx="minor">
+            <a:schemeClr val="tx1"/>
+          </a:fontRef>
+        </p:style>
+      </p:cxnSp>
+      <p:sp>
+        <p:nvSpPr>
+          <p:cNvPr id="19" name="TextBox 18"/>
+          <p:cNvSpPr txBox="1"/>
+          <p:nvPr/>
+        </p:nvSpPr>
+        <p:spPr>
+          <a:xfrm>
+            <a:off x="788244" y="3954480"/>
+            <a:ext cx="2044278" cy="369332"/>
+          </a:xfrm>
+          <a:prstGeom prst="rect">
+            <a:avLst/>
+          </a:prstGeom>
+          <a:noFill/>
+        </p:spPr>
+        <p:txBody>
+          <a:bodyPr wrap="square" rtlCol="0">
+            <a:spAutoFit/>
+          </a:bodyPr>
+          <a:lstStyle/>
+          <a:p>
+            <a:pPr algn="ctr"/>
+            <a:r>
+              <a:rPr lang="en-US" dirty="0" smtClean="0"/>
+              <a:t>World TileMap</a:t>
+            </a:r>
+          </a:p>
+        </p:txBody>
+      </p:sp>
+    </p:spTree>
+    <p:extLst>
+      <p:ext uri="{BB962C8B-B14F-4D97-AF65-F5344CB8AC3E}">
+        <p14:creationId xmlns:p14="http://schemas.microsoft.com/office/powerpoint/2010/main" val="1954378374"/>
       </p:ext>
     </p:extLst>
   </p:cSld>

--- a/Programming 4/07.1 Manual Scrolling Tile Map/07.1 Manual Scrolling Tile Map.pptx
+++ b/Programming 4/07.1 Manual Scrolling Tile Map/07.1 Manual Scrolling Tile Map.pptx
@@ -5,7 +5,7 @@
     <p:sldMasterId id="2147483648" r:id="rId1"/>
   </p:sldMasterIdLst>
   <p:notesMasterIdLst>
-    <p:notesMasterId r:id="rId22"/>
+    <p:notesMasterId r:id="rId23"/>
   </p:notesMasterIdLst>
   <p:sldIdLst>
     <p:sldId id="256" r:id="rId2"/>
@@ -27,7 +27,8 @@
     <p:sldId id="272" r:id="rId18"/>
     <p:sldId id="273" r:id="rId19"/>
     <p:sldId id="274" r:id="rId20"/>
-    <p:sldId id="275" r:id="rId21"/>
+    <p:sldId id="276" r:id="rId21"/>
+    <p:sldId id="275" r:id="rId22"/>
   </p:sldIdLst>
   <p:sldSz cx="9144000" cy="6858000" type="screen4x3"/>
   <p:notesSz cx="6858000" cy="9144000"/>
@@ -227,7 +228,7 @@
           <a:p>
             <a:fld id="{5A5D9C48-5678-9443-958E-9EAAE3ED0F2B}" type="datetimeFigureOut">
               <a:rPr lang="en-US" smtClean="0"/>
-              <a:t>9/2/19</a:t>
+              <a:t>9/3/2019</a:t>
             </a:fld>
             <a:endParaRPr lang="en-US"/>
           </a:p>
@@ -1453,7 +1454,7 @@
     </p:spTree>
     <p:extLst>
       <p:ext uri="{BB962C8B-B14F-4D97-AF65-F5344CB8AC3E}">
-        <p14:creationId xmlns:p14="http://schemas.microsoft.com/office/powerpoint/2010/main" val="983805020"/>
+        <p14:creationId xmlns:p14="http://schemas.microsoft.com/office/powerpoint/2010/main" val="204873361"/>
       </p:ext>
     </p:extLst>
   </p:cSld>
@@ -1542,6 +1543,94 @@
     <p:extLst>
       <p:ext uri="{BB962C8B-B14F-4D97-AF65-F5344CB8AC3E}">
         <p14:creationId xmlns:p14="http://schemas.microsoft.com/office/powerpoint/2010/main" val="790220199"/>
+      </p:ext>
+    </p:extLst>
+  </p:cSld>
+  <p:clrMapOvr>
+    <a:masterClrMapping/>
+  </p:clrMapOvr>
+</p:notes>
+</file>
+
+<file path=ppt/notesSlides/notesSlide20.xml><?xml version="1.0" encoding="utf-8"?>
+<p:notes xmlns:a="http://schemas.openxmlformats.org/drawingml/2006/main" xmlns:r="http://schemas.openxmlformats.org/officeDocument/2006/relationships" xmlns:p="http://schemas.openxmlformats.org/presentationml/2006/main">
+  <p:cSld>
+    <p:spTree>
+      <p:nvGrpSpPr>
+        <p:cNvPr id="1" name=""/>
+        <p:cNvGrpSpPr/>
+        <p:nvPr/>
+      </p:nvGrpSpPr>
+      <p:grpSpPr>
+        <a:xfrm>
+          <a:off x="0" y="0"/>
+          <a:ext cx="0" cy="0"/>
+          <a:chOff x="0" y="0"/>
+          <a:chExt cx="0" cy="0"/>
+        </a:xfrm>
+      </p:grpSpPr>
+      <p:sp>
+        <p:nvSpPr>
+          <p:cNvPr id="2" name="Slide Image Placeholder 1"/>
+          <p:cNvSpPr>
+            <a:spLocks noGrp="1" noRot="1" noChangeAspect="1"/>
+          </p:cNvSpPr>
+          <p:nvPr>
+            <p:ph type="sldImg"/>
+          </p:nvPr>
+        </p:nvSpPr>
+        <p:spPr/>
+      </p:sp>
+      <p:sp>
+        <p:nvSpPr>
+          <p:cNvPr id="3" name="Notes Placeholder 2"/>
+          <p:cNvSpPr>
+            <a:spLocks noGrp="1"/>
+          </p:cNvSpPr>
+          <p:nvPr>
+            <p:ph type="body" idx="1"/>
+          </p:nvPr>
+        </p:nvSpPr>
+        <p:spPr/>
+        <p:txBody>
+          <a:bodyPr/>
+          <a:lstStyle/>
+          <a:p>
+            <a:pPr marL="171450" indent="-171450">
+              <a:buFont typeface="Arial" panose="020B0604020202020204" pitchFamily="34" charset="0"/>
+              <a:buChar char="•"/>
+            </a:pPr>
+            <a:endParaRPr lang="en-NZ" dirty="0" smtClean="0"/>
+          </a:p>
+        </p:txBody>
+      </p:sp>
+      <p:sp>
+        <p:nvSpPr>
+          <p:cNvPr id="4" name="Slide Number Placeholder 3"/>
+          <p:cNvSpPr>
+            <a:spLocks noGrp="1"/>
+          </p:cNvSpPr>
+          <p:nvPr>
+            <p:ph type="sldNum" sz="quarter" idx="10"/>
+          </p:nvPr>
+        </p:nvSpPr>
+        <p:spPr/>
+        <p:txBody>
+          <a:bodyPr/>
+          <a:lstStyle/>
+          <a:p>
+            <a:fld id="{BBC1DE02-C006-4F38-873D-E62701AB1734}" type="slidenum">
+              <a:rPr lang="en-NZ" smtClean="0"/>
+              <a:t>21</a:t>
+            </a:fld>
+            <a:endParaRPr lang="en-NZ"/>
+          </a:p>
+        </p:txBody>
+      </p:sp>
+    </p:spTree>
+    <p:extLst>
+      <p:ext uri="{BB962C8B-B14F-4D97-AF65-F5344CB8AC3E}">
+        <p14:creationId xmlns:p14="http://schemas.microsoft.com/office/powerpoint/2010/main" val="983805020"/>
       </p:ext>
     </p:extLst>
   </p:cSld>
@@ -2380,7 +2469,7 @@
           <a:p>
             <a:fld id="{F8166F1F-CE9B-4651-A6AA-CD717754106B}" type="datetimeFigureOut">
               <a:rPr lang="en-US" smtClean="0"/>
-              <a:t>9/2/19</a:t>
+              <a:t>9/3/2019</a:t>
             </a:fld>
             <a:endParaRPr lang="en-US"/>
           </a:p>
@@ -2545,7 +2634,7 @@
           <a:p>
             <a:fld id="{A76116CE-C4A3-4A05-B2D7-7C2E9A889C0F}" type="datetimeFigureOut">
               <a:rPr lang="en-US" smtClean="0"/>
-              <a:t>9/2/19</a:t>
+              <a:t>9/3/2019</a:t>
             </a:fld>
             <a:endParaRPr lang="en-US"/>
           </a:p>
@@ -2720,7 +2809,7 @@
           <a:p>
             <a:fld id="{A76116CE-C4A3-4A05-B2D7-7C2E9A889C0F}" type="datetimeFigureOut">
               <a:rPr lang="en-US" smtClean="0"/>
-              <a:t>9/2/19</a:t>
+              <a:t>9/3/2019</a:t>
             </a:fld>
             <a:endParaRPr lang="en-US"/>
           </a:p>
@@ -2887,7 +2976,7 @@
           <a:p>
             <a:fld id="{A76116CE-C4A3-4A05-B2D7-7C2E9A889C0F}" type="datetimeFigureOut">
               <a:rPr lang="en-US" smtClean="0"/>
-              <a:t>9/2/19</a:t>
+              <a:t>9/3/2019</a:t>
             </a:fld>
             <a:endParaRPr lang="en-US"/>
           </a:p>
@@ -3128,7 +3217,7 @@
           <a:p>
             <a:fld id="{A76116CE-C4A3-4A05-B2D7-7C2E9A889C0F}" type="datetimeFigureOut">
               <a:rPr lang="en-US" smtClean="0"/>
-              <a:t>9/2/19</a:t>
+              <a:t>9/3/2019</a:t>
             </a:fld>
             <a:endParaRPr lang="en-US"/>
           </a:p>
@@ -3411,7 +3500,7 @@
           <a:p>
             <a:fld id="{A76116CE-C4A3-4A05-B2D7-7C2E9A889C0F}" type="datetimeFigureOut">
               <a:rPr lang="en-US" smtClean="0"/>
-              <a:t>9/2/19</a:t>
+              <a:t>9/3/2019</a:t>
             </a:fld>
             <a:endParaRPr lang="en-US"/>
           </a:p>
@@ -3828,7 +3917,7 @@
           <a:p>
             <a:fld id="{A76116CE-C4A3-4A05-B2D7-7C2E9A889C0F}" type="datetimeFigureOut">
               <a:rPr lang="en-US" smtClean="0"/>
-              <a:t>9/2/19</a:t>
+              <a:t>9/3/2019</a:t>
             </a:fld>
             <a:endParaRPr lang="en-US"/>
           </a:p>
@@ -3941,7 +4030,7 @@
           <a:p>
             <a:fld id="{A76116CE-C4A3-4A05-B2D7-7C2E9A889C0F}" type="datetimeFigureOut">
               <a:rPr lang="en-US" smtClean="0"/>
-              <a:t>9/2/19</a:t>
+              <a:t>9/3/2019</a:t>
             </a:fld>
             <a:endParaRPr lang="en-US"/>
           </a:p>
@@ -4031,7 +4120,7 @@
           <a:p>
             <a:fld id="{A76116CE-C4A3-4A05-B2D7-7C2E9A889C0F}" type="datetimeFigureOut">
               <a:rPr lang="en-US" smtClean="0"/>
-              <a:t>9/2/19</a:t>
+              <a:t>9/3/2019</a:t>
             </a:fld>
             <a:endParaRPr lang="en-US"/>
           </a:p>
@@ -4303,7 +4392,7 @@
           <a:p>
             <a:fld id="{A76116CE-C4A3-4A05-B2D7-7C2E9A889C0F}" type="datetimeFigureOut">
               <a:rPr lang="en-US" smtClean="0"/>
-              <a:t>9/2/19</a:t>
+              <a:t>9/3/2019</a:t>
             </a:fld>
             <a:endParaRPr lang="en-US"/>
           </a:p>
@@ -4551,7 +4640,7 @@
           <a:p>
             <a:fld id="{A76116CE-C4A3-4A05-B2D7-7C2E9A889C0F}" type="datetimeFigureOut">
               <a:rPr lang="en-US" smtClean="0"/>
-              <a:t>9/2/19</a:t>
+              <a:t>9/3/2019</a:t>
             </a:fld>
             <a:endParaRPr lang="en-US"/>
           </a:p>
@@ -4759,7 +4848,7 @@
           <a:p>
             <a:fld id="{F8166F1F-CE9B-4651-A6AA-CD717754106B}" type="datetimeFigureOut">
               <a:rPr lang="en-US" smtClean="0"/>
-              <a:t>9/2/19</a:t>
+              <a:t>9/3/2019</a:t>
             </a:fld>
             <a:endParaRPr lang="en-US"/>
           </a:p>
@@ -5422,6 +5511,36 @@
           </a:p>
         </p:txBody>
       </p:sp>
+      <p:pic>
+        <p:nvPicPr>
+          <p:cNvPr id="2" name="Picture 1"/>
+          <p:cNvPicPr>
+            <a:picLocks noChangeAspect="1"/>
+          </p:cNvPicPr>
+          <p:nvPr/>
+        </p:nvPicPr>
+        <p:blipFill>
+          <a:blip r:embed="rId3">
+            <a:extLst>
+              <a:ext uri="{28A0092B-C50C-407E-A947-70E740481C1C}">
+                <a14:useLocalDpi xmlns:a14="http://schemas.microsoft.com/office/drawing/2010/main" val="0"/>
+              </a:ext>
+            </a:extLst>
+          </a:blip>
+          <a:stretch>
+            <a:fillRect/>
+          </a:stretch>
+        </p:blipFill>
+        <p:spPr>
+          <a:xfrm>
+            <a:off x="1243012" y="1676400"/>
+            <a:ext cx="6657975" cy="3086100"/>
+          </a:xfrm>
+          <a:prstGeom prst="rect">
+            <a:avLst/>
+          </a:prstGeom>
+        </p:spPr>
+      </p:pic>
     </p:spTree>
     <p:extLst>
       <p:ext uri="{BB962C8B-B14F-4D97-AF65-F5344CB8AC3E}">
@@ -5568,7 +5687,6 @@
               <a:rPr lang="en-US" sz="2000" dirty="0" smtClean="0"/>
               <a:t>Figure out where to draw it on the canvas</a:t>
             </a:r>
-            <a:endParaRPr lang="en-US" sz="2000" dirty="0" smtClean="0"/>
           </a:p>
         </p:txBody>
       </p:sp>
@@ -5629,7 +5747,7 @@
         <p:spPr>
           <a:xfrm>
             <a:off x="0" y="0"/>
-            <a:ext cx="9144000" cy="2015936"/>
+            <a:ext cx="9144000" cy="3939540"/>
           </a:xfrm>
           <a:prstGeom prst="rect">
             <a:avLst/>
@@ -5658,6 +5776,67 @@
               <a:buChar char="•"/>
             </a:pPr>
             <a:endParaRPr lang="en-US" sz="2500" dirty="0" smtClean="0"/>
+          </a:p>
+          <a:p>
+            <a:pPr marL="1657350" lvl="2" indent="-742950">
+              <a:buFont typeface="Arial" panose="020B0604020202020204" pitchFamily="34" charset="0"/>
+              <a:buChar char="•"/>
+            </a:pPr>
+            <a:r>
+              <a:rPr lang="en-US" sz="2500" dirty="0" smtClean="0"/>
+              <a:t>Pseudocode:</a:t>
+            </a:r>
+          </a:p>
+          <a:p>
+            <a:pPr marL="1657350" lvl="2" indent="-742950">
+              <a:buFont typeface="Arial" panose="020B0604020202020204" pitchFamily="34" charset="0"/>
+              <a:buChar char="•"/>
+            </a:pPr>
+            <a:r>
+              <a:rPr lang="en-US" sz="2000" dirty="0" smtClean="0"/>
+              <a:t>For all rows r of the Viewport (in the world)</a:t>
+            </a:r>
+          </a:p>
+          <a:p>
+            <a:pPr marL="2114550" lvl="3" indent="-742950">
+              <a:buFont typeface="Arial" panose="020B0604020202020204" pitchFamily="34" charset="0"/>
+              <a:buChar char="•"/>
+            </a:pPr>
+            <a:r>
+              <a:rPr lang="en-US" sz="2000" dirty="0" smtClean="0"/>
+              <a:t>For all the columns c of the Viewport (in the world)</a:t>
+            </a:r>
+          </a:p>
+          <a:p>
+            <a:pPr marL="2571750" lvl="4" indent="-742950">
+              <a:buFont typeface="Arial" panose="020B0604020202020204" pitchFamily="34" charset="0"/>
+              <a:buChar char="•"/>
+            </a:pPr>
+            <a:r>
+              <a:rPr lang="en-US" sz="2000" dirty="0" smtClean="0"/>
+              <a:t>Get the bitmap for the tile at (r, c) in the world TileMap</a:t>
+            </a:r>
+          </a:p>
+          <a:p>
+            <a:pPr marL="2571750" lvl="4" indent="-742950">
+              <a:buFont typeface="Arial" panose="020B0604020202020204" pitchFamily="34" charset="0"/>
+              <a:buChar char="•"/>
+            </a:pPr>
+            <a:r>
+              <a:rPr lang="en-US" sz="2000" dirty="0" smtClean="0"/>
+              <a:t>Figure out where it goes on the screen</a:t>
+            </a:r>
+          </a:p>
+          <a:p>
+            <a:pPr marL="2571750" lvl="4" indent="-742950">
+              <a:buFont typeface="Arial" panose="020B0604020202020204" pitchFamily="34" charset="0"/>
+              <a:buChar char="•"/>
+            </a:pPr>
+            <a:r>
+              <a:rPr lang="en-US" sz="2000" dirty="0" smtClean="0"/>
+              <a:t>Draw it there</a:t>
+            </a:r>
+            <a:endParaRPr lang="en-US" sz="2000" dirty="0" smtClean="0"/>
           </a:p>
           <a:p>
             <a:pPr marL="1657350" lvl="2" indent="-742950">
@@ -5725,7 +5904,7 @@
         <p:spPr>
           <a:xfrm>
             <a:off x="0" y="0"/>
-            <a:ext cx="9144000" cy="2015936"/>
+            <a:ext cx="9144000" cy="5940088"/>
           </a:xfrm>
           <a:prstGeom prst="rect">
             <a:avLst/>
@@ -5754,6 +5933,99 @@
               <a:buChar char="•"/>
             </a:pPr>
             <a:endParaRPr lang="en-US" sz="2500" dirty="0" smtClean="0"/>
+          </a:p>
+          <a:p>
+            <a:pPr marL="1657350" lvl="2" indent="-742950">
+              <a:buFont typeface="Arial" panose="020B0604020202020204" pitchFamily="34" charset="0"/>
+              <a:buChar char="•"/>
+            </a:pPr>
+            <a:r>
+              <a:rPr lang="en-US" sz="2500" dirty="0" smtClean="0"/>
+              <a:t>The world has two units of measurement for location:</a:t>
+            </a:r>
+          </a:p>
+          <a:p>
+            <a:pPr marL="2114550" lvl="3" indent="-742950">
+              <a:buFont typeface="Arial" panose="020B0604020202020204" pitchFamily="34" charset="0"/>
+              <a:buChar char="•"/>
+            </a:pPr>
+            <a:r>
+              <a:rPr lang="en-US" sz="2000" dirty="0"/>
+              <a:t>Pixel locations – e.g. Sprite and Viewport upper left corner positions</a:t>
+            </a:r>
+          </a:p>
+          <a:p>
+            <a:pPr marL="2114550" lvl="3" indent="-742950">
+              <a:buFont typeface="Arial" panose="020B0604020202020204" pitchFamily="34" charset="0"/>
+              <a:buChar char="•"/>
+            </a:pPr>
+            <a:r>
+              <a:rPr lang="en-US" sz="2000" dirty="0"/>
+              <a:t>Row, column locations – tiles in the tile map </a:t>
+            </a:r>
+            <a:r>
+              <a:rPr lang="en-US" sz="2000" dirty="0" smtClean="0"/>
+              <a:t>background</a:t>
+            </a:r>
+            <a:endParaRPr lang="en-US" sz="2500" dirty="0" smtClean="0"/>
+          </a:p>
+          <a:p>
+            <a:pPr marL="1657350" lvl="2" indent="-742950">
+              <a:buFont typeface="Arial" panose="020B0604020202020204" pitchFamily="34" charset="0"/>
+              <a:buChar char="•"/>
+            </a:pPr>
+            <a:r>
+              <a:rPr lang="en-US" sz="2500" dirty="0" smtClean="0"/>
+              <a:t>The Viewport stores the pixel location of its upper </a:t>
+            </a:r>
+          </a:p>
+          <a:p>
+            <a:pPr lvl="2"/>
+            <a:r>
+              <a:rPr lang="en-US" sz="2500" dirty="0" smtClean="0"/>
+              <a:t>	left corner</a:t>
+            </a:r>
+          </a:p>
+          <a:p>
+            <a:pPr marL="1657350" lvl="2" indent="-742950">
+              <a:buFont typeface="Arial" panose="020B0604020202020204" pitchFamily="34" charset="0"/>
+              <a:buChar char="•"/>
+            </a:pPr>
+            <a:r>
+              <a:rPr lang="en-US" sz="2500" dirty="0" smtClean="0"/>
+              <a:t>We need the tile location of the Viewport’s upper </a:t>
+            </a:r>
+          </a:p>
+          <a:p>
+            <a:pPr lvl="2"/>
+            <a:r>
+              <a:rPr lang="en-US" sz="2500" dirty="0" smtClean="0"/>
+              <a:t>	left corner</a:t>
+            </a:r>
+          </a:p>
+          <a:p>
+            <a:pPr marL="1657350" lvl="2" indent="-742950">
+              <a:buFont typeface="Arial" panose="020B0604020202020204" pitchFamily="34" charset="0"/>
+              <a:buChar char="•"/>
+            </a:pPr>
+            <a:r>
+              <a:rPr lang="en-US" sz="2500" dirty="0" smtClean="0"/>
+              <a:t>We must translate from pixel (x, y) location to tile </a:t>
+            </a:r>
+          </a:p>
+          <a:p>
+            <a:pPr lvl="2"/>
+            <a:r>
+              <a:rPr lang="en-US" sz="2500" dirty="0" smtClean="0"/>
+              <a:t>	map (row, column) location</a:t>
+            </a:r>
+          </a:p>
+          <a:p>
+            <a:pPr marL="2114550" lvl="3" indent="-742950">
+              <a:buFont typeface="Arial" panose="020B0604020202020204" pitchFamily="34" charset="0"/>
+              <a:buChar char="•"/>
+            </a:pPr>
+            <a:endParaRPr lang="en-US" sz="2000" dirty="0" smtClean="0"/>
           </a:p>
           <a:p>
             <a:pPr marL="1657350" lvl="2" indent="-742950">
@@ -5821,7 +6093,7 @@
         <p:spPr>
           <a:xfrm>
             <a:off x="0" y="0"/>
-            <a:ext cx="9144000" cy="2015936"/>
+            <a:ext cx="9144000" cy="3554819"/>
           </a:xfrm>
           <a:prstGeom prst="rect">
             <a:avLst/>
@@ -5856,7 +6128,109 @@
               <a:buFont typeface="Arial" panose="020B0604020202020204" pitchFamily="34" charset="0"/>
               <a:buChar char="•"/>
             </a:pPr>
-            <a:endParaRPr lang="en-US" sz="2500" dirty="0" smtClean="0"/>
+            <a:r>
+              <a:rPr lang="en-US" sz="2500" dirty="0" smtClean="0"/>
+              <a:t>If an object is at pixel location </a:t>
+            </a:r>
+            <a:r>
+              <a:rPr lang="en-US" sz="2500" dirty="0" err="1" smtClean="0"/>
+              <a:t>pixelX</a:t>
+            </a:r>
+            <a:r>
+              <a:rPr lang="en-US" sz="2500" dirty="0" smtClean="0"/>
+              <a:t>, </a:t>
+            </a:r>
+            <a:r>
+              <a:rPr lang="en-US" sz="2500" dirty="0" err="1" smtClean="0"/>
+              <a:t>pixelY</a:t>
+            </a:r>
+            <a:r>
+              <a:rPr lang="en-US" sz="2500" dirty="0" smtClean="0"/>
+              <a:t>, what </a:t>
+            </a:r>
+          </a:p>
+          <a:p>
+            <a:pPr lvl="2"/>
+            <a:r>
+              <a:rPr lang="en-US" sz="2500" dirty="0" smtClean="0"/>
+              <a:t>	is its row, column location?</a:t>
+            </a:r>
+          </a:p>
+          <a:p>
+            <a:pPr marL="1657350" lvl="2" indent="-742950">
+              <a:buFont typeface="Arial" panose="020B0604020202020204" pitchFamily="34" charset="0"/>
+              <a:buChar char="•"/>
+            </a:pPr>
+            <a:endParaRPr lang="en-US" sz="2500" dirty="0"/>
+          </a:p>
+          <a:p>
+            <a:pPr marL="1657350" lvl="2" indent="-742950">
+              <a:buFont typeface="Arial" panose="020B0604020202020204" pitchFamily="34" charset="0"/>
+              <a:buChar char="•"/>
+            </a:pPr>
+            <a:r>
+              <a:rPr lang="en-US" sz="2500" dirty="0" err="1"/>
+              <a:t>viewportTileX</a:t>
+            </a:r>
+            <a:r>
+              <a:rPr lang="en-US" sz="2500" dirty="0"/>
+              <a:t> = </a:t>
+            </a:r>
+            <a:r>
+              <a:rPr lang="en-US" sz="2500" dirty="0" err="1" smtClean="0"/>
+              <a:t>ViewportWorldX</a:t>
+            </a:r>
+            <a:r>
+              <a:rPr lang="en-US" sz="2500" dirty="0" smtClean="0"/>
+              <a:t> </a:t>
+            </a:r>
+            <a:r>
+              <a:rPr lang="en-US" sz="2500" dirty="0"/>
+              <a:t>/ </a:t>
+            </a:r>
+            <a:r>
+              <a:rPr lang="en-US" sz="2500" dirty="0" err="1"/>
+              <a:t>tileSide</a:t>
+            </a:r>
+            <a:r>
+              <a:rPr lang="en-US" sz="2500" dirty="0"/>
+              <a:t>;</a:t>
+            </a:r>
+          </a:p>
+          <a:p>
+            <a:pPr marL="1657350" lvl="2" indent="-742950">
+              <a:buFont typeface="Arial" panose="020B0604020202020204" pitchFamily="34" charset="0"/>
+              <a:buChar char="•"/>
+            </a:pPr>
+            <a:r>
+              <a:rPr lang="en-US" sz="2500" dirty="0" err="1"/>
+              <a:t>viewportTileY</a:t>
+            </a:r>
+            <a:r>
+              <a:rPr lang="en-US" sz="2500" dirty="0"/>
+              <a:t> = </a:t>
+            </a:r>
+            <a:r>
+              <a:rPr lang="en-US" sz="2500" dirty="0" err="1" smtClean="0"/>
+              <a:t>ViewportWorldY</a:t>
+            </a:r>
+            <a:r>
+              <a:rPr lang="en-US" sz="2500" dirty="0" smtClean="0"/>
+              <a:t> </a:t>
+            </a:r>
+            <a:r>
+              <a:rPr lang="en-US" sz="2500" dirty="0"/>
+              <a:t>/ </a:t>
+            </a:r>
+            <a:r>
+              <a:rPr lang="en-US" sz="2500" dirty="0" err="1"/>
+              <a:t>tileSide</a:t>
+            </a:r>
+            <a:r>
+              <a:rPr lang="en-US" sz="2500" dirty="0" smtClean="0"/>
+              <a:t>;</a:t>
+            </a:r>
+            <a:endParaRPr lang="en-US" sz="2500" dirty="0"/>
           </a:p>
         </p:txBody>
       </p:sp>
@@ -5917,7 +6291,7 @@
         <p:spPr>
           <a:xfrm>
             <a:off x="0" y="0"/>
-            <a:ext cx="9144000" cy="2015936"/>
+            <a:ext cx="9144000" cy="2785378"/>
           </a:xfrm>
           <a:prstGeom prst="rect">
             <a:avLst/>
@@ -5964,10 +6338,895 @@
               <a:buFont typeface="Arial" panose="020B0604020202020204" pitchFamily="34" charset="0"/>
               <a:buChar char="•"/>
             </a:pPr>
+            <a:r>
+              <a:rPr lang="en-US" sz="2500" dirty="0" smtClean="0"/>
+              <a:t>Given a row, column location in the world </a:t>
+            </a:r>
+          </a:p>
+          <a:p>
+            <a:pPr lvl="4"/>
+            <a:r>
+              <a:rPr lang="en-US" sz="2500" dirty="0" smtClean="0"/>
+              <a:t>TileMap, how does the Viewport know what </a:t>
+            </a:r>
+          </a:p>
+          <a:p>
+            <a:pPr lvl="4"/>
+            <a:r>
+              <a:rPr lang="en-US" sz="2500" dirty="0" smtClean="0"/>
+              <a:t>Bitmap^ to draw?</a:t>
+            </a:r>
             <a:endParaRPr lang="en-US" sz="2500" dirty="0" smtClean="0"/>
           </a:p>
         </p:txBody>
       </p:sp>
+      <p:grpSp>
+        <p:nvGrpSpPr>
+          <p:cNvPr id="2" name="Group 1"/>
+          <p:cNvGrpSpPr/>
+          <p:nvPr/>
+        </p:nvGrpSpPr>
+        <p:grpSpPr>
+          <a:xfrm>
+            <a:off x="723900" y="2895600"/>
+            <a:ext cx="7696200" cy="3590330"/>
+            <a:chOff x="533400" y="2886670"/>
+            <a:chExt cx="7696200" cy="3590330"/>
+          </a:xfrm>
+        </p:grpSpPr>
+        <p:sp>
+          <p:nvSpPr>
+            <p:cNvPr id="31" name="Rectangle 30"/>
+            <p:cNvSpPr/>
+            <p:nvPr/>
+          </p:nvSpPr>
+          <p:spPr>
+            <a:xfrm>
+              <a:off x="533400" y="4355068"/>
+              <a:ext cx="1600200" cy="1295400"/>
+            </a:xfrm>
+            <a:prstGeom prst="rect">
+              <a:avLst/>
+            </a:prstGeom>
+          </p:spPr>
+          <p:style>
+            <a:lnRef idx="2">
+              <a:schemeClr val="accent1">
+                <a:shade val="50000"/>
+              </a:schemeClr>
+            </a:lnRef>
+            <a:fillRef idx="1">
+              <a:schemeClr val="accent1"/>
+            </a:fillRef>
+            <a:effectRef idx="0">
+              <a:schemeClr val="accent1"/>
+            </a:effectRef>
+            <a:fontRef idx="minor">
+              <a:schemeClr val="lt1"/>
+            </a:fontRef>
+          </p:style>
+          <p:txBody>
+            <a:bodyPr rtlCol="0" anchor="ctr"/>
+            <a:lstStyle/>
+            <a:p>
+              <a:pPr algn="ctr"/>
+              <a:r>
+                <a:rPr lang="en-NZ" dirty="0" smtClean="0"/>
+                <a:t>Viewport</a:t>
+              </a:r>
+              <a:endParaRPr lang="en-NZ" dirty="0"/>
+            </a:p>
+          </p:txBody>
+        </p:sp>
+        <p:sp>
+          <p:nvSpPr>
+            <p:cNvPr id="32" name="Rectangle 31"/>
+            <p:cNvSpPr/>
+            <p:nvPr/>
+          </p:nvSpPr>
+          <p:spPr>
+            <a:xfrm>
+              <a:off x="2590800" y="4355068"/>
+              <a:ext cx="1600200" cy="1295400"/>
+            </a:xfrm>
+            <a:prstGeom prst="rect">
+              <a:avLst/>
+            </a:prstGeom>
+          </p:spPr>
+          <p:style>
+            <a:lnRef idx="2">
+              <a:schemeClr val="accent1">
+                <a:shade val="50000"/>
+              </a:schemeClr>
+            </a:lnRef>
+            <a:fillRef idx="1">
+              <a:schemeClr val="accent1"/>
+            </a:fillRef>
+            <a:effectRef idx="0">
+              <a:schemeClr val="accent1"/>
+            </a:effectRef>
+            <a:fontRef idx="minor">
+              <a:schemeClr val="lt1"/>
+            </a:fontRef>
+          </p:style>
+          <p:txBody>
+            <a:bodyPr rtlCol="0" anchor="ctr"/>
+            <a:lstStyle/>
+            <a:p>
+              <a:pPr algn="ctr"/>
+              <a:r>
+                <a:rPr lang="en-NZ" dirty="0" err="1" smtClean="0"/>
+                <a:t>TileMap</a:t>
+              </a:r>
+              <a:endParaRPr lang="en-NZ" dirty="0"/>
+            </a:p>
+          </p:txBody>
+        </p:sp>
+        <p:sp>
+          <p:nvSpPr>
+            <p:cNvPr id="33" name="Rectangle 32"/>
+            <p:cNvSpPr/>
+            <p:nvPr/>
+          </p:nvSpPr>
+          <p:spPr>
+            <a:xfrm>
+              <a:off x="4648200" y="4355068"/>
+              <a:ext cx="1600200" cy="1295400"/>
+            </a:xfrm>
+            <a:prstGeom prst="rect">
+              <a:avLst/>
+            </a:prstGeom>
+          </p:spPr>
+          <p:style>
+            <a:lnRef idx="2">
+              <a:schemeClr val="accent1">
+                <a:shade val="50000"/>
+              </a:schemeClr>
+            </a:lnRef>
+            <a:fillRef idx="1">
+              <a:schemeClr val="accent1"/>
+            </a:fillRef>
+            <a:effectRef idx="0">
+              <a:schemeClr val="accent1"/>
+            </a:effectRef>
+            <a:fontRef idx="minor">
+              <a:schemeClr val="lt1"/>
+            </a:fontRef>
+          </p:style>
+          <p:txBody>
+            <a:bodyPr rtlCol="0" anchor="ctr"/>
+            <a:lstStyle/>
+            <a:p>
+              <a:pPr algn="ctr"/>
+              <a:r>
+                <a:rPr lang="en-NZ" dirty="0" err="1" smtClean="0"/>
+                <a:t>TileSet</a:t>
+              </a:r>
+              <a:endParaRPr lang="en-NZ" dirty="0"/>
+            </a:p>
+          </p:txBody>
+        </p:sp>
+        <p:sp>
+          <p:nvSpPr>
+            <p:cNvPr id="34" name="Rectangle 33"/>
+            <p:cNvSpPr/>
+            <p:nvPr/>
+          </p:nvSpPr>
+          <p:spPr>
+            <a:xfrm>
+              <a:off x="6629400" y="4355068"/>
+              <a:ext cx="1600200" cy="1295400"/>
+            </a:xfrm>
+            <a:prstGeom prst="rect">
+              <a:avLst/>
+            </a:prstGeom>
+          </p:spPr>
+          <p:style>
+            <a:lnRef idx="2">
+              <a:schemeClr val="accent1">
+                <a:shade val="50000"/>
+              </a:schemeClr>
+            </a:lnRef>
+            <a:fillRef idx="1">
+              <a:schemeClr val="accent1"/>
+            </a:fillRef>
+            <a:effectRef idx="0">
+              <a:schemeClr val="accent1"/>
+            </a:effectRef>
+            <a:fontRef idx="minor">
+              <a:schemeClr val="lt1"/>
+            </a:fontRef>
+          </p:style>
+          <p:txBody>
+            <a:bodyPr rtlCol="0" anchor="ctr"/>
+            <a:lstStyle/>
+            <a:p>
+              <a:pPr algn="ctr"/>
+              <a:r>
+                <a:rPr lang="en-NZ" dirty="0" smtClean="0"/>
+                <a:t>Tile</a:t>
+              </a:r>
+              <a:endParaRPr lang="en-NZ" dirty="0"/>
+            </a:p>
+          </p:txBody>
+        </p:sp>
+        <p:sp>
+          <p:nvSpPr>
+            <p:cNvPr id="35" name="TextBox 34"/>
+            <p:cNvSpPr txBox="1"/>
+            <p:nvPr/>
+          </p:nvSpPr>
+          <p:spPr>
+            <a:xfrm>
+              <a:off x="1371600" y="2886670"/>
+              <a:ext cx="1524000" cy="923330"/>
+            </a:xfrm>
+            <a:prstGeom prst="rect">
+              <a:avLst/>
+            </a:prstGeom>
+            <a:noFill/>
+          </p:spPr>
+          <p:txBody>
+            <a:bodyPr wrap="square" rtlCol="0">
+              <a:spAutoFit/>
+            </a:bodyPr>
+            <a:lstStyle/>
+            <a:p>
+              <a:pPr algn="ctr"/>
+              <a:r>
+                <a:rPr lang="en-NZ" dirty="0" smtClean="0"/>
+                <a:t>Passes </a:t>
+              </a:r>
+              <a:r>
+                <a:rPr lang="en-NZ" dirty="0" smtClean="0"/>
+                <a:t>world </a:t>
+              </a:r>
+              <a:r>
+                <a:rPr lang="en-NZ" dirty="0" smtClean="0"/>
+                <a:t>row and column</a:t>
+              </a:r>
+              <a:endParaRPr lang="en-NZ" dirty="0"/>
+            </a:p>
+          </p:txBody>
+        </p:sp>
+        <p:sp>
+          <p:nvSpPr>
+            <p:cNvPr id="36" name="TextBox 35"/>
+            <p:cNvSpPr txBox="1"/>
+            <p:nvPr/>
+          </p:nvSpPr>
+          <p:spPr>
+            <a:xfrm>
+              <a:off x="3581400" y="2886670"/>
+              <a:ext cx="1524000" cy="923330"/>
+            </a:xfrm>
+            <a:prstGeom prst="rect">
+              <a:avLst/>
+            </a:prstGeom>
+            <a:noFill/>
+          </p:spPr>
+          <p:txBody>
+            <a:bodyPr wrap="square" rtlCol="0">
+              <a:spAutoFit/>
+            </a:bodyPr>
+            <a:lstStyle/>
+            <a:p>
+              <a:pPr algn="ctr"/>
+              <a:r>
+                <a:rPr lang="en-NZ" dirty="0" smtClean="0"/>
+                <a:t>Passes </a:t>
+              </a:r>
+              <a:r>
+                <a:rPr lang="en-NZ" dirty="0" err="1" smtClean="0"/>
+                <a:t>int</a:t>
+              </a:r>
+              <a:r>
+                <a:rPr lang="en-NZ" dirty="0" smtClean="0"/>
+                <a:t> from map array...</a:t>
+              </a:r>
+              <a:endParaRPr lang="en-NZ" dirty="0"/>
+            </a:p>
+          </p:txBody>
+        </p:sp>
+        <p:sp>
+          <p:nvSpPr>
+            <p:cNvPr id="37" name="TextBox 36"/>
+            <p:cNvSpPr txBox="1"/>
+            <p:nvPr/>
+          </p:nvSpPr>
+          <p:spPr>
+            <a:xfrm>
+              <a:off x="5638800" y="3212068"/>
+              <a:ext cx="1524000" cy="646331"/>
+            </a:xfrm>
+            <a:prstGeom prst="rect">
+              <a:avLst/>
+            </a:prstGeom>
+            <a:noFill/>
+          </p:spPr>
+          <p:txBody>
+            <a:bodyPr wrap="square" rtlCol="0">
+              <a:spAutoFit/>
+            </a:bodyPr>
+            <a:lstStyle/>
+            <a:p>
+              <a:pPr algn="ctr"/>
+              <a:r>
+                <a:rPr lang="en-NZ" dirty="0" smtClean="0"/>
+                <a:t>Indexes into Tile^ array...</a:t>
+              </a:r>
+              <a:endParaRPr lang="en-NZ" dirty="0"/>
+            </a:p>
+          </p:txBody>
+        </p:sp>
+        <p:sp>
+          <p:nvSpPr>
+            <p:cNvPr id="38" name="TextBox 37"/>
+            <p:cNvSpPr txBox="1"/>
+            <p:nvPr/>
+          </p:nvSpPr>
+          <p:spPr>
+            <a:xfrm>
+              <a:off x="5791200" y="6107668"/>
+              <a:ext cx="1524000" cy="369332"/>
+            </a:xfrm>
+            <a:prstGeom prst="rect">
+              <a:avLst/>
+            </a:prstGeom>
+            <a:noFill/>
+          </p:spPr>
+          <p:txBody>
+            <a:bodyPr wrap="square" rtlCol="0">
+              <a:spAutoFit/>
+            </a:bodyPr>
+            <a:lstStyle/>
+            <a:p>
+              <a:pPr algn="ctr"/>
+              <a:r>
+                <a:rPr lang="en-NZ" dirty="0" smtClean="0"/>
+                <a:t>Bitmap^</a:t>
+              </a:r>
+              <a:endParaRPr lang="en-NZ" dirty="0"/>
+            </a:p>
+          </p:txBody>
+        </p:sp>
+        <p:sp>
+          <p:nvSpPr>
+            <p:cNvPr id="39" name="TextBox 38"/>
+            <p:cNvSpPr txBox="1"/>
+            <p:nvPr/>
+          </p:nvSpPr>
+          <p:spPr>
+            <a:xfrm>
+              <a:off x="3581400" y="6107668"/>
+              <a:ext cx="1524000" cy="369332"/>
+            </a:xfrm>
+            <a:prstGeom prst="rect">
+              <a:avLst/>
+            </a:prstGeom>
+            <a:noFill/>
+          </p:spPr>
+          <p:txBody>
+            <a:bodyPr wrap="square" rtlCol="0">
+              <a:spAutoFit/>
+            </a:bodyPr>
+            <a:lstStyle/>
+            <a:p>
+              <a:pPr algn="ctr"/>
+              <a:r>
+                <a:rPr lang="en-NZ" dirty="0" smtClean="0"/>
+                <a:t>Bitmap^</a:t>
+              </a:r>
+              <a:endParaRPr lang="en-NZ" dirty="0"/>
+            </a:p>
+          </p:txBody>
+        </p:sp>
+        <p:sp>
+          <p:nvSpPr>
+            <p:cNvPr id="40" name="TextBox 39"/>
+            <p:cNvSpPr txBox="1"/>
+            <p:nvPr/>
+          </p:nvSpPr>
+          <p:spPr>
+            <a:xfrm>
+              <a:off x="1524000" y="6107668"/>
+              <a:ext cx="1524000" cy="369332"/>
+            </a:xfrm>
+            <a:prstGeom prst="rect">
+              <a:avLst/>
+            </a:prstGeom>
+            <a:noFill/>
+          </p:spPr>
+          <p:txBody>
+            <a:bodyPr wrap="square" rtlCol="0">
+              <a:spAutoFit/>
+            </a:bodyPr>
+            <a:lstStyle/>
+            <a:p>
+              <a:pPr algn="ctr"/>
+              <a:r>
+                <a:rPr lang="en-NZ" dirty="0" smtClean="0"/>
+                <a:t>Bitmap^</a:t>
+              </a:r>
+              <a:endParaRPr lang="en-NZ" dirty="0"/>
+            </a:p>
+          </p:txBody>
+        </p:sp>
+        <p:grpSp>
+          <p:nvGrpSpPr>
+            <p:cNvPr id="41" name="Group 40"/>
+            <p:cNvGrpSpPr/>
+            <p:nvPr/>
+          </p:nvGrpSpPr>
+          <p:grpSpPr>
+            <a:xfrm>
+              <a:off x="3543300" y="3897868"/>
+              <a:ext cx="1562100" cy="457200"/>
+              <a:chOff x="3543300" y="3352800"/>
+              <a:chExt cx="1562100" cy="457200"/>
+            </a:xfrm>
+          </p:grpSpPr>
+          <p:cxnSp>
+            <p:nvCxnSpPr>
+              <p:cNvPr id="42" name="Straight Arrow Connector 41"/>
+              <p:cNvCxnSpPr/>
+              <p:nvPr/>
+            </p:nvCxnSpPr>
+            <p:spPr>
+              <a:xfrm>
+                <a:off x="3733800" y="3352800"/>
+                <a:ext cx="1371600" cy="0"/>
+              </a:xfrm>
+              <a:prstGeom prst="straightConnector1">
+                <a:avLst/>
+              </a:prstGeom>
+              <a:ln w="57150">
+                <a:tailEnd type="arrow"/>
+              </a:ln>
+            </p:spPr>
+            <p:style>
+              <a:lnRef idx="1">
+                <a:schemeClr val="accent1"/>
+              </a:lnRef>
+              <a:fillRef idx="0">
+                <a:schemeClr val="accent1"/>
+              </a:fillRef>
+              <a:effectRef idx="0">
+                <a:schemeClr val="accent1"/>
+              </a:effectRef>
+              <a:fontRef idx="minor">
+                <a:schemeClr val="tx1"/>
+              </a:fontRef>
+            </p:style>
+          </p:cxnSp>
+          <p:cxnSp>
+            <p:nvCxnSpPr>
+              <p:cNvPr id="43" name="Straight Connector 42"/>
+              <p:cNvCxnSpPr/>
+              <p:nvPr/>
+            </p:nvCxnSpPr>
+            <p:spPr>
+              <a:xfrm flipH="1">
+                <a:off x="3543300" y="3352800"/>
+                <a:ext cx="190500" cy="457200"/>
+              </a:xfrm>
+              <a:prstGeom prst="line">
+                <a:avLst/>
+              </a:prstGeom>
+              <a:ln w="57150"/>
+            </p:spPr>
+            <p:style>
+              <a:lnRef idx="1">
+                <a:schemeClr val="accent1"/>
+              </a:lnRef>
+              <a:fillRef idx="0">
+                <a:schemeClr val="accent1"/>
+              </a:fillRef>
+              <a:effectRef idx="0">
+                <a:schemeClr val="accent1"/>
+              </a:effectRef>
+              <a:fontRef idx="minor">
+                <a:schemeClr val="tx1"/>
+              </a:fontRef>
+            </p:style>
+          </p:cxnSp>
+        </p:grpSp>
+        <p:grpSp>
+          <p:nvGrpSpPr>
+            <p:cNvPr id="44" name="Group 43"/>
+            <p:cNvGrpSpPr/>
+            <p:nvPr/>
+          </p:nvGrpSpPr>
+          <p:grpSpPr>
+            <a:xfrm>
+              <a:off x="5600700" y="3897868"/>
+              <a:ext cx="1562100" cy="457200"/>
+              <a:chOff x="5600700" y="3352800"/>
+              <a:chExt cx="1562100" cy="457200"/>
+            </a:xfrm>
+          </p:grpSpPr>
+          <p:cxnSp>
+            <p:nvCxnSpPr>
+              <p:cNvPr id="45" name="Straight Arrow Connector 44"/>
+              <p:cNvCxnSpPr/>
+              <p:nvPr/>
+            </p:nvCxnSpPr>
+            <p:spPr>
+              <a:xfrm>
+                <a:off x="5791200" y="3352800"/>
+                <a:ext cx="1371600" cy="0"/>
+              </a:xfrm>
+              <a:prstGeom prst="straightConnector1">
+                <a:avLst/>
+              </a:prstGeom>
+              <a:ln w="57150">
+                <a:tailEnd type="arrow"/>
+              </a:ln>
+            </p:spPr>
+            <p:style>
+              <a:lnRef idx="1">
+                <a:schemeClr val="accent1"/>
+              </a:lnRef>
+              <a:fillRef idx="0">
+                <a:schemeClr val="accent1"/>
+              </a:fillRef>
+              <a:effectRef idx="0">
+                <a:schemeClr val="accent1"/>
+              </a:effectRef>
+              <a:fontRef idx="minor">
+                <a:schemeClr val="tx1"/>
+              </a:fontRef>
+            </p:style>
+          </p:cxnSp>
+          <p:cxnSp>
+            <p:nvCxnSpPr>
+              <p:cNvPr id="46" name="Straight Connector 45"/>
+              <p:cNvCxnSpPr/>
+              <p:nvPr/>
+            </p:nvCxnSpPr>
+            <p:spPr>
+              <a:xfrm flipH="1">
+                <a:off x="5600700" y="3352800"/>
+                <a:ext cx="190500" cy="457200"/>
+              </a:xfrm>
+              <a:prstGeom prst="line">
+                <a:avLst/>
+              </a:prstGeom>
+              <a:ln w="57150"/>
+            </p:spPr>
+            <p:style>
+              <a:lnRef idx="1">
+                <a:schemeClr val="accent1"/>
+              </a:lnRef>
+              <a:fillRef idx="0">
+                <a:schemeClr val="accent1"/>
+              </a:fillRef>
+              <a:effectRef idx="0">
+                <a:schemeClr val="accent1"/>
+              </a:effectRef>
+              <a:fontRef idx="minor">
+                <a:schemeClr val="tx1"/>
+              </a:fontRef>
+            </p:style>
+          </p:cxnSp>
+        </p:grpSp>
+        <p:grpSp>
+          <p:nvGrpSpPr>
+            <p:cNvPr id="47" name="Group 46"/>
+            <p:cNvGrpSpPr/>
+            <p:nvPr/>
+          </p:nvGrpSpPr>
+          <p:grpSpPr>
+            <a:xfrm>
+              <a:off x="5867400" y="5638800"/>
+              <a:ext cx="1562100" cy="392668"/>
+              <a:chOff x="5867400" y="5093732"/>
+              <a:chExt cx="1562100" cy="392668"/>
+            </a:xfrm>
+          </p:grpSpPr>
+          <p:cxnSp>
+            <p:nvCxnSpPr>
+              <p:cNvPr id="48" name="Straight Arrow Connector 47"/>
+              <p:cNvCxnSpPr/>
+              <p:nvPr/>
+            </p:nvCxnSpPr>
+            <p:spPr>
+              <a:xfrm flipH="1">
+                <a:off x="5867400" y="5486400"/>
+                <a:ext cx="1371600" cy="0"/>
+              </a:xfrm>
+              <a:prstGeom prst="straightConnector1">
+                <a:avLst/>
+              </a:prstGeom>
+              <a:ln w="57150">
+                <a:tailEnd type="arrow"/>
+              </a:ln>
+            </p:spPr>
+            <p:style>
+              <a:lnRef idx="1">
+                <a:schemeClr val="accent1"/>
+              </a:lnRef>
+              <a:fillRef idx="0">
+                <a:schemeClr val="accent1"/>
+              </a:fillRef>
+              <a:effectRef idx="0">
+                <a:schemeClr val="accent1"/>
+              </a:effectRef>
+              <a:fontRef idx="minor">
+                <a:schemeClr val="tx1"/>
+              </a:fontRef>
+            </p:style>
+          </p:cxnSp>
+          <p:cxnSp>
+            <p:nvCxnSpPr>
+              <p:cNvPr id="49" name="Straight Connector 48"/>
+              <p:cNvCxnSpPr/>
+              <p:nvPr/>
+            </p:nvCxnSpPr>
+            <p:spPr>
+              <a:xfrm flipH="1">
+                <a:off x="7200900" y="5093732"/>
+                <a:ext cx="228600" cy="381000"/>
+              </a:xfrm>
+              <a:prstGeom prst="line">
+                <a:avLst/>
+              </a:prstGeom>
+              <a:ln w="57150"/>
+            </p:spPr>
+            <p:style>
+              <a:lnRef idx="1">
+                <a:schemeClr val="accent1"/>
+              </a:lnRef>
+              <a:fillRef idx="0">
+                <a:schemeClr val="accent1"/>
+              </a:fillRef>
+              <a:effectRef idx="0">
+                <a:schemeClr val="accent1"/>
+              </a:effectRef>
+              <a:fontRef idx="minor">
+                <a:schemeClr val="tx1"/>
+              </a:fontRef>
+            </p:style>
+          </p:cxnSp>
+        </p:grpSp>
+        <p:grpSp>
+          <p:nvGrpSpPr>
+            <p:cNvPr id="50" name="Group 49"/>
+            <p:cNvGrpSpPr/>
+            <p:nvPr/>
+          </p:nvGrpSpPr>
+          <p:grpSpPr>
+            <a:xfrm>
+              <a:off x="3657600" y="5650468"/>
+              <a:ext cx="1600200" cy="381000"/>
+              <a:chOff x="3657600" y="5105400"/>
+              <a:chExt cx="1600200" cy="381000"/>
+            </a:xfrm>
+          </p:grpSpPr>
+          <p:cxnSp>
+            <p:nvCxnSpPr>
+              <p:cNvPr id="51" name="Straight Arrow Connector 50"/>
+              <p:cNvCxnSpPr/>
+              <p:nvPr/>
+            </p:nvCxnSpPr>
+            <p:spPr>
+              <a:xfrm flipH="1">
+                <a:off x="3657600" y="5486400"/>
+                <a:ext cx="1371600" cy="0"/>
+              </a:xfrm>
+              <a:prstGeom prst="straightConnector1">
+                <a:avLst/>
+              </a:prstGeom>
+              <a:ln w="57150">
+                <a:tailEnd type="arrow"/>
+              </a:ln>
+            </p:spPr>
+            <p:style>
+              <a:lnRef idx="1">
+                <a:schemeClr val="accent1"/>
+              </a:lnRef>
+              <a:fillRef idx="0">
+                <a:schemeClr val="accent1"/>
+              </a:fillRef>
+              <a:effectRef idx="0">
+                <a:schemeClr val="accent1"/>
+              </a:effectRef>
+              <a:fontRef idx="minor">
+                <a:schemeClr val="tx1"/>
+              </a:fontRef>
+            </p:style>
+          </p:cxnSp>
+          <p:cxnSp>
+            <p:nvCxnSpPr>
+              <p:cNvPr id="52" name="Straight Connector 51"/>
+              <p:cNvCxnSpPr/>
+              <p:nvPr/>
+            </p:nvCxnSpPr>
+            <p:spPr>
+              <a:xfrm flipH="1">
+                <a:off x="5029200" y="5105400"/>
+                <a:ext cx="228600" cy="381000"/>
+              </a:xfrm>
+              <a:prstGeom prst="line">
+                <a:avLst/>
+              </a:prstGeom>
+              <a:ln w="57150"/>
+            </p:spPr>
+            <p:style>
+              <a:lnRef idx="1">
+                <a:schemeClr val="accent1"/>
+              </a:lnRef>
+              <a:fillRef idx="0">
+                <a:schemeClr val="accent1"/>
+              </a:fillRef>
+              <a:effectRef idx="0">
+                <a:schemeClr val="accent1"/>
+              </a:effectRef>
+              <a:fontRef idx="minor">
+                <a:schemeClr val="tx1"/>
+              </a:fontRef>
+            </p:style>
+          </p:cxnSp>
+        </p:grpSp>
+        <p:grpSp>
+          <p:nvGrpSpPr>
+            <p:cNvPr id="53" name="Group 52"/>
+            <p:cNvGrpSpPr/>
+            <p:nvPr/>
+          </p:nvGrpSpPr>
+          <p:grpSpPr>
+            <a:xfrm>
+              <a:off x="1524000" y="5650468"/>
+              <a:ext cx="1600200" cy="381000"/>
+              <a:chOff x="1524000" y="5105400"/>
+              <a:chExt cx="1600200" cy="381000"/>
+            </a:xfrm>
+          </p:grpSpPr>
+          <p:cxnSp>
+            <p:nvCxnSpPr>
+              <p:cNvPr id="54" name="Straight Arrow Connector 53"/>
+              <p:cNvCxnSpPr/>
+              <p:nvPr/>
+            </p:nvCxnSpPr>
+            <p:spPr>
+              <a:xfrm flipH="1">
+                <a:off x="1524000" y="5486400"/>
+                <a:ext cx="1371600" cy="0"/>
+              </a:xfrm>
+              <a:prstGeom prst="straightConnector1">
+                <a:avLst/>
+              </a:prstGeom>
+              <a:ln w="57150">
+                <a:tailEnd type="arrow"/>
+              </a:ln>
+            </p:spPr>
+            <p:style>
+              <a:lnRef idx="1">
+                <a:schemeClr val="accent1"/>
+              </a:lnRef>
+              <a:fillRef idx="0">
+                <a:schemeClr val="accent1"/>
+              </a:fillRef>
+              <a:effectRef idx="0">
+                <a:schemeClr val="accent1"/>
+              </a:effectRef>
+              <a:fontRef idx="minor">
+                <a:schemeClr val="tx1"/>
+              </a:fontRef>
+            </p:style>
+          </p:cxnSp>
+          <p:cxnSp>
+            <p:nvCxnSpPr>
+              <p:cNvPr id="55" name="Straight Connector 54"/>
+              <p:cNvCxnSpPr/>
+              <p:nvPr/>
+            </p:nvCxnSpPr>
+            <p:spPr>
+              <a:xfrm flipH="1">
+                <a:off x="2895600" y="5105400"/>
+                <a:ext cx="228600" cy="381000"/>
+              </a:xfrm>
+              <a:prstGeom prst="line">
+                <a:avLst/>
+              </a:prstGeom>
+              <a:ln w="57150"/>
+            </p:spPr>
+            <p:style>
+              <a:lnRef idx="1">
+                <a:schemeClr val="accent1"/>
+              </a:lnRef>
+              <a:fillRef idx="0">
+                <a:schemeClr val="accent1"/>
+              </a:fillRef>
+              <a:effectRef idx="0">
+                <a:schemeClr val="accent1"/>
+              </a:effectRef>
+              <a:fontRef idx="minor">
+                <a:schemeClr val="tx1"/>
+              </a:fontRef>
+            </p:style>
+          </p:cxnSp>
+        </p:grpSp>
+        <p:grpSp>
+          <p:nvGrpSpPr>
+            <p:cNvPr id="56" name="Group 55"/>
+            <p:cNvGrpSpPr/>
+            <p:nvPr/>
+          </p:nvGrpSpPr>
+          <p:grpSpPr>
+            <a:xfrm>
+              <a:off x="1295400" y="3886202"/>
+              <a:ext cx="1600200" cy="685798"/>
+              <a:chOff x="1295400" y="3886200"/>
+              <a:chExt cx="1600200" cy="381000"/>
+            </a:xfrm>
+          </p:grpSpPr>
+          <p:cxnSp>
+            <p:nvCxnSpPr>
+              <p:cNvPr id="57" name="Straight Arrow Connector 56"/>
+              <p:cNvCxnSpPr/>
+              <p:nvPr/>
+            </p:nvCxnSpPr>
+            <p:spPr>
+              <a:xfrm>
+                <a:off x="1524000" y="3897862"/>
+                <a:ext cx="1371600" cy="0"/>
+              </a:xfrm>
+              <a:prstGeom prst="straightConnector1">
+                <a:avLst/>
+              </a:prstGeom>
+              <a:ln w="57150">
+                <a:tailEnd type="arrow"/>
+              </a:ln>
+            </p:spPr>
+            <p:style>
+              <a:lnRef idx="1">
+                <a:schemeClr val="accent1"/>
+              </a:lnRef>
+              <a:fillRef idx="0">
+                <a:schemeClr val="accent1"/>
+              </a:fillRef>
+              <a:effectRef idx="0">
+                <a:schemeClr val="accent1"/>
+              </a:effectRef>
+              <a:fontRef idx="minor">
+                <a:schemeClr val="tx1"/>
+              </a:fontRef>
+            </p:style>
+          </p:cxnSp>
+          <p:cxnSp>
+            <p:nvCxnSpPr>
+              <p:cNvPr id="58" name="Straight Connector 57"/>
+              <p:cNvCxnSpPr/>
+              <p:nvPr/>
+            </p:nvCxnSpPr>
+            <p:spPr>
+              <a:xfrm flipH="1">
+                <a:off x="1295400" y="3886200"/>
+                <a:ext cx="228600" cy="381000"/>
+              </a:xfrm>
+              <a:prstGeom prst="line">
+                <a:avLst/>
+              </a:prstGeom>
+              <a:ln w="57150"/>
+            </p:spPr>
+            <p:style>
+              <a:lnRef idx="1">
+                <a:schemeClr val="accent1"/>
+              </a:lnRef>
+              <a:fillRef idx="0">
+                <a:schemeClr val="accent1"/>
+              </a:fillRef>
+              <a:effectRef idx="0">
+                <a:schemeClr val="accent1"/>
+              </a:effectRef>
+              <a:fontRef idx="minor">
+                <a:schemeClr val="tx1"/>
+              </a:fontRef>
+            </p:style>
+          </p:cxnSp>
+        </p:grpSp>
+      </p:grpSp>
     </p:spTree>
     <p:extLst>
       <p:ext uri="{BB962C8B-B14F-4D97-AF65-F5344CB8AC3E}">
@@ -6064,6 +7323,36 @@
           </a:p>
         </p:txBody>
       </p:sp>
+      <p:pic>
+        <p:nvPicPr>
+          <p:cNvPr id="2" name="Picture 1"/>
+          <p:cNvPicPr>
+            <a:picLocks noChangeAspect="1"/>
+          </p:cNvPicPr>
+          <p:nvPr/>
+        </p:nvPicPr>
+        <p:blipFill>
+          <a:blip r:embed="rId3">
+            <a:extLst>
+              <a:ext uri="{28A0092B-C50C-407E-A947-70E740481C1C}">
+                <a14:useLocalDpi xmlns:a14="http://schemas.microsoft.com/office/drawing/2010/main" val="0"/>
+              </a:ext>
+            </a:extLst>
+          </a:blip>
+          <a:stretch>
+            <a:fillRect/>
+          </a:stretch>
+        </p:blipFill>
+        <p:spPr>
+          <a:xfrm>
+            <a:off x="1388269" y="1828800"/>
+            <a:ext cx="6367462" cy="3755170"/>
+          </a:xfrm>
+          <a:prstGeom prst="rect">
+            <a:avLst/>
+          </a:prstGeom>
+        </p:spPr>
+      </p:pic>
     </p:spTree>
     <p:extLst>
       <p:ext uri="{BB962C8B-B14F-4D97-AF65-F5344CB8AC3E}">
@@ -6156,10 +7445,44 @@
               <a:buFont typeface="Arial" panose="020B0604020202020204" pitchFamily="34" charset="0"/>
               <a:buChar char="•"/>
             </a:pPr>
+            <a:r>
+              <a:rPr lang="en-US" sz="2500" dirty="0" smtClean="0"/>
+              <a:t>Note this is not the final code…</a:t>
+            </a:r>
             <a:endParaRPr lang="en-US" sz="2500" dirty="0" smtClean="0"/>
           </a:p>
         </p:txBody>
       </p:sp>
+      <p:pic>
+        <p:nvPicPr>
+          <p:cNvPr id="4" name="Picture 3"/>
+          <p:cNvPicPr>
+            <a:picLocks noChangeAspect="1"/>
+          </p:cNvPicPr>
+          <p:nvPr/>
+        </p:nvPicPr>
+        <p:blipFill>
+          <a:blip r:embed="rId3">
+            <a:extLst>
+              <a:ext uri="{28A0092B-C50C-407E-A947-70E740481C1C}">
+                <a14:useLocalDpi xmlns:a14="http://schemas.microsoft.com/office/drawing/2010/main" val="0"/>
+              </a:ext>
+            </a:extLst>
+          </a:blip>
+          <a:stretch>
+            <a:fillRect/>
+          </a:stretch>
+        </p:blipFill>
+        <p:spPr>
+          <a:xfrm>
+            <a:off x="985837" y="2590800"/>
+            <a:ext cx="7172325" cy="2695575"/>
+          </a:xfrm>
+          <a:prstGeom prst="rect">
+            <a:avLst/>
+          </a:prstGeom>
+        </p:spPr>
+      </p:pic>
     </p:spTree>
     <p:extLst>
       <p:ext uri="{BB962C8B-B14F-4D97-AF65-F5344CB8AC3E}">
@@ -6217,7 +7540,7 @@
         <p:spPr>
           <a:xfrm>
             <a:off x="0" y="0"/>
-            <a:ext cx="9144000" cy="2015936"/>
+            <a:ext cx="9144000" cy="6093976"/>
           </a:xfrm>
           <a:prstGeom prst="rect">
             <a:avLst/>
@@ -6252,7 +7575,199 @@
               <a:buFont typeface="Arial" panose="020B0604020202020204" pitchFamily="34" charset="0"/>
               <a:buChar char="•"/>
             </a:pPr>
-            <a:endParaRPr lang="en-US" sz="2500" dirty="0" smtClean="0"/>
+            <a:r>
+              <a:rPr lang="en-NZ" sz="2500" dirty="0"/>
+              <a:t>Place the upper left tile at 0,0 on the canvas </a:t>
+            </a:r>
+            <a:endParaRPr lang="en-NZ" sz="2500" dirty="0" smtClean="0"/>
+          </a:p>
+          <a:p>
+            <a:pPr lvl="2"/>
+            <a:r>
+              <a:rPr lang="en-NZ" sz="2500" dirty="0"/>
+              <a:t>	</a:t>
+            </a:r>
+            <a:r>
+              <a:rPr lang="en-NZ" sz="2500" dirty="0" smtClean="0"/>
+              <a:t>and </a:t>
+            </a:r>
+            <a:r>
+              <a:rPr lang="en-NZ" sz="2500" dirty="0"/>
+              <a:t>iterate as normal using the loop driver </a:t>
+            </a:r>
+            <a:r>
+              <a:rPr lang="en-NZ" sz="2500" dirty="0" smtClean="0"/>
+              <a:t>variables</a:t>
+            </a:r>
+            <a:endParaRPr lang="en-NZ" sz="2500" dirty="0"/>
+          </a:p>
+          <a:p>
+            <a:pPr marL="1657350" lvl="2" indent="-742950">
+              <a:buFont typeface="Arial" panose="020B0604020202020204" pitchFamily="34" charset="0"/>
+              <a:buChar char="•"/>
+            </a:pPr>
+            <a:r>
+              <a:rPr lang="en-NZ" sz="2500" dirty="0"/>
+              <a:t>What if your Viewport edge is not on a tile boundary?</a:t>
+            </a:r>
+          </a:p>
+          <a:p>
+            <a:pPr marL="1657350" lvl="2" indent="-742950">
+              <a:buFont typeface="Arial" panose="020B0604020202020204" pitchFamily="34" charset="0"/>
+              <a:buChar char="•"/>
+            </a:pPr>
+            <a:r>
+              <a:rPr lang="en-NZ" sz="2500" dirty="0"/>
+              <a:t>You need to start drawing in the middle of a </a:t>
+            </a:r>
+            <a:r>
+              <a:rPr lang="en-NZ" sz="2500" dirty="0" smtClean="0"/>
+              <a:t>tile</a:t>
+            </a:r>
+            <a:endParaRPr lang="en-NZ" sz="2500" dirty="0"/>
+          </a:p>
+          <a:p>
+            <a:pPr marL="1657350" lvl="2" indent="-742950">
+              <a:buFont typeface="Arial" panose="020B0604020202020204" pitchFamily="34" charset="0"/>
+              <a:buChar char="•"/>
+            </a:pPr>
+            <a:r>
+              <a:rPr lang="en-NZ" sz="2500" dirty="0"/>
+              <a:t>Two steps:</a:t>
+            </a:r>
+          </a:p>
+          <a:p>
+            <a:pPr lvl="4"/>
+            <a:r>
+              <a:rPr lang="en-NZ" sz="2000" dirty="0"/>
+              <a:t>Figure out how many pixels you are from the tile </a:t>
+            </a:r>
+            <a:r>
+              <a:rPr lang="en-NZ" sz="2000" dirty="0" smtClean="0"/>
+              <a:t>boundary</a:t>
+            </a:r>
+            <a:endParaRPr lang="en-NZ" sz="2000" dirty="0"/>
+          </a:p>
+          <a:p>
+            <a:pPr lvl="4"/>
+            <a:r>
+              <a:rPr lang="en-NZ" sz="2000" dirty="0"/>
+              <a:t>Shift your drawing location that many pixels to the </a:t>
+            </a:r>
+            <a:r>
+              <a:rPr lang="en-NZ" sz="2000" dirty="0" smtClean="0"/>
+              <a:t>left</a:t>
+            </a:r>
+            <a:endParaRPr lang="en-NZ" sz="2000" dirty="0"/>
+          </a:p>
+          <a:p>
+            <a:pPr marL="1657350" lvl="2" indent="-742950">
+              <a:buFont typeface="Arial" panose="020B0604020202020204" pitchFamily="34" charset="0"/>
+              <a:buChar char="•"/>
+            </a:pPr>
+            <a:endParaRPr lang="en-NZ" sz="2500" dirty="0" smtClean="0"/>
+          </a:p>
+          <a:p>
+            <a:pPr marL="1657350" lvl="2" indent="-742950">
+              <a:buFont typeface="Arial" panose="020B0604020202020204" pitchFamily="34" charset="0"/>
+              <a:buChar char="•"/>
+            </a:pPr>
+            <a:r>
+              <a:rPr lang="en-NZ" sz="2500" dirty="0" err="1" smtClean="0"/>
+              <a:t>viewportOffsetX</a:t>
+            </a:r>
+            <a:r>
+              <a:rPr lang="en-NZ" sz="2500" dirty="0" smtClean="0"/>
+              <a:t> </a:t>
+            </a:r>
+            <a:r>
+              <a:rPr lang="en-NZ" sz="2500" dirty="0"/>
+              <a:t>= </a:t>
+            </a:r>
+            <a:r>
+              <a:rPr lang="en-NZ" sz="2500" dirty="0" err="1" smtClean="0"/>
+              <a:t>ViewportWorldX</a:t>
+            </a:r>
+            <a:r>
+              <a:rPr lang="en-NZ" sz="2500" dirty="0" smtClean="0"/>
+              <a:t> </a:t>
+            </a:r>
+            <a:r>
+              <a:rPr lang="en-NZ" sz="2500" dirty="0"/>
+              <a:t>% </a:t>
+            </a:r>
+            <a:r>
+              <a:rPr lang="en-NZ" sz="2500" dirty="0" err="1"/>
+              <a:t>tileSide</a:t>
+            </a:r>
+            <a:r>
+              <a:rPr lang="en-NZ" sz="2500" dirty="0"/>
+              <a:t>;</a:t>
+            </a:r>
+          </a:p>
+          <a:p>
+            <a:pPr marL="1657350" lvl="2" indent="-742950">
+              <a:buFont typeface="Arial" panose="020B0604020202020204" pitchFamily="34" charset="0"/>
+              <a:buChar char="•"/>
+            </a:pPr>
+            <a:r>
+              <a:rPr lang="en-NZ" sz="2500" dirty="0" err="1"/>
+              <a:t>viewportOffsetY</a:t>
+            </a:r>
+            <a:r>
+              <a:rPr lang="en-NZ" sz="2500" dirty="0"/>
+              <a:t> = </a:t>
+            </a:r>
+            <a:r>
+              <a:rPr lang="en-NZ" sz="2500" dirty="0" err="1" smtClean="0"/>
+              <a:t>ViewportWorldY</a:t>
+            </a:r>
+            <a:r>
+              <a:rPr lang="en-NZ" sz="2500" dirty="0" smtClean="0"/>
+              <a:t> </a:t>
+            </a:r>
+            <a:r>
+              <a:rPr lang="en-NZ" sz="2500" dirty="0"/>
+              <a:t>% </a:t>
+            </a:r>
+            <a:r>
+              <a:rPr lang="en-NZ" sz="2500" dirty="0" err="1"/>
+              <a:t>tileSide</a:t>
+            </a:r>
+            <a:r>
+              <a:rPr lang="en-NZ" sz="2500" dirty="0"/>
+              <a:t>;</a:t>
+            </a:r>
+          </a:p>
+          <a:p>
+            <a:pPr marL="1657350" lvl="2" indent="-742950">
+              <a:buFont typeface="Arial" panose="020B0604020202020204" pitchFamily="34" charset="0"/>
+              <a:buChar char="•"/>
+            </a:pPr>
+            <a:endParaRPr lang="en-NZ" sz="2500" dirty="0" smtClean="0"/>
+          </a:p>
+          <a:p>
+            <a:pPr marL="1657350" lvl="2" indent="-742950">
+              <a:buFont typeface="Arial" panose="020B0604020202020204" pitchFamily="34" charset="0"/>
+              <a:buChar char="•"/>
+            </a:pPr>
+            <a:r>
+              <a:rPr lang="en-NZ" sz="2500" dirty="0" err="1" smtClean="0"/>
+              <a:t>DrawImage</a:t>
+            </a:r>
+            <a:r>
+              <a:rPr lang="en-NZ" sz="2500" dirty="0" smtClean="0"/>
+              <a:t> </a:t>
+            </a:r>
+            <a:r>
+              <a:rPr lang="en-NZ" sz="2500" dirty="0"/>
+              <a:t>happy to take a negative pixel </a:t>
+            </a:r>
+            <a:r>
+              <a:rPr lang="en-NZ" sz="2500" dirty="0" smtClean="0"/>
+              <a:t>position</a:t>
+            </a:r>
+            <a:endParaRPr lang="en-NZ" sz="2500" dirty="0"/>
           </a:p>
         </p:txBody>
       </p:sp>
@@ -6451,7 +7966,7 @@
         <p:spPr>
           <a:xfrm>
             <a:off x="0" y="0"/>
-            <a:ext cx="9144000" cy="2015936"/>
+            <a:ext cx="9144000" cy="1631216"/>
           </a:xfrm>
           <a:prstGeom prst="rect">
             <a:avLst/>
@@ -6470,7 +7985,7 @@
             <a:pPr lvl="1"/>
             <a:r>
               <a:rPr lang="en-AU" sz="3500" b="1" dirty="0" smtClean="0"/>
-              <a:t>Moving the Viewport</a:t>
+              <a:t>Where to draw on the screen</a:t>
             </a:r>
             <a:endParaRPr lang="en-US" sz="3500" b="1" dirty="0" smtClean="0"/>
           </a:p>
@@ -6480,6 +7995,167 @@
               <a:buChar char="•"/>
             </a:pPr>
             <a:endParaRPr lang="en-US" sz="2500" dirty="0" smtClean="0"/>
+          </a:p>
+        </p:txBody>
+      </p:sp>
+      <p:pic>
+        <p:nvPicPr>
+          <p:cNvPr id="4" name="Picture 3"/>
+          <p:cNvPicPr>
+            <a:picLocks noChangeAspect="1"/>
+          </p:cNvPicPr>
+          <p:nvPr/>
+        </p:nvPicPr>
+        <p:blipFill>
+          <a:blip r:embed="rId3">
+            <a:extLst>
+              <a:ext uri="{28A0092B-C50C-407E-A947-70E740481C1C}">
+                <a14:useLocalDpi xmlns:a14="http://schemas.microsoft.com/office/drawing/2010/main" val="0"/>
+              </a:ext>
+            </a:extLst>
+          </a:blip>
+          <a:stretch>
+            <a:fillRect/>
+          </a:stretch>
+        </p:blipFill>
+        <p:spPr>
+          <a:xfrm>
+            <a:off x="976312" y="2038350"/>
+            <a:ext cx="7191375" cy="2781300"/>
+          </a:xfrm>
+          <a:prstGeom prst="rect">
+            <a:avLst/>
+          </a:prstGeom>
+        </p:spPr>
+      </p:pic>
+    </p:spTree>
+    <p:extLst>
+      <p:ext uri="{BB962C8B-B14F-4D97-AF65-F5344CB8AC3E}">
+        <p14:creationId xmlns:p14="http://schemas.microsoft.com/office/powerpoint/2010/main" val="848788475"/>
+      </p:ext>
+    </p:extLst>
+  </p:cSld>
+  <p:clrMapOvr>
+    <a:masterClrMapping/>
+  </p:clrMapOvr>
+  <p:timing>
+    <p:tnLst>
+      <p:par>
+        <p:cTn id="1" dur="indefinite" restart="never" nodeType="tmRoot"/>
+      </p:par>
+    </p:tnLst>
+  </p:timing>
+</p:sld>
+</file>
+
+<file path=ppt/slides/slide21.xml><?xml version="1.0" encoding="utf-8"?>
+<p:sld xmlns:a="http://schemas.openxmlformats.org/drawingml/2006/main" xmlns:r="http://schemas.openxmlformats.org/officeDocument/2006/relationships" xmlns:p="http://schemas.openxmlformats.org/presentationml/2006/main">
+  <p:cSld>
+    <p:bg>
+      <p:bgPr>
+        <a:solidFill>
+          <a:schemeClr val="accent5">
+            <a:lumMod val="60000"/>
+            <a:lumOff val="40000"/>
+          </a:schemeClr>
+        </a:solidFill>
+        <a:effectLst/>
+      </p:bgPr>
+    </p:bg>
+    <p:spTree>
+      <p:nvGrpSpPr>
+        <p:cNvPr id="1" name=""/>
+        <p:cNvGrpSpPr/>
+        <p:nvPr/>
+      </p:nvGrpSpPr>
+      <p:grpSpPr>
+        <a:xfrm>
+          <a:off x="0" y="0"/>
+          <a:ext cx="0" cy="0"/>
+          <a:chOff x="0" y="0"/>
+          <a:chExt cx="0" cy="0"/>
+        </a:xfrm>
+      </p:grpSpPr>
+      <p:sp>
+        <p:nvSpPr>
+          <p:cNvPr id="3" name="Rectangle 2"/>
+          <p:cNvSpPr/>
+          <p:nvPr/>
+        </p:nvSpPr>
+        <p:spPr>
+          <a:xfrm>
+            <a:off x="0" y="0"/>
+            <a:ext cx="9144000" cy="2785378"/>
+          </a:xfrm>
+          <a:prstGeom prst="rect">
+            <a:avLst/>
+          </a:prstGeom>
+        </p:spPr>
+        <p:txBody>
+          <a:bodyPr wrap="square">
+            <a:spAutoFit/>
+          </a:bodyPr>
+          <a:lstStyle/>
+          <a:p>
+            <a:pPr algn="ctr"/>
+            <a:endParaRPr lang="en-US" sz="4000" b="1" dirty="0"/>
+          </a:p>
+          <a:p>
+            <a:pPr lvl="1"/>
+            <a:r>
+              <a:rPr lang="en-AU" sz="3500" b="1" dirty="0" smtClean="0"/>
+              <a:t>Moving the Viewport</a:t>
+            </a:r>
+            <a:endParaRPr lang="en-US" sz="3500" b="1" dirty="0" smtClean="0"/>
+          </a:p>
+          <a:p>
+            <a:pPr marL="1657350" lvl="2" indent="-742950">
+              <a:buFont typeface="Arial" panose="020B0604020202020204" pitchFamily="34" charset="0"/>
+              <a:buChar char="•"/>
+            </a:pPr>
+            <a:endParaRPr lang="en-US" sz="2500" dirty="0" smtClean="0"/>
+          </a:p>
+          <a:p>
+            <a:pPr marL="1657350" lvl="2" indent="-742950">
+              <a:buFont typeface="Arial" panose="020B0604020202020204" pitchFamily="34" charset="0"/>
+              <a:buChar char="•"/>
+            </a:pPr>
+            <a:r>
+              <a:rPr lang="en-NZ" sz="2500" dirty="0"/>
+              <a:t>Adjust </a:t>
+            </a:r>
+            <a:r>
+              <a:rPr lang="en-NZ" sz="2500" dirty="0" err="1" smtClean="0"/>
+              <a:t>ViewportWorldX</a:t>
+            </a:r>
+            <a:r>
+              <a:rPr lang="en-NZ" sz="2500" dirty="0" smtClean="0"/>
+              <a:t> </a:t>
+            </a:r>
+            <a:r>
+              <a:rPr lang="en-NZ" sz="2500" dirty="0"/>
+              <a:t>and </a:t>
+            </a:r>
+            <a:r>
+              <a:rPr lang="en-NZ" sz="2500" dirty="0" err="1" smtClean="0"/>
+              <a:t>ViewportWorldY</a:t>
+            </a:r>
+            <a:endParaRPr lang="en-NZ" sz="2500" dirty="0"/>
+          </a:p>
+          <a:p>
+            <a:pPr marL="1657350" lvl="2" indent="-742950">
+              <a:buFont typeface="Arial" panose="020B0604020202020204" pitchFamily="34" charset="0"/>
+              <a:buChar char="•"/>
+            </a:pPr>
+            <a:r>
+              <a:rPr lang="en-NZ" sz="2500" dirty="0"/>
+              <a:t>Add bounds </a:t>
+            </a:r>
+            <a:r>
+              <a:rPr lang="en-NZ" sz="2500" dirty="0" smtClean="0"/>
+              <a:t>checking</a:t>
+            </a:r>
+            <a:endParaRPr lang="en-NZ" sz="2500" dirty="0"/>
           </a:p>
           <a:p>
             <a:pPr marL="1657350" lvl="2" indent="-742950">
@@ -6746,11 +8422,7 @@
             <a:pPr lvl="1"/>
             <a:r>
               <a:rPr lang="en-AU" sz="3500" b="1" dirty="0" smtClean="0"/>
-              <a:t>Example </a:t>
-            </a:r>
-            <a:r>
-              <a:rPr lang="en-AU" sz="3500" b="1" dirty="0" smtClean="0"/>
-              <a:t>world</a:t>
+              <a:t>Example world</a:t>
             </a:r>
             <a:endParaRPr lang="en-US" sz="3500" b="1" dirty="0" smtClean="0"/>
           </a:p>
@@ -6797,7 +8469,6 @@
               <a:rPr lang="en-US" sz="2500" dirty="0" smtClean="0"/>
               <a:t>	screen high (211 tiles wide and 14 tiles high)</a:t>
             </a:r>
-            <a:endParaRPr lang="en-US" sz="2500" dirty="0" smtClean="0"/>
           </a:p>
           <a:p>
             <a:pPr marL="1657350" lvl="2" indent="-742950">
@@ -6943,7 +8614,6 @@
               <a:rPr lang="en-US" sz="2500" dirty="0" smtClean="0"/>
               <a:t>Viewport is 18 tiles wide and 14 tiles high</a:t>
             </a:r>
-            <a:endParaRPr lang="en-US" sz="2500" dirty="0" smtClean="0"/>
           </a:p>
           <a:p>
             <a:pPr marL="1657350" lvl="2" indent="-742950">
@@ -7493,7 +9163,7 @@
         <p:spPr>
           <a:xfrm>
             <a:off x="0" y="0"/>
-            <a:ext cx="9144000" cy="1631216"/>
+            <a:ext cx="9144000" cy="1092607"/>
           </a:xfrm>
           <a:prstGeom prst="rect">
             <a:avLst/>
@@ -7507,14 +9177,6 @@
           <a:p>
             <a:pPr algn="ctr"/>
             <a:endParaRPr lang="en-US" sz="4000" b="1" dirty="0"/>
-          </a:p>
-          <a:p>
-            <a:pPr lvl="1"/>
-            <a:r>
-              <a:rPr lang="en-AU" sz="3500" b="1" dirty="0" smtClean="0"/>
-              <a:t>Coordinate systems</a:t>
-            </a:r>
-            <a:endParaRPr lang="en-US" sz="3500" b="1" dirty="0" smtClean="0"/>
           </a:p>
           <a:p>
             <a:pPr marL="1657350" lvl="2" indent="-742950">
@@ -8376,8 +10038,8 @@
         </p:nvSpPr>
         <p:spPr>
           <a:xfrm>
-            <a:off x="2884763" y="4267200"/>
-            <a:ext cx="223443" cy="228600"/>
+            <a:off x="2917273" y="4343400"/>
+            <a:ext cx="130727" cy="123974"/>
           </a:xfrm>
           <a:prstGeom prst="rect">
             <a:avLst/>
@@ -8654,7 +10316,6 @@
               <a:rPr lang="en-US" sz="2500" dirty="0" smtClean="0"/>
               <a:t>your screen dimensions</a:t>
             </a:r>
-            <a:endParaRPr lang="en-US" sz="2500" dirty="0" smtClean="0"/>
           </a:p>
           <a:p>
             <a:pPr marL="1657350" lvl="2" indent="-742950">

--- a/Programming 4/07.1 Manual Scrolling Tile Map/07.1 Manual Scrolling Tile Map.pptx
+++ b/Programming 4/07.1 Manual Scrolling Tile Map/07.1 Manual Scrolling Tile Map.pptx
@@ -228,7 +228,7 @@
           <a:p>
             <a:fld id="{5A5D9C48-5678-9443-958E-9EAAE3ED0F2B}" type="datetimeFigureOut">
               <a:rPr lang="en-US" smtClean="0"/>
-              <a:t>9/3/2019</a:t>
+              <a:t>9/5/19</a:t>
             </a:fld>
             <a:endParaRPr lang="en-US"/>
           </a:p>
@@ -544,6 +544,174 @@
               <a:buFont typeface="Arial" panose="020B0604020202020204" pitchFamily="34" charset="0"/>
               <a:buChar char="•"/>
             </a:pPr>
+            <a:r>
+              <a:rPr lang="en-NZ" dirty="0" smtClean="0"/>
+              <a:t>In most modern 2D games, the game world is larger than can be displayed in a single screen</a:t>
+            </a:r>
+          </a:p>
+          <a:p>
+            <a:pPr marL="171450" indent="-171450">
+              <a:buFont typeface="Arial" panose="020B0604020202020204" pitchFamily="34" charset="0"/>
+              <a:buChar char="•"/>
+            </a:pPr>
+            <a:endParaRPr lang="en-NZ" dirty="0" smtClean="0"/>
+          </a:p>
+          <a:p>
+            <a:pPr marL="171450" indent="-171450">
+              <a:buFont typeface="Arial" panose="020B0604020202020204" pitchFamily="34" charset="0"/>
+              <a:buChar char="•"/>
+            </a:pPr>
+            <a:r>
+              <a:rPr lang="en-NZ" dirty="0" smtClean="0"/>
+              <a:t>The screen displays just a portion of the world, and during game play, in response to movement of a player character (in, e.g. RPGs) or in response to manual navigation by the player (in e.g. city builders), that portion changes</a:t>
+            </a:r>
+          </a:p>
+          <a:p>
+            <a:pPr marL="171450" indent="-171450">
+              <a:buFont typeface="Arial" panose="020B0604020202020204" pitchFamily="34" charset="0"/>
+              <a:buChar char="•"/>
+            </a:pPr>
+            <a:endParaRPr lang="en-NZ" dirty="0" smtClean="0"/>
+          </a:p>
+          <a:p>
+            <a:pPr marL="171450" indent="-171450">
+              <a:buFont typeface="Arial" panose="020B0604020202020204" pitchFamily="34" charset="0"/>
+              <a:buChar char="•"/>
+            </a:pPr>
+            <a:r>
+              <a:rPr lang="en-NZ" dirty="0" smtClean="0"/>
+              <a:t>This movement is called scrolling</a:t>
+            </a:r>
+            <a:br>
+              <a:rPr lang="en-NZ" dirty="0" smtClean="0"/>
+            </a:br>
+            <a:endParaRPr lang="en-NZ" dirty="0" smtClean="0"/>
+          </a:p>
+          <a:p>
+            <a:pPr marL="171450" indent="-171450">
+              <a:buFont typeface="Arial" panose="020B0604020202020204" pitchFamily="34" charset="0"/>
+              <a:buChar char="•"/>
+            </a:pPr>
+            <a:r>
+              <a:rPr lang="en-NZ" dirty="0" smtClean="0"/>
+              <a:t>In a scrolling game, the Tile Mapping technique is the same, except the map is bigger than the screen</a:t>
+            </a:r>
+            <a:br>
+              <a:rPr lang="en-NZ" dirty="0" smtClean="0"/>
+            </a:br>
+            <a:endParaRPr lang="en-NZ" dirty="0" smtClean="0"/>
+          </a:p>
+          <a:p>
+            <a:pPr marL="171450" indent="-171450">
+              <a:buFont typeface="Arial" panose="020B0604020202020204" pitchFamily="34" charset="0"/>
+              <a:buChar char="•"/>
+            </a:pPr>
+            <a:r>
+              <a:rPr lang="en-NZ" dirty="0" smtClean="0"/>
+              <a:t>We think of the area that shows on the screen as being seen through a viewport, that slides around</a:t>
+            </a:r>
+            <a:br>
+              <a:rPr lang="en-NZ" dirty="0" smtClean="0"/>
+            </a:br>
+            <a:endParaRPr lang="en-NZ" dirty="0" smtClean="0"/>
+          </a:p>
+          <a:p>
+            <a:pPr marL="171450" indent="-171450">
+              <a:buFont typeface="Arial" panose="020B0604020202020204" pitchFamily="34" charset="0"/>
+              <a:buChar char="•"/>
+            </a:pPr>
+            <a:r>
+              <a:rPr lang="en-NZ" dirty="0" smtClean="0"/>
+              <a:t>When there is a player character, the viewport is usually positioned so that the player is in the centre as it moves (i.e. it follows the player character around)</a:t>
+            </a:r>
+            <a:br>
+              <a:rPr lang="en-NZ" dirty="0" smtClean="0"/>
+            </a:br>
+            <a:endParaRPr lang="en-NZ" dirty="0" smtClean="0"/>
+          </a:p>
+          <a:p>
+            <a:pPr marL="171450" indent="-171450">
+              <a:buFont typeface="Arial" panose="020B0604020202020204" pitchFamily="34" charset="0"/>
+              <a:buChar char="•"/>
+            </a:pPr>
+            <a:r>
+              <a:rPr lang="en-NZ" dirty="0" smtClean="0"/>
+              <a:t>Implementing scrolling is complicated. It requires management of even more coordinate spaces, and there is some maths. Therefore, we approach it in a couple of stages</a:t>
+            </a:r>
+          </a:p>
+          <a:p>
+            <a:pPr marL="171450" indent="-171450">
+              <a:buFont typeface="Arial" panose="020B0604020202020204" pitchFamily="34" charset="0"/>
+              <a:buChar char="•"/>
+            </a:pPr>
+            <a:endParaRPr lang="en-NZ" dirty="0" smtClean="0"/>
+          </a:p>
+          <a:p>
+            <a:pPr marL="171450" indent="-171450">
+              <a:buFont typeface="Arial" panose="020B0604020202020204" pitchFamily="34" charset="0"/>
+              <a:buChar char="•"/>
+            </a:pPr>
+            <a:r>
+              <a:rPr lang="en-NZ" dirty="0" smtClean="0"/>
+              <a:t>We will first talk about the core mechanics and computation of scrolling</a:t>
+            </a:r>
+          </a:p>
+          <a:p>
+            <a:pPr marL="171450" indent="-171450">
+              <a:buFont typeface="Arial" panose="020B0604020202020204" pitchFamily="34" charset="0"/>
+              <a:buChar char="•"/>
+            </a:pPr>
+            <a:endParaRPr lang="en-NZ" dirty="0" smtClean="0"/>
+          </a:p>
+          <a:p>
+            <a:pPr marL="171450" indent="-171450">
+              <a:buFont typeface="Arial" panose="020B0604020202020204" pitchFamily="34" charset="0"/>
+              <a:buChar char="•"/>
+            </a:pPr>
+            <a:r>
+              <a:rPr lang="en-NZ" dirty="0" smtClean="0"/>
+              <a:t>Then we will look at manual scrolling</a:t>
+            </a:r>
+          </a:p>
+          <a:p>
+            <a:pPr marL="171450" indent="-171450">
+              <a:buFont typeface="Arial" panose="020B0604020202020204" pitchFamily="34" charset="0"/>
+              <a:buChar char="•"/>
+            </a:pPr>
+            <a:endParaRPr lang="en-NZ" dirty="0" smtClean="0"/>
+          </a:p>
+          <a:p>
+            <a:pPr marL="171450" indent="-171450">
+              <a:buFont typeface="Arial" panose="020B0604020202020204" pitchFamily="34" charset="0"/>
+              <a:buChar char="•"/>
+            </a:pPr>
+            <a:r>
+              <a:rPr lang="en-NZ" dirty="0" smtClean="0"/>
+              <a:t>Then we will look at how to scroll around a moving player character</a:t>
+            </a:r>
+          </a:p>
+          <a:p>
+            <a:pPr marL="171450" indent="-171450">
+              <a:buFont typeface="Arial" panose="020B0604020202020204" pitchFamily="34" charset="0"/>
+              <a:buChar char="•"/>
+            </a:pPr>
+            <a:endParaRPr lang="en-NZ" dirty="0" smtClean="0"/>
+          </a:p>
+          <a:p>
+            <a:pPr marL="171450" indent="-171450">
+              <a:buFont typeface="Arial" panose="020B0604020202020204" pitchFamily="34" charset="0"/>
+              <a:buChar char="•"/>
+            </a:pPr>
+            <a:r>
+              <a:rPr lang="en-NZ" dirty="0" smtClean="0"/>
+              <a:t>Finally, we will add sprites to the map – they must appear only when their portion of the world is visible</a:t>
+            </a:r>
+          </a:p>
+          <a:p>
+            <a:pPr marL="171450" indent="-171450">
+              <a:buFont typeface="Arial" panose="020B0604020202020204" pitchFamily="34" charset="0"/>
+              <a:buChar char="•"/>
+            </a:pPr>
             <a:endParaRPr lang="en-NZ" dirty="0" smtClean="0"/>
           </a:p>
         </p:txBody>
@@ -629,6 +797,90 @@
           <a:lstStyle/>
           <a:p>
             <a:pPr marL="171450" indent="-171450">
+              <a:buFont typeface="Arial" charset="0"/>
+              <a:buChar char="•"/>
+            </a:pPr>
+            <a:r>
+              <a:rPr lang="en-US" sz="1200" kern="1200" dirty="0" smtClean="0">
+                <a:solidFill>
+                  <a:schemeClr val="tx1"/>
+                </a:solidFill>
+                <a:effectLst/>
+                <a:latin typeface="+mn-lt"/>
+                <a:ea typeface="+mn-ea"/>
+                <a:cs typeface="+mn-cs"/>
+              </a:rPr>
+              <a:t>We will need more methods as we go. These are to get started with manual movement</a:t>
+            </a:r>
+          </a:p>
+          <a:p>
+            <a:pPr marL="171450" indent="-171450">
+              <a:buFont typeface="Arial" charset="0"/>
+              <a:buChar char="•"/>
+            </a:pPr>
+            <a:endParaRPr lang="en-US" sz="1200" kern="1200" dirty="0" smtClean="0">
+              <a:solidFill>
+                <a:schemeClr val="tx1"/>
+              </a:solidFill>
+              <a:effectLst/>
+              <a:latin typeface="+mn-lt"/>
+              <a:ea typeface="+mn-ea"/>
+              <a:cs typeface="+mn-cs"/>
+            </a:endParaRPr>
+          </a:p>
+          <a:p>
+            <a:pPr marL="171450" indent="-171450">
+              <a:buFont typeface="Arial" charset="0"/>
+              <a:buChar char="•"/>
+            </a:pPr>
+            <a:r>
+              <a:rPr lang="en-US" sz="1200" kern="1200" dirty="0" smtClean="0">
+                <a:solidFill>
+                  <a:schemeClr val="tx1"/>
+                </a:solidFill>
+                <a:effectLst/>
+                <a:latin typeface="+mn-lt"/>
+                <a:ea typeface="+mn-ea"/>
+                <a:cs typeface="+mn-cs"/>
+              </a:rPr>
+              <a:t>Here we pass the distance to move into the move method as arguments</a:t>
+            </a:r>
+          </a:p>
+          <a:p>
+            <a:pPr marL="171450" indent="-171450">
+              <a:buFont typeface="Arial" charset="0"/>
+              <a:buChar char="•"/>
+            </a:pPr>
+            <a:endParaRPr lang="en-US" sz="1200" kern="1200" dirty="0" smtClean="0">
+              <a:solidFill>
+                <a:schemeClr val="tx1"/>
+              </a:solidFill>
+              <a:effectLst/>
+              <a:latin typeface="+mn-lt"/>
+              <a:ea typeface="+mn-ea"/>
+              <a:cs typeface="+mn-cs"/>
+            </a:endParaRPr>
+          </a:p>
+          <a:p>
+            <a:pPr marL="171450" indent="-171450">
+              <a:buFont typeface="Arial" charset="0"/>
+              <a:buChar char="•"/>
+            </a:pPr>
+            <a:r>
+              <a:rPr lang="en-US" sz="1200" kern="1200" dirty="0" smtClean="0">
+                <a:solidFill>
+                  <a:schemeClr val="tx1"/>
+                </a:solidFill>
+                <a:effectLst/>
+                <a:latin typeface="+mn-lt"/>
+                <a:ea typeface="+mn-ea"/>
+                <a:cs typeface="+mn-cs"/>
+              </a:rPr>
+              <a:t>You could also give the Viewport x and y velocities</a:t>
+            </a:r>
+          </a:p>
+          <a:p>
+            <a:pPr marL="171450" indent="-171450">
               <a:buFont typeface="Arial" panose="020B0604020202020204" pitchFamily="34" charset="0"/>
               <a:buChar char="•"/>
             </a:pPr>
@@ -805,6 +1057,147 @@
           <a:lstStyle/>
           <a:p>
             <a:pPr marL="171450" indent="-171450">
+              <a:buFont typeface="Arial" charset="0"/>
+              <a:buChar char="•"/>
+            </a:pPr>
+            <a:r>
+              <a:rPr lang="en-US" sz="1200" kern="1200" dirty="0" smtClean="0">
+                <a:solidFill>
+                  <a:schemeClr val="tx1"/>
+                </a:solidFill>
+                <a:effectLst/>
+                <a:latin typeface="+mn-lt"/>
+                <a:ea typeface="+mn-ea"/>
+                <a:cs typeface="+mn-cs"/>
+              </a:rPr>
+              <a:t>In a more code-like format</a:t>
+            </a:r>
+          </a:p>
+          <a:p>
+            <a:pPr marL="171450" indent="-171450">
+              <a:buFont typeface="Arial" charset="0"/>
+              <a:buChar char="•"/>
+            </a:pPr>
+            <a:endParaRPr lang="en-US" sz="1200" kern="1200" dirty="0" smtClean="0">
+              <a:solidFill>
+                <a:schemeClr val="tx1"/>
+              </a:solidFill>
+              <a:effectLst/>
+              <a:latin typeface="+mn-lt"/>
+              <a:ea typeface="+mn-ea"/>
+              <a:cs typeface="+mn-cs"/>
+            </a:endParaRPr>
+          </a:p>
+          <a:p>
+            <a:pPr marL="171450" indent="-171450">
+              <a:buFont typeface="Arial" charset="0"/>
+              <a:buChar char="•"/>
+            </a:pPr>
+            <a:r>
+              <a:rPr lang="en-US" sz="1200" kern="1200" dirty="0" smtClean="0">
+                <a:solidFill>
+                  <a:schemeClr val="tx1"/>
+                </a:solidFill>
+                <a:effectLst/>
+                <a:latin typeface="+mn-lt"/>
+                <a:ea typeface="+mn-ea"/>
+                <a:cs typeface="+mn-cs"/>
+              </a:rPr>
+              <a:t>So there are three things we must do:</a:t>
+            </a:r>
+          </a:p>
+          <a:p>
+            <a:pPr marL="628650" lvl="1" indent="-171450">
+              <a:buFont typeface="Arial" charset="0"/>
+              <a:buChar char="•"/>
+            </a:pPr>
+            <a:r>
+              <a:rPr lang="en-US" sz="1200" kern="1200" dirty="0" smtClean="0">
+                <a:solidFill>
+                  <a:schemeClr val="tx1"/>
+                </a:solidFill>
+                <a:effectLst/>
+                <a:latin typeface="+mn-lt"/>
+                <a:ea typeface="+mn-ea"/>
+                <a:cs typeface="+mn-cs"/>
+              </a:rPr>
+              <a:t>Figure out where in the world tile map to start</a:t>
+            </a:r>
+          </a:p>
+          <a:p>
+            <a:pPr marL="628650" lvl="1" indent="-171450">
+              <a:buFont typeface="Arial" charset="0"/>
+              <a:buChar char="•"/>
+            </a:pPr>
+            <a:r>
+              <a:rPr lang="en-US" sz="1200" kern="1200" dirty="0" smtClean="0">
+                <a:solidFill>
+                  <a:schemeClr val="tx1"/>
+                </a:solidFill>
+                <a:effectLst/>
+                <a:latin typeface="+mn-lt"/>
+                <a:ea typeface="+mn-ea"/>
+                <a:cs typeface="+mn-cs"/>
+              </a:rPr>
+              <a:t>Get each corresponding tile bitmap</a:t>
+            </a:r>
+          </a:p>
+          <a:p>
+            <a:pPr marL="628650" lvl="1" indent="-171450">
+              <a:buFont typeface="Arial" charset="0"/>
+              <a:buChar char="•"/>
+            </a:pPr>
+            <a:r>
+              <a:rPr lang="en-US" sz="1200" kern="1200" dirty="0" smtClean="0">
+                <a:solidFill>
+                  <a:schemeClr val="tx1"/>
+                </a:solidFill>
+                <a:effectLst/>
+                <a:latin typeface="+mn-lt"/>
+                <a:ea typeface="+mn-ea"/>
+                <a:cs typeface="+mn-cs"/>
+              </a:rPr>
+              <a:t>Figure out where to draw it with DrawImage</a:t>
+            </a:r>
+          </a:p>
+          <a:p>
+            <a:endParaRPr lang="en-US" sz="1200" kern="1200" dirty="0" smtClean="0">
+              <a:solidFill>
+                <a:schemeClr val="tx1"/>
+              </a:solidFill>
+              <a:effectLst/>
+              <a:latin typeface="+mn-lt"/>
+              <a:ea typeface="+mn-ea"/>
+              <a:cs typeface="+mn-cs"/>
+            </a:endParaRPr>
+          </a:p>
+          <a:p>
+            <a:pPr marL="171450" indent="-171450">
+              <a:buFont typeface="Arial" charset="0"/>
+              <a:buChar char="•"/>
+            </a:pPr>
+            <a:r>
+              <a:rPr lang="en-US" sz="1200" kern="1200" dirty="0" smtClean="0">
+                <a:solidFill>
+                  <a:schemeClr val="tx1"/>
+                </a:solidFill>
+                <a:effectLst/>
+                <a:latin typeface="+mn-lt"/>
+                <a:ea typeface="+mn-ea"/>
+                <a:cs typeface="+mn-cs"/>
+              </a:rPr>
+              <a:t>We will talk generally about the logic of each step in turn – there is more detail in the handout</a:t>
+            </a:r>
+          </a:p>
+          <a:p>
+            <a:pPr marL="171450" indent="-171450">
+              <a:buFont typeface="Arial" panose="020B0604020202020204" pitchFamily="34" charset="0"/>
+              <a:buChar char="•"/>
+            </a:pPr>
+            <a:endParaRPr lang="en-NZ" dirty="0" smtClean="0"/>
+          </a:p>
+          <a:p>
+            <a:pPr marL="171450" indent="-171450">
               <a:buFont typeface="Arial" panose="020B0604020202020204" pitchFamily="34" charset="0"/>
               <a:buChar char="•"/>
             </a:pPr>
@@ -893,10 +1286,108 @@
           <a:lstStyle/>
           <a:p>
             <a:pPr marL="171450" indent="-171450">
-              <a:buFont typeface="Arial" panose="020B0604020202020204" pitchFamily="34" charset="0"/>
-              <a:buChar char="•"/>
-            </a:pPr>
-            <a:endParaRPr lang="en-NZ" dirty="0" smtClean="0"/>
+              <a:buFont typeface="Arial" charset="0"/>
+              <a:buChar char="•"/>
+            </a:pPr>
+            <a:r>
+              <a:rPr lang="en-US" sz="1200" kern="1200" dirty="0" smtClean="0">
+                <a:solidFill>
+                  <a:schemeClr val="tx1"/>
+                </a:solidFill>
+                <a:effectLst/>
+                <a:latin typeface="+mn-lt"/>
+                <a:ea typeface="+mn-ea"/>
+                <a:cs typeface="+mn-cs"/>
+              </a:rPr>
+              <a:t>The Viewport stores its pixel location, not its tile location. This allows us to take steps smaller than one tile in size, which is necessary for smooth scrolling</a:t>
+            </a:r>
+          </a:p>
+          <a:p>
+            <a:pPr marL="171450" indent="-171450">
+              <a:buFont typeface="Arial" charset="0"/>
+              <a:buChar char="•"/>
+            </a:pPr>
+            <a:endParaRPr lang="en-US" sz="1200" kern="1200" dirty="0" smtClean="0">
+              <a:solidFill>
+                <a:schemeClr val="tx1"/>
+              </a:solidFill>
+              <a:effectLst/>
+              <a:latin typeface="+mn-lt"/>
+              <a:ea typeface="+mn-ea"/>
+              <a:cs typeface="+mn-cs"/>
+            </a:endParaRPr>
+          </a:p>
+          <a:p>
+            <a:pPr marL="171450" indent="-171450">
+              <a:buFont typeface="Arial" charset="0"/>
+              <a:buChar char="•"/>
+            </a:pPr>
+            <a:r>
+              <a:rPr lang="en-US" sz="1200" kern="1200" dirty="0" smtClean="0">
+                <a:solidFill>
+                  <a:schemeClr val="tx1"/>
+                </a:solidFill>
+                <a:effectLst/>
+                <a:latin typeface="+mn-lt"/>
+                <a:ea typeface="+mn-ea"/>
+                <a:cs typeface="+mn-cs"/>
+              </a:rPr>
+              <a:t>Imagine what it would look like if the game had to move 32 or 64 pixels at a time – very jumpy</a:t>
+            </a:r>
+          </a:p>
+          <a:p>
+            <a:pPr marL="171450" indent="-171450">
+              <a:buFont typeface="Arial" charset="0"/>
+              <a:buChar char="•"/>
+            </a:pPr>
+            <a:endParaRPr lang="en-US" sz="1200" kern="1200" dirty="0" smtClean="0">
+              <a:solidFill>
+                <a:schemeClr val="tx1"/>
+              </a:solidFill>
+              <a:effectLst/>
+              <a:latin typeface="+mn-lt"/>
+              <a:ea typeface="+mn-ea"/>
+              <a:cs typeface="+mn-cs"/>
+            </a:endParaRPr>
+          </a:p>
+          <a:p>
+            <a:pPr marL="171450" indent="-171450">
+              <a:buFont typeface="Arial" charset="0"/>
+              <a:buChar char="•"/>
+            </a:pPr>
+            <a:r>
+              <a:rPr lang="en-US" sz="1200" kern="1200" dirty="0" smtClean="0">
+                <a:solidFill>
+                  <a:schemeClr val="tx1"/>
+                </a:solidFill>
+                <a:effectLst/>
+                <a:latin typeface="+mn-lt"/>
+                <a:ea typeface="+mn-ea"/>
+                <a:cs typeface="+mn-cs"/>
+              </a:rPr>
+              <a:t>This requires </a:t>
+            </a:r>
+            <a:r>
+              <a:rPr lang="en-US" sz="1200" kern="1200" dirty="0" err="1" smtClean="0">
+                <a:solidFill>
+                  <a:schemeClr val="tx1"/>
+                </a:solidFill>
+                <a:effectLst/>
+                <a:latin typeface="+mn-lt"/>
+                <a:ea typeface="+mn-ea"/>
+                <a:cs typeface="+mn-cs"/>
+              </a:rPr>
+              <a:t>maths</a:t>
+            </a:r>
+            <a:endParaRPr lang="en-US" sz="1200" kern="1200" dirty="0" smtClean="0">
+              <a:solidFill>
+                <a:schemeClr val="tx1"/>
+              </a:solidFill>
+              <a:effectLst/>
+              <a:latin typeface="+mn-lt"/>
+              <a:ea typeface="+mn-ea"/>
+              <a:cs typeface="+mn-cs"/>
+            </a:endParaRPr>
           </a:p>
         </p:txBody>
       </p:sp>
@@ -1333,10 +1824,423 @@
           <a:lstStyle/>
           <a:p>
             <a:pPr marL="171450" indent="-171450">
-              <a:buFont typeface="Arial" panose="020B0604020202020204" pitchFamily="34" charset="0"/>
-              <a:buChar char="•"/>
-            </a:pPr>
-            <a:endParaRPr lang="en-NZ" dirty="0" smtClean="0"/>
+              <a:buFont typeface="Arial" charset="0"/>
+              <a:buChar char="•"/>
+            </a:pPr>
+            <a:r>
+              <a:rPr lang="en-US" sz="1200" kern="1200" dirty="0" smtClean="0">
+                <a:solidFill>
+                  <a:schemeClr val="tx1"/>
+                </a:solidFill>
+                <a:effectLst/>
+                <a:latin typeface="+mn-lt"/>
+                <a:ea typeface="+mn-ea"/>
+                <a:cs typeface="+mn-cs"/>
+              </a:rPr>
+              <a:t>As discussed on the preceding slide...</a:t>
+            </a:r>
+            <a:br>
+              <a:rPr lang="en-US" sz="1200" kern="1200" dirty="0" smtClean="0">
+                <a:solidFill>
+                  <a:schemeClr val="tx1"/>
+                </a:solidFill>
+                <a:effectLst/>
+                <a:latin typeface="+mn-lt"/>
+                <a:ea typeface="+mn-ea"/>
+                <a:cs typeface="+mn-cs"/>
+              </a:rPr>
+            </a:br>
+            <a:endParaRPr lang="en-US" sz="1200" kern="1200" dirty="0" smtClean="0">
+              <a:solidFill>
+                <a:schemeClr val="tx1"/>
+              </a:solidFill>
+              <a:effectLst/>
+              <a:latin typeface="+mn-lt"/>
+              <a:ea typeface="+mn-ea"/>
+              <a:cs typeface="+mn-cs"/>
+            </a:endParaRPr>
+          </a:p>
+          <a:p>
+            <a:pPr marL="171450" indent="-171450">
+              <a:buFont typeface="Arial" charset="0"/>
+              <a:buChar char="•"/>
+            </a:pPr>
+            <a:r>
+              <a:rPr lang="en-US" sz="1200" kern="1200" dirty="0" smtClean="0">
+                <a:solidFill>
+                  <a:schemeClr val="tx1"/>
+                </a:solidFill>
+                <a:effectLst/>
+                <a:latin typeface="+mn-lt"/>
+                <a:ea typeface="+mn-ea"/>
+                <a:cs typeface="+mn-cs"/>
+              </a:rPr>
+              <a:t>See any problem here? What if you’re not on a tile boundary? (Attempt to draw...)</a:t>
+            </a:r>
+          </a:p>
+          <a:p>
+            <a:pPr marL="171450" indent="-171450">
+              <a:buFont typeface="Arial" charset="0"/>
+              <a:buChar char="•"/>
+            </a:pPr>
+            <a:endParaRPr lang="en-US" sz="1200" kern="1200" dirty="0" smtClean="0">
+              <a:solidFill>
+                <a:schemeClr val="tx1"/>
+              </a:solidFill>
+              <a:effectLst/>
+              <a:latin typeface="+mn-lt"/>
+              <a:ea typeface="+mn-ea"/>
+              <a:cs typeface="+mn-cs"/>
+            </a:endParaRPr>
+          </a:p>
+          <a:p>
+            <a:pPr marL="171450" indent="-171450">
+              <a:buFont typeface="Arial" charset="0"/>
+              <a:buChar char="•"/>
+            </a:pPr>
+            <a:r>
+              <a:rPr lang="en-US" sz="1200" kern="1200" dirty="0" smtClean="0">
+                <a:solidFill>
+                  <a:schemeClr val="tx1"/>
+                </a:solidFill>
+                <a:effectLst/>
+                <a:latin typeface="+mn-lt"/>
+                <a:ea typeface="+mn-ea"/>
+                <a:cs typeface="+mn-cs"/>
+              </a:rPr>
+              <a:t>For example, your tiles might be 32 pixels, but your player character has a velocity of 5</a:t>
+            </a:r>
+          </a:p>
+          <a:p>
+            <a:pPr marL="171450" indent="-171450">
+              <a:buFont typeface="Arial" charset="0"/>
+              <a:buChar char="•"/>
+            </a:pPr>
+            <a:endParaRPr lang="en-US" sz="1200" kern="1200" dirty="0" smtClean="0">
+              <a:solidFill>
+                <a:schemeClr val="tx1"/>
+              </a:solidFill>
+              <a:effectLst/>
+              <a:latin typeface="+mn-lt"/>
+              <a:ea typeface="+mn-ea"/>
+              <a:cs typeface="+mn-cs"/>
+            </a:endParaRPr>
+          </a:p>
+          <a:p>
+            <a:pPr marL="171450" indent="-171450">
+              <a:buFont typeface="Arial" charset="0"/>
+              <a:buChar char="•"/>
+            </a:pPr>
+            <a:r>
+              <a:rPr lang="en-US" sz="1200" kern="1200" dirty="0" smtClean="0">
+                <a:solidFill>
+                  <a:schemeClr val="tx1"/>
+                </a:solidFill>
+                <a:effectLst/>
+                <a:latin typeface="+mn-lt"/>
+                <a:ea typeface="+mn-ea"/>
+                <a:cs typeface="+mn-cs"/>
+              </a:rPr>
+              <a:t>So you will need to be able to draw </a:t>
+            </a:r>
+            <a:r>
+              <a:rPr lang="en-US" sz="1200" b="1" kern="1200" dirty="0" smtClean="0">
+                <a:solidFill>
+                  <a:schemeClr val="tx1"/>
+                </a:solidFill>
+                <a:effectLst/>
+                <a:latin typeface="+mn-lt"/>
+                <a:ea typeface="+mn-ea"/>
+                <a:cs typeface="+mn-cs"/>
+              </a:rPr>
+              <a:t>partial tiles</a:t>
+            </a:r>
+          </a:p>
+          <a:p>
+            <a:pPr marL="171450" indent="-171450">
+              <a:buFont typeface="Arial" charset="0"/>
+              <a:buChar char="•"/>
+            </a:pPr>
+            <a:endParaRPr lang="en-US" sz="1200" kern="1200" dirty="0" smtClean="0">
+              <a:solidFill>
+                <a:schemeClr val="tx1"/>
+              </a:solidFill>
+              <a:effectLst/>
+              <a:latin typeface="+mn-lt"/>
+              <a:ea typeface="+mn-ea"/>
+              <a:cs typeface="+mn-cs"/>
+            </a:endParaRPr>
+          </a:p>
+          <a:p>
+            <a:pPr marL="171450" indent="-171450">
+              <a:buFont typeface="Arial" charset="0"/>
+              <a:buChar char="•"/>
+            </a:pPr>
+            <a:r>
+              <a:rPr lang="en-US" sz="1200" kern="1200" dirty="0" smtClean="0">
+                <a:solidFill>
+                  <a:schemeClr val="tx1"/>
+                </a:solidFill>
+                <a:effectLst/>
+                <a:latin typeface="+mn-lt"/>
+                <a:ea typeface="+mn-ea"/>
+                <a:cs typeface="+mn-cs"/>
+              </a:rPr>
+              <a:t>How many pixels are you from the edge? Location % </a:t>
+            </a:r>
+            <a:r>
+              <a:rPr lang="en-US" sz="1200" kern="1200" dirty="0" err="1" smtClean="0">
+                <a:solidFill>
+                  <a:schemeClr val="tx1"/>
+                </a:solidFill>
+                <a:effectLst/>
+                <a:latin typeface="+mn-lt"/>
+                <a:ea typeface="+mn-ea"/>
+                <a:cs typeface="+mn-cs"/>
+              </a:rPr>
+              <a:t>tileside</a:t>
+            </a:r>
+            <a:endParaRPr lang="en-US" sz="1200" kern="1200" dirty="0" smtClean="0">
+              <a:solidFill>
+                <a:schemeClr val="tx1"/>
+              </a:solidFill>
+              <a:effectLst/>
+              <a:latin typeface="+mn-lt"/>
+              <a:ea typeface="+mn-ea"/>
+              <a:cs typeface="+mn-cs"/>
+            </a:endParaRPr>
+          </a:p>
+          <a:p>
+            <a:pPr marL="171450" indent="-171450">
+              <a:buFont typeface="Arial" charset="0"/>
+              <a:buChar char="•"/>
+            </a:pPr>
+            <a:endParaRPr lang="en-US" sz="1200" kern="1200" dirty="0" smtClean="0">
+              <a:solidFill>
+                <a:schemeClr val="tx1"/>
+              </a:solidFill>
+              <a:effectLst/>
+              <a:latin typeface="+mn-lt"/>
+              <a:ea typeface="+mn-ea"/>
+              <a:cs typeface="+mn-cs"/>
+            </a:endParaRPr>
+          </a:p>
+          <a:p>
+            <a:pPr marL="171450" indent="-171450">
+              <a:buFont typeface="Arial" charset="0"/>
+              <a:buChar char="•"/>
+            </a:pPr>
+            <a:r>
+              <a:rPr lang="en-US" sz="1200" kern="1200" dirty="0" smtClean="0">
+                <a:solidFill>
+                  <a:schemeClr val="tx1"/>
+                </a:solidFill>
+                <a:effectLst/>
+                <a:latin typeface="+mn-lt"/>
+                <a:ea typeface="+mn-ea"/>
+                <a:cs typeface="+mn-cs"/>
+              </a:rPr>
+              <a:t>Shift to the left. You will start in the middle of a tile on the left hand edge of the screen, then draw a viewport’s worth of pixels. </a:t>
+            </a:r>
+          </a:p>
+          <a:p>
+            <a:pPr marL="171450" indent="-171450">
+              <a:buFont typeface="Arial" charset="0"/>
+              <a:buChar char="•"/>
+            </a:pPr>
+            <a:endParaRPr lang="en-US" sz="1200" kern="1200" dirty="0" smtClean="0">
+              <a:solidFill>
+                <a:schemeClr val="tx1"/>
+              </a:solidFill>
+              <a:effectLst/>
+              <a:latin typeface="+mn-lt"/>
+              <a:ea typeface="+mn-ea"/>
+              <a:cs typeface="+mn-cs"/>
+            </a:endParaRPr>
+          </a:p>
+          <a:p>
+            <a:pPr marL="171450" indent="-171450">
+              <a:buFont typeface="Arial" charset="0"/>
+              <a:buChar char="•"/>
+            </a:pPr>
+            <a:r>
+              <a:rPr lang="en-US" sz="1200" kern="1200" dirty="0" smtClean="0">
+                <a:solidFill>
+                  <a:schemeClr val="tx1"/>
+                </a:solidFill>
+                <a:effectLst/>
+                <a:latin typeface="+mn-lt"/>
+                <a:ea typeface="+mn-ea"/>
+                <a:cs typeface="+mn-cs"/>
+              </a:rPr>
+              <a:t>If the viewport needs to move 1 more pixel to the right, everything just shifts one pixel over</a:t>
+            </a:r>
+          </a:p>
+          <a:p>
+            <a:pPr marL="171450" indent="-171450">
+              <a:buFont typeface="Arial" charset="0"/>
+              <a:buChar char="•"/>
+            </a:pPr>
+            <a:endParaRPr lang="en-US" sz="1200" kern="1200" dirty="0" smtClean="0">
+              <a:solidFill>
+                <a:schemeClr val="tx1"/>
+              </a:solidFill>
+              <a:effectLst/>
+              <a:latin typeface="+mn-lt"/>
+              <a:ea typeface="+mn-ea"/>
+              <a:cs typeface="+mn-cs"/>
+            </a:endParaRPr>
+          </a:p>
+          <a:p>
+            <a:pPr marL="171450" indent="-171450">
+              <a:buFont typeface="Arial" charset="0"/>
+              <a:buChar char="•"/>
+            </a:pPr>
+            <a:r>
+              <a:rPr lang="en-US" sz="1200" kern="1200" dirty="0" smtClean="0">
+                <a:solidFill>
+                  <a:schemeClr val="tx1"/>
+                </a:solidFill>
+                <a:effectLst/>
+                <a:latin typeface="+mn-lt"/>
+                <a:ea typeface="+mn-ea"/>
+                <a:cs typeface="+mn-cs"/>
+              </a:rPr>
+              <a:t>Give your original DrawImage that negative pixel position. It’s quite happy to start drawing off the screen</a:t>
+            </a:r>
+          </a:p>
+          <a:p>
+            <a:pPr marL="171450" indent="-171450">
+              <a:buFont typeface="Arial" charset="0"/>
+              <a:buChar char="•"/>
+            </a:pPr>
+            <a:endParaRPr lang="en-US" sz="1200" kern="1200" dirty="0" smtClean="0">
+              <a:solidFill>
+                <a:schemeClr val="tx1"/>
+              </a:solidFill>
+              <a:effectLst/>
+              <a:latin typeface="+mn-lt"/>
+              <a:ea typeface="+mn-ea"/>
+              <a:cs typeface="+mn-cs"/>
+            </a:endParaRPr>
+          </a:p>
+          <a:p>
+            <a:pPr marL="171450" indent="-171450">
+              <a:buFont typeface="Arial" charset="0"/>
+              <a:buChar char="•"/>
+            </a:pPr>
+            <a:r>
+              <a:rPr lang="en-US" sz="1200" kern="1200" dirty="0" smtClean="0">
+                <a:solidFill>
+                  <a:schemeClr val="tx1"/>
+                </a:solidFill>
+                <a:effectLst/>
+                <a:latin typeface="+mn-lt"/>
+                <a:ea typeface="+mn-ea"/>
+                <a:cs typeface="+mn-cs"/>
+              </a:rPr>
+              <a:t>The visible pixels will start to appear at exactly the Viewport’s location in the world</a:t>
+            </a:r>
+          </a:p>
+          <a:p>
+            <a:endParaRPr lang="en-US" sz="1200" kern="1200" dirty="0" smtClean="0">
+              <a:solidFill>
+                <a:schemeClr val="tx1"/>
+              </a:solidFill>
+              <a:effectLst/>
+              <a:latin typeface="+mn-lt"/>
+              <a:ea typeface="+mn-ea"/>
+              <a:cs typeface="+mn-cs"/>
+            </a:endParaRPr>
+          </a:p>
+          <a:p>
+            <a:pPr marL="171450" indent="-171450">
+              <a:buFont typeface="Arial" charset="0"/>
+              <a:buChar char="•"/>
+            </a:pPr>
+            <a:r>
+              <a:rPr lang="en-US" sz="1200" kern="1200" dirty="0" smtClean="0">
+                <a:solidFill>
+                  <a:schemeClr val="tx1"/>
+                </a:solidFill>
+                <a:effectLst/>
+                <a:latin typeface="+mn-lt"/>
+                <a:ea typeface="+mn-ea"/>
+                <a:cs typeface="+mn-cs"/>
+              </a:rPr>
+              <a:t>And what about that “viewport’s worth of pixels”? If your Viewport is 100 pixels wide, your screen is 100 pixels wide. If you start at -10 and draw 100 pixels, you will only file 90 pixels of the screen</a:t>
+            </a:r>
+          </a:p>
+          <a:p>
+            <a:pPr marL="171450" indent="-171450">
+              <a:buFont typeface="Arial" charset="0"/>
+              <a:buChar char="•"/>
+            </a:pPr>
+            <a:endParaRPr lang="en-US" sz="1200" kern="1200" dirty="0" smtClean="0">
+              <a:solidFill>
+                <a:schemeClr val="tx1"/>
+              </a:solidFill>
+              <a:effectLst/>
+              <a:latin typeface="+mn-lt"/>
+              <a:ea typeface="+mn-ea"/>
+              <a:cs typeface="+mn-cs"/>
+            </a:endParaRPr>
+          </a:p>
+          <a:p>
+            <a:pPr marL="171450" indent="-171450">
+              <a:buFont typeface="Arial" charset="0"/>
+              <a:buChar char="•"/>
+            </a:pPr>
+            <a:r>
+              <a:rPr lang="en-US" sz="1200" kern="1200" dirty="0" smtClean="0">
+                <a:solidFill>
+                  <a:schemeClr val="tx1"/>
+                </a:solidFill>
+                <a:effectLst/>
+                <a:latin typeface="+mn-lt"/>
+                <a:ea typeface="+mn-ea"/>
+                <a:cs typeface="+mn-cs"/>
+              </a:rPr>
+              <a:t>What to do? =&gt; Go back and look at the double for. It runs one extra column and row</a:t>
+            </a:r>
+            <a:br>
+              <a:rPr lang="en-US" sz="1200" kern="1200" dirty="0" smtClean="0">
+                <a:solidFill>
+                  <a:schemeClr val="tx1"/>
+                </a:solidFill>
+                <a:effectLst/>
+                <a:latin typeface="+mn-lt"/>
+                <a:ea typeface="+mn-ea"/>
+                <a:cs typeface="+mn-cs"/>
+              </a:rPr>
+            </a:br>
+            <a:endParaRPr lang="en-US" sz="1200" kern="1200" dirty="0" smtClean="0">
+              <a:solidFill>
+                <a:schemeClr val="tx1"/>
+              </a:solidFill>
+              <a:effectLst/>
+              <a:latin typeface="+mn-lt"/>
+              <a:ea typeface="+mn-ea"/>
+              <a:cs typeface="+mn-cs"/>
+            </a:endParaRPr>
+          </a:p>
+          <a:p>
+            <a:pPr marL="171450" indent="-171450">
+              <a:buFont typeface="Arial" charset="0"/>
+              <a:buChar char="•"/>
+            </a:pPr>
+            <a:r>
+              <a:rPr lang="en-US" sz="1200" kern="1200" dirty="0" smtClean="0">
+                <a:solidFill>
+                  <a:schemeClr val="tx1"/>
+                </a:solidFill>
+                <a:effectLst/>
+                <a:latin typeface="+mn-lt"/>
+                <a:ea typeface="+mn-ea"/>
+                <a:cs typeface="+mn-cs"/>
+              </a:rPr>
+              <a:t>See handout for more discussion of the Viewport draw logic</a:t>
+            </a:r>
           </a:p>
         </p:txBody>
       </p:sp>
@@ -1685,10 +2589,125 @@
           <a:lstStyle/>
           <a:p>
             <a:pPr marL="171450" indent="-171450">
-              <a:buFont typeface="Arial" panose="020B0604020202020204" pitchFamily="34" charset="0"/>
-              <a:buChar char="•"/>
-            </a:pPr>
-            <a:endParaRPr lang="en-NZ" dirty="0" smtClean="0"/>
+              <a:buFont typeface="Arial" charset="0"/>
+              <a:buChar char="•"/>
+            </a:pPr>
+            <a:r>
+              <a:rPr lang="en-US" sz="1200" kern="1200" dirty="0" smtClean="0">
+                <a:solidFill>
+                  <a:schemeClr val="tx1"/>
+                </a:solidFill>
+                <a:effectLst/>
+                <a:latin typeface="+mn-lt"/>
+                <a:ea typeface="+mn-ea"/>
+                <a:cs typeface="+mn-cs"/>
+              </a:rPr>
+              <a:t>Using Super Mario Bros (Original NES version) as an example</a:t>
+            </a:r>
+          </a:p>
+          <a:p>
+            <a:pPr marL="171450" indent="-171450">
+              <a:buFont typeface="Arial" charset="0"/>
+              <a:buChar char="•"/>
+            </a:pPr>
+            <a:endParaRPr lang="en-US" sz="1200" kern="1200" dirty="0" smtClean="0">
+              <a:solidFill>
+                <a:schemeClr val="tx1"/>
+              </a:solidFill>
+              <a:effectLst/>
+              <a:latin typeface="+mn-lt"/>
+              <a:ea typeface="+mn-ea"/>
+              <a:cs typeface="+mn-cs"/>
+            </a:endParaRPr>
+          </a:p>
+          <a:p>
+            <a:pPr marL="171450" indent="-171450">
+              <a:buFont typeface="Arial" charset="0"/>
+              <a:buChar char="•"/>
+            </a:pPr>
+            <a:r>
+              <a:rPr lang="en-US" sz="1200" kern="1200" dirty="0" smtClean="0">
+                <a:solidFill>
+                  <a:schemeClr val="tx1"/>
+                </a:solidFill>
+                <a:effectLst/>
+                <a:latin typeface="+mn-lt"/>
+                <a:ea typeface="+mn-ea"/>
+                <a:cs typeface="+mn-cs"/>
+              </a:rPr>
+              <a:t>SMB uses 16x16 pixel tiles, but everything here applies to any tile size</a:t>
+            </a:r>
+          </a:p>
+          <a:p>
+            <a:pPr marL="171450" indent="-171450">
+              <a:buFont typeface="Arial" charset="0"/>
+              <a:buChar char="•"/>
+            </a:pPr>
+            <a:endParaRPr lang="en-US" sz="1200" kern="1200" dirty="0" smtClean="0">
+              <a:solidFill>
+                <a:schemeClr val="tx1"/>
+              </a:solidFill>
+              <a:effectLst/>
+              <a:latin typeface="+mn-lt"/>
+              <a:ea typeface="+mn-ea"/>
+              <a:cs typeface="+mn-cs"/>
+            </a:endParaRPr>
+          </a:p>
+          <a:p>
+            <a:pPr marL="171450" indent="-171450">
+              <a:buFont typeface="Arial" charset="0"/>
+              <a:buChar char="•"/>
+            </a:pPr>
+            <a:r>
+              <a:rPr lang="en-US" sz="1200" kern="1200" dirty="0" smtClean="0">
+                <a:solidFill>
+                  <a:schemeClr val="tx1"/>
+                </a:solidFill>
+                <a:effectLst/>
+                <a:latin typeface="+mn-lt"/>
+                <a:ea typeface="+mn-ea"/>
+                <a:cs typeface="+mn-cs"/>
+              </a:rPr>
+              <a:t>SMB uses a world that is very wide, but only one screen high. Again, everything here applies to games with large worlds in both dimensions. You just need to extend to the y-axis</a:t>
+            </a:r>
+            <a:br>
+              <a:rPr lang="en-US" sz="1200" kern="1200" dirty="0" smtClean="0">
+                <a:solidFill>
+                  <a:schemeClr val="tx1"/>
+                </a:solidFill>
+                <a:effectLst/>
+                <a:latin typeface="+mn-lt"/>
+                <a:ea typeface="+mn-ea"/>
+                <a:cs typeface="+mn-cs"/>
+              </a:rPr>
+            </a:br>
+            <a:endParaRPr lang="en-US" sz="1200" kern="1200" dirty="0" smtClean="0">
+              <a:solidFill>
+                <a:schemeClr val="tx1"/>
+              </a:solidFill>
+              <a:effectLst/>
+              <a:latin typeface="+mn-lt"/>
+              <a:ea typeface="+mn-ea"/>
+              <a:cs typeface="+mn-cs"/>
+            </a:endParaRPr>
+          </a:p>
+          <a:p>
+            <a:pPr marL="171450" indent="-171450">
+              <a:buFont typeface="Arial" charset="0"/>
+              <a:buChar char="•"/>
+            </a:pPr>
+            <a:r>
+              <a:rPr lang="en-US" sz="1200" kern="1200" dirty="0" smtClean="0">
+                <a:solidFill>
+                  <a:schemeClr val="tx1"/>
+                </a:solidFill>
+                <a:effectLst/>
+                <a:latin typeface="+mn-lt"/>
+                <a:ea typeface="+mn-ea"/>
+                <a:cs typeface="+mn-cs"/>
+              </a:rPr>
+              <a:t>This image shows the whole world for one level. It is 211 tiles wide</a:t>
+            </a:r>
           </a:p>
         </p:txBody>
       </p:sp>
@@ -1776,6 +2795,222 @@
               <a:buFont typeface="Arial" charset="0"/>
               <a:buChar char="•"/>
             </a:pPr>
+            <a:r>
+              <a:rPr lang="en-US" sz="1200" kern="1200" dirty="0" smtClean="0">
+                <a:solidFill>
+                  <a:schemeClr val="tx1"/>
+                </a:solidFill>
+                <a:effectLst/>
+                <a:latin typeface="+mn-lt"/>
+                <a:ea typeface="+mn-ea"/>
+                <a:cs typeface="+mn-cs"/>
+              </a:rPr>
+              <a:t>The player only sees a screen at a time, 18 tiles wide (of the total 211) by 14 tiles high</a:t>
+            </a:r>
+          </a:p>
+          <a:p>
+            <a:pPr marL="171450" indent="-171450">
+              <a:buFont typeface="Arial" charset="0"/>
+              <a:buChar char="•"/>
+            </a:pPr>
+            <a:endParaRPr lang="en-US" sz="1200" kern="1200" dirty="0" smtClean="0">
+              <a:solidFill>
+                <a:schemeClr val="tx1"/>
+              </a:solidFill>
+              <a:effectLst/>
+              <a:latin typeface="+mn-lt"/>
+              <a:ea typeface="+mn-ea"/>
+              <a:cs typeface="+mn-cs"/>
+            </a:endParaRPr>
+          </a:p>
+          <a:p>
+            <a:pPr marL="171450" indent="-171450">
+              <a:buFont typeface="Arial" charset="0"/>
+              <a:buChar char="•"/>
+            </a:pPr>
+            <a:r>
+              <a:rPr lang="en-US" sz="1200" kern="1200" dirty="0" smtClean="0">
+                <a:solidFill>
+                  <a:schemeClr val="tx1"/>
+                </a:solidFill>
+                <a:effectLst/>
+                <a:latin typeface="+mn-lt"/>
+                <a:ea typeface="+mn-ea"/>
+                <a:cs typeface="+mn-cs"/>
+              </a:rPr>
+              <a:t>This is the “viewport”</a:t>
+            </a:r>
+          </a:p>
+          <a:p>
+            <a:pPr marL="171450" indent="-171450">
+              <a:buFont typeface="Arial" charset="0"/>
+              <a:buChar char="•"/>
+            </a:pPr>
+            <a:endParaRPr lang="en-US" sz="1200" kern="1200" dirty="0" smtClean="0">
+              <a:solidFill>
+                <a:schemeClr val="tx1"/>
+              </a:solidFill>
+              <a:effectLst/>
+              <a:latin typeface="+mn-lt"/>
+              <a:ea typeface="+mn-ea"/>
+              <a:cs typeface="+mn-cs"/>
+            </a:endParaRPr>
+          </a:p>
+          <a:p>
+            <a:pPr marL="171450" indent="-171450">
+              <a:buFont typeface="Arial" charset="0"/>
+              <a:buChar char="•"/>
+            </a:pPr>
+            <a:r>
+              <a:rPr lang="en-US" sz="1200" kern="1200" dirty="0" smtClean="0">
+                <a:solidFill>
+                  <a:schemeClr val="tx1"/>
+                </a:solidFill>
+                <a:effectLst/>
+                <a:latin typeface="+mn-lt"/>
+                <a:ea typeface="+mn-ea"/>
+                <a:cs typeface="+mn-cs"/>
+              </a:rPr>
+              <a:t>As the player character is moved, the tiles drawn to the screen change to show what part of the world the player character is standing in</a:t>
+            </a:r>
+          </a:p>
+          <a:p>
+            <a:pPr marL="171450" indent="-171450">
+              <a:buFont typeface="Arial" charset="0"/>
+              <a:buChar char="•"/>
+            </a:pPr>
+            <a:endParaRPr lang="en-US" sz="1200" kern="1200" dirty="0" smtClean="0">
+              <a:solidFill>
+                <a:schemeClr val="tx1"/>
+              </a:solidFill>
+              <a:effectLst/>
+              <a:latin typeface="+mn-lt"/>
+              <a:ea typeface="+mn-ea"/>
+              <a:cs typeface="+mn-cs"/>
+            </a:endParaRPr>
+          </a:p>
+          <a:p>
+            <a:pPr marL="171450" indent="-171450">
+              <a:buFont typeface="Arial" charset="0"/>
+              <a:buChar char="•"/>
+            </a:pPr>
+            <a:r>
+              <a:rPr lang="en-US" sz="1200" kern="1200" dirty="0" smtClean="0">
+                <a:solidFill>
+                  <a:schemeClr val="tx1"/>
+                </a:solidFill>
+                <a:effectLst/>
+                <a:latin typeface="+mn-lt"/>
+                <a:ea typeface="+mn-ea"/>
+                <a:cs typeface="+mn-cs"/>
+              </a:rPr>
+              <a:t>We can think about this is achieved: In our simple tile map, we translated the integer values in the 2D map array into pixels on the screen</a:t>
+            </a:r>
+          </a:p>
+          <a:p>
+            <a:pPr marL="171450" indent="-171450">
+              <a:buFont typeface="Arial" charset="0"/>
+              <a:buChar char="•"/>
+            </a:pPr>
+            <a:endParaRPr lang="en-US" sz="1200" kern="1200" dirty="0" smtClean="0">
+              <a:solidFill>
+                <a:schemeClr val="tx1"/>
+              </a:solidFill>
+              <a:effectLst/>
+              <a:latin typeface="+mn-lt"/>
+              <a:ea typeface="+mn-ea"/>
+              <a:cs typeface="+mn-cs"/>
+            </a:endParaRPr>
+          </a:p>
+          <a:p>
+            <a:pPr marL="171450" indent="-171450">
+              <a:buFont typeface="Arial" charset="0"/>
+              <a:buChar char="•"/>
+            </a:pPr>
+            <a:r>
+              <a:rPr lang="en-US" sz="1200" kern="1200" dirty="0" smtClean="0">
+                <a:solidFill>
+                  <a:schemeClr val="tx1"/>
+                </a:solidFill>
+                <a:effectLst/>
+                <a:latin typeface="+mn-lt"/>
+                <a:ea typeface="+mn-ea"/>
+                <a:cs typeface="+mn-cs"/>
+              </a:rPr>
+              <a:t>In a scrolling map, we do exactly the same thing, except that, at each animation cycle, we are displaying only a portion of that integer array</a:t>
+            </a:r>
+          </a:p>
+          <a:p>
+            <a:pPr marL="171450" indent="-171450">
+              <a:buFont typeface="Arial" charset="0"/>
+              <a:buChar char="•"/>
+            </a:pPr>
+            <a:endParaRPr lang="en-US" sz="1200" kern="1200" dirty="0" smtClean="0">
+              <a:solidFill>
+                <a:schemeClr val="tx1"/>
+              </a:solidFill>
+              <a:effectLst/>
+              <a:latin typeface="+mn-lt"/>
+              <a:ea typeface="+mn-ea"/>
+              <a:cs typeface="+mn-cs"/>
+            </a:endParaRPr>
+          </a:p>
+          <a:p>
+            <a:pPr marL="171450" indent="-171450">
+              <a:buFont typeface="Arial" charset="0"/>
+              <a:buChar char="•"/>
+            </a:pPr>
+            <a:r>
+              <a:rPr lang="en-US" sz="1200" kern="1200" dirty="0" smtClean="0">
+                <a:solidFill>
+                  <a:schemeClr val="tx1"/>
+                </a:solidFill>
+                <a:effectLst/>
+                <a:latin typeface="+mn-lt"/>
+                <a:ea typeface="+mn-ea"/>
+                <a:cs typeface="+mn-cs"/>
+              </a:rPr>
+              <a:t>All we have to do is figure out which portion we need to display</a:t>
+            </a:r>
+          </a:p>
+          <a:p>
+            <a:pPr marL="171450" indent="-171450">
+              <a:buFont typeface="Arial" charset="0"/>
+              <a:buChar char="•"/>
+            </a:pPr>
+            <a:endParaRPr lang="en-US" sz="1200" kern="1200" dirty="0" smtClean="0">
+              <a:solidFill>
+                <a:schemeClr val="tx1"/>
+              </a:solidFill>
+              <a:effectLst/>
+              <a:latin typeface="+mn-lt"/>
+              <a:ea typeface="+mn-ea"/>
+              <a:cs typeface="+mn-cs"/>
+            </a:endParaRPr>
+          </a:p>
+          <a:p>
+            <a:pPr marL="171450" indent="-171450">
+              <a:buFont typeface="Arial" charset="0"/>
+              <a:buChar char="•"/>
+            </a:pPr>
+            <a:r>
+              <a:rPr lang="en-US" sz="1200" kern="1200" dirty="0" smtClean="0">
+                <a:solidFill>
+                  <a:schemeClr val="tx1"/>
+                </a:solidFill>
+                <a:effectLst/>
+                <a:latin typeface="+mn-lt"/>
+                <a:ea typeface="+mn-ea"/>
+                <a:cs typeface="+mn-cs"/>
+              </a:rPr>
+              <a:t>That job will be taken care of by a new class for our engine – the Viewport</a:t>
+            </a:r>
+          </a:p>
+          <a:p>
+            <a:pPr marL="171450" indent="-171450">
+              <a:buFont typeface="Arial" charset="0"/>
+              <a:buChar char="•"/>
+            </a:pPr>
             <a:endParaRPr lang="en-US" sz="1200" kern="1200" dirty="0">
               <a:solidFill>
                 <a:schemeClr val="tx1"/>
@@ -1872,6 +3107,269 @@
               <a:buFont typeface="Arial" charset="0"/>
               <a:buChar char="•"/>
             </a:pPr>
+            <a:r>
+              <a:rPr lang="en-US" sz="1200" kern="1200" dirty="0" smtClean="0">
+                <a:solidFill>
+                  <a:schemeClr val="tx1"/>
+                </a:solidFill>
+                <a:effectLst/>
+                <a:latin typeface="+mn-lt"/>
+                <a:ea typeface="+mn-ea"/>
+                <a:cs typeface="+mn-cs"/>
+              </a:rPr>
+              <a:t>We have to think of the game as having three separate coordinate systems</a:t>
+            </a:r>
+          </a:p>
+          <a:p>
+            <a:pPr marL="171450" indent="-171450">
+              <a:buFont typeface="Arial" charset="0"/>
+              <a:buChar char="•"/>
+            </a:pPr>
+            <a:endParaRPr lang="en-US" sz="1200" kern="1200" dirty="0" smtClean="0">
+              <a:solidFill>
+                <a:schemeClr val="tx1"/>
+              </a:solidFill>
+              <a:effectLst/>
+              <a:latin typeface="+mn-lt"/>
+              <a:ea typeface="+mn-ea"/>
+              <a:cs typeface="+mn-cs"/>
+            </a:endParaRPr>
+          </a:p>
+          <a:p>
+            <a:pPr marL="171450" indent="-171450">
+              <a:buFont typeface="Arial" charset="0"/>
+              <a:buChar char="•"/>
+            </a:pPr>
+            <a:r>
+              <a:rPr lang="en-US" sz="1200" kern="1200" dirty="0" smtClean="0">
+                <a:solidFill>
+                  <a:schemeClr val="tx1"/>
+                </a:solidFill>
+                <a:effectLst/>
+                <a:latin typeface="+mn-lt"/>
+                <a:ea typeface="+mn-ea"/>
+                <a:cs typeface="+mn-cs"/>
+              </a:rPr>
+              <a:t>First we separate into: </a:t>
+            </a:r>
+          </a:p>
+          <a:p>
+            <a:pPr marL="628650" lvl="1" indent="-171450">
+              <a:buFont typeface="Arial" charset="0"/>
+              <a:buChar char="•"/>
+            </a:pPr>
+            <a:r>
+              <a:rPr lang="en-US" sz="1200" kern="1200" dirty="0" smtClean="0">
+                <a:solidFill>
+                  <a:schemeClr val="tx1"/>
+                </a:solidFill>
+                <a:effectLst/>
+                <a:latin typeface="+mn-lt"/>
+                <a:ea typeface="+mn-ea"/>
+                <a:cs typeface="+mn-cs"/>
+              </a:rPr>
+              <a:t>The world coordinates = where things are in the big world map</a:t>
+            </a:r>
+          </a:p>
+          <a:p>
+            <a:pPr marL="628650" lvl="1" indent="-171450">
+              <a:buFont typeface="Arial" charset="0"/>
+              <a:buChar char="•"/>
+            </a:pPr>
+            <a:r>
+              <a:rPr lang="en-US" sz="1200" kern="1200" dirty="0" smtClean="0">
+                <a:solidFill>
+                  <a:schemeClr val="tx1"/>
+                </a:solidFill>
+                <a:effectLst/>
+                <a:latin typeface="+mn-lt"/>
+                <a:ea typeface="+mn-ea"/>
+                <a:cs typeface="+mn-cs"/>
+              </a:rPr>
+              <a:t>The viewport coordinates = where things are in the viewport (the part of the world map being shown) and therefore on the screen/canvas. (Note that you can use a panel to make a canvas != actual application window, but we will tend to refer to the visible playing area as “the screen” informally.)</a:t>
+            </a:r>
+            <a:br>
+              <a:rPr lang="en-US" sz="1200" kern="1200" dirty="0" smtClean="0">
+                <a:solidFill>
+                  <a:schemeClr val="tx1"/>
+                </a:solidFill>
+                <a:effectLst/>
+                <a:latin typeface="+mn-lt"/>
+                <a:ea typeface="+mn-ea"/>
+                <a:cs typeface="+mn-cs"/>
+              </a:rPr>
+            </a:br>
+            <a:endParaRPr lang="en-US" sz="1200" kern="1200" dirty="0" smtClean="0">
+              <a:solidFill>
+                <a:schemeClr val="tx1"/>
+              </a:solidFill>
+              <a:effectLst/>
+              <a:latin typeface="+mn-lt"/>
+              <a:ea typeface="+mn-ea"/>
+              <a:cs typeface="+mn-cs"/>
+            </a:endParaRPr>
+          </a:p>
+          <a:p>
+            <a:pPr marL="171450" indent="-171450">
+              <a:buFont typeface="Arial" charset="0"/>
+              <a:buChar char="•"/>
+            </a:pPr>
+            <a:r>
+              <a:rPr lang="en-US" sz="1200" kern="1200" dirty="0" smtClean="0">
+                <a:solidFill>
+                  <a:schemeClr val="tx1"/>
+                </a:solidFill>
+                <a:effectLst/>
+                <a:latin typeface="+mn-lt"/>
+                <a:ea typeface="+mn-ea"/>
+                <a:cs typeface="+mn-cs"/>
+              </a:rPr>
+              <a:t>Previously, the world and the visible area were always the same size, so we didn’t have to treat these separately – now we do.</a:t>
+            </a:r>
+            <a:br>
+              <a:rPr lang="en-US" sz="1200" kern="1200" dirty="0" smtClean="0">
+                <a:solidFill>
+                  <a:schemeClr val="tx1"/>
+                </a:solidFill>
+                <a:effectLst/>
+                <a:latin typeface="+mn-lt"/>
+                <a:ea typeface="+mn-ea"/>
+                <a:cs typeface="+mn-cs"/>
+              </a:rPr>
+            </a:br>
+            <a:endParaRPr lang="en-US" sz="1200" kern="1200" dirty="0" smtClean="0">
+              <a:solidFill>
+                <a:schemeClr val="tx1"/>
+              </a:solidFill>
+              <a:effectLst/>
+              <a:latin typeface="+mn-lt"/>
+              <a:ea typeface="+mn-ea"/>
+              <a:cs typeface="+mn-cs"/>
+            </a:endParaRPr>
+          </a:p>
+          <a:p>
+            <a:pPr marL="171450" indent="-171450">
+              <a:buFont typeface="Arial" charset="0"/>
+              <a:buChar char="•"/>
+            </a:pPr>
+            <a:r>
+              <a:rPr lang="en-US" sz="1200" kern="1200" dirty="0" smtClean="0">
+                <a:solidFill>
+                  <a:schemeClr val="tx1"/>
+                </a:solidFill>
+                <a:effectLst/>
+                <a:latin typeface="+mn-lt"/>
+                <a:ea typeface="+mn-ea"/>
+                <a:cs typeface="+mn-cs"/>
+              </a:rPr>
+              <a:t>To figure out what should appear in the Viewport area (i.e. What to draw to the screen) you must know where the upper left corner of the Viewport is in </a:t>
+            </a:r>
+            <a:r>
+              <a:rPr lang="en-US" sz="1200" b="1" kern="1200" dirty="0" smtClean="0">
+                <a:solidFill>
+                  <a:schemeClr val="tx1"/>
+                </a:solidFill>
+                <a:effectLst/>
+                <a:latin typeface="+mn-lt"/>
+                <a:ea typeface="+mn-ea"/>
+                <a:cs typeface="+mn-cs"/>
+              </a:rPr>
+              <a:t>World</a:t>
+            </a:r>
+            <a:r>
+              <a:rPr lang="en-US" sz="1200" kern="1200" dirty="0" smtClean="0">
+                <a:solidFill>
+                  <a:schemeClr val="tx1"/>
+                </a:solidFill>
+                <a:effectLst/>
+                <a:latin typeface="+mn-lt"/>
+                <a:ea typeface="+mn-ea"/>
+                <a:cs typeface="+mn-cs"/>
+              </a:rPr>
+              <a:t> coordinates.</a:t>
+            </a:r>
+            <a:br>
+              <a:rPr lang="en-US" sz="1200" kern="1200" dirty="0" smtClean="0">
+                <a:solidFill>
+                  <a:schemeClr val="tx1"/>
+                </a:solidFill>
+                <a:effectLst/>
+                <a:latin typeface="+mn-lt"/>
+                <a:ea typeface="+mn-ea"/>
+                <a:cs typeface="+mn-cs"/>
+              </a:rPr>
+            </a:br>
+            <a:endParaRPr lang="en-US" sz="1200" kern="1200" dirty="0" smtClean="0">
+              <a:solidFill>
+                <a:schemeClr val="tx1"/>
+              </a:solidFill>
+              <a:effectLst/>
+              <a:latin typeface="+mn-lt"/>
+              <a:ea typeface="+mn-ea"/>
+              <a:cs typeface="+mn-cs"/>
+            </a:endParaRPr>
+          </a:p>
+          <a:p>
+            <a:pPr marL="171450" indent="-171450">
+              <a:buFont typeface="Arial" charset="0"/>
+              <a:buChar char="•"/>
+            </a:pPr>
+            <a:r>
+              <a:rPr lang="en-US" sz="1200" kern="1200" dirty="0" smtClean="0">
+                <a:solidFill>
+                  <a:schemeClr val="tx1"/>
+                </a:solidFill>
+                <a:effectLst/>
+                <a:latin typeface="+mn-lt"/>
+                <a:ea typeface="+mn-ea"/>
+                <a:cs typeface="+mn-cs"/>
+              </a:rPr>
+              <a:t>You store this position in pixels, then translate that into map tiles for drawing.</a:t>
+            </a:r>
+            <a:br>
+              <a:rPr lang="en-US" sz="1200" kern="1200" dirty="0" smtClean="0">
+                <a:solidFill>
+                  <a:schemeClr val="tx1"/>
+                </a:solidFill>
+                <a:effectLst/>
+                <a:latin typeface="+mn-lt"/>
+                <a:ea typeface="+mn-ea"/>
+                <a:cs typeface="+mn-cs"/>
+              </a:rPr>
+            </a:br>
+            <a:endParaRPr lang="en-US" sz="1200" kern="1200" dirty="0" smtClean="0">
+              <a:solidFill>
+                <a:schemeClr val="tx1"/>
+              </a:solidFill>
+              <a:effectLst/>
+              <a:latin typeface="+mn-lt"/>
+              <a:ea typeface="+mn-ea"/>
+              <a:cs typeface="+mn-cs"/>
+            </a:endParaRPr>
+          </a:p>
+          <a:p>
+            <a:pPr marL="171450" indent="-171450">
+              <a:buFont typeface="Arial" charset="0"/>
+              <a:buChar char="•"/>
+            </a:pPr>
+            <a:r>
+              <a:rPr lang="en-US" sz="1200" kern="1200" dirty="0" smtClean="0">
+                <a:solidFill>
+                  <a:schemeClr val="tx1"/>
+                </a:solidFill>
+                <a:effectLst/>
+                <a:latin typeface="+mn-lt"/>
+                <a:ea typeface="+mn-ea"/>
+                <a:cs typeface="+mn-cs"/>
+              </a:rPr>
+              <a:t>As the Viewport moves, you need to re compute which part of the map should be visible....</a:t>
+            </a:r>
+          </a:p>
+          <a:p>
+            <a:pPr marL="171450" indent="-171450">
+              <a:buFont typeface="Arial" charset="0"/>
+              <a:buChar char="•"/>
+            </a:pPr>
             <a:endParaRPr lang="en-US" sz="1200" kern="1200" dirty="0">
               <a:solidFill>
                 <a:schemeClr val="tx1"/>
@@ -1968,6 +3466,330 @@
               <a:buFont typeface="Arial" charset="0"/>
               <a:buChar char="•"/>
             </a:pPr>
+            <a:r>
+              <a:rPr lang="en-US" sz="1200" kern="1200" dirty="0" smtClean="0">
+                <a:solidFill>
+                  <a:schemeClr val="tx1"/>
+                </a:solidFill>
+                <a:effectLst/>
+                <a:latin typeface="+mn-lt"/>
+                <a:ea typeface="+mn-ea"/>
+                <a:cs typeface="+mn-cs"/>
+              </a:rPr>
+              <a:t>Then we need to think about the 3</a:t>
+            </a:r>
+            <a:r>
+              <a:rPr lang="en-US" sz="1200" kern="1200" baseline="30000" dirty="0" smtClean="0">
+                <a:solidFill>
+                  <a:schemeClr val="tx1"/>
+                </a:solidFill>
+                <a:effectLst/>
+                <a:latin typeface="+mn-lt"/>
+                <a:ea typeface="+mn-ea"/>
+                <a:cs typeface="+mn-cs"/>
+              </a:rPr>
+              <a:t>rd</a:t>
+            </a:r>
+            <a:r>
+              <a:rPr lang="en-US" sz="1200" kern="1200" dirty="0" smtClean="0">
+                <a:solidFill>
+                  <a:schemeClr val="tx1"/>
+                </a:solidFill>
+                <a:effectLst/>
+                <a:latin typeface="+mn-lt"/>
+                <a:ea typeface="+mn-ea"/>
+                <a:cs typeface="+mn-cs"/>
+              </a:rPr>
+              <a:t> coordinate system – the canvas</a:t>
+            </a:r>
+          </a:p>
+          <a:p>
+            <a:pPr marL="171450" indent="-171450">
+              <a:buFont typeface="Arial" charset="0"/>
+              <a:buChar char="•"/>
+            </a:pPr>
+            <a:endParaRPr lang="en-US" sz="1200" kern="1200" dirty="0" smtClean="0">
+              <a:solidFill>
+                <a:schemeClr val="tx1"/>
+              </a:solidFill>
+              <a:effectLst/>
+              <a:latin typeface="+mn-lt"/>
+              <a:ea typeface="+mn-ea"/>
+              <a:cs typeface="+mn-cs"/>
+            </a:endParaRPr>
+          </a:p>
+          <a:p>
+            <a:pPr marL="171450" indent="-171450">
+              <a:buFont typeface="Arial" charset="0"/>
+              <a:buChar char="•"/>
+            </a:pPr>
+            <a:r>
+              <a:rPr lang="en-US" sz="1200" kern="1200" dirty="0" smtClean="0">
+                <a:solidFill>
+                  <a:schemeClr val="tx1"/>
+                </a:solidFill>
+                <a:effectLst/>
+                <a:latin typeface="+mn-lt"/>
+                <a:ea typeface="+mn-ea"/>
+                <a:cs typeface="+mn-cs"/>
+              </a:rPr>
+              <a:t>The tile in the upper left corner of the viewport must be drawn to the upper left corner of the screen</a:t>
+            </a:r>
+          </a:p>
+          <a:p>
+            <a:pPr marL="171450" indent="-171450">
+              <a:buFont typeface="Arial" charset="0"/>
+              <a:buChar char="•"/>
+            </a:pPr>
+            <a:endParaRPr lang="en-US" sz="1200" kern="1200" dirty="0" smtClean="0">
+              <a:solidFill>
+                <a:schemeClr val="tx1"/>
+              </a:solidFill>
+              <a:effectLst/>
+              <a:latin typeface="+mn-lt"/>
+              <a:ea typeface="+mn-ea"/>
+              <a:cs typeface="+mn-cs"/>
+            </a:endParaRPr>
+          </a:p>
+          <a:p>
+            <a:pPr marL="171450" indent="-171450">
+              <a:buFont typeface="Arial" charset="0"/>
+              <a:buChar char="•"/>
+            </a:pPr>
+            <a:r>
+              <a:rPr lang="en-US" sz="1200" kern="1200" dirty="0" smtClean="0">
+                <a:solidFill>
+                  <a:schemeClr val="tx1"/>
+                </a:solidFill>
+                <a:effectLst/>
+                <a:latin typeface="+mn-lt"/>
+                <a:ea typeface="+mn-ea"/>
+                <a:cs typeface="+mn-cs"/>
+              </a:rPr>
+              <a:t>So the Viewport and Screen coordinate spaces overlap</a:t>
+            </a:r>
+          </a:p>
+          <a:p>
+            <a:pPr marL="171450" indent="-171450">
+              <a:buFont typeface="Arial" charset="0"/>
+              <a:buChar char="•"/>
+            </a:pPr>
+            <a:endParaRPr lang="en-US" sz="1200" kern="1200" dirty="0" smtClean="0">
+              <a:solidFill>
+                <a:schemeClr val="tx1"/>
+              </a:solidFill>
+              <a:effectLst/>
+              <a:latin typeface="+mn-lt"/>
+              <a:ea typeface="+mn-ea"/>
+              <a:cs typeface="+mn-cs"/>
+            </a:endParaRPr>
+          </a:p>
+          <a:p>
+            <a:pPr marL="171450" indent="-171450">
+              <a:buFont typeface="Arial" charset="0"/>
+              <a:buChar char="•"/>
+            </a:pPr>
+            <a:r>
+              <a:rPr lang="en-US" sz="1200" kern="1200" dirty="0" smtClean="0">
+                <a:solidFill>
+                  <a:schemeClr val="tx1"/>
+                </a:solidFill>
+                <a:effectLst/>
+                <a:latin typeface="+mn-lt"/>
+                <a:ea typeface="+mn-ea"/>
+                <a:cs typeface="+mn-cs"/>
+              </a:rPr>
+              <a:t>But we still have to work out the exact pixel location of each tile on the screen (we’ve done this – row and column * </a:t>
+            </a:r>
+            <a:r>
+              <a:rPr lang="en-US" sz="1200" kern="1200" dirty="0" err="1" smtClean="0">
+                <a:solidFill>
+                  <a:schemeClr val="tx1"/>
+                </a:solidFill>
+                <a:effectLst/>
+                <a:latin typeface="+mn-lt"/>
+                <a:ea typeface="+mn-ea"/>
+                <a:cs typeface="+mn-cs"/>
+              </a:rPr>
+              <a:t>tileside</a:t>
+            </a:r>
+            <a:r>
+              <a:rPr lang="en-US" sz="1200" kern="1200" dirty="0" smtClean="0">
+                <a:solidFill>
+                  <a:schemeClr val="tx1"/>
+                </a:solidFill>
+                <a:effectLst/>
+                <a:latin typeface="+mn-lt"/>
+                <a:ea typeface="+mn-ea"/>
+                <a:cs typeface="+mn-cs"/>
+              </a:rPr>
+              <a:t>)</a:t>
+            </a:r>
+          </a:p>
+          <a:p>
+            <a:pPr marL="171450" indent="-171450">
+              <a:buFont typeface="Arial" charset="0"/>
+              <a:buChar char="•"/>
+            </a:pPr>
+            <a:endParaRPr lang="en-US" sz="1200" kern="1200" dirty="0" smtClean="0">
+              <a:solidFill>
+                <a:schemeClr val="tx1"/>
+              </a:solidFill>
+              <a:effectLst/>
+              <a:latin typeface="+mn-lt"/>
+              <a:ea typeface="+mn-ea"/>
+              <a:cs typeface="+mn-cs"/>
+            </a:endParaRPr>
+          </a:p>
+          <a:p>
+            <a:pPr marL="171450" indent="-171450">
+              <a:buFont typeface="Arial" charset="0"/>
+              <a:buChar char="•"/>
+            </a:pPr>
+            <a:r>
+              <a:rPr lang="en-US" sz="1200" kern="1200" dirty="0" smtClean="0">
+                <a:solidFill>
+                  <a:schemeClr val="tx1"/>
+                </a:solidFill>
+                <a:effectLst/>
+                <a:latin typeface="+mn-lt"/>
+                <a:ea typeface="+mn-ea"/>
+                <a:cs typeface="+mn-cs"/>
+              </a:rPr>
+              <a:t>Extend for all tiles by iterating over the Viewport</a:t>
+            </a:r>
+          </a:p>
+          <a:p>
+            <a:pPr marL="171450" indent="-171450">
+              <a:buFont typeface="Arial" charset="0"/>
+              <a:buChar char="•"/>
+            </a:pPr>
+            <a:endParaRPr lang="en-US" sz="1200" kern="1200" dirty="0" smtClean="0">
+              <a:solidFill>
+                <a:schemeClr val="tx1"/>
+              </a:solidFill>
+              <a:effectLst/>
+              <a:latin typeface="+mn-lt"/>
+              <a:ea typeface="+mn-ea"/>
+              <a:cs typeface="+mn-cs"/>
+            </a:endParaRPr>
+          </a:p>
+          <a:p>
+            <a:pPr marL="171450" indent="-171450">
+              <a:buFont typeface="Arial" charset="0"/>
+              <a:buChar char="•"/>
+            </a:pPr>
+            <a:r>
+              <a:rPr lang="en-US" sz="1200" kern="1200" dirty="0" smtClean="0">
+                <a:solidFill>
+                  <a:schemeClr val="tx1"/>
+                </a:solidFill>
+                <a:effectLst/>
+                <a:latin typeface="+mn-lt"/>
+                <a:ea typeface="+mn-ea"/>
+                <a:cs typeface="+mn-cs"/>
+              </a:rPr>
+              <a:t>Therefore, to make a scrolling </a:t>
+            </a:r>
+            <a:r>
+              <a:rPr lang="en-US" sz="1200" kern="1200" dirty="0" err="1" smtClean="0">
+                <a:solidFill>
+                  <a:schemeClr val="tx1"/>
+                </a:solidFill>
+                <a:effectLst/>
+                <a:latin typeface="+mn-lt"/>
+                <a:ea typeface="+mn-ea"/>
+                <a:cs typeface="+mn-cs"/>
+              </a:rPr>
+              <a:t>tilemap</a:t>
+            </a:r>
+            <a:r>
+              <a:rPr lang="en-US" sz="1200" kern="1200" dirty="0" smtClean="0">
+                <a:solidFill>
+                  <a:schemeClr val="tx1"/>
+                </a:solidFill>
+                <a:effectLst/>
+                <a:latin typeface="+mn-lt"/>
+                <a:ea typeface="+mn-ea"/>
+                <a:cs typeface="+mn-cs"/>
+              </a:rPr>
+              <a:t>, we have to figure out:</a:t>
+            </a:r>
+          </a:p>
+          <a:p>
+            <a:pPr marL="628650" lvl="1" indent="-171450">
+              <a:buFont typeface="Arial" charset="0"/>
+              <a:buChar char="•"/>
+            </a:pPr>
+            <a:r>
+              <a:rPr lang="en-US" sz="1200" kern="1200" dirty="0" smtClean="0">
+                <a:solidFill>
+                  <a:schemeClr val="tx1"/>
+                </a:solidFill>
+                <a:effectLst/>
+                <a:latin typeface="+mn-lt"/>
+                <a:ea typeface="+mn-ea"/>
+                <a:cs typeface="+mn-cs"/>
+              </a:rPr>
+              <a:t>What tiles should be drawn</a:t>
+            </a:r>
+          </a:p>
+          <a:p>
+            <a:pPr marL="628650" lvl="1" indent="-171450">
+              <a:buFont typeface="Arial" charset="0"/>
+              <a:buChar char="•"/>
+            </a:pPr>
+            <a:r>
+              <a:rPr lang="en-US" sz="1200" kern="1200" dirty="0" smtClean="0">
+                <a:solidFill>
+                  <a:schemeClr val="tx1"/>
+                </a:solidFill>
+                <a:effectLst/>
+                <a:latin typeface="+mn-lt"/>
+                <a:ea typeface="+mn-ea"/>
+                <a:cs typeface="+mn-cs"/>
+              </a:rPr>
+              <a:t>Where they should be drawn</a:t>
+            </a:r>
+          </a:p>
+          <a:p>
+            <a:pPr marL="628650" lvl="1" indent="-171450">
+              <a:buFont typeface="Arial" charset="0"/>
+              <a:buChar char="•"/>
+            </a:pPr>
+            <a:endParaRPr lang="en-US" sz="1200" kern="1200" dirty="0" smtClean="0">
+              <a:solidFill>
+                <a:schemeClr val="tx1"/>
+              </a:solidFill>
+              <a:effectLst/>
+              <a:latin typeface="+mn-lt"/>
+              <a:ea typeface="+mn-ea"/>
+              <a:cs typeface="+mn-cs"/>
+            </a:endParaRPr>
+          </a:p>
+          <a:p>
+            <a:pPr marL="171450" indent="-171450">
+              <a:buFont typeface="Arial" charset="0"/>
+              <a:buChar char="•"/>
+            </a:pPr>
+            <a:r>
+              <a:rPr lang="en-US" sz="1200" kern="1200" dirty="0" smtClean="0">
+                <a:solidFill>
+                  <a:schemeClr val="tx1"/>
+                </a:solidFill>
+                <a:effectLst/>
+                <a:latin typeface="+mn-lt"/>
+                <a:ea typeface="+mn-ea"/>
+                <a:cs typeface="+mn-cs"/>
+              </a:rPr>
+              <a:t>As the Viewport moves, you need to re compute which part of the map should be visible</a:t>
+            </a:r>
+          </a:p>
+          <a:p>
+            <a:pPr marL="171450" indent="-171450">
+              <a:buFont typeface="Arial" charset="0"/>
+              <a:buChar char="•"/>
+            </a:pPr>
             <a:endParaRPr lang="en-US" sz="1200" kern="1200" dirty="0">
               <a:solidFill>
                 <a:schemeClr val="tx1"/>
@@ -2064,6 +3886,114 @@
               <a:buFont typeface="Arial" charset="0"/>
               <a:buChar char="•"/>
             </a:pPr>
+            <a:r>
+              <a:rPr lang="en-US" sz="1200" kern="1200" dirty="0" smtClean="0">
+                <a:solidFill>
+                  <a:schemeClr val="tx1"/>
+                </a:solidFill>
+                <a:effectLst/>
+                <a:latin typeface="+mn-lt"/>
+                <a:ea typeface="+mn-ea"/>
+                <a:cs typeface="+mn-cs"/>
+              </a:rPr>
+              <a:t>Another example of adding sprites</a:t>
+            </a:r>
+          </a:p>
+          <a:p>
+            <a:pPr marL="171450" indent="-171450">
+              <a:buFont typeface="Arial" charset="0"/>
+              <a:buChar char="•"/>
+            </a:pPr>
+            <a:endParaRPr lang="en-US" sz="1200" kern="1200" dirty="0" smtClean="0">
+              <a:solidFill>
+                <a:schemeClr val="tx1"/>
+              </a:solidFill>
+              <a:effectLst/>
+              <a:latin typeface="+mn-lt"/>
+              <a:ea typeface="+mn-ea"/>
+              <a:cs typeface="+mn-cs"/>
+            </a:endParaRPr>
+          </a:p>
+          <a:p>
+            <a:pPr marL="171450" indent="-171450">
+              <a:buFont typeface="Arial" charset="0"/>
+              <a:buChar char="•"/>
+            </a:pPr>
+            <a:r>
+              <a:rPr lang="en-US" sz="1200" kern="1200" dirty="0" smtClean="0">
+                <a:solidFill>
+                  <a:schemeClr val="tx1"/>
+                </a:solidFill>
+                <a:effectLst/>
+                <a:latin typeface="+mn-lt"/>
+                <a:ea typeface="+mn-ea"/>
+                <a:cs typeface="+mn-cs"/>
+              </a:rPr>
+              <a:t>You should see there is an equation here…</a:t>
+            </a:r>
+          </a:p>
+          <a:p>
+            <a:pPr marL="171450" indent="-171450">
+              <a:buFont typeface="Arial" charset="0"/>
+              <a:buChar char="•"/>
+            </a:pPr>
+            <a:endParaRPr lang="en-US" sz="1200" kern="1200" dirty="0" smtClean="0">
+              <a:solidFill>
+                <a:schemeClr val="tx1"/>
+              </a:solidFill>
+              <a:effectLst/>
+              <a:latin typeface="+mn-lt"/>
+              <a:ea typeface="+mn-ea"/>
+              <a:cs typeface="+mn-cs"/>
+            </a:endParaRPr>
+          </a:p>
+          <a:p>
+            <a:pPr marL="171450" indent="-171450">
+              <a:buFont typeface="Arial" charset="0"/>
+              <a:buChar char="•"/>
+            </a:pPr>
+            <a:r>
+              <a:rPr lang="en-US" sz="1200" kern="1200" dirty="0" smtClean="0">
+                <a:solidFill>
+                  <a:schemeClr val="tx1"/>
+                </a:solidFill>
+                <a:effectLst/>
+                <a:latin typeface="+mn-lt"/>
+                <a:ea typeface="+mn-ea"/>
+                <a:cs typeface="+mn-cs"/>
+              </a:rPr>
+              <a:t>We’ll look in more detail at the </a:t>
+            </a:r>
+            <a:r>
+              <a:rPr lang="en-US" sz="1200" kern="1200" dirty="0" err="1" smtClean="0">
+                <a:solidFill>
+                  <a:schemeClr val="tx1"/>
+                </a:solidFill>
+                <a:effectLst/>
+                <a:latin typeface="+mn-lt"/>
+                <a:ea typeface="+mn-ea"/>
+                <a:cs typeface="+mn-cs"/>
+              </a:rPr>
+              <a:t>maths</a:t>
+            </a:r>
+            <a:r>
+              <a:rPr lang="en-US" sz="1200" kern="1200" dirty="0" smtClean="0">
+                <a:solidFill>
+                  <a:schemeClr val="tx1"/>
+                </a:solidFill>
+                <a:effectLst/>
+                <a:latin typeface="+mn-lt"/>
+                <a:ea typeface="+mn-ea"/>
+                <a:cs typeface="+mn-cs"/>
+              </a:rPr>
+              <a:t> in practical</a:t>
+            </a:r>
+          </a:p>
+          <a:p>
+            <a:pPr marL="171450" indent="-171450">
+              <a:buFont typeface="Arial" charset="0"/>
+              <a:buChar char="•"/>
+            </a:pPr>
             <a:endParaRPr lang="en-US" sz="1200" kern="1200" dirty="0">
               <a:solidFill>
                 <a:schemeClr val="tx1"/>
@@ -2157,6 +4087,123 @@
           <a:lstStyle/>
           <a:p>
             <a:pPr marL="171450" indent="-171450">
+              <a:buFont typeface="Arial" charset="0"/>
+              <a:buChar char="•"/>
+            </a:pPr>
+            <a:r>
+              <a:rPr lang="en-US" sz="1200" kern="1200" dirty="0" smtClean="0">
+                <a:solidFill>
+                  <a:schemeClr val="tx1"/>
+                </a:solidFill>
+                <a:effectLst/>
+                <a:latin typeface="+mn-lt"/>
+                <a:ea typeface="+mn-ea"/>
+                <a:cs typeface="+mn-cs"/>
+              </a:rPr>
+              <a:t>We need to change the code from last week…</a:t>
+            </a:r>
+          </a:p>
+          <a:p>
+            <a:pPr marL="171450" indent="-171450">
+              <a:buFont typeface="Arial" charset="0"/>
+              <a:buChar char="•"/>
+            </a:pPr>
+            <a:endParaRPr lang="en-US" sz="1200" kern="1200" dirty="0" smtClean="0">
+              <a:solidFill>
+                <a:schemeClr val="tx1"/>
+              </a:solidFill>
+              <a:effectLst/>
+              <a:latin typeface="+mn-lt"/>
+              <a:ea typeface="+mn-ea"/>
+              <a:cs typeface="+mn-cs"/>
+            </a:endParaRPr>
+          </a:p>
+          <a:p>
+            <a:pPr marL="171450" indent="-171450">
+              <a:buFont typeface="Arial" charset="0"/>
+              <a:buChar char="•"/>
+            </a:pPr>
+            <a:r>
+              <a:rPr lang="en-US" sz="1200" kern="1200" dirty="0" smtClean="0">
+                <a:solidFill>
+                  <a:schemeClr val="tx1"/>
+                </a:solidFill>
+                <a:effectLst/>
+                <a:latin typeface="+mn-lt"/>
+                <a:ea typeface="+mn-ea"/>
+                <a:cs typeface="+mn-cs"/>
+              </a:rPr>
+              <a:t>You need to change the map rows and columns so that the map is much bigger than the Form</a:t>
+            </a:r>
+          </a:p>
+          <a:p>
+            <a:pPr marL="171450" indent="-171450">
+              <a:buFont typeface="Arial" charset="0"/>
+              <a:buChar char="•"/>
+            </a:pPr>
+            <a:endParaRPr lang="en-US" sz="1200" kern="1200" dirty="0" smtClean="0">
+              <a:solidFill>
+                <a:schemeClr val="tx1"/>
+              </a:solidFill>
+              <a:effectLst/>
+              <a:latin typeface="+mn-lt"/>
+              <a:ea typeface="+mn-ea"/>
+              <a:cs typeface="+mn-cs"/>
+            </a:endParaRPr>
+          </a:p>
+          <a:p>
+            <a:pPr marL="171450" indent="-171450">
+              <a:buFont typeface="Arial" charset="0"/>
+              <a:buChar char="•"/>
+            </a:pPr>
+            <a:r>
+              <a:rPr lang="en-US" sz="1200" kern="1200" dirty="0" smtClean="0">
+                <a:solidFill>
+                  <a:schemeClr val="tx1"/>
+                </a:solidFill>
+                <a:effectLst/>
+                <a:latin typeface="+mn-lt"/>
+                <a:ea typeface="+mn-ea"/>
+                <a:cs typeface="+mn-cs"/>
+              </a:rPr>
+              <a:t>Make them 10 times larger than the viewable area, just so we can really test moving around</a:t>
+            </a:r>
+          </a:p>
+          <a:p>
+            <a:pPr marL="171450" indent="-171450">
+              <a:buFont typeface="Arial" charset="0"/>
+              <a:buChar char="•"/>
+            </a:pPr>
+            <a:endParaRPr lang="en-US" sz="1200" kern="1200" dirty="0" smtClean="0">
+              <a:solidFill>
+                <a:schemeClr val="tx1"/>
+              </a:solidFill>
+              <a:effectLst/>
+              <a:latin typeface="+mn-lt"/>
+              <a:ea typeface="+mn-ea"/>
+              <a:cs typeface="+mn-cs"/>
+            </a:endParaRPr>
+          </a:p>
+          <a:p>
+            <a:pPr marL="171450" indent="-171450">
+              <a:buFont typeface="Arial" charset="0"/>
+              <a:buChar char="•"/>
+            </a:pPr>
+            <a:r>
+              <a:rPr lang="en-US" sz="1200" kern="1200" dirty="0" smtClean="0">
+                <a:solidFill>
+                  <a:schemeClr val="tx1"/>
+                </a:solidFill>
+                <a:effectLst/>
+                <a:latin typeface="+mn-lt"/>
+                <a:ea typeface="+mn-ea"/>
+                <a:cs typeface="+mn-cs"/>
+              </a:rPr>
+              <a:t>So if you are currently using a map that is 20 rows by 30 columns (like the demo file from last week), leave the Form the same size, but make the map 200 rows by 300 columns</a:t>
+            </a:r>
+          </a:p>
+          <a:p>
+            <a:pPr marL="171450" indent="-171450">
               <a:buFont typeface="Arial" panose="020B0604020202020204" pitchFamily="34" charset="0"/>
               <a:buChar char="•"/>
             </a:pPr>
@@ -2243,6 +4290,123 @@
         <p:txBody>
           <a:bodyPr/>
           <a:lstStyle/>
+          <a:p>
+            <a:pPr marL="171450" indent="-171450">
+              <a:buFont typeface="Arial" charset="0"/>
+              <a:buChar char="•"/>
+            </a:pPr>
+            <a:r>
+              <a:rPr lang="en-US" sz="1200" kern="1200" dirty="0" smtClean="0">
+                <a:solidFill>
+                  <a:schemeClr val="tx1"/>
+                </a:solidFill>
+                <a:effectLst/>
+                <a:latin typeface="+mn-lt"/>
+                <a:ea typeface="+mn-ea"/>
+                <a:cs typeface="+mn-cs"/>
+              </a:rPr>
+              <a:t>You need to create a Viewport class</a:t>
+            </a:r>
+          </a:p>
+          <a:p>
+            <a:pPr marL="171450" indent="-171450">
+              <a:buFont typeface="Arial" charset="0"/>
+              <a:buChar char="•"/>
+            </a:pPr>
+            <a:endParaRPr lang="en-US" sz="1200" kern="1200" dirty="0" smtClean="0">
+              <a:solidFill>
+                <a:schemeClr val="tx1"/>
+              </a:solidFill>
+              <a:effectLst/>
+              <a:latin typeface="+mn-lt"/>
+              <a:ea typeface="+mn-ea"/>
+              <a:cs typeface="+mn-cs"/>
+            </a:endParaRPr>
+          </a:p>
+          <a:p>
+            <a:pPr marL="171450" indent="-171450">
+              <a:buFont typeface="Arial" charset="0"/>
+              <a:buChar char="•"/>
+            </a:pPr>
+            <a:r>
+              <a:rPr lang="en-US" sz="1200" kern="1200" dirty="0" smtClean="0">
+                <a:solidFill>
+                  <a:schemeClr val="tx1"/>
+                </a:solidFill>
+                <a:effectLst/>
+                <a:latin typeface="+mn-lt"/>
+                <a:ea typeface="+mn-ea"/>
+                <a:cs typeface="+mn-cs"/>
+              </a:rPr>
+              <a:t>It will be responsible for the viewable area</a:t>
+            </a:r>
+          </a:p>
+          <a:p>
+            <a:pPr marL="171450" indent="-171450">
+              <a:buFont typeface="Arial" charset="0"/>
+              <a:buChar char="•"/>
+            </a:pPr>
+            <a:endParaRPr lang="en-US" sz="1200" kern="1200" dirty="0" smtClean="0">
+              <a:solidFill>
+                <a:schemeClr val="tx1"/>
+              </a:solidFill>
+              <a:effectLst/>
+              <a:latin typeface="+mn-lt"/>
+              <a:ea typeface="+mn-ea"/>
+              <a:cs typeface="+mn-cs"/>
+            </a:endParaRPr>
+          </a:p>
+          <a:p>
+            <a:pPr marL="171450" indent="-171450">
+              <a:buFont typeface="Arial" charset="0"/>
+              <a:buChar char="•"/>
+            </a:pPr>
+            <a:r>
+              <a:rPr lang="en-US" sz="1200" kern="1200" dirty="0" smtClean="0">
+                <a:solidFill>
+                  <a:schemeClr val="tx1"/>
+                </a:solidFill>
+                <a:effectLst/>
+                <a:latin typeface="+mn-lt"/>
+                <a:ea typeface="+mn-ea"/>
+                <a:cs typeface="+mn-cs"/>
+              </a:rPr>
+              <a:t>In our first practical, we will brute force move the Viewport around with the arrow keys</a:t>
+            </a:r>
+          </a:p>
+          <a:p>
+            <a:pPr marL="171450" indent="-171450">
+              <a:buFont typeface="Arial" charset="0"/>
+              <a:buChar char="•"/>
+            </a:pPr>
+            <a:endParaRPr lang="en-US" sz="1200" kern="1200" dirty="0" smtClean="0">
+              <a:solidFill>
+                <a:schemeClr val="tx1"/>
+              </a:solidFill>
+              <a:effectLst/>
+              <a:latin typeface="+mn-lt"/>
+              <a:ea typeface="+mn-ea"/>
+              <a:cs typeface="+mn-cs"/>
+            </a:endParaRPr>
+          </a:p>
+          <a:p>
+            <a:pPr marL="171450" indent="-171450">
+              <a:buFont typeface="Arial" charset="0"/>
+              <a:buChar char="•"/>
+            </a:pPr>
+            <a:r>
+              <a:rPr lang="en-US" sz="1200" kern="1200" dirty="0" smtClean="0">
+                <a:solidFill>
+                  <a:schemeClr val="tx1"/>
+                </a:solidFill>
+                <a:effectLst/>
+                <a:latin typeface="+mn-lt"/>
+                <a:ea typeface="+mn-ea"/>
+                <a:cs typeface="+mn-cs"/>
+              </a:rPr>
+              <a:t>(But, in a roguelike, the Viewport is centred around the player character, so you place its upper left by shifting it over and up from the upper left of the player character. We do this in the next practical.)</a:t>
+            </a:r>
+          </a:p>
           <a:p>
             <a:pPr marL="171450" indent="-171450">
               <a:buFont typeface="Arial" panose="020B0604020202020204" pitchFamily="34" charset="0"/>
@@ -2469,7 +4633,7 @@
           <a:p>
             <a:fld id="{F8166F1F-CE9B-4651-A6AA-CD717754106B}" type="datetimeFigureOut">
               <a:rPr lang="en-US" smtClean="0"/>
-              <a:t>9/3/2019</a:t>
+              <a:t>9/5/19</a:t>
             </a:fld>
             <a:endParaRPr lang="en-US"/>
           </a:p>
@@ -2634,7 +4798,7 @@
           <a:p>
             <a:fld id="{A76116CE-C4A3-4A05-B2D7-7C2E9A889C0F}" type="datetimeFigureOut">
               <a:rPr lang="en-US" smtClean="0"/>
-              <a:t>9/3/2019</a:t>
+              <a:t>9/5/19</a:t>
             </a:fld>
             <a:endParaRPr lang="en-US"/>
           </a:p>
@@ -2809,7 +4973,7 @@
           <a:p>
             <a:fld id="{A76116CE-C4A3-4A05-B2D7-7C2E9A889C0F}" type="datetimeFigureOut">
               <a:rPr lang="en-US" smtClean="0"/>
-              <a:t>9/3/2019</a:t>
+              <a:t>9/5/19</a:t>
             </a:fld>
             <a:endParaRPr lang="en-US"/>
           </a:p>
@@ -2976,7 +5140,7 @@
           <a:p>
             <a:fld id="{A76116CE-C4A3-4A05-B2D7-7C2E9A889C0F}" type="datetimeFigureOut">
               <a:rPr lang="en-US" smtClean="0"/>
-              <a:t>9/3/2019</a:t>
+              <a:t>9/5/19</a:t>
             </a:fld>
             <a:endParaRPr lang="en-US"/>
           </a:p>
@@ -3217,7 +5381,7 @@
           <a:p>
             <a:fld id="{A76116CE-C4A3-4A05-B2D7-7C2E9A889C0F}" type="datetimeFigureOut">
               <a:rPr lang="en-US" smtClean="0"/>
-              <a:t>9/3/2019</a:t>
+              <a:t>9/5/19</a:t>
             </a:fld>
             <a:endParaRPr lang="en-US"/>
           </a:p>
@@ -3500,7 +5664,7 @@
           <a:p>
             <a:fld id="{A76116CE-C4A3-4A05-B2D7-7C2E9A889C0F}" type="datetimeFigureOut">
               <a:rPr lang="en-US" smtClean="0"/>
-              <a:t>9/3/2019</a:t>
+              <a:t>9/5/19</a:t>
             </a:fld>
             <a:endParaRPr lang="en-US"/>
           </a:p>
@@ -3917,7 +6081,7 @@
           <a:p>
             <a:fld id="{A76116CE-C4A3-4A05-B2D7-7C2E9A889C0F}" type="datetimeFigureOut">
               <a:rPr lang="en-US" smtClean="0"/>
-              <a:t>9/3/2019</a:t>
+              <a:t>9/5/19</a:t>
             </a:fld>
             <a:endParaRPr lang="en-US"/>
           </a:p>
@@ -4030,7 +6194,7 @@
           <a:p>
             <a:fld id="{A76116CE-C4A3-4A05-B2D7-7C2E9A889C0F}" type="datetimeFigureOut">
               <a:rPr lang="en-US" smtClean="0"/>
-              <a:t>9/3/2019</a:t>
+              <a:t>9/5/19</a:t>
             </a:fld>
             <a:endParaRPr lang="en-US"/>
           </a:p>
@@ -4120,7 +6284,7 @@
           <a:p>
             <a:fld id="{A76116CE-C4A3-4A05-B2D7-7C2E9A889C0F}" type="datetimeFigureOut">
               <a:rPr lang="en-US" smtClean="0"/>
-              <a:t>9/3/2019</a:t>
+              <a:t>9/5/19</a:t>
             </a:fld>
             <a:endParaRPr lang="en-US"/>
           </a:p>
@@ -4392,7 +6556,7 @@
           <a:p>
             <a:fld id="{A76116CE-C4A3-4A05-B2D7-7C2E9A889C0F}" type="datetimeFigureOut">
               <a:rPr lang="en-US" smtClean="0"/>
-              <a:t>9/3/2019</a:t>
+              <a:t>9/5/19</a:t>
             </a:fld>
             <a:endParaRPr lang="en-US"/>
           </a:p>
@@ -4640,7 +6804,7 @@
           <a:p>
             <a:fld id="{A76116CE-C4A3-4A05-B2D7-7C2E9A889C0F}" type="datetimeFigureOut">
               <a:rPr lang="en-US" smtClean="0"/>
-              <a:t>9/3/2019</a:t>
+              <a:t>9/5/19</a:t>
             </a:fld>
             <a:endParaRPr lang="en-US"/>
           </a:p>
@@ -4848,7 +7012,7 @@
           <a:p>
             <a:fld id="{F8166F1F-CE9B-4651-A6AA-CD717754106B}" type="datetimeFigureOut">
               <a:rPr lang="en-US" smtClean="0"/>
-              <a:t>9/3/2019</a:t>
+              <a:t>9/5/19</a:t>
             </a:fld>
             <a:endParaRPr lang="en-US"/>
           </a:p>
@@ -5836,7 +8000,6 @@
               <a:rPr lang="en-US" sz="2000" dirty="0" smtClean="0"/>
               <a:t>Draw it there</a:t>
             </a:r>
-            <a:endParaRPr lang="en-US" sz="2000" dirty="0" smtClean="0"/>
           </a:p>
           <a:p>
             <a:pPr marL="1657350" lvl="2" indent="-742950">
@@ -6356,7 +8519,6 @@
               <a:rPr lang="en-US" sz="2500" dirty="0" smtClean="0"/>
               <a:t>Bitmap^ to draw?</a:t>
             </a:r>
-            <a:endParaRPr lang="en-US" sz="2500" dirty="0" smtClean="0"/>
           </a:p>
         </p:txBody>
       </p:sp>
@@ -6575,15 +8737,7 @@
               <a:pPr algn="ctr"/>
               <a:r>
                 <a:rPr lang="en-NZ" dirty="0" smtClean="0"/>
-                <a:t>Passes </a:t>
-              </a:r>
-              <a:r>
-                <a:rPr lang="en-NZ" dirty="0" smtClean="0"/>
-                <a:t>world </a:t>
-              </a:r>
-              <a:r>
-                <a:rPr lang="en-NZ" dirty="0" smtClean="0"/>
-                <a:t>row and column</a:t>
+                <a:t>Passes world row and column</a:t>
               </a:r>
               <a:endParaRPr lang="en-NZ" dirty="0"/>
             </a:p>
@@ -7449,7 +9603,6 @@
               <a:rPr lang="en-US" sz="2500" dirty="0" smtClean="0"/>
               <a:t>Note this is not the final code…</a:t>
             </a:r>
-            <a:endParaRPr lang="en-US" sz="2500" dirty="0" smtClean="0"/>
           </a:p>
         </p:txBody>
       </p:sp>
@@ -9156,39 +11309,6 @@
       </p:grpSpPr>
       <p:sp>
         <p:nvSpPr>
-          <p:cNvPr id="3" name="Rectangle 2"/>
-          <p:cNvSpPr/>
-          <p:nvPr/>
-        </p:nvSpPr>
-        <p:spPr>
-          <a:xfrm>
-            <a:off x="0" y="0"/>
-            <a:ext cx="9144000" cy="1092607"/>
-          </a:xfrm>
-          <a:prstGeom prst="rect">
-            <a:avLst/>
-          </a:prstGeom>
-        </p:spPr>
-        <p:txBody>
-          <a:bodyPr wrap="square">
-            <a:spAutoFit/>
-          </a:bodyPr>
-          <a:lstStyle/>
-          <a:p>
-            <a:pPr algn="ctr"/>
-            <a:endParaRPr lang="en-US" sz="4000" b="1" dirty="0"/>
-          </a:p>
-          <a:p>
-            <a:pPr marL="1657350" lvl="2" indent="-742950">
-              <a:buFont typeface="Arial" panose="020B0604020202020204" pitchFamily="34" charset="0"/>
-              <a:buChar char="•"/>
-            </a:pPr>
-            <a:endParaRPr lang="en-US" sz="2500" dirty="0" smtClean="0"/>
-          </a:p>
-        </p:txBody>
-      </p:sp>
-      <p:sp>
-        <p:nvSpPr>
           <p:cNvPr id="8" name="Rectangle 7"/>
           <p:cNvSpPr/>
           <p:nvPr/>
@@ -9754,6 +11874,47 @@
           <a:p>
             <a:pPr algn="ctr"/>
             <a:endParaRPr lang="en-US" dirty="0"/>
+          </a:p>
+        </p:txBody>
+      </p:sp>
+      <p:sp>
+        <p:nvSpPr>
+          <p:cNvPr id="17" name="Rectangle 16"/>
+          <p:cNvSpPr/>
+          <p:nvPr/>
+        </p:nvSpPr>
+        <p:spPr>
+          <a:xfrm>
+            <a:off x="0" y="0"/>
+            <a:ext cx="9144000" cy="1631216"/>
+          </a:xfrm>
+          <a:prstGeom prst="rect">
+            <a:avLst/>
+          </a:prstGeom>
+        </p:spPr>
+        <p:txBody>
+          <a:bodyPr wrap="square">
+            <a:spAutoFit/>
+          </a:bodyPr>
+          <a:lstStyle/>
+          <a:p>
+            <a:pPr algn="ctr"/>
+            <a:endParaRPr lang="en-US" sz="4000" b="1" dirty="0"/>
+          </a:p>
+          <a:p>
+            <a:pPr lvl="1"/>
+            <a:r>
+              <a:rPr lang="en-AU" sz="3500" b="1" dirty="0" smtClean="0"/>
+              <a:t>Coordinate systems</a:t>
+            </a:r>
+            <a:endParaRPr lang="en-US" sz="3500" b="1" dirty="0" smtClean="0"/>
+          </a:p>
+          <a:p>
+            <a:pPr marL="1657350" lvl="2" indent="-742950">
+              <a:buFont typeface="Arial" panose="020B0604020202020204" pitchFamily="34" charset="0"/>
+              <a:buChar char="•"/>
+            </a:pPr>
+            <a:endParaRPr lang="en-US" sz="2500" dirty="0" smtClean="0"/>
           </a:p>
         </p:txBody>
       </p:sp>
